--- a/advertising_presentation.pptx
+++ b/advertising_presentation.pptx
@@ -5,25 +5,24 @@
     <p:sldMasterId id="2147483648" r:id="rId1"/>
   </p:sldMasterIdLst>
   <p:notesMasterIdLst>
-    <p:notesMasterId r:id="rId15"/>
+    <p:notesMasterId r:id="rId14"/>
   </p:notesMasterIdLst>
   <p:handoutMasterIdLst>
-    <p:handoutMasterId r:id="rId16"/>
+    <p:handoutMasterId r:id="rId15"/>
   </p:handoutMasterIdLst>
   <p:sldIdLst>
     <p:sldId id="256" r:id="rId2"/>
     <p:sldId id="257" r:id="rId3"/>
-    <p:sldId id="258" r:id="rId4"/>
-    <p:sldId id="260" r:id="rId5"/>
-    <p:sldId id="290" r:id="rId6"/>
-    <p:sldId id="264" r:id="rId7"/>
-    <p:sldId id="271" r:id="rId8"/>
-    <p:sldId id="272" r:id="rId9"/>
-    <p:sldId id="295" r:id="rId10"/>
-    <p:sldId id="293" r:id="rId11"/>
-    <p:sldId id="294" r:id="rId12"/>
+    <p:sldId id="260" r:id="rId4"/>
+    <p:sldId id="294" r:id="rId5"/>
+    <p:sldId id="264" r:id="rId6"/>
+    <p:sldId id="295" r:id="rId7"/>
+    <p:sldId id="296" r:id="rId8"/>
+    <p:sldId id="297" r:id="rId9"/>
+    <p:sldId id="298" r:id="rId10"/>
+    <p:sldId id="271" r:id="rId11"/>
+    <p:sldId id="293" r:id="rId12"/>
     <p:sldId id="289" r:id="rId13"/>
-    <p:sldId id="288" r:id="rId14"/>
   </p:sldIdLst>
   <p:sldSz cx="9144000" cy="6858000" type="screen4x3"/>
   <p:notesSz cx="6669088" cy="9928225"/>
@@ -1851,7 +1850,7 @@
             <a:fld id="{AF277DBB-4E58-4C67-A2CD-2F1D5D299867}" type="slidenum">
               <a:rPr lang="it-IT" altLang="en-US"/>
               <a:pPr/>
-              <a:t>3</a:t>
+              <a:t>10</a:t>
             </a:fld>
             <a:endParaRPr lang="it-IT" altLang="en-US"/>
           </a:p>
@@ -1914,7 +1913,7 @@
     </p:spTree>
     <p:extLst>
       <p:ext uri="{BB962C8B-B14F-4D97-AF65-F5344CB8AC3E}">
-        <p14:creationId xmlns:p14="http://schemas.microsoft.com/office/powerpoint/2010/main" val="1754367845"/>
+        <p14:creationId xmlns:p14="http://schemas.microsoft.com/office/powerpoint/2010/main" val="1792574386"/>
       </p:ext>
     </p:extLst>
   </p:cSld>
@@ -1967,239 +1966,7 @@
             <a:fld id="{AF277DBB-4E58-4C67-A2CD-2F1D5D299867}" type="slidenum">
               <a:rPr lang="it-IT" altLang="en-US"/>
               <a:pPr/>
-              <a:t>5</a:t>
-            </a:fld>
-            <a:endParaRPr lang="it-IT" altLang="en-US"/>
-          </a:p>
-        </p:txBody>
-      </p:sp>
-      <p:sp>
-        <p:nvSpPr>
-          <p:cNvPr id="45058" name="Rectangle 2">
-            <a:extLst>
-              <a:ext uri="{FF2B5EF4-FFF2-40B4-BE49-F238E27FC236}">
-                <a16:creationId xmlns:a16="http://schemas.microsoft.com/office/drawing/2014/main" id="{A5D84FAA-A66D-46F2-AB9F-1F610E3F9C3F}"/>
-              </a:ext>
-            </a:extLst>
-          </p:cNvPr>
-          <p:cNvSpPr>
-            <a:spLocks noGrp="1" noRot="1" noChangeAspect="1" noChangeArrowheads="1" noTextEdit="1"/>
-          </p:cNvSpPr>
-          <p:nvPr>
-            <p:ph type="sldImg"/>
-          </p:nvPr>
-        </p:nvSpPr>
-        <p:spPr>
-          <a:xfrm>
-            <a:off x="625475" y="803275"/>
-            <a:ext cx="5360988" cy="4021138"/>
-          </a:xfrm>
-          <a:ln/>
-        </p:spPr>
-      </p:sp>
-      <p:sp>
-        <p:nvSpPr>
-          <p:cNvPr id="45059" name="Rectangle 3">
-            <a:extLst>
-              <a:ext uri="{FF2B5EF4-FFF2-40B4-BE49-F238E27FC236}">
-                <a16:creationId xmlns:a16="http://schemas.microsoft.com/office/drawing/2014/main" id="{321772FB-65CD-4540-A5E5-CFFD77B5FF88}"/>
-              </a:ext>
-            </a:extLst>
-          </p:cNvPr>
-          <p:cNvSpPr>
-            <a:spLocks noGrp="1" noChangeArrowheads="1"/>
-          </p:cNvSpPr>
-          <p:nvPr>
-            <p:ph type="body" idx="1"/>
-          </p:nvPr>
-        </p:nvSpPr>
-        <p:spPr>
-          <a:xfrm>
-            <a:off x="881063" y="5091113"/>
-            <a:ext cx="4846637" cy="4824412"/>
-          </a:xfrm>
-        </p:spPr>
-        <p:txBody>
-          <a:bodyPr/>
-          <a:lstStyle/>
-          <a:p>
-            <a:endParaRPr lang="it-IT" altLang="en-US"/>
-          </a:p>
-        </p:txBody>
-      </p:sp>
-    </p:spTree>
-    <p:extLst>
-      <p:ext uri="{BB962C8B-B14F-4D97-AF65-F5344CB8AC3E}">
-        <p14:creationId xmlns:p14="http://schemas.microsoft.com/office/powerpoint/2010/main" val="2200940244"/>
-      </p:ext>
-    </p:extLst>
-  </p:cSld>
-  <p:clrMapOvr>
-    <a:masterClrMapping/>
-  </p:clrMapOvr>
-</p:notes>
-</file>
-
-<file path=ppt/notesSlides/notesSlide4.xml><?xml version="1.0" encoding="utf-8"?>
-<p:notes xmlns:a="http://schemas.openxmlformats.org/drawingml/2006/main" xmlns:r="http://schemas.openxmlformats.org/officeDocument/2006/relationships" xmlns:p="http://schemas.openxmlformats.org/presentationml/2006/main">
-  <p:cSld>
-    <p:spTree>
-      <p:nvGrpSpPr>
-        <p:cNvPr id="1" name=""/>
-        <p:cNvGrpSpPr/>
-        <p:nvPr/>
-      </p:nvGrpSpPr>
-      <p:grpSpPr>
-        <a:xfrm>
-          <a:off x="0" y="0"/>
-          <a:ext cx="0" cy="0"/>
-          <a:chOff x="0" y="0"/>
-          <a:chExt cx="0" cy="0"/>
-        </a:xfrm>
-      </p:grpSpPr>
-      <p:sp>
-        <p:nvSpPr>
-          <p:cNvPr id="4" name="Rectangle 7">
-            <a:extLst>
-              <a:ext uri="{FF2B5EF4-FFF2-40B4-BE49-F238E27FC236}">
-                <a16:creationId xmlns:a16="http://schemas.microsoft.com/office/drawing/2014/main" id="{54B452F9-68C9-4F43-A513-7473FA7F3582}"/>
-              </a:ext>
-            </a:extLst>
-          </p:cNvPr>
-          <p:cNvSpPr>
-            <a:spLocks noGrp="1" noChangeArrowheads="1"/>
-          </p:cNvSpPr>
-          <p:nvPr>
-            <p:ph type="sldNum" sz="quarter" idx="5"/>
-          </p:nvPr>
-        </p:nvSpPr>
-        <p:spPr>
-          <a:ln/>
-        </p:spPr>
-        <p:txBody>
-          <a:bodyPr/>
-          <a:lstStyle/>
-          <a:p>
-            <a:fld id="{AF277DBB-4E58-4C67-A2CD-2F1D5D299867}" type="slidenum">
-              <a:rPr lang="it-IT" altLang="en-US"/>
-              <a:pPr/>
-              <a:t>7</a:t>
-            </a:fld>
-            <a:endParaRPr lang="it-IT" altLang="en-US"/>
-          </a:p>
-        </p:txBody>
-      </p:sp>
-      <p:sp>
-        <p:nvSpPr>
-          <p:cNvPr id="45058" name="Rectangle 2">
-            <a:extLst>
-              <a:ext uri="{FF2B5EF4-FFF2-40B4-BE49-F238E27FC236}">
-                <a16:creationId xmlns:a16="http://schemas.microsoft.com/office/drawing/2014/main" id="{A5D84FAA-A66D-46F2-AB9F-1F610E3F9C3F}"/>
-              </a:ext>
-            </a:extLst>
-          </p:cNvPr>
-          <p:cNvSpPr>
-            <a:spLocks noGrp="1" noRot="1" noChangeAspect="1" noChangeArrowheads="1" noTextEdit="1"/>
-          </p:cNvSpPr>
-          <p:nvPr>
-            <p:ph type="sldImg"/>
-          </p:nvPr>
-        </p:nvSpPr>
-        <p:spPr>
-          <a:xfrm>
-            <a:off x="625475" y="803275"/>
-            <a:ext cx="5360988" cy="4021138"/>
-          </a:xfrm>
-          <a:ln/>
-        </p:spPr>
-      </p:sp>
-      <p:sp>
-        <p:nvSpPr>
-          <p:cNvPr id="45059" name="Rectangle 3">
-            <a:extLst>
-              <a:ext uri="{FF2B5EF4-FFF2-40B4-BE49-F238E27FC236}">
-                <a16:creationId xmlns:a16="http://schemas.microsoft.com/office/drawing/2014/main" id="{321772FB-65CD-4540-A5E5-CFFD77B5FF88}"/>
-              </a:ext>
-            </a:extLst>
-          </p:cNvPr>
-          <p:cNvSpPr>
-            <a:spLocks noGrp="1" noChangeArrowheads="1"/>
-          </p:cNvSpPr>
-          <p:nvPr>
-            <p:ph type="body" idx="1"/>
-          </p:nvPr>
-        </p:nvSpPr>
-        <p:spPr>
-          <a:xfrm>
-            <a:off x="881063" y="5091113"/>
-            <a:ext cx="4846637" cy="4824412"/>
-          </a:xfrm>
-        </p:spPr>
-        <p:txBody>
-          <a:bodyPr/>
-          <a:lstStyle/>
-          <a:p>
-            <a:endParaRPr lang="it-IT" altLang="en-US"/>
-          </a:p>
-        </p:txBody>
-      </p:sp>
-    </p:spTree>
-    <p:extLst>
-      <p:ext uri="{BB962C8B-B14F-4D97-AF65-F5344CB8AC3E}">
-        <p14:creationId xmlns:p14="http://schemas.microsoft.com/office/powerpoint/2010/main" val="1792574386"/>
-      </p:ext>
-    </p:extLst>
-  </p:cSld>
-  <p:clrMapOvr>
-    <a:masterClrMapping/>
-  </p:clrMapOvr>
-</p:notes>
-</file>
-
-<file path=ppt/notesSlides/notesSlide5.xml><?xml version="1.0" encoding="utf-8"?>
-<p:notes xmlns:a="http://schemas.openxmlformats.org/drawingml/2006/main" xmlns:r="http://schemas.openxmlformats.org/officeDocument/2006/relationships" xmlns:p="http://schemas.openxmlformats.org/presentationml/2006/main">
-  <p:cSld>
-    <p:spTree>
-      <p:nvGrpSpPr>
-        <p:cNvPr id="1" name=""/>
-        <p:cNvGrpSpPr/>
-        <p:nvPr/>
-      </p:nvGrpSpPr>
-      <p:grpSpPr>
-        <a:xfrm>
-          <a:off x="0" y="0"/>
-          <a:ext cx="0" cy="0"/>
-          <a:chOff x="0" y="0"/>
-          <a:chExt cx="0" cy="0"/>
-        </a:xfrm>
-      </p:grpSpPr>
-      <p:sp>
-        <p:nvSpPr>
-          <p:cNvPr id="4" name="Rectangle 7">
-            <a:extLst>
-              <a:ext uri="{FF2B5EF4-FFF2-40B4-BE49-F238E27FC236}">
-                <a16:creationId xmlns:a16="http://schemas.microsoft.com/office/drawing/2014/main" id="{54B452F9-68C9-4F43-A513-7473FA7F3582}"/>
-              </a:ext>
-            </a:extLst>
-          </p:cNvPr>
-          <p:cNvSpPr>
-            <a:spLocks noGrp="1" noChangeArrowheads="1"/>
-          </p:cNvSpPr>
-          <p:nvPr>
-            <p:ph type="sldNum" sz="quarter" idx="5"/>
-          </p:nvPr>
-        </p:nvSpPr>
-        <p:spPr>
-          <a:ln/>
-        </p:spPr>
-        <p:txBody>
-          <a:bodyPr/>
-          <a:lstStyle/>
-          <a:p>
-            <a:fld id="{AF277DBB-4E58-4C67-A2CD-2F1D5D299867}" type="slidenum">
-              <a:rPr lang="it-IT" altLang="en-US"/>
-              <a:pPr/>
-              <a:t>10</a:t>
+              <a:t>11</a:t>
             </a:fld>
             <a:endParaRPr lang="it-IT" altLang="en-US"/>
           </a:p>
@@ -2272,7 +2039,7 @@
 </p:notes>
 </file>
 
-<file path=ppt/notesSlides/notesSlide6.xml><?xml version="1.0" encoding="utf-8"?>
+<file path=ppt/notesSlides/notesSlide4.xml><?xml version="1.0" encoding="utf-8"?>
 <p:notes xmlns:a="http://schemas.openxmlformats.org/drawingml/2006/main" xmlns:r="http://schemas.openxmlformats.org/officeDocument/2006/relationships" xmlns:p="http://schemas.openxmlformats.org/presentationml/2006/main">
   <p:cSld>
     <p:spTree>
@@ -6119,7 +5886,7 @@
         <p:spPr bwMode="auto">
           <a:xfrm>
             <a:off x="1763688" y="4581128"/>
-            <a:ext cx="6248400" cy="492443"/>
+            <a:ext cx="6248400" cy="815608"/>
           </a:xfrm>
           <a:prstGeom prst="rect">
             <a:avLst/>
@@ -6177,21 +5944,83 @@
                 <a:latin typeface="Arial"/>
                 <a:cs typeface="Arial"/>
               </a:rPr>
-              <a:t>CGPTS vs CGTS</a:t>
-            </a:r>
-            <a:endParaRPr lang="it-IT" altLang="en-US" sz="3200" b="1" dirty="0">
-              <a:solidFill>
-                <a:srgbClr val="003F6E"/>
-              </a:solidFill>
-              <a:cs typeface="Arial"/>
-            </a:endParaRPr>
+              <a:t>CGPTS</a:t>
+            </a:r>
+            <a:endParaRPr lang="it-IT" dirty="0"/>
+          </a:p>
+          <a:p>
+            <a:pPr algn="l">
+              <a:spcBef>
+                <a:spcPct val="50000"/>
+              </a:spcBef>
+            </a:pPr>
+            <a:r>
+              <a:rPr lang="it-IT" sz="1400" b="1" dirty="0" err="1">
+                <a:solidFill>
+                  <a:srgbClr val="003F6E"/>
+                </a:solidFill>
+                <a:latin typeface="Arial"/>
+                <a:cs typeface="Arial"/>
+              </a:rPr>
+              <a:t>Combinatorial</a:t>
+            </a:r>
+            <a:r>
+              <a:rPr lang="it-IT" sz="1400" b="1" dirty="0">
+                <a:solidFill>
+                  <a:srgbClr val="003F6E"/>
+                </a:solidFill>
+                <a:latin typeface="Arial"/>
+                <a:cs typeface="Arial"/>
+              </a:rPr>
+              <a:t> </a:t>
+            </a:r>
+            <a:r>
+              <a:rPr lang="it-IT" sz="1400" b="1" dirty="0" err="1">
+                <a:solidFill>
+                  <a:srgbClr val="003F6E"/>
+                </a:solidFill>
+                <a:latin typeface="Arial"/>
+                <a:cs typeface="Arial"/>
+              </a:rPr>
+              <a:t>Gaussian</a:t>
+            </a:r>
+            <a:r>
+              <a:rPr lang="it-IT" sz="1400" b="1" dirty="0">
+                <a:solidFill>
+                  <a:srgbClr val="003F6E"/>
+                </a:solidFill>
+                <a:latin typeface="Arial"/>
+                <a:cs typeface="Arial"/>
+              </a:rPr>
+              <a:t> </a:t>
+            </a:r>
+            <a:r>
+              <a:rPr lang="it-IT" sz="1400" b="1" dirty="0" err="1">
+                <a:solidFill>
+                  <a:srgbClr val="003F6E"/>
+                </a:solidFill>
+                <a:latin typeface="Arial"/>
+                <a:cs typeface="Arial"/>
+              </a:rPr>
+              <a:t>Process</a:t>
+            </a:r>
+            <a:r>
+              <a:rPr lang="it-IT" sz="1400" b="1" dirty="0">
+                <a:solidFill>
+                  <a:srgbClr val="003F6E"/>
+                </a:solidFill>
+                <a:latin typeface="Arial"/>
+                <a:cs typeface="Arial"/>
+              </a:rPr>
+              <a:t> Thompson Sampling</a:t>
+            </a:r>
           </a:p>
         </p:txBody>
       </p:sp>
     </p:spTree>
     <p:extLst>
       <p:ext uri="{BB962C8B-B14F-4D97-AF65-F5344CB8AC3E}">
-        <p14:creationId xmlns:p14="http://schemas.microsoft.com/office/powerpoint/2010/main" val="206376812"/>
+        <p14:creationId xmlns:p14="http://schemas.microsoft.com/office/powerpoint/2010/main" val="285694480"/>
       </p:ext>
     </p:extLst>
   </p:cSld>
@@ -6202,197 +6031,6 @@
 </file>
 
 <file path=ppt/slides/slide11.xml><?xml version="1.0" encoding="utf-8"?>
-<p:sld xmlns:a="http://schemas.openxmlformats.org/drawingml/2006/main" xmlns:r="http://schemas.openxmlformats.org/officeDocument/2006/relationships" xmlns:p="http://schemas.openxmlformats.org/presentationml/2006/main">
-  <p:cSld>
-    <p:spTree>
-      <p:nvGrpSpPr>
-        <p:cNvPr id="1" name=""/>
-        <p:cNvGrpSpPr/>
-        <p:nvPr/>
-      </p:nvGrpSpPr>
-      <p:grpSpPr>
-        <a:xfrm>
-          <a:off x="0" y="0"/>
-          <a:ext cx="0" cy="0"/>
-          <a:chOff x="0" y="0"/>
-          <a:chExt cx="0" cy="0"/>
-        </a:xfrm>
-      </p:grpSpPr>
-      <p:sp>
-        <p:nvSpPr>
-          <p:cNvPr id="2" name="Titolo 1">
-            <a:extLst>
-              <a:ext uri="{FF2B5EF4-FFF2-40B4-BE49-F238E27FC236}">
-                <a16:creationId xmlns:a16="http://schemas.microsoft.com/office/drawing/2014/main" id="{4BE247A2-758D-4AC6-BF37-E19A51583476}"/>
-              </a:ext>
-            </a:extLst>
-          </p:cNvPr>
-          <p:cNvSpPr>
-            <a:spLocks noGrp="1"/>
-          </p:cNvSpPr>
-          <p:nvPr>
-            <p:ph type="title"/>
-          </p:nvPr>
-        </p:nvSpPr>
-        <p:spPr/>
-        <p:txBody>
-          <a:bodyPr/>
-          <a:lstStyle/>
-          <a:p>
-            <a:r>
-              <a:rPr lang="en-GB" dirty="0">
-                <a:cs typeface="Arial"/>
-              </a:rPr>
-              <a:t>Application Start UI Design</a:t>
-            </a:r>
-          </a:p>
-        </p:txBody>
-      </p:sp>
-      <p:sp>
-        <p:nvSpPr>
-          <p:cNvPr id="4" name="Segnaposto numero diapositiva 3">
-            <a:extLst>
-              <a:ext uri="{FF2B5EF4-FFF2-40B4-BE49-F238E27FC236}">
-                <a16:creationId xmlns:a16="http://schemas.microsoft.com/office/drawing/2014/main" id="{1F42B96A-DC32-40CE-A5BB-9155421755F6}"/>
-              </a:ext>
-            </a:extLst>
-          </p:cNvPr>
-          <p:cNvSpPr>
-            <a:spLocks noGrp="1"/>
-          </p:cNvSpPr>
-          <p:nvPr>
-            <p:ph type="sldNum" sz="quarter" idx="10"/>
-          </p:nvPr>
-        </p:nvSpPr>
-        <p:spPr/>
-        <p:txBody>
-          <a:bodyPr/>
-          <a:lstStyle/>
-          <a:p>
-            <a:fld id="{FE575B20-646B-44A6-B32B-8B9F7AC502D9}" type="slidenum">
-              <a:rPr lang="it-IT" altLang="en-US" smtClean="0"/>
-              <a:pPr/>
-              <a:t>11</a:t>
-            </a:fld>
-            <a:endParaRPr lang="it-IT" altLang="en-US"/>
-          </a:p>
-        </p:txBody>
-      </p:sp>
-      <p:pic>
-        <p:nvPicPr>
-          <p:cNvPr id="5" name="Immagine 5" descr="Immagine che contiene screenshot&#10;&#10;Descrizione generata con affidabilità molto elevata">
-            <a:extLst>
-              <a:ext uri="{FF2B5EF4-FFF2-40B4-BE49-F238E27FC236}">
-                <a16:creationId xmlns:a16="http://schemas.microsoft.com/office/drawing/2014/main" id="{81F7D0D6-C0A6-430F-B0B1-5956E2898135}"/>
-              </a:ext>
-            </a:extLst>
-          </p:cNvPr>
-          <p:cNvPicPr>
-            <a:picLocks noChangeAspect="1"/>
-          </p:cNvPicPr>
-          <p:nvPr/>
-        </p:nvPicPr>
-        <p:blipFill>
-          <a:blip r:embed="rId2"/>
-          <a:stretch>
-            <a:fillRect/>
-          </a:stretch>
-        </p:blipFill>
-        <p:spPr>
-          <a:xfrm>
-            <a:off x="1403648" y="1209218"/>
-            <a:ext cx="6624736" cy="5244119"/>
-          </a:xfrm>
-          <a:prstGeom prst="rect">
-            <a:avLst/>
-          </a:prstGeom>
-        </p:spPr>
-      </p:pic>
-      <p:sp>
-        <p:nvSpPr>
-          <p:cNvPr id="3" name="Fumetto: rettangolo con angoli arrotondati 2">
-            <a:extLst>
-              <a:ext uri="{FF2B5EF4-FFF2-40B4-BE49-F238E27FC236}">
-                <a16:creationId xmlns:a16="http://schemas.microsoft.com/office/drawing/2014/main" id="{28A04269-AE21-4B87-973F-2F46BCC78228}"/>
-              </a:ext>
-            </a:extLst>
-          </p:cNvPr>
-          <p:cNvSpPr/>
-          <p:nvPr/>
-        </p:nvSpPr>
-        <p:spPr bwMode="auto">
-          <a:xfrm>
-            <a:off x="2370820" y="1196752"/>
-            <a:ext cx="2592288" cy="576064"/>
-          </a:xfrm>
-          <a:prstGeom prst="wedgeRoundRectCallout">
-            <a:avLst>
-              <a:gd name="adj1" fmla="val -70077"/>
-              <a:gd name="adj2" fmla="val 52579"/>
-              <a:gd name="adj3" fmla="val 16667"/>
-            </a:avLst>
-          </a:prstGeom>
-          <a:solidFill>
-            <a:srgbClr val="FFCD4A">
-              <a:alpha val="50000"/>
-            </a:srgbClr>
-          </a:solidFill>
-          <a:ln>
-            <a:noFill/>
-          </a:ln>
-          <a:effectLst/>
-        </p:spPr>
-        <p:txBody>
-          <a:bodyPr vert="horz" wrap="square" lIns="0" tIns="0" rIns="0" bIns="0" numCol="1" rtlCol="0" anchor="t" anchorCtr="0" compatLnSpc="1">
-            <a:prstTxWarp prst="textNoShape">
-              <a:avLst/>
-            </a:prstTxWarp>
-          </a:bodyPr>
-          <a:lstStyle/>
-          <a:p>
-            <a:pPr marL="0" marR="0" indent="0" algn="ctr" defTabSz="914400" rtl="0" eaLnBrk="0" fontAlgn="base" latinLnBrk="0" hangingPunct="0">
-              <a:lnSpc>
-                <a:spcPct val="100000"/>
-              </a:lnSpc>
-              <a:spcBef>
-                <a:spcPct val="20000"/>
-              </a:spcBef>
-              <a:spcAft>
-                <a:spcPct val="0"/>
-              </a:spcAft>
-              <a:buClrTx/>
-              <a:buSzTx/>
-              <a:buFontTx/>
-              <a:buNone/>
-              <a:tabLst/>
-            </a:pPr>
-            <a:r>
-              <a:rPr lang="en-GB" sz="1800" dirty="0">
-                <a:solidFill>
-                  <a:srgbClr val="003F6E"/>
-                </a:solidFill>
-                <a:latin typeface="Calibri"/>
-                <a:cs typeface="Calibri"/>
-              </a:rPr>
-              <a:t>Checks whether a user is already signed-in or not</a:t>
-            </a:r>
-          </a:p>
-        </p:txBody>
-      </p:sp>
-    </p:spTree>
-    <p:extLst>
-      <p:ext uri="{BB962C8B-B14F-4D97-AF65-F5344CB8AC3E}">
-        <p14:creationId xmlns:p14="http://schemas.microsoft.com/office/powerpoint/2010/main" val="3176093941"/>
-      </p:ext>
-    </p:extLst>
-  </p:cSld>
-  <p:clrMapOvr>
-    <a:masterClrMapping/>
-  </p:clrMapOvr>
-</p:sld>
-</file>
-
-<file path=ppt/slides/slide12.xml><?xml version="1.0" encoding="utf-8"?>
 <p:sld xmlns:a="http://schemas.openxmlformats.org/drawingml/2006/main" xmlns:r="http://schemas.openxmlformats.org/officeDocument/2006/relationships" xmlns:p="http://schemas.openxmlformats.org/presentationml/2006/main">
   <p:cSld>
     <p:spTree>
@@ -6484,19 +6122,9 @@
                 <a:latin typeface="Arial"/>
                 <a:cs typeface="Arial"/>
               </a:rPr>
-              <a:t>CGPTS </a:t>
-            </a:r>
-            <a:r>
-              <a:rPr lang="it-IT" altLang="en-US" sz="3200" b="1" dirty="0" err="1">
-                <a:solidFill>
-                  <a:srgbClr val="003F6E"/>
-                </a:solidFill>
-                <a:latin typeface="Arial"/>
-                <a:cs typeface="Arial"/>
-              </a:rPr>
-              <a:t>Disaggregation</a:t>
-            </a:r>
-            <a:endParaRPr lang="it-IT" altLang="en-US" sz="3200" b="1" dirty="0" err="1">
+              <a:t>CGPTS vs CGTS</a:t>
+            </a:r>
+            <a:endParaRPr lang="it-IT" altLang="en-US" sz="3200" b="1" dirty="0">
               <a:solidFill>
                 <a:srgbClr val="003F6E"/>
               </a:solidFill>
@@ -6508,7 +6136,7 @@
     </p:spTree>
     <p:extLst>
       <p:ext uri="{BB962C8B-B14F-4D97-AF65-F5344CB8AC3E}">
-        <p14:creationId xmlns:p14="http://schemas.microsoft.com/office/powerpoint/2010/main" val="742386879"/>
+        <p14:creationId xmlns:p14="http://schemas.microsoft.com/office/powerpoint/2010/main" val="206376812"/>
       </p:ext>
     </p:extLst>
   </p:cSld>
@@ -6518,579 +6146,7 @@
 </p:sld>
 </file>
 
-<file path=ppt/slides/slide13.xml><?xml version="1.0" encoding="utf-8"?>
-<p:sld xmlns:a="http://schemas.openxmlformats.org/drawingml/2006/main" xmlns:r="http://schemas.openxmlformats.org/officeDocument/2006/relationships" xmlns:p="http://schemas.openxmlformats.org/presentationml/2006/main">
-  <p:cSld>
-    <p:spTree>
-      <p:nvGrpSpPr>
-        <p:cNvPr id="1" name=""/>
-        <p:cNvGrpSpPr/>
-        <p:nvPr/>
-      </p:nvGrpSpPr>
-      <p:grpSpPr>
-        <a:xfrm>
-          <a:off x="0" y="0"/>
-          <a:ext cx="0" cy="0"/>
-          <a:chOff x="0" y="0"/>
-          <a:chExt cx="0" cy="0"/>
-        </a:xfrm>
-      </p:grpSpPr>
-      <p:sp>
-        <p:nvSpPr>
-          <p:cNvPr id="2" name="Titolo 1">
-            <a:extLst>
-              <a:ext uri="{FF2B5EF4-FFF2-40B4-BE49-F238E27FC236}">
-                <a16:creationId xmlns:a16="http://schemas.microsoft.com/office/drawing/2014/main" id="{70B5FF66-A04B-40FC-940F-F4CFEC092523}"/>
-              </a:ext>
-            </a:extLst>
-          </p:cNvPr>
-          <p:cNvSpPr>
-            <a:spLocks noGrp="1"/>
-          </p:cNvSpPr>
-          <p:nvPr>
-            <p:ph type="title"/>
-          </p:nvPr>
-        </p:nvSpPr>
-        <p:spPr/>
-        <p:txBody>
-          <a:bodyPr/>
-          <a:lstStyle/>
-          <a:p>
-            <a:r>
-              <a:rPr lang="en-GB" dirty="0"/>
-              <a:t>Unit Test</a:t>
-            </a:r>
-          </a:p>
-        </p:txBody>
-      </p:sp>
-      <p:sp>
-        <p:nvSpPr>
-          <p:cNvPr id="13" name="Segnaposto contenuto 12">
-            <a:extLst>
-              <a:ext uri="{FF2B5EF4-FFF2-40B4-BE49-F238E27FC236}">
-                <a16:creationId xmlns:a16="http://schemas.microsoft.com/office/drawing/2014/main" id="{ACFAC886-BCD4-4A22-A6CE-2BF95053A012}"/>
-              </a:ext>
-            </a:extLst>
-          </p:cNvPr>
-          <p:cNvSpPr>
-            <a:spLocks noGrp="1"/>
-          </p:cNvSpPr>
-          <p:nvPr>
-            <p:ph sz="half" idx="1"/>
-          </p:nvPr>
-        </p:nvSpPr>
-        <p:spPr>
-          <a:xfrm>
-            <a:off x="719138" y="1076325"/>
-            <a:ext cx="7712989" cy="4203916"/>
-          </a:xfrm>
-        </p:spPr>
-        <p:txBody>
-          <a:bodyPr/>
-          <a:lstStyle/>
-          <a:p>
-            <a:pPr marL="457200" indent="-457200">
-              <a:buFont typeface="Arial"/>
-              <a:buChar char="•"/>
-            </a:pPr>
-            <a:endParaRPr lang="it-IT" sz="2800" b="1" dirty="0">
-              <a:solidFill>
-                <a:srgbClr val="003F6E"/>
-              </a:solidFill>
-              <a:latin typeface="Calibri"/>
-              <a:cs typeface="Calibri"/>
-            </a:endParaRPr>
-          </a:p>
-          <a:p>
-            <a:pPr marL="457200" indent="-457200">
-              <a:buFont typeface="Arial"/>
-              <a:buChar char="•"/>
-            </a:pPr>
-            <a:r>
-              <a:rPr lang="it-IT" sz="2800" b="1" dirty="0">
-                <a:solidFill>
-                  <a:srgbClr val="003F6E"/>
-                </a:solidFill>
-                <a:latin typeface="Calibri"/>
-                <a:cs typeface="Calibri"/>
-              </a:rPr>
-              <a:t>Local </a:t>
-            </a:r>
-            <a:r>
-              <a:rPr lang="it-IT" sz="2800" b="1" dirty="0" err="1">
-                <a:solidFill>
-                  <a:srgbClr val="003F6E"/>
-                </a:solidFill>
-                <a:latin typeface="Calibri"/>
-                <a:cs typeface="Calibri"/>
-              </a:rPr>
-              <a:t>tests</a:t>
-            </a:r>
-            <a:r>
-              <a:rPr lang="it-IT" sz="2800" b="1" dirty="0">
-                <a:solidFill>
-                  <a:srgbClr val="003F6E"/>
-                </a:solidFill>
-                <a:latin typeface="Calibri"/>
-                <a:cs typeface="Calibri"/>
-              </a:rPr>
-              <a:t>: </a:t>
-            </a:r>
-            <a:r>
-              <a:rPr lang="it-IT" sz="2800" dirty="0" err="1">
-                <a:solidFill>
-                  <a:srgbClr val="003F6E"/>
-                </a:solidFill>
-                <a:latin typeface="Calibri"/>
-                <a:cs typeface="Calibri"/>
-              </a:rPr>
-              <a:t>used</a:t>
-            </a:r>
-            <a:r>
-              <a:rPr lang="it-IT" sz="2800" dirty="0">
-                <a:solidFill>
-                  <a:srgbClr val="003F6E"/>
-                </a:solidFill>
-                <a:latin typeface="Calibri"/>
-                <a:cs typeface="Calibri"/>
-              </a:rPr>
-              <a:t> to test </a:t>
-            </a:r>
-            <a:r>
-              <a:rPr lang="it-IT" sz="2800" dirty="0" err="1">
-                <a:solidFill>
-                  <a:srgbClr val="003F6E"/>
-                </a:solidFill>
-                <a:latin typeface="Calibri"/>
-                <a:cs typeface="Calibri"/>
-              </a:rPr>
-              <a:t>local</a:t>
-            </a:r>
-            <a:r>
-              <a:rPr lang="it-IT" sz="2800" dirty="0">
-                <a:solidFill>
-                  <a:srgbClr val="003F6E"/>
-                </a:solidFill>
-                <a:latin typeface="Calibri"/>
-                <a:cs typeface="Calibri"/>
-              </a:rPr>
-              <a:t> classes </a:t>
-            </a:r>
-            <a:r>
-              <a:rPr lang="it-IT" sz="2800" dirty="0" err="1">
-                <a:solidFill>
-                  <a:srgbClr val="003F6E"/>
-                </a:solidFill>
-                <a:latin typeface="Calibri"/>
-                <a:cs typeface="Calibri"/>
-              </a:rPr>
-              <a:t>functionalities</a:t>
-            </a:r>
-            <a:endParaRPr lang="it-IT" sz="2800" dirty="0">
-              <a:solidFill>
-                <a:srgbClr val="003F6E"/>
-              </a:solidFill>
-              <a:latin typeface="Calibri"/>
-              <a:cs typeface="Calibri"/>
-            </a:endParaRPr>
-          </a:p>
-          <a:p>
-            <a:pPr marL="457200" indent="-457200">
-              <a:buFont typeface="Arial"/>
-              <a:buChar char="•"/>
-            </a:pPr>
-            <a:endParaRPr lang="it-IT" sz="2800" dirty="0">
-              <a:solidFill>
-                <a:srgbClr val="003F6E"/>
-              </a:solidFill>
-              <a:latin typeface="Calibri"/>
-              <a:cs typeface="Calibri"/>
-            </a:endParaRPr>
-          </a:p>
-          <a:p>
-            <a:pPr marL="457200" indent="-457200">
-              <a:buFont typeface="Arial"/>
-              <a:buChar char="•"/>
-            </a:pPr>
-            <a:r>
-              <a:rPr lang="it-IT" sz="2800" b="1" dirty="0">
-                <a:solidFill>
-                  <a:srgbClr val="003F6E"/>
-                </a:solidFill>
-                <a:latin typeface="Calibri"/>
-                <a:cs typeface="Calibri"/>
-              </a:rPr>
-              <a:t>Tools:</a:t>
-            </a:r>
-            <a:r>
-              <a:rPr lang="it-IT" sz="2800" dirty="0">
-                <a:solidFill>
-                  <a:srgbClr val="003F6E"/>
-                </a:solidFill>
-                <a:latin typeface="Calibri"/>
-                <a:cs typeface="Calibri"/>
-              </a:rPr>
-              <a:t> JUnit4 and </a:t>
-            </a:r>
-            <a:r>
-              <a:rPr lang="it-IT" sz="2800" dirty="0" err="1">
-                <a:solidFill>
-                  <a:srgbClr val="003F6E"/>
-                </a:solidFill>
-                <a:latin typeface="Calibri"/>
-                <a:cs typeface="Calibri"/>
-              </a:rPr>
-              <a:t>PoweredMockito</a:t>
-            </a:r>
-            <a:endParaRPr lang="it-IT" sz="2800" dirty="0">
-              <a:solidFill>
-                <a:srgbClr val="003F6E"/>
-              </a:solidFill>
-              <a:latin typeface="Calibri"/>
-              <a:cs typeface="Calibri"/>
-            </a:endParaRPr>
-          </a:p>
-          <a:p>
-            <a:pPr marL="457200" indent="-457200">
-              <a:buFont typeface="Arial"/>
-              <a:buChar char="•"/>
-            </a:pPr>
-            <a:endParaRPr lang="it-IT" sz="2800" b="1" dirty="0">
-              <a:solidFill>
-                <a:srgbClr val="003F6E"/>
-              </a:solidFill>
-              <a:latin typeface="Calibri"/>
-              <a:cs typeface="Calibri"/>
-            </a:endParaRPr>
-          </a:p>
-          <a:p>
-            <a:pPr marL="457200" indent="-457200">
-              <a:buFont typeface="Arial"/>
-              <a:buChar char="•"/>
-            </a:pPr>
-            <a:r>
-              <a:rPr lang="it-IT" sz="2800" b="1" dirty="0">
-                <a:solidFill>
-                  <a:srgbClr val="003F6E"/>
-                </a:solidFill>
-                <a:latin typeface="Calibri"/>
-                <a:cs typeface="Calibri"/>
-              </a:rPr>
-              <a:t>Classes:</a:t>
-            </a:r>
-            <a:r>
-              <a:rPr lang="it-IT" sz="2800" dirty="0">
-                <a:solidFill>
-                  <a:srgbClr val="003F6E"/>
-                </a:solidFill>
-                <a:latin typeface="Calibri"/>
-                <a:cs typeface="Calibri"/>
-              </a:rPr>
-              <a:t> MyFile, MyDirectory, StorageElement, Utility</a:t>
-            </a:r>
-            <a:endParaRPr lang="it-IT" dirty="0"/>
-          </a:p>
-        </p:txBody>
-      </p:sp>
-      <p:sp>
-        <p:nvSpPr>
-          <p:cNvPr id="5" name="Segnaposto numero diapositiva 4">
-            <a:extLst>
-              <a:ext uri="{FF2B5EF4-FFF2-40B4-BE49-F238E27FC236}">
-                <a16:creationId xmlns:a16="http://schemas.microsoft.com/office/drawing/2014/main" id="{F77D4566-3A75-42D0-A1C3-1E92F007DECA}"/>
-              </a:ext>
-            </a:extLst>
-          </p:cNvPr>
-          <p:cNvSpPr>
-            <a:spLocks noGrp="1"/>
-          </p:cNvSpPr>
-          <p:nvPr>
-            <p:ph type="sldNum" sz="quarter" idx="10"/>
-          </p:nvPr>
-        </p:nvSpPr>
-        <p:spPr/>
-        <p:txBody>
-          <a:bodyPr/>
-          <a:lstStyle/>
-          <a:p>
-            <a:fld id="{890431D4-9664-4983-A38D-C80271325BDD}" type="slidenum">
-              <a:rPr lang="it-IT" altLang="en-US" smtClean="0"/>
-              <a:pPr/>
-              <a:t>13</a:t>
-            </a:fld>
-            <a:endParaRPr lang="it-IT" altLang="en-US"/>
-          </a:p>
-        </p:txBody>
-      </p:sp>
-    </p:spTree>
-    <p:extLst>
-      <p:ext uri="{BB962C8B-B14F-4D97-AF65-F5344CB8AC3E}">
-        <p14:creationId xmlns:p14="http://schemas.microsoft.com/office/powerpoint/2010/main" val="203669010"/>
-      </p:ext>
-    </p:extLst>
-  </p:cSld>
-  <p:clrMapOvr>
-    <a:masterClrMapping/>
-  </p:clrMapOvr>
-</p:sld>
-</file>
-
-<file path=ppt/slides/slide2.xml><?xml version="1.0" encoding="utf-8"?>
-<p:sld xmlns:a="http://schemas.openxmlformats.org/drawingml/2006/main" xmlns:r="http://schemas.openxmlformats.org/officeDocument/2006/relationships" xmlns:p="http://schemas.openxmlformats.org/presentationml/2006/main">
-  <p:cSld>
-    <p:spTree>
-      <p:nvGrpSpPr>
-        <p:cNvPr id="1" name=""/>
-        <p:cNvGrpSpPr/>
-        <p:nvPr/>
-      </p:nvGrpSpPr>
-      <p:grpSpPr>
-        <a:xfrm>
-          <a:off x="0" y="0"/>
-          <a:ext cx="0" cy="0"/>
-          <a:chOff x="0" y="0"/>
-          <a:chExt cx="0" cy="0"/>
-        </a:xfrm>
-      </p:grpSpPr>
-      <p:sp>
-        <p:nvSpPr>
-          <p:cNvPr id="2" name="Titolo 1">
-            <a:extLst>
-              <a:ext uri="{FF2B5EF4-FFF2-40B4-BE49-F238E27FC236}">
-                <a16:creationId xmlns:a16="http://schemas.microsoft.com/office/drawing/2014/main" id="{4BE247A2-758D-4AC6-BF37-E19A51583476}"/>
-              </a:ext>
-            </a:extLst>
-          </p:cNvPr>
-          <p:cNvSpPr>
-            <a:spLocks noGrp="1"/>
-          </p:cNvSpPr>
-          <p:nvPr>
-            <p:ph type="title"/>
-          </p:nvPr>
-        </p:nvSpPr>
-        <p:spPr/>
-        <p:txBody>
-          <a:bodyPr/>
-          <a:lstStyle/>
-          <a:p>
-            <a:r>
-              <a:rPr lang="en-GB" dirty="0"/>
-              <a:t>Outline</a:t>
-            </a:r>
-          </a:p>
-        </p:txBody>
-      </p:sp>
-      <p:sp>
-        <p:nvSpPr>
-          <p:cNvPr id="3" name="Segnaposto contenuto 2">
-            <a:extLst>
-              <a:ext uri="{FF2B5EF4-FFF2-40B4-BE49-F238E27FC236}">
-                <a16:creationId xmlns:a16="http://schemas.microsoft.com/office/drawing/2014/main" id="{701781B3-45AA-4B08-A426-FC957A94B924}"/>
-              </a:ext>
-            </a:extLst>
-          </p:cNvPr>
-          <p:cNvSpPr>
-            <a:spLocks noGrp="1"/>
-          </p:cNvSpPr>
-          <p:nvPr>
-            <p:ph idx="1"/>
-          </p:nvPr>
-        </p:nvSpPr>
-        <p:spPr>
-          <a:xfrm>
-            <a:off x="614106" y="1758779"/>
-            <a:ext cx="6766206" cy="3346623"/>
-          </a:xfrm>
-        </p:spPr>
-        <p:txBody>
-          <a:bodyPr/>
-          <a:lstStyle/>
-          <a:p>
-            <a:pPr>
-              <a:buFont typeface="Arial"/>
-              <a:buChar char="•"/>
-            </a:pPr>
-            <a:r>
-              <a:rPr lang="en-GB" dirty="0">
-                <a:solidFill>
-                  <a:srgbClr val="003F6E"/>
-                </a:solidFill>
-              </a:rPr>
-              <a:t>Product</a:t>
-            </a:r>
-            <a:endParaRPr lang="en-GB" dirty="0">
-              <a:solidFill>
-                <a:srgbClr val="003F6E"/>
-              </a:solidFill>
-              <a:cs typeface="Arial"/>
-            </a:endParaRPr>
-          </a:p>
-          <a:p>
-            <a:pPr>
-              <a:buFont typeface="Arial" panose="020B0604020202020204" pitchFamily="34" charset="0"/>
-              <a:buChar char="•"/>
-            </a:pPr>
-            <a:endParaRPr lang="en-GB" dirty="0">
-              <a:solidFill>
-                <a:srgbClr val="003F6E"/>
-              </a:solidFill>
-            </a:endParaRPr>
-          </a:p>
-          <a:p>
-            <a:pPr>
-              <a:buFont typeface="Arial" panose="020B0604020202020204" pitchFamily="34" charset="0"/>
-              <a:buChar char="•"/>
-            </a:pPr>
-            <a:r>
-              <a:rPr lang="en-GB" dirty="0">
-                <a:solidFill>
-                  <a:srgbClr val="003F6E"/>
-                </a:solidFill>
-              </a:rPr>
-              <a:t>Classes Definition </a:t>
-            </a:r>
-            <a:endParaRPr lang="en-GB">
-              <a:solidFill>
-                <a:srgbClr val="003F6E"/>
-              </a:solidFill>
-              <a:cs typeface="Arial"/>
-            </a:endParaRPr>
-          </a:p>
-          <a:p>
-            <a:pPr>
-              <a:buFont typeface="Arial" panose="020B0604020202020204" pitchFamily="34" charset="0"/>
-              <a:buChar char="•"/>
-            </a:pPr>
-            <a:endParaRPr lang="en-GB" dirty="0">
-              <a:solidFill>
-                <a:srgbClr val="003F6E"/>
-              </a:solidFill>
-            </a:endParaRPr>
-          </a:p>
-          <a:p>
-            <a:pPr>
-              <a:buFont typeface="Arial" panose="020B0604020202020204" pitchFamily="34" charset="0"/>
-              <a:buChar char="•"/>
-            </a:pPr>
-            <a:r>
-              <a:rPr lang="en-GB" dirty="0">
-                <a:solidFill>
-                  <a:srgbClr val="003F6E"/>
-                </a:solidFill>
-              </a:rPr>
-              <a:t>CGPTS</a:t>
-            </a:r>
-            <a:endParaRPr lang="en-GB" dirty="0">
-              <a:solidFill>
-                <a:srgbClr val="003F6E"/>
-              </a:solidFill>
-              <a:cs typeface="Arial"/>
-            </a:endParaRPr>
-          </a:p>
-          <a:p>
-            <a:pPr>
-              <a:buFont typeface="Arial" panose="020B0604020202020204" pitchFamily="34" charset="0"/>
-              <a:buChar char="•"/>
-            </a:pPr>
-            <a:endParaRPr lang="en-GB" dirty="0">
-              <a:solidFill>
-                <a:srgbClr val="003F6E"/>
-              </a:solidFill>
-            </a:endParaRPr>
-          </a:p>
-          <a:p>
-            <a:pPr>
-              <a:buFont typeface="Arial" panose="020B0604020202020204" pitchFamily="34" charset="0"/>
-              <a:buChar char="•"/>
-            </a:pPr>
-            <a:r>
-              <a:rPr lang="en-GB" dirty="0">
-                <a:solidFill>
-                  <a:srgbClr val="003F6E"/>
-                </a:solidFill>
-              </a:rPr>
-              <a:t>CGPTS vs CGTS</a:t>
-            </a:r>
-            <a:endParaRPr lang="en-GB" dirty="0">
-              <a:solidFill>
-                <a:srgbClr val="003F6E"/>
-              </a:solidFill>
-              <a:cs typeface="Arial"/>
-            </a:endParaRPr>
-          </a:p>
-          <a:p>
-            <a:pPr>
-              <a:buFont typeface="Arial" panose="020B0604020202020204" pitchFamily="34" charset="0"/>
-              <a:buChar char="•"/>
-            </a:pPr>
-            <a:endParaRPr lang="en-GB" dirty="0">
-              <a:solidFill>
-                <a:srgbClr val="003F6E"/>
-              </a:solidFill>
-              <a:cs typeface="Arial"/>
-            </a:endParaRPr>
-          </a:p>
-          <a:p>
-            <a:pPr>
-              <a:buFont typeface="Arial" panose="020B0604020202020204" pitchFamily="34" charset="0"/>
-              <a:buChar char="•"/>
-            </a:pPr>
-            <a:r>
-              <a:rPr lang="en-GB" dirty="0">
-                <a:solidFill>
-                  <a:srgbClr val="003F6E"/>
-                </a:solidFill>
-                <a:cs typeface="Arial"/>
-              </a:rPr>
-              <a:t>CGPTS Disaggregation</a:t>
-            </a:r>
-          </a:p>
-        </p:txBody>
-      </p:sp>
-      <p:sp>
-        <p:nvSpPr>
-          <p:cNvPr id="4" name="Segnaposto numero diapositiva 3">
-            <a:extLst>
-              <a:ext uri="{FF2B5EF4-FFF2-40B4-BE49-F238E27FC236}">
-                <a16:creationId xmlns:a16="http://schemas.microsoft.com/office/drawing/2014/main" id="{1F42B96A-DC32-40CE-A5BB-9155421755F6}"/>
-              </a:ext>
-            </a:extLst>
-          </p:cNvPr>
-          <p:cNvSpPr>
-            <a:spLocks noGrp="1"/>
-          </p:cNvSpPr>
-          <p:nvPr>
-            <p:ph type="sldNum" sz="quarter" idx="10"/>
-          </p:nvPr>
-        </p:nvSpPr>
-        <p:spPr/>
-        <p:txBody>
-          <a:bodyPr/>
-          <a:lstStyle/>
-          <a:p>
-            <a:fld id="{FE575B20-646B-44A6-B32B-8B9F7AC502D9}" type="slidenum">
-              <a:rPr lang="it-IT" altLang="en-US" smtClean="0"/>
-              <a:pPr/>
-              <a:t>2</a:t>
-            </a:fld>
-            <a:endParaRPr lang="it-IT" altLang="en-US"/>
-          </a:p>
-        </p:txBody>
-      </p:sp>
-    </p:spTree>
-    <p:extLst>
-      <p:ext uri="{BB962C8B-B14F-4D97-AF65-F5344CB8AC3E}">
-        <p14:creationId xmlns:p14="http://schemas.microsoft.com/office/powerpoint/2010/main" val="3061890194"/>
-      </p:ext>
-    </p:extLst>
-  </p:cSld>
-  <p:clrMapOvr>
-    <a:masterClrMapping/>
-  </p:clrMapOvr>
-</p:sld>
-</file>
-
-<file path=ppt/slides/slide3.xml><?xml version="1.0" encoding="utf-8"?>
+<file path=ppt/slides/slide12.xml><?xml version="1.0" encoding="utf-8"?>
 <p:sld xmlns:a="http://schemas.openxmlformats.org/drawingml/2006/main" xmlns:r="http://schemas.openxmlformats.org/officeDocument/2006/relationships" xmlns:p="http://schemas.openxmlformats.org/presentationml/2006/main">
   <p:cSld>
     <p:spTree>
@@ -7182,15 +6238,800 @@
                 <a:latin typeface="Arial"/>
                 <a:cs typeface="Arial"/>
               </a:rPr>
-              <a:t>Product</a:t>
-            </a:r>
+              <a:t>CGPTS </a:t>
+            </a:r>
+            <a:r>
+              <a:rPr lang="it-IT" altLang="en-US" sz="3200" b="1" dirty="0" err="1">
+                <a:solidFill>
+                  <a:srgbClr val="003F6E"/>
+                </a:solidFill>
+                <a:latin typeface="Arial"/>
+                <a:cs typeface="Arial"/>
+              </a:rPr>
+              <a:t>Disaggregation</a:t>
+            </a:r>
+            <a:endParaRPr lang="it-IT" altLang="en-US" sz="3200" b="1" dirty="0" err="1">
+              <a:solidFill>
+                <a:srgbClr val="003F6E"/>
+              </a:solidFill>
+              <a:cs typeface="Arial"/>
+            </a:endParaRPr>
           </a:p>
         </p:txBody>
       </p:sp>
     </p:spTree>
     <p:extLst>
       <p:ext uri="{BB962C8B-B14F-4D97-AF65-F5344CB8AC3E}">
-        <p14:creationId xmlns:p14="http://schemas.microsoft.com/office/powerpoint/2010/main" val="228713098"/>
+        <p14:creationId xmlns:p14="http://schemas.microsoft.com/office/powerpoint/2010/main" val="742386879"/>
+      </p:ext>
+    </p:extLst>
+  </p:cSld>
+  <p:clrMapOvr>
+    <a:masterClrMapping/>
+  </p:clrMapOvr>
+</p:sld>
+</file>
+
+<file path=ppt/slides/slide2.xml><?xml version="1.0" encoding="utf-8"?>
+<p:sld xmlns:a="http://schemas.openxmlformats.org/drawingml/2006/main" xmlns:r="http://schemas.openxmlformats.org/officeDocument/2006/relationships" xmlns:p="http://schemas.openxmlformats.org/presentationml/2006/main">
+  <p:cSld>
+    <p:spTree>
+      <p:nvGrpSpPr>
+        <p:cNvPr id="1" name=""/>
+        <p:cNvGrpSpPr/>
+        <p:nvPr/>
+      </p:nvGrpSpPr>
+      <p:grpSpPr>
+        <a:xfrm>
+          <a:off x="0" y="0"/>
+          <a:ext cx="0" cy="0"/>
+          <a:chOff x="0" y="0"/>
+          <a:chExt cx="0" cy="0"/>
+        </a:xfrm>
+      </p:grpSpPr>
+      <p:sp>
+        <p:nvSpPr>
+          <p:cNvPr id="2" name="Titolo 1">
+            <a:extLst>
+              <a:ext uri="{FF2B5EF4-FFF2-40B4-BE49-F238E27FC236}">
+                <a16:creationId xmlns:a16="http://schemas.microsoft.com/office/drawing/2014/main" id="{4BE247A2-758D-4AC6-BF37-E19A51583476}"/>
+              </a:ext>
+            </a:extLst>
+          </p:cNvPr>
+          <p:cNvSpPr>
+            <a:spLocks noGrp="1"/>
+          </p:cNvSpPr>
+          <p:nvPr>
+            <p:ph type="title"/>
+          </p:nvPr>
+        </p:nvSpPr>
+        <p:spPr>
+          <a:xfrm>
+            <a:off x="719138" y="260648"/>
+            <a:ext cx="5943600" cy="504056"/>
+          </a:xfrm>
+        </p:spPr>
+        <p:txBody>
+          <a:bodyPr/>
+          <a:lstStyle/>
+          <a:p>
+            <a:r>
+              <a:rPr lang="en-GB"/>
+              <a:t>Outline</a:t>
+            </a:r>
+            <a:endParaRPr lang="en-GB" dirty="0"/>
+          </a:p>
+        </p:txBody>
+      </p:sp>
+      <p:sp>
+        <p:nvSpPr>
+          <p:cNvPr id="3" name="Segnaposto contenuto 2">
+            <a:extLst>
+              <a:ext uri="{FF2B5EF4-FFF2-40B4-BE49-F238E27FC236}">
+                <a16:creationId xmlns:a16="http://schemas.microsoft.com/office/drawing/2014/main" id="{701781B3-45AA-4B08-A426-FC957A94B924}"/>
+              </a:ext>
+            </a:extLst>
+          </p:cNvPr>
+          <p:cNvSpPr>
+            <a:spLocks noGrp="1"/>
+          </p:cNvSpPr>
+          <p:nvPr>
+            <p:ph idx="1"/>
+          </p:nvPr>
+        </p:nvSpPr>
+        <p:spPr>
+          <a:xfrm>
+            <a:off x="614106" y="1758779"/>
+            <a:ext cx="6766206" cy="3346623"/>
+          </a:xfrm>
+        </p:spPr>
+        <p:txBody>
+          <a:bodyPr/>
+          <a:lstStyle/>
+          <a:p>
+            <a:pPr>
+              <a:buFont typeface="Arial"/>
+              <a:buChar char="•"/>
+            </a:pPr>
+            <a:r>
+              <a:rPr lang="en-GB" dirty="0">
+                <a:solidFill>
+                  <a:srgbClr val="003F6E"/>
+                </a:solidFill>
+              </a:rPr>
+              <a:t>Product Description</a:t>
+            </a:r>
+            <a:endParaRPr lang="en-GB" dirty="0">
+              <a:solidFill>
+                <a:srgbClr val="003F6E"/>
+              </a:solidFill>
+              <a:cs typeface="Arial"/>
+            </a:endParaRPr>
+          </a:p>
+          <a:p>
+            <a:pPr>
+              <a:buFont typeface="Arial" panose="020B0604020202020204" pitchFamily="34" charset="0"/>
+              <a:buChar char="•"/>
+            </a:pPr>
+            <a:endParaRPr lang="en-GB" dirty="0">
+              <a:solidFill>
+                <a:srgbClr val="003F6E"/>
+              </a:solidFill>
+            </a:endParaRPr>
+          </a:p>
+          <a:p>
+            <a:pPr>
+              <a:buFont typeface="Arial" panose="020B0604020202020204" pitchFamily="34" charset="0"/>
+              <a:buChar char="•"/>
+            </a:pPr>
+            <a:r>
+              <a:rPr lang="en-GB" dirty="0">
+                <a:solidFill>
+                  <a:srgbClr val="003F6E"/>
+                </a:solidFill>
+              </a:rPr>
+              <a:t>Classes Definition </a:t>
+            </a:r>
+            <a:endParaRPr lang="en-GB" dirty="0">
+              <a:solidFill>
+                <a:srgbClr val="003F6E"/>
+              </a:solidFill>
+              <a:cs typeface="Arial"/>
+            </a:endParaRPr>
+          </a:p>
+          <a:p>
+            <a:pPr>
+              <a:buFont typeface="Arial" panose="020B0604020202020204" pitchFamily="34" charset="0"/>
+              <a:buChar char="•"/>
+            </a:pPr>
+            <a:endParaRPr lang="en-GB" dirty="0">
+              <a:solidFill>
+                <a:srgbClr val="003F6E"/>
+              </a:solidFill>
+            </a:endParaRPr>
+          </a:p>
+          <a:p>
+            <a:pPr>
+              <a:buFont typeface="Arial" panose="020B0604020202020204" pitchFamily="34" charset="0"/>
+              <a:buChar char="•"/>
+            </a:pPr>
+            <a:r>
+              <a:rPr lang="en-GB" dirty="0">
+                <a:solidFill>
+                  <a:srgbClr val="003F6E"/>
+                </a:solidFill>
+              </a:rPr>
+              <a:t>CGPTS</a:t>
+            </a:r>
+            <a:endParaRPr lang="en-GB" dirty="0">
+              <a:solidFill>
+                <a:srgbClr val="003F6E"/>
+              </a:solidFill>
+              <a:cs typeface="Arial"/>
+            </a:endParaRPr>
+          </a:p>
+          <a:p>
+            <a:pPr>
+              <a:buFont typeface="Arial" panose="020B0604020202020204" pitchFamily="34" charset="0"/>
+              <a:buChar char="•"/>
+            </a:pPr>
+            <a:endParaRPr lang="en-GB" dirty="0">
+              <a:solidFill>
+                <a:srgbClr val="003F6E"/>
+              </a:solidFill>
+            </a:endParaRPr>
+          </a:p>
+          <a:p>
+            <a:pPr>
+              <a:buFont typeface="Arial" panose="020B0604020202020204" pitchFamily="34" charset="0"/>
+              <a:buChar char="•"/>
+            </a:pPr>
+            <a:r>
+              <a:rPr lang="en-GB" dirty="0">
+                <a:solidFill>
+                  <a:srgbClr val="003F6E"/>
+                </a:solidFill>
+              </a:rPr>
+              <a:t>CGPTS vs CGTS</a:t>
+            </a:r>
+            <a:endParaRPr lang="en-GB" dirty="0">
+              <a:solidFill>
+                <a:srgbClr val="003F6E"/>
+              </a:solidFill>
+              <a:cs typeface="Arial"/>
+            </a:endParaRPr>
+          </a:p>
+          <a:p>
+            <a:pPr>
+              <a:buFont typeface="Arial" panose="020B0604020202020204" pitchFamily="34" charset="0"/>
+              <a:buChar char="•"/>
+            </a:pPr>
+            <a:endParaRPr lang="en-GB" dirty="0">
+              <a:solidFill>
+                <a:srgbClr val="003F6E"/>
+              </a:solidFill>
+              <a:cs typeface="Arial"/>
+            </a:endParaRPr>
+          </a:p>
+          <a:p>
+            <a:pPr>
+              <a:buFont typeface="Arial" panose="020B0604020202020204" pitchFamily="34" charset="0"/>
+              <a:buChar char="•"/>
+            </a:pPr>
+            <a:r>
+              <a:rPr lang="en-GB" dirty="0">
+                <a:solidFill>
+                  <a:srgbClr val="003F6E"/>
+                </a:solidFill>
+                <a:cs typeface="Arial"/>
+              </a:rPr>
+              <a:t>CGPTS Disaggregation</a:t>
+            </a:r>
+          </a:p>
+        </p:txBody>
+      </p:sp>
+      <p:sp>
+        <p:nvSpPr>
+          <p:cNvPr id="4" name="Segnaposto numero diapositiva 3">
+            <a:extLst>
+              <a:ext uri="{FF2B5EF4-FFF2-40B4-BE49-F238E27FC236}">
+                <a16:creationId xmlns:a16="http://schemas.microsoft.com/office/drawing/2014/main" id="{1F42B96A-DC32-40CE-A5BB-9155421755F6}"/>
+              </a:ext>
+            </a:extLst>
+          </p:cNvPr>
+          <p:cNvSpPr>
+            <a:spLocks noGrp="1"/>
+          </p:cNvSpPr>
+          <p:nvPr>
+            <p:ph type="sldNum" sz="quarter" idx="10"/>
+          </p:nvPr>
+        </p:nvSpPr>
+        <p:spPr>
+          <a:xfrm>
+            <a:off x="8763000" y="6613525"/>
+            <a:ext cx="1362075" cy="244475"/>
+          </a:xfrm>
+        </p:spPr>
+        <p:txBody>
+          <a:bodyPr/>
+          <a:lstStyle/>
+          <a:p>
+            <a:fld id="{FE575B20-646B-44A6-B32B-8B9F7AC502D9}" type="slidenum">
+              <a:rPr lang="it-IT" altLang="en-US" smtClean="0"/>
+              <a:pPr/>
+              <a:t>2</a:t>
+            </a:fld>
+            <a:endParaRPr lang="it-IT" altLang="en-US"/>
+          </a:p>
+        </p:txBody>
+      </p:sp>
+      <p:sp>
+        <p:nvSpPr>
+          <p:cNvPr id="5" name="Rettangolo 4">
+            <a:extLst>
+              <a:ext uri="{FF2B5EF4-FFF2-40B4-BE49-F238E27FC236}">
+                <a16:creationId xmlns:a16="http://schemas.microsoft.com/office/drawing/2014/main" id="{81CA4978-F25C-47DB-8EAD-35939949A8C3}"/>
+              </a:ext>
+            </a:extLst>
+          </p:cNvPr>
+          <p:cNvSpPr/>
+          <p:nvPr/>
+        </p:nvSpPr>
+        <p:spPr bwMode="auto">
+          <a:xfrm>
+            <a:off x="719138" y="6613525"/>
+            <a:ext cx="4140894" cy="244475"/>
+          </a:xfrm>
+          <a:prstGeom prst="rect">
+            <a:avLst/>
+          </a:prstGeom>
+          <a:solidFill>
+            <a:schemeClr val="accent3"/>
+          </a:solidFill>
+          <a:ln>
+            <a:noFill/>
+          </a:ln>
+          <a:effectLst/>
+        </p:spPr>
+        <p:txBody>
+          <a:bodyPr vert="horz" wrap="square" lIns="0" tIns="0" rIns="0" bIns="0" numCol="1" rtlCol="0" anchor="t" anchorCtr="0" compatLnSpc="1">
+            <a:prstTxWarp prst="textNoShape">
+              <a:avLst/>
+            </a:prstTxWarp>
+          </a:bodyPr>
+          <a:lstStyle/>
+          <a:p>
+            <a:pPr marL="0" marR="0" indent="0" algn="ctr" defTabSz="914400" rtl="0" eaLnBrk="0" fontAlgn="base" latinLnBrk="0" hangingPunct="0">
+              <a:lnSpc>
+                <a:spcPct val="100000"/>
+              </a:lnSpc>
+              <a:spcBef>
+                <a:spcPct val="20000"/>
+              </a:spcBef>
+              <a:spcAft>
+                <a:spcPct val="0"/>
+              </a:spcAft>
+              <a:buClrTx/>
+              <a:buSzTx/>
+              <a:buFontTx/>
+              <a:buNone/>
+              <a:tabLst/>
+            </a:pPr>
+            <a:endParaRPr kumimoji="0" lang="it-IT" sz="2400" b="0" i="0" u="none" strike="noStrike" cap="none" normalizeH="0" baseline="0">
+              <a:ln>
+                <a:noFill/>
+              </a:ln>
+              <a:solidFill>
+                <a:schemeClr val="tx1"/>
+              </a:solidFill>
+              <a:effectLst/>
+              <a:latin typeface="Arial" panose="020B0604020202020204" pitchFamily="34" charset="0"/>
+            </a:endParaRPr>
+          </a:p>
+        </p:txBody>
+      </p:sp>
+    </p:spTree>
+    <p:extLst>
+      <p:ext uri="{BB962C8B-B14F-4D97-AF65-F5344CB8AC3E}">
+        <p14:creationId xmlns:p14="http://schemas.microsoft.com/office/powerpoint/2010/main" val="3061890194"/>
+      </p:ext>
+    </p:extLst>
+  </p:cSld>
+  <p:clrMapOvr>
+    <a:masterClrMapping/>
+  </p:clrMapOvr>
+</p:sld>
+</file>
+
+<file path=ppt/slides/slide3.xml><?xml version="1.0" encoding="utf-8"?>
+<p:sld xmlns:a="http://schemas.openxmlformats.org/drawingml/2006/main" xmlns:r="http://schemas.openxmlformats.org/officeDocument/2006/relationships" xmlns:p="http://schemas.openxmlformats.org/presentationml/2006/main">
+  <p:cSld>
+    <p:spTree>
+      <p:nvGrpSpPr>
+        <p:cNvPr id="1" name=""/>
+        <p:cNvGrpSpPr/>
+        <p:nvPr/>
+      </p:nvGrpSpPr>
+      <p:grpSpPr>
+        <a:xfrm>
+          <a:off x="0" y="0"/>
+          <a:ext cx="0" cy="0"/>
+          <a:chOff x="0" y="0"/>
+          <a:chExt cx="0" cy="0"/>
+        </a:xfrm>
+      </p:grpSpPr>
+      <p:sp>
+        <p:nvSpPr>
+          <p:cNvPr id="2" name="Titolo 1">
+            <a:extLst>
+              <a:ext uri="{FF2B5EF4-FFF2-40B4-BE49-F238E27FC236}">
+                <a16:creationId xmlns:a16="http://schemas.microsoft.com/office/drawing/2014/main" id="{4BE247A2-758D-4AC6-BF37-E19A51583476}"/>
+              </a:ext>
+            </a:extLst>
+          </p:cNvPr>
+          <p:cNvSpPr>
+            <a:spLocks noGrp="1"/>
+          </p:cNvSpPr>
+          <p:nvPr>
+            <p:ph type="title"/>
+          </p:nvPr>
+        </p:nvSpPr>
+        <p:spPr/>
+        <p:txBody>
+          <a:bodyPr/>
+          <a:lstStyle/>
+          <a:p>
+            <a:r>
+              <a:rPr lang="en-GB" dirty="0"/>
+              <a:t>Which product?</a:t>
+            </a:r>
+          </a:p>
+        </p:txBody>
+      </p:sp>
+      <p:sp>
+        <p:nvSpPr>
+          <p:cNvPr id="3" name="Segnaposto contenuto 2">
+            <a:extLst>
+              <a:ext uri="{FF2B5EF4-FFF2-40B4-BE49-F238E27FC236}">
+                <a16:creationId xmlns:a16="http://schemas.microsoft.com/office/drawing/2014/main" id="{701781B3-45AA-4B08-A426-FC957A94B924}"/>
+              </a:ext>
+            </a:extLst>
+          </p:cNvPr>
+          <p:cNvSpPr>
+            <a:spLocks noGrp="1"/>
+          </p:cNvSpPr>
+          <p:nvPr>
+            <p:ph idx="1"/>
+          </p:nvPr>
+        </p:nvSpPr>
+        <p:spPr>
+          <a:xfrm>
+            <a:off x="595571" y="1066800"/>
+            <a:ext cx="3517801" cy="4162167"/>
+          </a:xfrm>
+        </p:spPr>
+        <p:txBody>
+          <a:bodyPr/>
+          <a:lstStyle/>
+          <a:p>
+            <a:pPr marL="457200" indent="-457200" eaLnBrk="1" fontAlgn="auto" hangingPunct="1">
+              <a:lnSpc>
+                <a:spcPct val="90000"/>
+              </a:lnSpc>
+              <a:spcBef>
+                <a:spcPts val="500"/>
+              </a:spcBef>
+              <a:spcAft>
+                <a:spcPts val="0"/>
+              </a:spcAft>
+              <a:buFont typeface="Arial"/>
+              <a:buChar char="•"/>
+            </a:pPr>
+            <a:endParaRPr lang="en-GB" sz="2400" dirty="0">
+              <a:solidFill>
+                <a:srgbClr val="003F6E"/>
+              </a:solidFill>
+              <a:cs typeface="Arial"/>
+            </a:endParaRPr>
+          </a:p>
+          <a:p>
+            <a:pPr marL="457200" indent="-457200">
+              <a:lnSpc>
+                <a:spcPct val="90000"/>
+              </a:lnSpc>
+              <a:spcBef>
+                <a:spcPts val="500"/>
+              </a:spcBef>
+              <a:spcAft>
+                <a:spcPts val="0"/>
+              </a:spcAft>
+              <a:buFont typeface="Arial"/>
+              <a:buChar char="•"/>
+            </a:pPr>
+            <a:r>
+              <a:rPr lang="en-GB" sz="2400" dirty="0">
+                <a:cs typeface="Arial"/>
+              </a:rPr>
+              <a:t>Amazon Echo Plus</a:t>
+            </a:r>
+            <a:endParaRPr lang="en-GB" dirty="0"/>
+          </a:p>
+          <a:p>
+            <a:pPr marL="857250" lvl="1" indent="-457200">
+              <a:lnSpc>
+                <a:spcPct val="90000"/>
+              </a:lnSpc>
+              <a:spcBef>
+                <a:spcPts val="500"/>
+              </a:spcBef>
+              <a:spcAft>
+                <a:spcPts val="0"/>
+              </a:spcAft>
+              <a:buFont typeface="Arial"/>
+              <a:buChar char="•"/>
+            </a:pPr>
+            <a:r>
+              <a:rPr lang="en-GB" sz="1200" i="1" dirty="0">
+                <a:latin typeface="Arial" panose="020B0604020202020204" pitchFamily="34" charset="0"/>
+                <a:cs typeface="Arial" panose="020B0604020202020204" pitchFamily="34" charset="0"/>
+              </a:rPr>
+              <a:t>Voice interaction, music playback, making to-do lists, setting alarms, streaming podcasts, in addition to providing weather, traffic and other real-time information</a:t>
+            </a:r>
+            <a:r>
+              <a:rPr lang="en-GB" sz="1200" i="1" dirty="0">
+                <a:solidFill>
+                  <a:srgbClr val="003F6E"/>
+                </a:solidFill>
+                <a:latin typeface="Arial" panose="020B0604020202020204" pitchFamily="34" charset="0"/>
+                <a:cs typeface="Arial" panose="020B0604020202020204" pitchFamily="34" charset="0"/>
+              </a:rPr>
+              <a:t>.</a:t>
+            </a:r>
+          </a:p>
+          <a:p>
+            <a:pPr marL="857250" lvl="1" indent="-457200">
+              <a:lnSpc>
+                <a:spcPct val="90000"/>
+              </a:lnSpc>
+              <a:spcBef>
+                <a:spcPts val="500"/>
+              </a:spcBef>
+              <a:spcAft>
+                <a:spcPts val="0"/>
+              </a:spcAft>
+              <a:buFont typeface="Arial"/>
+              <a:buChar char="•"/>
+            </a:pPr>
+            <a:r>
+              <a:rPr lang="en-GB" sz="1200" i="1" dirty="0">
+                <a:latin typeface="Arial"/>
+                <a:cs typeface="Arial"/>
+              </a:rPr>
+              <a:t>Home Automation Hub.</a:t>
+            </a:r>
+          </a:p>
+          <a:p>
+            <a:pPr marL="457200" indent="-457200">
+              <a:lnSpc>
+                <a:spcPct val="90000"/>
+              </a:lnSpc>
+              <a:spcBef>
+                <a:spcPts val="500"/>
+              </a:spcBef>
+              <a:spcAft>
+                <a:spcPts val="0"/>
+              </a:spcAft>
+              <a:buFont typeface="Arial"/>
+              <a:buChar char="•"/>
+            </a:pPr>
+            <a:endParaRPr lang="en-GB" sz="2400" dirty="0">
+              <a:solidFill>
+                <a:srgbClr val="003F6E"/>
+              </a:solidFill>
+              <a:latin typeface="Arial"/>
+              <a:cs typeface="Arial"/>
+            </a:endParaRPr>
+          </a:p>
+          <a:p>
+            <a:pPr marL="457200" indent="-457200">
+              <a:lnSpc>
+                <a:spcPct val="90000"/>
+              </a:lnSpc>
+              <a:spcBef>
+                <a:spcPts val="500"/>
+              </a:spcBef>
+              <a:spcAft>
+                <a:spcPts val="0"/>
+              </a:spcAft>
+              <a:buFont typeface="Arial"/>
+              <a:buChar char="•"/>
+            </a:pPr>
+            <a:r>
+              <a:rPr lang="en-GB" sz="2400" dirty="0">
+                <a:latin typeface="Arial"/>
+                <a:cs typeface="Arial"/>
+              </a:rPr>
+              <a:t>Released in 2018.</a:t>
+            </a:r>
+          </a:p>
+          <a:p>
+            <a:pPr marL="457200" indent="-457200">
+              <a:lnSpc>
+                <a:spcPct val="90000"/>
+              </a:lnSpc>
+              <a:spcBef>
+                <a:spcPts val="500"/>
+              </a:spcBef>
+              <a:spcAft>
+                <a:spcPts val="0"/>
+              </a:spcAft>
+              <a:buFont typeface="Arial"/>
+              <a:buChar char="•"/>
+            </a:pPr>
+            <a:endParaRPr lang="en-GB" sz="2400" dirty="0">
+              <a:solidFill>
+                <a:srgbClr val="003F6E"/>
+              </a:solidFill>
+              <a:latin typeface="Arial"/>
+              <a:cs typeface="Arial"/>
+            </a:endParaRPr>
+          </a:p>
+          <a:p>
+            <a:pPr marL="457200" indent="-457200">
+              <a:lnSpc>
+                <a:spcPct val="90000"/>
+              </a:lnSpc>
+              <a:spcBef>
+                <a:spcPts val="500"/>
+              </a:spcBef>
+              <a:spcAft>
+                <a:spcPts val="0"/>
+              </a:spcAft>
+              <a:buFont typeface="Arial"/>
+              <a:buChar char="•"/>
+            </a:pPr>
+            <a:r>
+              <a:rPr lang="en-GB" sz="2400" dirty="0"/>
+              <a:t>Encourages</a:t>
+            </a:r>
+            <a:r>
+              <a:rPr lang="en-GB" sz="1800" dirty="0"/>
+              <a:t> faster and broader development and support from third-parties of its skills market.</a:t>
+            </a:r>
+          </a:p>
+          <a:p>
+            <a:pPr marL="0" indent="0">
+              <a:lnSpc>
+                <a:spcPct val="90000"/>
+              </a:lnSpc>
+              <a:spcBef>
+                <a:spcPts val="500"/>
+              </a:spcBef>
+              <a:spcAft>
+                <a:spcPts val="0"/>
+              </a:spcAft>
+            </a:pPr>
+            <a:endParaRPr lang="en-GB" sz="2800" dirty="0">
+              <a:solidFill>
+                <a:srgbClr val="003F6E"/>
+              </a:solidFill>
+              <a:latin typeface="Calibri"/>
+              <a:cs typeface="Calibri"/>
+            </a:endParaRPr>
+          </a:p>
+          <a:p>
+            <a:pPr marL="285750" indent="-457200">
+              <a:lnSpc>
+                <a:spcPct val="90000"/>
+              </a:lnSpc>
+              <a:spcBef>
+                <a:spcPts val="500"/>
+              </a:spcBef>
+              <a:spcAft>
+                <a:spcPts val="0"/>
+              </a:spcAft>
+              <a:buFont typeface="Arial"/>
+              <a:buChar char="•"/>
+            </a:pPr>
+            <a:endParaRPr lang="en-GB" sz="2800" dirty="0">
+              <a:solidFill>
+                <a:srgbClr val="003F6E"/>
+              </a:solidFill>
+              <a:latin typeface="Calibri"/>
+              <a:cs typeface="Calibri"/>
+            </a:endParaRPr>
+          </a:p>
+        </p:txBody>
+      </p:sp>
+      <p:sp>
+        <p:nvSpPr>
+          <p:cNvPr id="4" name="Segnaposto numero diapositiva 3">
+            <a:extLst>
+              <a:ext uri="{FF2B5EF4-FFF2-40B4-BE49-F238E27FC236}">
+                <a16:creationId xmlns:a16="http://schemas.microsoft.com/office/drawing/2014/main" id="{1F42B96A-DC32-40CE-A5BB-9155421755F6}"/>
+              </a:ext>
+            </a:extLst>
+          </p:cNvPr>
+          <p:cNvSpPr>
+            <a:spLocks noGrp="1"/>
+          </p:cNvSpPr>
+          <p:nvPr>
+            <p:ph type="sldNum" sz="quarter" idx="10"/>
+          </p:nvPr>
+        </p:nvSpPr>
+        <p:spPr/>
+        <p:txBody>
+          <a:bodyPr/>
+          <a:lstStyle/>
+          <a:p>
+            <a:fld id="{FE575B20-646B-44A6-B32B-8B9F7AC502D9}" type="slidenum">
+              <a:rPr lang="it-IT" altLang="en-US" smtClean="0"/>
+              <a:pPr/>
+              <a:t>3</a:t>
+            </a:fld>
+            <a:endParaRPr lang="it-IT" altLang="en-US"/>
+          </a:p>
+        </p:txBody>
+      </p:sp>
+      <p:pic>
+        <p:nvPicPr>
+          <p:cNvPr id="8" name="Immagine 8" descr="Immagine che contiene altoparlante, monitor, nero&#10;&#10;Descrizione generata con affidabilità elevata">
+            <a:extLst>
+              <a:ext uri="{FF2B5EF4-FFF2-40B4-BE49-F238E27FC236}">
+                <a16:creationId xmlns:a16="http://schemas.microsoft.com/office/drawing/2014/main" id="{E21670A2-8ACA-466D-AE54-4E0040612CF0}"/>
+              </a:ext>
+            </a:extLst>
+          </p:cNvPr>
+          <p:cNvPicPr>
+            <a:picLocks noChangeAspect="1"/>
+          </p:cNvPicPr>
+          <p:nvPr/>
+        </p:nvPicPr>
+        <p:blipFill>
+          <a:blip r:embed="rId2"/>
+          <a:stretch>
+            <a:fillRect/>
+          </a:stretch>
+        </p:blipFill>
+        <p:spPr>
+          <a:xfrm>
+            <a:off x="4574341" y="1709115"/>
+            <a:ext cx="3976429" cy="3976429"/>
+          </a:xfrm>
+          <a:prstGeom prst="rect">
+            <a:avLst/>
+          </a:prstGeom>
+        </p:spPr>
+      </p:pic>
+      <p:sp>
+        <p:nvSpPr>
+          <p:cNvPr id="6" name="Rettangolo 5">
+            <a:extLst>
+              <a:ext uri="{FF2B5EF4-FFF2-40B4-BE49-F238E27FC236}">
+                <a16:creationId xmlns:a16="http://schemas.microsoft.com/office/drawing/2014/main" id="{0CA2D501-B715-4D87-9B4D-A8A0F43C57BD}"/>
+              </a:ext>
+            </a:extLst>
+          </p:cNvPr>
+          <p:cNvSpPr/>
+          <p:nvPr/>
+        </p:nvSpPr>
+        <p:spPr bwMode="auto">
+          <a:xfrm>
+            <a:off x="719138" y="6613525"/>
+            <a:ext cx="4140894" cy="244475"/>
+          </a:xfrm>
+          <a:prstGeom prst="rect">
+            <a:avLst/>
+          </a:prstGeom>
+          <a:solidFill>
+            <a:schemeClr val="accent3"/>
+          </a:solidFill>
+          <a:ln>
+            <a:noFill/>
+          </a:ln>
+          <a:effectLst/>
+        </p:spPr>
+        <p:txBody>
+          <a:bodyPr vert="horz" wrap="square" lIns="0" tIns="0" rIns="0" bIns="0" numCol="1" rtlCol="0" anchor="t" anchorCtr="0" compatLnSpc="1">
+            <a:prstTxWarp prst="textNoShape">
+              <a:avLst/>
+            </a:prstTxWarp>
+          </a:bodyPr>
+          <a:lstStyle/>
+          <a:p>
+            <a:pPr marL="0" marR="0" indent="0" algn="ctr" defTabSz="914400" rtl="0" eaLnBrk="0" fontAlgn="base" latinLnBrk="0" hangingPunct="0">
+              <a:lnSpc>
+                <a:spcPct val="100000"/>
+              </a:lnSpc>
+              <a:spcBef>
+                <a:spcPct val="20000"/>
+              </a:spcBef>
+              <a:spcAft>
+                <a:spcPct val="0"/>
+              </a:spcAft>
+              <a:buClrTx/>
+              <a:buSzTx/>
+              <a:buFontTx/>
+              <a:buNone/>
+              <a:tabLst/>
+            </a:pPr>
+            <a:endParaRPr kumimoji="0" lang="it-IT" sz="2400" b="0" i="0" u="none" strike="noStrike" cap="none" normalizeH="0" baseline="0">
+              <a:ln>
+                <a:noFill/>
+              </a:ln>
+              <a:solidFill>
+                <a:schemeClr val="tx1"/>
+              </a:solidFill>
+              <a:effectLst/>
+              <a:latin typeface="Arial" panose="020B0604020202020204" pitchFamily="34" charset="0"/>
+            </a:endParaRPr>
+          </a:p>
+        </p:txBody>
+      </p:sp>
+    </p:spTree>
+    <p:extLst>
+      <p:ext uri="{BB962C8B-B14F-4D97-AF65-F5344CB8AC3E}">
+        <p14:creationId xmlns:p14="http://schemas.microsoft.com/office/powerpoint/2010/main" val="1234668827"/>
       </p:ext>
     </p:extLst>
   </p:cSld>
@@ -7222,7 +7063,7 @@
           <p:cNvPr id="2" name="Titolo 1">
             <a:extLst>
               <a:ext uri="{FF2B5EF4-FFF2-40B4-BE49-F238E27FC236}">
-                <a16:creationId xmlns:a16="http://schemas.microsoft.com/office/drawing/2014/main" id="{4BE247A2-758D-4AC6-BF37-E19A51583476}"/>
+                <a16:creationId xmlns:a16="http://schemas.microsoft.com/office/drawing/2014/main" id="{D3A8C835-F548-4175-9D0A-892DE96802E0}"/>
               </a:ext>
             </a:extLst>
           </p:cNvPr>
@@ -7240,8 +7081,9 @@
           <a:p>
             <a:r>
               <a:rPr lang="en-GB" dirty="0"/>
-              <a:t>Which product?</a:t>
-            </a:r>
+              <a:t>Classes: Features</a:t>
+            </a:r>
+            <a:endParaRPr lang="it-IT" dirty="0"/>
           </a:p>
         </p:txBody>
       </p:sp>
@@ -7250,7 +7092,7 @@
           <p:cNvPr id="3" name="Segnaposto contenuto 2">
             <a:extLst>
               <a:ext uri="{FF2B5EF4-FFF2-40B4-BE49-F238E27FC236}">
-                <a16:creationId xmlns:a16="http://schemas.microsoft.com/office/drawing/2014/main" id="{701781B3-45AA-4B08-A426-FC957A94B924}"/>
+                <a16:creationId xmlns:a16="http://schemas.microsoft.com/office/drawing/2014/main" id="{C2FFE167-7316-48DC-B603-9B3B2F7A609B}"/>
               </a:ext>
             </a:extLst>
           </p:cNvPr>
@@ -7261,241 +7103,91 @@
             <p:ph idx="1"/>
           </p:nvPr>
         </p:nvSpPr>
-        <p:spPr>
-          <a:xfrm>
-            <a:off x="595571" y="1066800"/>
-            <a:ext cx="3517801" cy="4162167"/>
-          </a:xfrm>
-        </p:spPr>
+        <p:spPr/>
         <p:txBody>
           <a:bodyPr/>
           <a:lstStyle/>
           <a:p>
-            <a:pPr marL="457200" indent="-457200" eaLnBrk="1" fontAlgn="auto" hangingPunct="1">
-              <a:lnSpc>
-                <a:spcPct val="90000"/>
-              </a:lnSpc>
-              <a:spcBef>
-                <a:spcPts val="500"/>
-              </a:spcBef>
-              <a:spcAft>
-                <a:spcPts val="0"/>
-              </a:spcAft>
-              <a:buFont typeface="Arial"/>
-              <a:buChar char="•"/>
-            </a:pPr>
-            <a:endParaRPr lang="en-GB" sz="2400" dirty="0">
-              <a:solidFill>
-                <a:srgbClr val="003F6E"/>
-              </a:solidFill>
-              <a:cs typeface="Arial"/>
-            </a:endParaRPr>
-          </a:p>
-          <a:p>
-            <a:pPr marL="457200" indent="-457200">
-              <a:lnSpc>
-                <a:spcPct val="90000"/>
-              </a:lnSpc>
-              <a:spcBef>
-                <a:spcPts val="500"/>
-              </a:spcBef>
-              <a:spcAft>
-                <a:spcPts val="0"/>
-              </a:spcAft>
-              <a:buFont typeface="Arial"/>
-              <a:buChar char="•"/>
-            </a:pPr>
-            <a:r>
-              <a:rPr lang="en-GB" sz="2400" dirty="0">
-                <a:solidFill>
-                  <a:srgbClr val="003F6E"/>
-                </a:solidFill>
-                <a:cs typeface="Arial"/>
-              </a:rPr>
-              <a:t>Amazon Echo Plus</a:t>
-            </a:r>
-            <a:endParaRPr lang="en-GB" dirty="0"/>
-          </a:p>
-          <a:p>
-            <a:pPr marL="457200" indent="-457200">
-              <a:lnSpc>
-                <a:spcPct val="90000"/>
-              </a:lnSpc>
-              <a:spcBef>
-                <a:spcPts val="500"/>
-              </a:spcBef>
-              <a:spcAft>
-                <a:spcPts val="0"/>
-              </a:spcAft>
-              <a:buFont typeface="Arial"/>
-              <a:buChar char="•"/>
-            </a:pPr>
-            <a:endParaRPr lang="en-GB" sz="2400" dirty="0">
-              <a:solidFill>
-                <a:srgbClr val="003F6E"/>
-              </a:solidFill>
-              <a:latin typeface="Arial"/>
-              <a:cs typeface="Arial"/>
-            </a:endParaRPr>
-          </a:p>
-          <a:p>
-            <a:pPr marL="457200" indent="-457200">
-              <a:lnSpc>
-                <a:spcPct val="90000"/>
-              </a:lnSpc>
-              <a:spcBef>
-                <a:spcPts val="500"/>
-              </a:spcBef>
-              <a:spcAft>
-                <a:spcPts val="0"/>
-              </a:spcAft>
-              <a:buFont typeface="Arial"/>
-              <a:buChar char="•"/>
-            </a:pPr>
-            <a:endParaRPr lang="en-GB" sz="2400" dirty="0">
-              <a:solidFill>
-                <a:srgbClr val="003F6E"/>
-              </a:solidFill>
-              <a:latin typeface="Arial"/>
-              <a:cs typeface="Arial"/>
-            </a:endParaRPr>
-          </a:p>
-          <a:p>
-            <a:pPr marL="457200" indent="-457200">
-              <a:lnSpc>
-                <a:spcPct val="90000"/>
-              </a:lnSpc>
-              <a:spcBef>
-                <a:spcPts val="500"/>
-              </a:spcBef>
-              <a:spcAft>
-                <a:spcPts val="0"/>
-              </a:spcAft>
-              <a:buFont typeface="Arial"/>
-              <a:buChar char="•"/>
-            </a:pPr>
-            <a:r>
-              <a:rPr lang="en-GB" sz="2400" dirty="0">
-                <a:solidFill>
-                  <a:srgbClr val="003F6E"/>
-                </a:solidFill>
-                <a:latin typeface="Arial"/>
-                <a:cs typeface="Arial"/>
-              </a:rPr>
-              <a:t>Smart speaker</a:t>
-            </a:r>
-          </a:p>
-          <a:p>
-            <a:pPr marL="457200" indent="-457200">
-              <a:lnSpc>
-                <a:spcPct val="90000"/>
-              </a:lnSpc>
-              <a:spcBef>
-                <a:spcPts val="500"/>
-              </a:spcBef>
-              <a:spcAft>
-                <a:spcPts val="0"/>
-              </a:spcAft>
-              <a:buFont typeface="Arial"/>
-              <a:buChar char="•"/>
-            </a:pPr>
-            <a:endParaRPr lang="en-GB" sz="2400" dirty="0">
-              <a:solidFill>
-                <a:srgbClr val="003F6E"/>
-              </a:solidFill>
-              <a:latin typeface="Arial"/>
-              <a:cs typeface="Arial"/>
-            </a:endParaRPr>
-          </a:p>
-          <a:p>
-            <a:pPr marL="457200" indent="-457200">
-              <a:lnSpc>
-                <a:spcPct val="90000"/>
-              </a:lnSpc>
-              <a:spcBef>
-                <a:spcPts val="500"/>
-              </a:spcBef>
-              <a:spcAft>
-                <a:spcPts val="0"/>
-              </a:spcAft>
-              <a:buFont typeface="Arial"/>
-              <a:buChar char="•"/>
-            </a:pPr>
-            <a:endParaRPr lang="en-GB" sz="2400" dirty="0">
-              <a:solidFill>
-                <a:srgbClr val="003F6E"/>
-              </a:solidFill>
-              <a:latin typeface="Arial"/>
-              <a:cs typeface="Arial"/>
-            </a:endParaRPr>
-          </a:p>
-          <a:p>
-            <a:pPr marL="457200" indent="-457200">
-              <a:lnSpc>
-                <a:spcPct val="90000"/>
-              </a:lnSpc>
-              <a:spcBef>
-                <a:spcPts val="500"/>
-              </a:spcBef>
-              <a:spcAft>
-                <a:spcPts val="0"/>
-              </a:spcAft>
-              <a:buFont typeface="Arial"/>
-              <a:buChar char="•"/>
-            </a:pPr>
-            <a:r>
-              <a:rPr lang="en-GB" sz="2400" dirty="0">
-                <a:solidFill>
-                  <a:srgbClr val="003F6E"/>
-                </a:solidFill>
-                <a:latin typeface="Arial"/>
-                <a:cs typeface="Arial"/>
-              </a:rPr>
-              <a:t>Released in 2018</a:t>
-            </a:r>
-            <a:endParaRPr lang="en-GB" dirty="0"/>
-          </a:p>
-          <a:p>
-            <a:pPr marL="0" indent="0">
-              <a:lnSpc>
-                <a:spcPct val="90000"/>
-              </a:lnSpc>
-              <a:spcBef>
-                <a:spcPts val="500"/>
-              </a:spcBef>
-              <a:spcAft>
-                <a:spcPts val="0"/>
-              </a:spcAft>
-            </a:pPr>
-            <a:endParaRPr lang="en-GB" sz="2800" dirty="0">
-              <a:solidFill>
-                <a:srgbClr val="003F6E"/>
-              </a:solidFill>
-              <a:latin typeface="Calibri"/>
-              <a:cs typeface="Calibri"/>
-            </a:endParaRPr>
-          </a:p>
-          <a:p>
-            <a:pPr marL="285750" indent="-457200">
-              <a:lnSpc>
-                <a:spcPct val="90000"/>
-              </a:lnSpc>
-              <a:spcBef>
-                <a:spcPts val="500"/>
-              </a:spcBef>
-              <a:spcAft>
-                <a:spcPts val="0"/>
-              </a:spcAft>
-              <a:buFont typeface="Arial"/>
-              <a:buChar char="•"/>
-            </a:pPr>
-            <a:endParaRPr lang="en-GB" sz="2800" dirty="0">
-              <a:solidFill>
-                <a:srgbClr val="003F6E"/>
-              </a:solidFill>
-              <a:latin typeface="Calibri"/>
-              <a:cs typeface="Calibri"/>
-            </a:endParaRPr>
+            <a:r>
+              <a:rPr lang="it-IT" sz="1600" dirty="0"/>
+              <a:t>Three </a:t>
+            </a:r>
+            <a:r>
+              <a:rPr lang="it-IT" sz="1600" dirty="0" err="1"/>
+              <a:t>main</a:t>
+            </a:r>
+            <a:r>
+              <a:rPr lang="it-IT" sz="1600" dirty="0"/>
+              <a:t> features:</a:t>
+            </a:r>
+          </a:p>
+          <a:p>
+            <a:pPr lvl="1"/>
+            <a:r>
+              <a:rPr lang="it-IT" sz="1600" dirty="0"/>
+              <a:t>Age: </a:t>
+            </a:r>
+            <a:r>
+              <a:rPr lang="it-IT" sz="1400" i="1" dirty="0"/>
+              <a:t>Young, </a:t>
+            </a:r>
+            <a:r>
+              <a:rPr lang="it-IT" sz="1400" i="1" dirty="0" err="1"/>
+              <a:t>Adult</a:t>
+            </a:r>
+            <a:r>
+              <a:rPr lang="it-IT" sz="1400" i="1" dirty="0"/>
+              <a:t>, </a:t>
+            </a:r>
+            <a:r>
+              <a:rPr lang="it-IT" sz="1400" i="1" dirty="0" err="1"/>
+              <a:t>Retire</a:t>
+            </a:r>
+            <a:endParaRPr lang="it-IT" sz="1400" i="1" dirty="0"/>
+          </a:p>
+          <a:p>
+            <a:pPr lvl="1"/>
+            <a:r>
+              <a:rPr lang="it-IT" sz="1600" dirty="0"/>
+              <a:t>Home Status: </a:t>
+            </a:r>
+            <a:r>
+              <a:rPr lang="it-IT" sz="1400" i="1" dirty="0"/>
+              <a:t>Living Alone, Living with Family</a:t>
+            </a:r>
+          </a:p>
+          <a:p>
+            <a:pPr lvl="1"/>
+            <a:r>
+              <a:rPr lang="it-IT" sz="1600" dirty="0"/>
+              <a:t>Welfare: </a:t>
+            </a:r>
+            <a:r>
+              <a:rPr lang="it-IT" sz="1400" i="1" dirty="0" err="1"/>
+              <a:t>Normal</a:t>
+            </a:r>
+            <a:r>
+              <a:rPr lang="it-IT" sz="1400" i="1" dirty="0"/>
+              <a:t>, </a:t>
+            </a:r>
+            <a:r>
+              <a:rPr lang="it-IT" sz="1400" i="1" dirty="0" err="1"/>
+              <a:t>Richer</a:t>
+            </a:r>
+            <a:br>
+              <a:rPr lang="it-IT" sz="1600" dirty="0"/>
+            </a:br>
+            <a:endParaRPr lang="it-IT" sz="1600" dirty="0"/>
+          </a:p>
+          <a:p>
+            <a:r>
+              <a:rPr lang="it-IT" sz="1600" dirty="0"/>
+              <a:t>		</a:t>
+            </a:r>
+            <a:r>
+              <a:rPr lang="it-IT" dirty="0"/>
+              <a:t>	</a:t>
+            </a:r>
           </a:p>
         </p:txBody>
       </p:sp>
@@ -7504,7 +7196,7 @@
           <p:cNvPr id="4" name="Segnaposto numero diapositiva 3">
             <a:extLst>
               <a:ext uri="{FF2B5EF4-FFF2-40B4-BE49-F238E27FC236}">
-                <a16:creationId xmlns:a16="http://schemas.microsoft.com/office/drawing/2014/main" id="{1F42B96A-DC32-40CE-A5BB-9155421755F6}"/>
+                <a16:creationId xmlns:a16="http://schemas.microsoft.com/office/drawing/2014/main" id="{A9289C33-0EDA-4A1C-9A00-E95F5D1E2A32}"/>
               </a:ext>
             </a:extLst>
           </p:cNvPr>
@@ -7525,16 +7217,81 @@
               <a:pPr/>
               <a:t>4</a:t>
             </a:fld>
-            <a:endParaRPr lang="it-IT" altLang="en-US"/>
+            <a:endParaRPr lang="it-IT" altLang="en-US" dirty="0"/>
+          </a:p>
+        </p:txBody>
+      </p:sp>
+      <p:sp>
+        <p:nvSpPr>
+          <p:cNvPr id="5" name="Rettangolo 4">
+            <a:extLst>
+              <a:ext uri="{FF2B5EF4-FFF2-40B4-BE49-F238E27FC236}">
+                <a16:creationId xmlns:a16="http://schemas.microsoft.com/office/drawing/2014/main" id="{3A3A008A-82D8-4AE8-8D60-68132E5A5915}"/>
+              </a:ext>
+            </a:extLst>
+          </p:cNvPr>
+          <p:cNvSpPr/>
+          <p:nvPr/>
+        </p:nvSpPr>
+        <p:spPr bwMode="auto">
+          <a:xfrm>
+            <a:off x="719138" y="6613525"/>
+            <a:ext cx="4140894" cy="244475"/>
+          </a:xfrm>
+          <a:prstGeom prst="rect">
+            <a:avLst/>
+          </a:prstGeom>
+          <a:solidFill>
+            <a:schemeClr val="accent3"/>
+          </a:solidFill>
+          <a:ln>
+            <a:noFill/>
+          </a:ln>
+          <a:effectLst/>
+        </p:spPr>
+        <p:txBody>
+          <a:bodyPr vert="horz" wrap="square" lIns="0" tIns="0" rIns="0" bIns="0" numCol="1" rtlCol="0" anchor="t" anchorCtr="0" compatLnSpc="1">
+            <a:prstTxWarp prst="textNoShape">
+              <a:avLst/>
+            </a:prstTxWarp>
+          </a:bodyPr>
+          <a:lstStyle/>
+          <a:p>
+            <a:pPr marL="0" marR="0" indent="0" algn="ctr" defTabSz="914400" rtl="0" eaLnBrk="0" fontAlgn="base" latinLnBrk="0" hangingPunct="0">
+              <a:lnSpc>
+                <a:spcPct val="100000"/>
+              </a:lnSpc>
+              <a:spcBef>
+                <a:spcPct val="20000"/>
+              </a:spcBef>
+              <a:spcAft>
+                <a:spcPct val="0"/>
+              </a:spcAft>
+              <a:buClrTx/>
+              <a:buSzTx/>
+              <a:buFontTx/>
+              <a:buNone/>
+              <a:tabLst/>
+            </a:pPr>
+            <a:endParaRPr kumimoji="0" lang="it-IT" sz="2400" b="0" i="0" u="none" strike="noStrike" cap="none" normalizeH="0" baseline="0">
+              <a:ln>
+                <a:noFill/>
+              </a:ln>
+              <a:solidFill>
+                <a:schemeClr val="tx1"/>
+              </a:solidFill>
+              <a:effectLst/>
+              <a:latin typeface="Arial" panose="020B0604020202020204" pitchFamily="34" charset="0"/>
+            </a:endParaRPr>
           </a:p>
         </p:txBody>
       </p:sp>
       <p:pic>
         <p:nvPicPr>
-          <p:cNvPr id="8" name="Immagine 8" descr="Immagine che contiene altoparlante, monitor, nero&#10;&#10;Descrizione generata con affidabilità elevata">
-            <a:extLst>
-              <a:ext uri="{FF2B5EF4-FFF2-40B4-BE49-F238E27FC236}">
-                <a16:creationId xmlns:a16="http://schemas.microsoft.com/office/drawing/2014/main" id="{E21670A2-8ACA-466D-AE54-4E0040612CF0}"/>
+          <p:cNvPr id="6" name="Immagine 8" descr="Immagine che contiene screenshot&#10;&#10;Descrizione generata con affidabilità elevata">
+            <a:extLst>
+              <a:ext uri="{FF2B5EF4-FFF2-40B4-BE49-F238E27FC236}">
+                <a16:creationId xmlns:a16="http://schemas.microsoft.com/office/drawing/2014/main" id="{78568A9E-356D-4073-8CEB-E228AD949949}"/>
               </a:ext>
             </a:extLst>
           </p:cNvPr>
@@ -7543,70 +7300,15 @@
           </p:cNvPicPr>
           <p:nvPr/>
         </p:nvPicPr>
-        <p:blipFill>
+        <p:blipFill rotWithShape="1">
           <a:blip r:embed="rId2"/>
-          <a:stretch>
-            <a:fillRect/>
-          </a:stretch>
+          <a:srcRect l="24767" t="3488" r="2796" b="16473"/>
+          <a:stretch/>
         </p:blipFill>
-        <p:spPr>
-          <a:xfrm>
-            <a:off x="5299129" y="1734519"/>
-            <a:ext cx="2743200" cy="2743200"/>
-          </a:xfrm>
-          <a:prstGeom prst="rect">
-            <a:avLst/>
-          </a:prstGeom>
-        </p:spPr>
-      </p:pic>
-    </p:spTree>
-    <p:extLst>
-      <p:ext uri="{BB962C8B-B14F-4D97-AF65-F5344CB8AC3E}">
-        <p14:creationId xmlns:p14="http://schemas.microsoft.com/office/powerpoint/2010/main" val="1234668827"/>
-      </p:ext>
-    </p:extLst>
-  </p:cSld>
-  <p:clrMapOvr>
-    <a:masterClrMapping/>
-  </p:clrMapOvr>
-</p:sld>
-</file>
-
-<file path=ppt/slides/slide5.xml><?xml version="1.0" encoding="utf-8"?>
-<p:sld xmlns:a="http://schemas.openxmlformats.org/drawingml/2006/main" xmlns:r="http://schemas.openxmlformats.org/officeDocument/2006/relationships" xmlns:p="http://schemas.openxmlformats.org/presentationml/2006/main">
-  <p:cSld>
-    <p:spTree>
-      <p:nvGrpSpPr>
-        <p:cNvPr id="1" name=""/>
-        <p:cNvGrpSpPr/>
-        <p:nvPr/>
-      </p:nvGrpSpPr>
-      <p:grpSpPr>
-        <a:xfrm>
-          <a:off x="0" y="0"/>
-          <a:ext cx="0" cy="0"/>
-          <a:chOff x="0" y="0"/>
-          <a:chExt cx="0" cy="0"/>
-        </a:xfrm>
-      </p:grpSpPr>
-      <p:sp>
-        <p:nvSpPr>
-          <p:cNvPr id="2063" name="Text Box 15">
-            <a:extLst>
-              <a:ext uri="{FF2B5EF4-FFF2-40B4-BE49-F238E27FC236}">
-                <a16:creationId xmlns:a16="http://schemas.microsoft.com/office/drawing/2014/main" id="{163E1146-9683-4D80-A948-17A524CE64E3}"/>
-              </a:ext>
-            </a:extLst>
-          </p:cNvPr>
-          <p:cNvSpPr txBox="1">
-            <a:spLocks noChangeArrowheads="1"/>
-          </p:cNvSpPr>
-          <p:nvPr/>
-        </p:nvSpPr>
         <p:spPr bwMode="auto">
           <a:xfrm>
-            <a:off x="1763688" y="4581128"/>
-            <a:ext cx="6248400" cy="492443"/>
+            <a:off x="195262" y="2636912"/>
+            <a:ext cx="3515994" cy="2670104"/>
           </a:xfrm>
           <a:prstGeom prst="rect">
             <a:avLst/>
@@ -7620,7 +7322,7 @@
             <a:ext uri="{909E8E84-426E-40DD-AFC4-6F175D3DCCD1}">
               <a14:hiddenFill xmlns:a14="http://schemas.microsoft.com/office/drawing/2010/main">
                 <a:solidFill>
-                  <a:srgbClr val="C7D7E9"/>
+                  <a:schemeClr val="accent1"/>
                 </a:solidFill>
               </a14:hiddenFill>
             </a:ext>
@@ -7645,198 +7347,13 @@
             </a:ext>
           </a:extLst>
         </p:spPr>
-        <p:txBody>
-          <a:bodyPr lIns="0" tIns="0" rIns="0" bIns="0" anchor="t">
-            <a:spAutoFit/>
-          </a:bodyPr>
-          <a:lstStyle/>
-          <a:p>
-            <a:pPr algn="l">
-              <a:spcBef>
-                <a:spcPct val="50000"/>
-              </a:spcBef>
-            </a:pPr>
-            <a:r>
-              <a:rPr lang="it-IT" altLang="en-US" sz="3200" b="1" dirty="0">
-                <a:solidFill>
-                  <a:srgbClr val="003F6E"/>
-                </a:solidFill>
-                <a:latin typeface="Arial"/>
-                <a:cs typeface="Arial"/>
-              </a:rPr>
-              <a:t>Classes Definition </a:t>
-            </a:r>
-            <a:endParaRPr lang="it-IT" dirty="0"/>
-          </a:p>
-        </p:txBody>
-      </p:sp>
-    </p:spTree>
-    <p:extLst>
-      <p:ext uri="{BB962C8B-B14F-4D97-AF65-F5344CB8AC3E}">
-        <p14:creationId xmlns:p14="http://schemas.microsoft.com/office/powerpoint/2010/main" val="2808830004"/>
-      </p:ext>
-    </p:extLst>
-  </p:cSld>
-  <p:clrMapOvr>
-    <a:masterClrMapping/>
-  </p:clrMapOvr>
-</p:sld>
-</file>
-
-<file path=ppt/slides/slide6.xml><?xml version="1.0" encoding="utf-8"?>
-<p:sld xmlns:a="http://schemas.openxmlformats.org/drawingml/2006/main" xmlns:r="http://schemas.openxmlformats.org/officeDocument/2006/relationships" xmlns:p="http://schemas.openxmlformats.org/presentationml/2006/main">
-  <p:cSld>
-    <p:spTree>
-      <p:nvGrpSpPr>
-        <p:cNvPr id="1" name=""/>
-        <p:cNvGrpSpPr/>
-        <p:nvPr/>
-      </p:nvGrpSpPr>
-      <p:grpSpPr>
-        <a:xfrm>
-          <a:off x="0" y="0"/>
-          <a:ext cx="0" cy="0"/>
-          <a:chOff x="0" y="0"/>
-          <a:chExt cx="0" cy="0"/>
-        </a:xfrm>
-      </p:grpSpPr>
-      <p:sp>
-        <p:nvSpPr>
-          <p:cNvPr id="2" name="Titolo 1">
-            <a:extLst>
-              <a:ext uri="{FF2B5EF4-FFF2-40B4-BE49-F238E27FC236}">
-                <a16:creationId xmlns:a16="http://schemas.microsoft.com/office/drawing/2014/main" id="{4BE247A2-758D-4AC6-BF37-E19A51583476}"/>
-              </a:ext>
-            </a:extLst>
-          </p:cNvPr>
-          <p:cNvSpPr>
-            <a:spLocks noGrp="1"/>
-          </p:cNvSpPr>
-          <p:nvPr>
-            <p:ph type="title"/>
-          </p:nvPr>
-        </p:nvSpPr>
-        <p:spPr/>
-        <p:txBody>
-          <a:bodyPr/>
-          <a:lstStyle/>
-          <a:p>
-            <a:r>
-              <a:rPr lang="en-GB" dirty="0"/>
-              <a:t>Classes</a:t>
-            </a:r>
-          </a:p>
-        </p:txBody>
-      </p:sp>
-      <p:sp>
-        <p:nvSpPr>
-          <p:cNvPr id="4" name="Segnaposto numero diapositiva 3">
-            <a:extLst>
-              <a:ext uri="{FF2B5EF4-FFF2-40B4-BE49-F238E27FC236}">
-                <a16:creationId xmlns:a16="http://schemas.microsoft.com/office/drawing/2014/main" id="{1F42B96A-DC32-40CE-A5BB-9155421755F6}"/>
-              </a:ext>
-            </a:extLst>
-          </p:cNvPr>
-          <p:cNvSpPr>
-            <a:spLocks noGrp="1"/>
-          </p:cNvSpPr>
-          <p:nvPr>
-            <p:ph type="sldNum" sz="quarter" idx="10"/>
-          </p:nvPr>
-        </p:nvSpPr>
-        <p:spPr/>
-        <p:txBody>
-          <a:bodyPr/>
-          <a:lstStyle/>
-          <a:p>
-            <a:fld id="{FE575B20-646B-44A6-B32B-8B9F7AC502D9}" type="slidenum">
-              <a:rPr lang="it-IT" altLang="en-US" smtClean="0"/>
-              <a:pPr/>
-              <a:t>6</a:t>
-            </a:fld>
-            <a:endParaRPr lang="it-IT" altLang="en-US"/>
-          </a:p>
-        </p:txBody>
-      </p:sp>
-      <p:pic>
-        <p:nvPicPr>
-          <p:cNvPr id="8" name="Immagine 8" descr="Immagine che contiene screenshot&#10;&#10;Descrizione generata con affidabilità elevata">
-            <a:extLst>
-              <a:ext uri="{FF2B5EF4-FFF2-40B4-BE49-F238E27FC236}">
-                <a16:creationId xmlns:a16="http://schemas.microsoft.com/office/drawing/2014/main" id="{B464E6B3-89AB-4D7D-AF98-427D26B7AF34}"/>
-              </a:ext>
-            </a:extLst>
-          </p:cNvPr>
-          <p:cNvPicPr>
-            <a:picLocks noGrp="1" noChangeAspect="1"/>
-          </p:cNvPicPr>
-          <p:nvPr>
-            <p:ph idx="1"/>
-          </p:nvPr>
-        </p:nvPicPr>
-        <p:blipFill rotWithShape="1">
-          <a:blip r:embed="rId2"/>
-          <a:srcRect l="24767" t="3488" r="2796" b="16473"/>
-          <a:stretch/>
-        </p:blipFill>
-        <p:spPr>
-          <a:xfrm>
-            <a:off x="243694" y="2172347"/>
-            <a:ext cx="3515994" cy="2670104"/>
-          </a:xfrm>
-          <a:prstGeom prst="rect">
-            <a:avLst/>
-          </a:prstGeom>
-        </p:spPr>
       </p:pic>
-      <p:sp>
-        <p:nvSpPr>
-          <p:cNvPr id="10" name="CasellaDiTesto 9">
-            <a:extLst>
-              <a:ext uri="{FF2B5EF4-FFF2-40B4-BE49-F238E27FC236}">
-                <a16:creationId xmlns:a16="http://schemas.microsoft.com/office/drawing/2014/main" id="{5863165D-777F-476B-BEC1-30A5C044953F}"/>
-              </a:ext>
-            </a:extLst>
-          </p:cNvPr>
-          <p:cNvSpPr txBox="1"/>
-          <p:nvPr/>
-        </p:nvSpPr>
-        <p:spPr>
-          <a:xfrm>
-            <a:off x="3200400" y="3200400"/>
-            <a:ext cx="2743200" cy="904863"/>
-          </a:xfrm>
-          <a:prstGeom prst="rect">
-            <a:avLst/>
-          </a:prstGeom>
-          <a:noFill/>
-        </p:spPr>
-        <p:txBody>
-          <a:bodyPr rot="0" spcFirstLastPara="0" vertOverflow="overflow" horzOverflow="overflow" vert="horz" wrap="square" lIns="91440" tIns="45720" rIns="91440" bIns="45720" numCol="1" spcCol="0" rtlCol="0" fromWordArt="0" anchor="t" anchorCtr="0" forceAA="0" compatLnSpc="1">
-            <a:prstTxWarp prst="textNoShape">
-              <a:avLst/>
-            </a:prstTxWarp>
-            <a:spAutoFit/>
-          </a:bodyPr>
-          <a:lstStyle/>
-          <a:p>
-            <a:pPr algn="l"/>
-            <a:endParaRPr lang="en-US">
-              <a:latin typeface="Segoe UI"/>
-              <a:cs typeface="Segoe UI"/>
-            </a:endParaRPr>
-          </a:p>
-          <a:p>
-            <a:endParaRPr lang="en-US"/>
-          </a:p>
-        </p:txBody>
-      </p:sp>
       <p:graphicFrame>
         <p:nvGraphicFramePr>
-          <p:cNvPr id="14" name="Tabella 13">
-            <a:extLst>
-              <a:ext uri="{FF2B5EF4-FFF2-40B4-BE49-F238E27FC236}">
-                <a16:creationId xmlns:a16="http://schemas.microsoft.com/office/drawing/2014/main" id="{72E295CB-C6F6-417F-B721-472097CD8A9D}"/>
+          <p:cNvPr id="7" name="Tabella 6">
+            <a:extLst>
+              <a:ext uri="{FF2B5EF4-FFF2-40B4-BE49-F238E27FC236}">
+                <a16:creationId xmlns:a16="http://schemas.microsoft.com/office/drawing/2014/main" id="{58341CD5-FC8D-4102-AEB0-5F8B548901CC}"/>
               </a:ext>
             </a:extLst>
           </p:cNvPr>
@@ -7846,13 +7363,13 @@
           <p:nvPr>
             <p:extLst>
               <p:ext uri="{D42A27DB-BD31-4B8C-83A1-F6EECF244321}">
-                <p14:modId xmlns:p14="http://schemas.microsoft.com/office/powerpoint/2010/main" val="2496060937"/>
+                <p14:modId xmlns:p14="http://schemas.microsoft.com/office/powerpoint/2010/main" val="2494204821"/>
               </p:ext>
             </p:extLst>
           </p:nvPr>
         </p:nvGraphicFramePr>
         <p:xfrm>
-          <a:off x="4165169" y="3861660"/>
+          <a:off x="3975237" y="4344820"/>
           <a:ext cx="4804470" cy="777240"/>
         </p:xfrm>
         <a:graphic>
@@ -8206,10 +7723,10 @@
       </p:graphicFrame>
       <p:graphicFrame>
         <p:nvGraphicFramePr>
-          <p:cNvPr id="16" name="Tabella 15">
-            <a:extLst>
-              <a:ext uri="{FF2B5EF4-FFF2-40B4-BE49-F238E27FC236}">
-                <a16:creationId xmlns:a16="http://schemas.microsoft.com/office/drawing/2014/main" id="{251F857C-A50D-4375-BC74-192E573FFD0A}"/>
+          <p:cNvPr id="8" name="Tabella 7">
+            <a:extLst>
+              <a:ext uri="{FF2B5EF4-FFF2-40B4-BE49-F238E27FC236}">
+                <a16:creationId xmlns:a16="http://schemas.microsoft.com/office/drawing/2014/main" id="{40E8A318-7441-417E-BD87-D2434D0F009C}"/>
               </a:ext>
             </a:extLst>
           </p:cNvPr>
@@ -8219,13 +7736,13 @@
           <p:nvPr>
             <p:extLst>
               <p:ext uri="{D42A27DB-BD31-4B8C-83A1-F6EECF244321}">
-                <p14:modId xmlns:p14="http://schemas.microsoft.com/office/powerpoint/2010/main" val="3813773259"/>
+                <p14:modId xmlns:p14="http://schemas.microsoft.com/office/powerpoint/2010/main" val="479919202"/>
               </p:ext>
             </p:extLst>
           </p:nvPr>
         </p:nvGraphicFramePr>
         <p:xfrm>
-          <a:off x="4165169" y="2557220"/>
+          <a:off x="3975237" y="3040380"/>
           <a:ext cx="4817370" cy="777240"/>
         </p:xfrm>
         <a:graphic>
@@ -8577,10 +8094,784 @@
           </a:graphicData>
         </a:graphic>
       </p:graphicFrame>
+      <p:sp>
+        <p:nvSpPr>
+          <p:cNvPr id="9" name="CasellaDiTesto 8">
+            <a:extLst>
+              <a:ext uri="{FF2B5EF4-FFF2-40B4-BE49-F238E27FC236}">
+                <a16:creationId xmlns:a16="http://schemas.microsoft.com/office/drawing/2014/main" id="{E454F37B-78D6-4892-9AAC-7724707FA7E7}"/>
+              </a:ext>
+            </a:extLst>
+          </p:cNvPr>
+          <p:cNvSpPr txBox="1"/>
+          <p:nvPr/>
+        </p:nvSpPr>
+        <p:spPr>
+          <a:xfrm>
+            <a:off x="1547664" y="4190931"/>
+            <a:ext cx="532518" cy="307777"/>
+          </a:xfrm>
+          <a:prstGeom prst="rect">
+            <a:avLst/>
+          </a:prstGeom>
+          <a:noFill/>
+        </p:spPr>
+        <p:txBody>
+          <a:bodyPr wrap="none" rtlCol="0">
+            <a:spAutoFit/>
+          </a:bodyPr>
+          <a:lstStyle/>
+          <a:p>
+            <a:r>
+              <a:rPr lang="it-IT" sz="1400" i="1" dirty="0"/>
+              <a:t>0,65</a:t>
+            </a:r>
+          </a:p>
+        </p:txBody>
+      </p:sp>
+      <p:sp>
+        <p:nvSpPr>
+          <p:cNvPr id="10" name="CasellaDiTesto 9">
+            <a:extLst>
+              <a:ext uri="{FF2B5EF4-FFF2-40B4-BE49-F238E27FC236}">
+                <a16:creationId xmlns:a16="http://schemas.microsoft.com/office/drawing/2014/main" id="{14234EEC-C2B9-4D67-8FC0-99B9BA5DFABA}"/>
+              </a:ext>
+            </a:extLst>
+          </p:cNvPr>
+          <p:cNvSpPr txBox="1"/>
+          <p:nvPr/>
+        </p:nvSpPr>
+        <p:spPr>
+          <a:xfrm>
+            <a:off x="551190" y="3897735"/>
+            <a:ext cx="631904" cy="307777"/>
+          </a:xfrm>
+          <a:prstGeom prst="rect">
+            <a:avLst/>
+          </a:prstGeom>
+          <a:noFill/>
+        </p:spPr>
+        <p:txBody>
+          <a:bodyPr wrap="none" rtlCol="0">
+            <a:spAutoFit/>
+          </a:bodyPr>
+          <a:lstStyle/>
+          <a:p>
+            <a:r>
+              <a:rPr lang="it-IT" sz="1400" i="1" dirty="0"/>
+              <a:t>0,305</a:t>
+            </a:r>
+          </a:p>
+        </p:txBody>
+      </p:sp>
+      <p:sp>
+        <p:nvSpPr>
+          <p:cNvPr id="11" name="CasellaDiTesto 10">
+            <a:extLst>
+              <a:ext uri="{FF2B5EF4-FFF2-40B4-BE49-F238E27FC236}">
+                <a16:creationId xmlns:a16="http://schemas.microsoft.com/office/drawing/2014/main" id="{EAC72535-EE37-4773-94D2-3017E33CF5F5}"/>
+              </a:ext>
+            </a:extLst>
+          </p:cNvPr>
+          <p:cNvSpPr txBox="1"/>
+          <p:nvPr/>
+        </p:nvSpPr>
+        <p:spPr>
+          <a:xfrm>
+            <a:off x="971600" y="3260033"/>
+            <a:ext cx="631904" cy="307777"/>
+          </a:xfrm>
+          <a:prstGeom prst="rect">
+            <a:avLst/>
+          </a:prstGeom>
+          <a:noFill/>
+        </p:spPr>
+        <p:txBody>
+          <a:bodyPr wrap="square" rtlCol="0">
+            <a:spAutoFit/>
+          </a:bodyPr>
+          <a:lstStyle/>
+          <a:p>
+            <a:r>
+              <a:rPr lang="it-IT" sz="1400" i="1" dirty="0"/>
+              <a:t>0,045</a:t>
+            </a:r>
+          </a:p>
+        </p:txBody>
+      </p:sp>
+    </p:spTree>
+    <p:extLst>
+      <p:ext uri="{BB962C8B-B14F-4D97-AF65-F5344CB8AC3E}">
+        <p14:creationId xmlns:p14="http://schemas.microsoft.com/office/powerpoint/2010/main" val="1872579774"/>
+      </p:ext>
+    </p:extLst>
+  </p:cSld>
+  <p:clrMapOvr>
+    <a:masterClrMapping/>
+  </p:clrMapOvr>
+</p:sld>
+</file>
+
+<file path=ppt/slides/slide5.xml><?xml version="1.0" encoding="utf-8"?>
+<p:sld xmlns:a="http://schemas.openxmlformats.org/drawingml/2006/main" xmlns:r="http://schemas.openxmlformats.org/officeDocument/2006/relationships" xmlns:p="http://schemas.openxmlformats.org/presentationml/2006/main">
+  <p:cSld>
+    <p:spTree>
+      <p:nvGrpSpPr>
+        <p:cNvPr id="1" name=""/>
+        <p:cNvGrpSpPr/>
+        <p:nvPr/>
+      </p:nvGrpSpPr>
+      <p:grpSpPr>
+        <a:xfrm>
+          <a:off x="0" y="0"/>
+          <a:ext cx="0" cy="0"/>
+          <a:chOff x="0" y="0"/>
+          <a:chExt cx="0" cy="0"/>
+        </a:xfrm>
+      </p:grpSpPr>
+      <p:sp>
+        <p:nvSpPr>
+          <p:cNvPr id="2" name="Titolo 1">
+            <a:extLst>
+              <a:ext uri="{FF2B5EF4-FFF2-40B4-BE49-F238E27FC236}">
+                <a16:creationId xmlns:a16="http://schemas.microsoft.com/office/drawing/2014/main" id="{4BE247A2-758D-4AC6-BF37-E19A51583476}"/>
+              </a:ext>
+            </a:extLst>
+          </p:cNvPr>
+          <p:cNvSpPr>
+            <a:spLocks noGrp="1"/>
+          </p:cNvSpPr>
+          <p:nvPr>
+            <p:ph type="title"/>
+          </p:nvPr>
+        </p:nvSpPr>
+        <p:spPr/>
+        <p:txBody>
+          <a:bodyPr/>
+          <a:lstStyle/>
+          <a:p>
+            <a:r>
+              <a:rPr lang="en-GB" dirty="0"/>
+              <a:t>Classes: Description</a:t>
+            </a:r>
+          </a:p>
+        </p:txBody>
+      </p:sp>
+      <p:sp>
+        <p:nvSpPr>
+          <p:cNvPr id="4" name="Segnaposto numero diapositiva 3">
+            <a:extLst>
+              <a:ext uri="{FF2B5EF4-FFF2-40B4-BE49-F238E27FC236}">
+                <a16:creationId xmlns:a16="http://schemas.microsoft.com/office/drawing/2014/main" id="{1F42B96A-DC32-40CE-A5BB-9155421755F6}"/>
+              </a:ext>
+            </a:extLst>
+          </p:cNvPr>
+          <p:cNvSpPr>
+            <a:spLocks noGrp="1"/>
+          </p:cNvSpPr>
+          <p:nvPr>
+            <p:ph type="sldNum" sz="quarter" idx="10"/>
+          </p:nvPr>
+        </p:nvSpPr>
+        <p:spPr/>
+        <p:txBody>
+          <a:bodyPr/>
+          <a:lstStyle/>
+          <a:p>
+            <a:fld id="{FE575B20-646B-44A6-B32B-8B9F7AC502D9}" type="slidenum">
+              <a:rPr lang="it-IT" altLang="en-US" smtClean="0"/>
+              <a:pPr/>
+              <a:t>5</a:t>
+            </a:fld>
+            <a:endParaRPr lang="it-IT" altLang="en-US"/>
+          </a:p>
+        </p:txBody>
+      </p:sp>
+      <p:sp>
+        <p:nvSpPr>
+          <p:cNvPr id="10" name="CasellaDiTesto 9">
+            <a:extLst>
+              <a:ext uri="{FF2B5EF4-FFF2-40B4-BE49-F238E27FC236}">
+                <a16:creationId xmlns:a16="http://schemas.microsoft.com/office/drawing/2014/main" id="{5863165D-777F-476B-BEC1-30A5C044953F}"/>
+              </a:ext>
+            </a:extLst>
+          </p:cNvPr>
+          <p:cNvSpPr txBox="1"/>
+          <p:nvPr/>
+        </p:nvSpPr>
+        <p:spPr>
+          <a:xfrm>
+            <a:off x="3200400" y="3200400"/>
+            <a:ext cx="2743200" cy="904863"/>
+          </a:xfrm>
+          <a:prstGeom prst="rect">
+            <a:avLst/>
+          </a:prstGeom>
+          <a:noFill/>
+        </p:spPr>
+        <p:txBody>
+          <a:bodyPr rot="0" spcFirstLastPara="0" vertOverflow="overflow" horzOverflow="overflow" vert="horz" wrap="square" lIns="91440" tIns="45720" rIns="91440" bIns="45720" numCol="1" spcCol="0" rtlCol="0" fromWordArt="0" anchor="t" anchorCtr="0" forceAA="0" compatLnSpc="1">
+            <a:prstTxWarp prst="textNoShape">
+              <a:avLst/>
+            </a:prstTxWarp>
+            <a:spAutoFit/>
+          </a:bodyPr>
+          <a:lstStyle/>
+          <a:p>
+            <a:pPr algn="l"/>
+            <a:endParaRPr lang="en-US" dirty="0">
+              <a:latin typeface="Segoe UI"/>
+              <a:cs typeface="Segoe UI"/>
+            </a:endParaRPr>
+          </a:p>
+          <a:p>
+            <a:endParaRPr lang="en-US" dirty="0"/>
+          </a:p>
+        </p:txBody>
+      </p:sp>
+      <p:sp>
+        <p:nvSpPr>
+          <p:cNvPr id="9" name="Rettangolo 8">
+            <a:extLst>
+              <a:ext uri="{FF2B5EF4-FFF2-40B4-BE49-F238E27FC236}">
+                <a16:creationId xmlns:a16="http://schemas.microsoft.com/office/drawing/2014/main" id="{E40172AC-CECF-4118-8E92-D0D9648B099B}"/>
+              </a:ext>
+            </a:extLst>
+          </p:cNvPr>
+          <p:cNvSpPr/>
+          <p:nvPr/>
+        </p:nvSpPr>
+        <p:spPr bwMode="auto">
+          <a:xfrm>
+            <a:off x="719138" y="6613525"/>
+            <a:ext cx="4140894" cy="244475"/>
+          </a:xfrm>
+          <a:prstGeom prst="rect">
+            <a:avLst/>
+          </a:prstGeom>
+          <a:solidFill>
+            <a:schemeClr val="accent3"/>
+          </a:solidFill>
+          <a:ln>
+            <a:noFill/>
+          </a:ln>
+          <a:effectLst/>
+        </p:spPr>
+        <p:txBody>
+          <a:bodyPr vert="horz" wrap="square" lIns="0" tIns="0" rIns="0" bIns="0" numCol="1" rtlCol="0" anchor="t" anchorCtr="0" compatLnSpc="1">
+            <a:prstTxWarp prst="textNoShape">
+              <a:avLst/>
+            </a:prstTxWarp>
+          </a:bodyPr>
+          <a:lstStyle/>
+          <a:p>
+            <a:pPr marL="0" marR="0" indent="0" algn="ctr" defTabSz="914400" rtl="0" eaLnBrk="0" fontAlgn="base" latinLnBrk="0" hangingPunct="0">
+              <a:lnSpc>
+                <a:spcPct val="100000"/>
+              </a:lnSpc>
+              <a:spcBef>
+                <a:spcPct val="20000"/>
+              </a:spcBef>
+              <a:spcAft>
+                <a:spcPct val="0"/>
+              </a:spcAft>
+              <a:buClrTx/>
+              <a:buSzTx/>
+              <a:buFontTx/>
+              <a:buNone/>
+              <a:tabLst/>
+            </a:pPr>
+            <a:endParaRPr kumimoji="0" lang="it-IT" sz="2400" b="0" i="0" u="none" strike="noStrike" cap="none" normalizeH="0" baseline="0">
+              <a:ln>
+                <a:noFill/>
+              </a:ln>
+              <a:solidFill>
+                <a:schemeClr val="tx1"/>
+              </a:solidFill>
+              <a:effectLst/>
+              <a:latin typeface="Arial" panose="020B0604020202020204" pitchFamily="34" charset="0"/>
+            </a:endParaRPr>
+          </a:p>
+        </p:txBody>
+      </p:sp>
+      <p:sp>
+        <p:nvSpPr>
+          <p:cNvPr id="3" name="Segnaposto contenuto 2">
+            <a:extLst>
+              <a:ext uri="{FF2B5EF4-FFF2-40B4-BE49-F238E27FC236}">
+                <a16:creationId xmlns:a16="http://schemas.microsoft.com/office/drawing/2014/main" id="{640BAB86-9E99-43A3-892D-60A3970C28A0}"/>
+              </a:ext>
+            </a:extLst>
+          </p:cNvPr>
+          <p:cNvSpPr>
+            <a:spLocks noGrp="1"/>
+          </p:cNvSpPr>
+          <p:nvPr>
+            <p:ph idx="1"/>
+          </p:nvPr>
+        </p:nvSpPr>
+        <p:spPr>
+          <a:xfrm>
+            <a:off x="323528" y="1052736"/>
+            <a:ext cx="8229600" cy="4953000"/>
+          </a:xfrm>
+        </p:spPr>
+        <p:txBody>
+          <a:bodyPr/>
+          <a:lstStyle/>
+          <a:p>
+            <a:pPr>
+              <a:buFont typeface="Wingdings" panose="05000000000000000000" pitchFamily="2" charset="2"/>
+              <a:buChar char="§"/>
+            </a:pPr>
+            <a:r>
+              <a:rPr lang="en-GB" sz="1400" dirty="0"/>
+              <a:t>Giving the same amount of people that visit our Ads in the three classes, the first class will be the one where we expect the most clicks, than comes the second class, and the third.</a:t>
+            </a:r>
+          </a:p>
+          <a:p>
+            <a:pPr>
+              <a:buFont typeface="Wingdings" panose="05000000000000000000" pitchFamily="2" charset="2"/>
+              <a:buChar char="§"/>
+            </a:pPr>
+            <a:endParaRPr lang="en-GB" sz="1800" b="1" dirty="0">
+              <a:solidFill>
+                <a:schemeClr val="accent6"/>
+              </a:solidFill>
+            </a:endParaRPr>
+          </a:p>
+          <a:p>
+            <a:pPr>
+              <a:buFont typeface="Wingdings" panose="05000000000000000000" pitchFamily="2" charset="2"/>
+              <a:buChar char="§"/>
+            </a:pPr>
+            <a:endParaRPr lang="en-GB" sz="1800" b="1" dirty="0">
+              <a:solidFill>
+                <a:schemeClr val="accent6"/>
+              </a:solidFill>
+            </a:endParaRPr>
+          </a:p>
+          <a:p>
+            <a:pPr>
+              <a:buFont typeface="Wingdings" panose="05000000000000000000" pitchFamily="2" charset="2"/>
+              <a:buChar char="§"/>
+            </a:pPr>
+            <a:r>
+              <a:rPr lang="en-GB" sz="1800" b="1" dirty="0">
+                <a:solidFill>
+                  <a:schemeClr val="accent6"/>
+                </a:solidFill>
+              </a:rPr>
+              <a:t>1° Class: </a:t>
+            </a:r>
+            <a:r>
+              <a:rPr lang="en-GB" sz="1400" i="1" dirty="0"/>
+              <a:t>Young students, young workers or young families with good economic wellness. (Assumption that they will be more interested in our product)</a:t>
+            </a:r>
+          </a:p>
+          <a:p>
+            <a:pPr lvl="3"/>
+            <a:endParaRPr lang="en-GB" sz="1200" i="1" dirty="0"/>
+          </a:p>
+          <a:p>
+            <a:pPr>
+              <a:buFont typeface="Wingdings" panose="05000000000000000000" pitchFamily="2" charset="2"/>
+              <a:buChar char="§"/>
+            </a:pPr>
+            <a:endParaRPr lang="en-GB" sz="1800" b="1" dirty="0">
+              <a:solidFill>
+                <a:schemeClr val="accent6"/>
+              </a:solidFill>
+            </a:endParaRPr>
+          </a:p>
+          <a:p>
+            <a:pPr>
+              <a:buFont typeface="Wingdings" panose="05000000000000000000" pitchFamily="2" charset="2"/>
+              <a:buChar char="§"/>
+            </a:pPr>
+            <a:r>
+              <a:rPr lang="en-GB" sz="1800" b="1" dirty="0">
+                <a:solidFill>
+                  <a:srgbClr val="FFFF00"/>
+                </a:solidFill>
+              </a:rPr>
+              <a:t>2° Class: </a:t>
+            </a:r>
+            <a:r>
+              <a:rPr lang="en-GB" sz="1400" i="1" dirty="0"/>
+              <a:t>Older families or retired couples, less inclined in spending money in a commodity like this product, but still have a good economic situation.</a:t>
+            </a:r>
+            <a:endParaRPr lang="en-GB" sz="1800" b="1" dirty="0"/>
+          </a:p>
+          <a:p>
+            <a:pPr>
+              <a:buFont typeface="Wingdings" panose="05000000000000000000" pitchFamily="2" charset="2"/>
+              <a:buChar char="§"/>
+            </a:pPr>
+            <a:endParaRPr lang="en-GB" sz="1800" b="1" dirty="0">
+              <a:solidFill>
+                <a:schemeClr val="accent6"/>
+              </a:solidFill>
+            </a:endParaRPr>
+          </a:p>
+          <a:p>
+            <a:pPr>
+              <a:buFont typeface="Wingdings" panose="05000000000000000000" pitchFamily="2" charset="2"/>
+              <a:buChar char="§"/>
+            </a:pPr>
+            <a:endParaRPr lang="en-GB" sz="1800" b="1" dirty="0">
+              <a:solidFill>
+                <a:schemeClr val="accent6"/>
+              </a:solidFill>
+            </a:endParaRPr>
+          </a:p>
+          <a:p>
+            <a:pPr>
+              <a:buFont typeface="Wingdings" panose="05000000000000000000" pitchFamily="2" charset="2"/>
+              <a:buChar char="§"/>
+            </a:pPr>
+            <a:r>
+              <a:rPr lang="en-GB" sz="1800" b="1" dirty="0">
+                <a:solidFill>
+                  <a:srgbClr val="C00000"/>
+                </a:solidFill>
+              </a:rPr>
+              <a:t>3° Class: </a:t>
+            </a:r>
+            <a:r>
+              <a:rPr lang="en-GB" sz="1400" i="1" dirty="0"/>
+              <a:t>People almost not interested in our product, for interests or less economic availability</a:t>
+            </a:r>
+            <a:endParaRPr lang="it-IT" sz="1800" dirty="0">
+              <a:solidFill>
+                <a:srgbClr val="C00000"/>
+              </a:solidFill>
+            </a:endParaRPr>
+          </a:p>
+        </p:txBody>
+      </p:sp>
     </p:spTree>
     <p:extLst>
       <p:ext uri="{BB962C8B-B14F-4D97-AF65-F5344CB8AC3E}">
         <p14:creationId xmlns:p14="http://schemas.microsoft.com/office/powerpoint/2010/main" val="2722500611"/>
+      </p:ext>
+    </p:extLst>
+  </p:cSld>
+  <p:clrMapOvr>
+    <a:masterClrMapping/>
+  </p:clrMapOvr>
+</p:sld>
+</file>
+
+<file path=ppt/slides/slide6.xml><?xml version="1.0" encoding="utf-8"?>
+<p:sld xmlns:a="http://schemas.openxmlformats.org/drawingml/2006/main" xmlns:r="http://schemas.openxmlformats.org/officeDocument/2006/relationships" xmlns:p="http://schemas.openxmlformats.org/presentationml/2006/main">
+  <p:cSld>
+    <p:spTree>
+      <p:nvGrpSpPr>
+        <p:cNvPr id="1" name=""/>
+        <p:cNvGrpSpPr/>
+        <p:nvPr/>
+      </p:nvGrpSpPr>
+      <p:grpSpPr>
+        <a:xfrm>
+          <a:off x="0" y="0"/>
+          <a:ext cx="0" cy="0"/>
+          <a:chOff x="0" y="0"/>
+          <a:chExt cx="0" cy="0"/>
+        </a:xfrm>
+      </p:grpSpPr>
+      <p:sp>
+        <p:nvSpPr>
+          <p:cNvPr id="2" name="Titolo 1">
+            <a:extLst>
+              <a:ext uri="{FF2B5EF4-FFF2-40B4-BE49-F238E27FC236}">
+                <a16:creationId xmlns:a16="http://schemas.microsoft.com/office/drawing/2014/main" id="{39C2B0E5-7FD8-4889-9206-D213729CB01F}"/>
+              </a:ext>
+            </a:extLst>
+          </p:cNvPr>
+          <p:cNvSpPr>
+            <a:spLocks noGrp="1"/>
+          </p:cNvSpPr>
+          <p:nvPr>
+            <p:ph type="title"/>
+          </p:nvPr>
+        </p:nvSpPr>
+        <p:spPr/>
+        <p:txBody>
+          <a:bodyPr/>
+          <a:lstStyle/>
+          <a:p>
+            <a:r>
+              <a:rPr lang="en-GB" dirty="0"/>
+              <a:t>Sub-Campaign definition</a:t>
+            </a:r>
+            <a:endParaRPr lang="it-IT" dirty="0"/>
+          </a:p>
+        </p:txBody>
+      </p:sp>
+      <p:sp>
+        <p:nvSpPr>
+          <p:cNvPr id="3" name="Segnaposto contenuto 2">
+            <a:extLst>
+              <a:ext uri="{FF2B5EF4-FFF2-40B4-BE49-F238E27FC236}">
+                <a16:creationId xmlns:a16="http://schemas.microsoft.com/office/drawing/2014/main" id="{6CBDB176-C7EB-4639-907C-D1DA0823559C}"/>
+              </a:ext>
+            </a:extLst>
+          </p:cNvPr>
+          <p:cNvSpPr>
+            <a:spLocks noGrp="1"/>
+          </p:cNvSpPr>
+          <p:nvPr>
+            <p:ph idx="1"/>
+          </p:nvPr>
+        </p:nvSpPr>
+        <p:spPr/>
+        <p:txBody>
+          <a:bodyPr/>
+          <a:lstStyle/>
+          <a:p>
+            <a:r>
+              <a:rPr lang="en-GB" sz="1800" dirty="0"/>
+              <a:t>We have identified 5 different sub-campaigns:</a:t>
+            </a:r>
+          </a:p>
+          <a:p>
+            <a:endParaRPr lang="it-IT" sz="1800" dirty="0"/>
+          </a:p>
+          <a:p>
+            <a:pPr lvl="0"/>
+            <a:r>
+              <a:rPr lang="en-GB" sz="1800" dirty="0"/>
+              <a:t>Search advertising:</a:t>
+            </a:r>
+            <a:endParaRPr lang="it-IT" sz="1800" dirty="0"/>
+          </a:p>
+          <a:p>
+            <a:pPr lvl="1"/>
+            <a:r>
+              <a:rPr lang="en-GB" sz="1800" b="1" i="1" dirty="0"/>
+              <a:t>Google</a:t>
+            </a:r>
+            <a:endParaRPr lang="it-IT" sz="1800" dirty="0"/>
+          </a:p>
+          <a:p>
+            <a:pPr lvl="1"/>
+            <a:r>
+              <a:rPr lang="en-GB" sz="1800" b="1" i="1" dirty="0"/>
+              <a:t>Bing</a:t>
+            </a:r>
+          </a:p>
+          <a:p>
+            <a:pPr lvl="1"/>
+            <a:endParaRPr lang="it-IT" sz="1800" dirty="0"/>
+          </a:p>
+          <a:p>
+            <a:pPr lvl="0"/>
+            <a:r>
+              <a:rPr lang="en-GB" sz="1800" dirty="0"/>
+              <a:t>Display Advertising:</a:t>
+            </a:r>
+            <a:endParaRPr lang="it-IT" sz="1800" dirty="0"/>
+          </a:p>
+          <a:p>
+            <a:pPr lvl="1"/>
+            <a:r>
+              <a:rPr lang="en-GB" sz="1800" b="1" i="1" dirty="0"/>
+              <a:t>YouTube</a:t>
+            </a:r>
+          </a:p>
+          <a:p>
+            <a:pPr lvl="1"/>
+            <a:endParaRPr lang="it-IT" sz="1800" dirty="0"/>
+          </a:p>
+          <a:p>
+            <a:pPr lvl="0"/>
+            <a:r>
+              <a:rPr lang="en-GB" sz="1800" dirty="0"/>
+              <a:t>Social advertising:</a:t>
+            </a:r>
+            <a:endParaRPr lang="it-IT" sz="1800" dirty="0"/>
+          </a:p>
+          <a:p>
+            <a:pPr lvl="1"/>
+            <a:r>
+              <a:rPr lang="en-GB" sz="1800" b="1" i="1" dirty="0"/>
+              <a:t>Facebook</a:t>
+            </a:r>
+            <a:endParaRPr lang="it-IT" sz="1800" dirty="0"/>
+          </a:p>
+          <a:p>
+            <a:pPr lvl="1"/>
+            <a:r>
+              <a:rPr lang="en-GB" sz="1800" b="1" i="1" dirty="0"/>
+              <a:t>Instagram</a:t>
+            </a:r>
+            <a:endParaRPr lang="it-IT" sz="1800" dirty="0"/>
+          </a:p>
+          <a:p>
+            <a:endParaRPr lang="it-IT" dirty="0"/>
+          </a:p>
+        </p:txBody>
+      </p:sp>
+      <p:sp>
+        <p:nvSpPr>
+          <p:cNvPr id="4" name="Segnaposto numero diapositiva 3">
+            <a:extLst>
+              <a:ext uri="{FF2B5EF4-FFF2-40B4-BE49-F238E27FC236}">
+                <a16:creationId xmlns:a16="http://schemas.microsoft.com/office/drawing/2014/main" id="{748167B4-2B55-4E87-87C7-42700D3C717C}"/>
+              </a:ext>
+            </a:extLst>
+          </p:cNvPr>
+          <p:cNvSpPr>
+            <a:spLocks noGrp="1"/>
+          </p:cNvSpPr>
+          <p:nvPr>
+            <p:ph type="sldNum" sz="quarter" idx="10"/>
+          </p:nvPr>
+        </p:nvSpPr>
+        <p:spPr/>
+        <p:txBody>
+          <a:bodyPr/>
+          <a:lstStyle/>
+          <a:p>
+            <a:fld id="{FE575B20-646B-44A6-B32B-8B9F7AC502D9}" type="slidenum">
+              <a:rPr lang="it-IT" altLang="en-US" smtClean="0"/>
+              <a:pPr/>
+              <a:t>6</a:t>
+            </a:fld>
+            <a:endParaRPr lang="it-IT" altLang="en-US" dirty="0"/>
+          </a:p>
+        </p:txBody>
+      </p:sp>
+      <p:pic>
+        <p:nvPicPr>
+          <p:cNvPr id="5" name="Immagine 4">
+            <a:extLst>
+              <a:ext uri="{FF2B5EF4-FFF2-40B4-BE49-F238E27FC236}">
+                <a16:creationId xmlns:a16="http://schemas.microsoft.com/office/drawing/2014/main" id="{1C6994A4-1E4A-4634-B11E-0DC06EFC3955}"/>
+              </a:ext>
+            </a:extLst>
+          </p:cNvPr>
+          <p:cNvPicPr>
+            <a:picLocks noChangeAspect="1"/>
+          </p:cNvPicPr>
+          <p:nvPr/>
+        </p:nvPicPr>
+        <p:blipFill>
+          <a:blip r:embed="rId2"/>
+          <a:stretch>
+            <a:fillRect/>
+          </a:stretch>
+        </p:blipFill>
+        <p:spPr>
+          <a:xfrm>
+            <a:off x="4716016" y="1607166"/>
+            <a:ext cx="3853235" cy="1580227"/>
+          </a:xfrm>
+          <a:prstGeom prst="rect">
+            <a:avLst/>
+          </a:prstGeom>
+        </p:spPr>
+      </p:pic>
+      <p:pic>
+        <p:nvPicPr>
+          <p:cNvPr id="6" name="Immagine 5">
+            <a:extLst>
+              <a:ext uri="{FF2B5EF4-FFF2-40B4-BE49-F238E27FC236}">
+                <a16:creationId xmlns:a16="http://schemas.microsoft.com/office/drawing/2014/main" id="{80ED687F-AAD4-4872-B269-2BBDC26372D8}"/>
+              </a:ext>
+            </a:extLst>
+          </p:cNvPr>
+          <p:cNvPicPr>
+            <a:picLocks noChangeAspect="1"/>
+          </p:cNvPicPr>
+          <p:nvPr/>
+        </p:nvPicPr>
+        <p:blipFill>
+          <a:blip r:embed="rId3"/>
+          <a:stretch>
+            <a:fillRect/>
+          </a:stretch>
+        </p:blipFill>
+        <p:spPr>
+          <a:xfrm>
+            <a:off x="4716016" y="3491494"/>
+            <a:ext cx="3033713" cy="2533650"/>
+          </a:xfrm>
+          <a:prstGeom prst="rect">
+            <a:avLst/>
+          </a:prstGeom>
+        </p:spPr>
+      </p:pic>
+      <p:sp>
+        <p:nvSpPr>
+          <p:cNvPr id="7" name="Rettangolo 6">
+            <a:extLst>
+              <a:ext uri="{FF2B5EF4-FFF2-40B4-BE49-F238E27FC236}">
+                <a16:creationId xmlns:a16="http://schemas.microsoft.com/office/drawing/2014/main" id="{C9990348-89E0-42FB-ABA4-1E902AF3F9DE}"/>
+              </a:ext>
+            </a:extLst>
+          </p:cNvPr>
+          <p:cNvSpPr/>
+          <p:nvPr/>
+        </p:nvSpPr>
+        <p:spPr bwMode="auto">
+          <a:xfrm>
+            <a:off x="719138" y="6613525"/>
+            <a:ext cx="4140894" cy="244475"/>
+          </a:xfrm>
+          <a:prstGeom prst="rect">
+            <a:avLst/>
+          </a:prstGeom>
+          <a:solidFill>
+            <a:schemeClr val="accent3"/>
+          </a:solidFill>
+          <a:ln>
+            <a:noFill/>
+          </a:ln>
+          <a:effectLst/>
+        </p:spPr>
+        <p:txBody>
+          <a:bodyPr vert="horz" wrap="square" lIns="0" tIns="0" rIns="0" bIns="0" numCol="1" rtlCol="0" anchor="t" anchorCtr="0" compatLnSpc="1">
+            <a:prstTxWarp prst="textNoShape">
+              <a:avLst/>
+            </a:prstTxWarp>
+          </a:bodyPr>
+          <a:lstStyle/>
+          <a:p>
+            <a:pPr marL="0" marR="0" indent="0" algn="ctr" defTabSz="914400" rtl="0" eaLnBrk="0" fontAlgn="base" latinLnBrk="0" hangingPunct="0">
+              <a:lnSpc>
+                <a:spcPct val="100000"/>
+              </a:lnSpc>
+              <a:spcBef>
+                <a:spcPct val="20000"/>
+              </a:spcBef>
+              <a:spcAft>
+                <a:spcPct val="0"/>
+              </a:spcAft>
+              <a:buClrTx/>
+              <a:buSzTx/>
+              <a:buFontTx/>
+              <a:buNone/>
+              <a:tabLst/>
+            </a:pPr>
+            <a:endParaRPr kumimoji="0" lang="it-IT" sz="2400" b="0" i="0" u="none" strike="noStrike" cap="none" normalizeH="0" baseline="0">
+              <a:ln>
+                <a:noFill/>
+              </a:ln>
+              <a:solidFill>
+                <a:schemeClr val="tx1"/>
+              </a:solidFill>
+              <a:effectLst/>
+              <a:latin typeface="Arial" panose="020B0604020202020204" pitchFamily="34" charset="0"/>
+            </a:endParaRPr>
+          </a:p>
+        </p:txBody>
+      </p:sp>
+    </p:spTree>
+    <p:extLst>
+      <p:ext uri="{BB962C8B-B14F-4D97-AF65-F5344CB8AC3E}">
+        <p14:creationId xmlns:p14="http://schemas.microsoft.com/office/powerpoint/2010/main" val="935933513"/>
       </p:ext>
     </p:extLst>
   </p:cSld>
@@ -8609,156 +8900,512 @@
       </p:grpSpPr>
       <p:sp>
         <p:nvSpPr>
-          <p:cNvPr id="2063" name="Text Box 15">
-            <a:extLst>
-              <a:ext uri="{FF2B5EF4-FFF2-40B4-BE49-F238E27FC236}">
-                <a16:creationId xmlns:a16="http://schemas.microsoft.com/office/drawing/2014/main" id="{163E1146-9683-4D80-A948-17A524CE64E3}"/>
-              </a:ext>
-            </a:extLst>
-          </p:cNvPr>
-          <p:cNvSpPr txBox="1">
-            <a:spLocks noChangeArrowheads="1"/>
+          <p:cNvPr id="2" name="Titolo 1">
+            <a:extLst>
+              <a:ext uri="{FF2B5EF4-FFF2-40B4-BE49-F238E27FC236}">
+                <a16:creationId xmlns:a16="http://schemas.microsoft.com/office/drawing/2014/main" id="{7F63BB08-3299-4B99-91C1-22016B71F65C}"/>
+              </a:ext>
+            </a:extLst>
+          </p:cNvPr>
+          <p:cNvSpPr>
+            <a:spLocks noGrp="1"/>
           </p:cNvSpPr>
+          <p:nvPr>
+            <p:ph type="title"/>
+          </p:nvPr>
+        </p:nvSpPr>
+        <p:spPr>
+          <a:xfrm>
+            <a:off x="719138" y="260648"/>
+            <a:ext cx="6877198" cy="504056"/>
+          </a:xfrm>
+        </p:spPr>
+        <p:txBody>
+          <a:bodyPr/>
+          <a:lstStyle/>
+          <a:p>
+            <a:r>
+              <a:rPr lang="it-IT" dirty="0" err="1"/>
+              <a:t>Average</a:t>
+            </a:r>
+            <a:r>
+              <a:rPr lang="it-IT" dirty="0"/>
+              <a:t> </a:t>
+            </a:r>
+            <a:r>
+              <a:rPr lang="it-IT" dirty="0" err="1"/>
+              <a:t>daily</a:t>
+            </a:r>
+            <a:r>
+              <a:rPr lang="it-IT" dirty="0"/>
+              <a:t> budgets/clicks </a:t>
+            </a:r>
+            <a:r>
+              <a:rPr lang="it-IT" dirty="0" err="1"/>
+              <a:t>curves</a:t>
+            </a:r>
+            <a:r>
+              <a:rPr lang="it-IT" dirty="0"/>
+              <a:t> </a:t>
+            </a:r>
+            <a:r>
+              <a:rPr lang="it-IT" dirty="0" err="1"/>
+              <a:t>assumptions</a:t>
+            </a:r>
+            <a:endParaRPr lang="it-IT" dirty="0"/>
+          </a:p>
+        </p:txBody>
+      </p:sp>
+      <p:sp>
+        <p:nvSpPr>
+          <p:cNvPr id="3" name="Segnaposto contenuto 2">
+            <a:extLst>
+              <a:ext uri="{FF2B5EF4-FFF2-40B4-BE49-F238E27FC236}">
+                <a16:creationId xmlns:a16="http://schemas.microsoft.com/office/drawing/2014/main" id="{1BA00FF9-B7D8-412A-975D-D6C64897A38A}"/>
+              </a:ext>
+            </a:extLst>
+          </p:cNvPr>
+          <p:cNvSpPr>
+            <a:spLocks noGrp="1"/>
+          </p:cNvSpPr>
+          <p:nvPr>
+            <p:ph idx="1"/>
+          </p:nvPr>
+        </p:nvSpPr>
+        <p:spPr/>
+        <p:txBody>
+          <a:bodyPr/>
+          <a:lstStyle/>
+          <a:p>
+            <a:endParaRPr lang="it-IT" sz="1600" dirty="0"/>
+          </a:p>
+          <a:p>
+            <a:r>
+              <a:rPr lang="it-IT" sz="1600" dirty="0"/>
+              <a:t>Three </a:t>
+            </a:r>
+            <a:r>
+              <a:rPr lang="it-IT" sz="1600" dirty="0" err="1"/>
+              <a:t>levels</a:t>
+            </a:r>
+            <a:r>
+              <a:rPr lang="it-IT" sz="1600" dirty="0"/>
+              <a:t> of maximum clicks </a:t>
+            </a:r>
+            <a:r>
+              <a:rPr lang="it-IT" sz="1600" dirty="0" err="1"/>
+              <a:t>limit</a:t>
+            </a:r>
+            <a:r>
+              <a:rPr lang="it-IT" sz="1600" dirty="0"/>
+              <a:t>, due to the </a:t>
+            </a:r>
+            <a:r>
+              <a:rPr lang="it-IT" sz="1600" dirty="0" err="1"/>
+              <a:t>auction</a:t>
+            </a:r>
+            <a:r>
+              <a:rPr lang="it-IT" sz="1600" dirty="0"/>
+              <a:t> </a:t>
+            </a:r>
+            <a:r>
+              <a:rPr lang="it-IT" sz="1600" dirty="0" err="1"/>
+              <a:t>mechanism</a:t>
+            </a:r>
+            <a:r>
+              <a:rPr lang="it-IT" sz="1600" dirty="0"/>
+              <a:t>:</a:t>
+            </a:r>
+          </a:p>
+          <a:p>
+            <a:endParaRPr lang="it-IT" sz="1600" dirty="0"/>
+          </a:p>
+          <a:p>
+            <a:pPr lvl="1"/>
+            <a:r>
+              <a:rPr lang="it-IT" sz="1600" b="1" dirty="0"/>
+              <a:t>High</a:t>
+            </a:r>
+            <a:r>
+              <a:rPr lang="it-IT" sz="1600" dirty="0"/>
+              <a:t> = 90 clicks</a:t>
+            </a:r>
+          </a:p>
+          <a:p>
+            <a:pPr lvl="1"/>
+            <a:r>
+              <a:rPr lang="it-IT" sz="1600" b="1" dirty="0"/>
+              <a:t>Medium</a:t>
+            </a:r>
+            <a:r>
+              <a:rPr lang="it-IT" sz="1600" dirty="0"/>
+              <a:t> = 60 clicks</a:t>
+            </a:r>
+          </a:p>
+          <a:p>
+            <a:pPr lvl="1"/>
+            <a:r>
+              <a:rPr lang="it-IT" sz="1600" b="1" dirty="0"/>
+              <a:t>Low</a:t>
+            </a:r>
+            <a:r>
+              <a:rPr lang="it-IT" sz="1600" dirty="0"/>
+              <a:t> = 40 clicks</a:t>
+            </a:r>
+          </a:p>
+          <a:p>
+            <a:pPr indent="-285750">
+              <a:buFont typeface="Arial" panose="020B0604020202020204" pitchFamily="34" charset="0"/>
+              <a:buChar char="•"/>
+            </a:pPr>
+            <a:endParaRPr lang="it-IT" sz="1600" dirty="0"/>
+          </a:p>
+          <a:p>
+            <a:pPr indent="-285750">
+              <a:buFont typeface="Arial" panose="020B0604020202020204" pitchFamily="34" charset="0"/>
+              <a:buChar char="•"/>
+            </a:pPr>
+            <a:endParaRPr lang="it-IT" sz="1600" dirty="0"/>
+          </a:p>
+          <a:p>
+            <a:pPr indent="-285750">
+              <a:buFont typeface="Arial" panose="020B0604020202020204" pitchFamily="34" charset="0"/>
+              <a:buChar char="•"/>
+            </a:pPr>
+            <a:r>
+              <a:rPr lang="it-IT" sz="1600" dirty="0" err="1"/>
+              <a:t>We</a:t>
+            </a:r>
+            <a:r>
+              <a:rPr lang="it-IT" sz="1600" dirty="0"/>
+              <a:t> </a:t>
+            </a:r>
+            <a:r>
+              <a:rPr lang="it-IT" sz="1600" dirty="0" err="1"/>
+              <a:t>have</a:t>
+            </a:r>
+            <a:r>
+              <a:rPr lang="it-IT" sz="1600" dirty="0"/>
+              <a:t> </a:t>
+            </a:r>
+            <a:r>
+              <a:rPr lang="it-IT" sz="1600" dirty="0" err="1"/>
+              <a:t>used</a:t>
+            </a:r>
+            <a:r>
+              <a:rPr lang="it-IT" sz="1600" dirty="0"/>
+              <a:t> a </a:t>
+            </a:r>
+            <a:r>
+              <a:rPr lang="it-IT" sz="1600" dirty="0" err="1"/>
+              <a:t>composition</a:t>
+            </a:r>
+            <a:r>
+              <a:rPr lang="it-IT" sz="1600" dirty="0"/>
+              <a:t> of </a:t>
+            </a:r>
+            <a:r>
+              <a:rPr lang="it-IT" sz="1600" b="1" i="1" dirty="0" err="1"/>
+              <a:t>sigmoid</a:t>
+            </a:r>
+            <a:r>
+              <a:rPr lang="it-IT" sz="1600" b="1" i="1" dirty="0"/>
+              <a:t> </a:t>
+            </a:r>
+            <a:r>
+              <a:rPr lang="it-IT" sz="1600" b="1" i="1" dirty="0" err="1"/>
+              <a:t>function</a:t>
+            </a:r>
+            <a:r>
+              <a:rPr lang="it-IT" sz="1600" b="1" i="1" dirty="0"/>
+              <a:t> </a:t>
+            </a:r>
+            <a:r>
+              <a:rPr lang="it-IT" sz="1600" dirty="0"/>
+              <a:t>(</a:t>
+            </a:r>
+            <a:r>
+              <a:rPr lang="it-IT" sz="1600" dirty="0" err="1"/>
+              <a:t>taking</a:t>
+            </a:r>
+            <a:r>
+              <a:rPr lang="it-IT" sz="1600" dirty="0"/>
+              <a:t> just the positive part) to estimate the </a:t>
+            </a:r>
+            <a:r>
+              <a:rPr lang="it-IT" sz="1600" dirty="0" err="1"/>
+              <a:t>behaviour</a:t>
+            </a:r>
+            <a:r>
+              <a:rPr lang="it-IT" sz="1600" dirty="0"/>
+              <a:t> of the </a:t>
+            </a:r>
+            <a:r>
+              <a:rPr lang="it-IT" sz="1600" dirty="0" err="1"/>
+              <a:t>real</a:t>
+            </a:r>
+            <a:r>
+              <a:rPr lang="it-IT" sz="1600" dirty="0"/>
+              <a:t> world </a:t>
+            </a:r>
+            <a:r>
+              <a:rPr lang="it-IT" sz="1600" dirty="0" err="1"/>
+              <a:t>curves</a:t>
+            </a:r>
+            <a:r>
+              <a:rPr lang="it-IT" sz="1600" dirty="0"/>
+              <a:t>.</a:t>
+            </a:r>
+          </a:p>
+          <a:p>
+            <a:pPr indent="-285750">
+              <a:buFont typeface="Arial" panose="020B0604020202020204" pitchFamily="34" charset="0"/>
+              <a:buChar char="•"/>
+            </a:pPr>
+            <a:endParaRPr lang="it-IT" sz="1600" dirty="0"/>
+          </a:p>
+          <a:p>
+            <a:pPr indent="-285750">
+              <a:buFont typeface="Arial" panose="020B0604020202020204" pitchFamily="34" charset="0"/>
+              <a:buChar char="•"/>
+            </a:pPr>
+            <a:endParaRPr lang="it-IT" sz="1600" dirty="0"/>
+          </a:p>
+          <a:p>
+            <a:pPr indent="-285750">
+              <a:buFont typeface="Arial" panose="020B0604020202020204" pitchFamily="34" charset="0"/>
+              <a:buChar char="•"/>
+            </a:pPr>
+            <a:r>
+              <a:rPr lang="it-IT" sz="1600" dirty="0"/>
+              <a:t>Once </a:t>
+            </a:r>
+            <a:r>
+              <a:rPr lang="it-IT" sz="1600" dirty="0" err="1"/>
+              <a:t>generated</a:t>
+            </a:r>
+            <a:r>
+              <a:rPr lang="it-IT" sz="1600" dirty="0"/>
+              <a:t> </a:t>
+            </a:r>
+            <a:r>
+              <a:rPr lang="it-IT" sz="1600" dirty="0" err="1"/>
+              <a:t>all</a:t>
+            </a:r>
+            <a:r>
+              <a:rPr lang="it-IT" sz="1600" dirty="0"/>
+              <a:t> the </a:t>
+            </a:r>
+            <a:r>
+              <a:rPr lang="it-IT" sz="1600" dirty="0" err="1"/>
+              <a:t>curves</a:t>
+            </a:r>
+            <a:r>
+              <a:rPr lang="it-IT" sz="1600" dirty="0"/>
+              <a:t> for a sub-</a:t>
+            </a:r>
+            <a:r>
+              <a:rPr lang="it-IT" sz="1600" dirty="0" err="1"/>
+              <a:t>campaign</a:t>
+            </a:r>
+            <a:r>
+              <a:rPr lang="it-IT" sz="1600" dirty="0"/>
+              <a:t>, the </a:t>
+            </a:r>
+            <a:r>
+              <a:rPr lang="it-IT" sz="1600" i="1" dirty="0" err="1"/>
+              <a:t>aggregated</a:t>
+            </a:r>
+            <a:r>
+              <a:rPr lang="it-IT" sz="1600" dirty="0"/>
+              <a:t> one </a:t>
+            </a:r>
+            <a:r>
+              <a:rPr lang="it-IT" sz="1600" dirty="0" err="1"/>
+              <a:t>is</a:t>
+            </a:r>
+            <a:r>
+              <a:rPr lang="it-IT" sz="1600" dirty="0"/>
+              <a:t> </a:t>
+            </a:r>
+            <a:r>
+              <a:rPr lang="it-IT" sz="1600" dirty="0" err="1"/>
+              <a:t>achieved</a:t>
+            </a:r>
+            <a:r>
+              <a:rPr lang="it-IT" sz="1600" dirty="0"/>
+              <a:t> by </a:t>
+            </a:r>
+            <a:r>
+              <a:rPr lang="it-IT" sz="1600" i="1" dirty="0" err="1"/>
+              <a:t>weighted</a:t>
+            </a:r>
+            <a:r>
+              <a:rPr lang="it-IT" sz="1600" i="1" dirty="0"/>
+              <a:t> </a:t>
+            </a:r>
+            <a:r>
+              <a:rPr lang="it-IT" sz="1600" i="1" dirty="0" err="1"/>
+              <a:t>average</a:t>
+            </a:r>
+            <a:r>
+              <a:rPr lang="it-IT" sz="1600" i="1" dirty="0"/>
+              <a:t> </a:t>
+            </a:r>
+            <a:r>
+              <a:rPr lang="it-IT" sz="1600" dirty="0" err="1"/>
+              <a:t>between</a:t>
+            </a:r>
+            <a:r>
+              <a:rPr lang="it-IT" sz="1600" dirty="0"/>
+              <a:t> the </a:t>
+            </a:r>
+            <a:r>
+              <a:rPr lang="it-IT" sz="1600" dirty="0" err="1"/>
+              <a:t>three</a:t>
+            </a:r>
+            <a:r>
+              <a:rPr lang="it-IT" sz="1600" dirty="0"/>
+              <a:t> class, </a:t>
+            </a:r>
+            <a:r>
+              <a:rPr lang="it-IT" sz="1600" dirty="0" err="1"/>
+              <a:t>according</a:t>
+            </a:r>
+            <a:r>
+              <a:rPr lang="it-IT" sz="1600" dirty="0"/>
+              <a:t> to the </a:t>
+            </a:r>
+            <a:r>
+              <a:rPr lang="it-IT" sz="1600" dirty="0" err="1"/>
+              <a:t>probability</a:t>
+            </a:r>
+            <a:r>
+              <a:rPr lang="it-IT" sz="1600" dirty="0"/>
+              <a:t> of </a:t>
+            </a:r>
+            <a:r>
+              <a:rPr lang="it-IT" sz="1600" dirty="0" err="1"/>
+              <a:t>belonging</a:t>
+            </a:r>
+            <a:r>
+              <a:rPr lang="it-IT" sz="1600" dirty="0"/>
+              <a:t> to </a:t>
+            </a:r>
+            <a:r>
+              <a:rPr lang="it-IT" sz="1600" dirty="0" err="1"/>
+              <a:t>each</a:t>
+            </a:r>
+            <a:r>
+              <a:rPr lang="it-IT" sz="1600" dirty="0"/>
+              <a:t> class.</a:t>
+            </a:r>
+          </a:p>
+          <a:p>
+            <a:pPr marL="57150" indent="0"/>
+            <a:endParaRPr lang="it-IT" sz="1600" dirty="0"/>
+          </a:p>
+        </p:txBody>
+      </p:sp>
+      <p:sp>
+        <p:nvSpPr>
+          <p:cNvPr id="4" name="Segnaposto numero diapositiva 3">
+            <a:extLst>
+              <a:ext uri="{FF2B5EF4-FFF2-40B4-BE49-F238E27FC236}">
+                <a16:creationId xmlns:a16="http://schemas.microsoft.com/office/drawing/2014/main" id="{6ACDC5C1-C606-4E42-83BC-DBF6B4903001}"/>
+              </a:ext>
+            </a:extLst>
+          </p:cNvPr>
+          <p:cNvSpPr>
+            <a:spLocks noGrp="1"/>
+          </p:cNvSpPr>
+          <p:nvPr>
+            <p:ph type="sldNum" sz="quarter" idx="10"/>
+          </p:nvPr>
+        </p:nvSpPr>
+        <p:spPr/>
+        <p:txBody>
+          <a:bodyPr/>
+          <a:lstStyle/>
+          <a:p>
+            <a:fld id="{FE575B20-646B-44A6-B32B-8B9F7AC502D9}" type="slidenum">
+              <a:rPr lang="it-IT" altLang="en-US" smtClean="0"/>
+              <a:pPr/>
+              <a:t>7</a:t>
+            </a:fld>
+            <a:endParaRPr lang="it-IT" altLang="en-US" dirty="0"/>
+          </a:p>
+        </p:txBody>
+      </p:sp>
+      <p:sp>
+        <p:nvSpPr>
+          <p:cNvPr id="5" name="Rettangolo 4">
+            <a:extLst>
+              <a:ext uri="{FF2B5EF4-FFF2-40B4-BE49-F238E27FC236}">
+                <a16:creationId xmlns:a16="http://schemas.microsoft.com/office/drawing/2014/main" id="{0D1340B7-DFDC-476D-805C-BC8CE2EA3909}"/>
+              </a:ext>
+            </a:extLst>
+          </p:cNvPr>
+          <p:cNvSpPr/>
           <p:nvPr/>
         </p:nvSpPr>
         <p:spPr bwMode="auto">
           <a:xfrm>
-            <a:off x="1763688" y="4581128"/>
-            <a:ext cx="6248400" cy="815608"/>
+            <a:off x="719138" y="6613525"/>
+            <a:ext cx="4140894" cy="244475"/>
           </a:xfrm>
           <a:prstGeom prst="rect">
             <a:avLst/>
           </a:prstGeom>
-          <a:noFill/>
+          <a:solidFill>
+            <a:schemeClr val="accent3"/>
+          </a:solidFill>
           <a:ln>
             <a:noFill/>
           </a:ln>
           <a:effectLst/>
-          <a:extLst>
-            <a:ext uri="{909E8E84-426E-40DD-AFC4-6F175D3DCCD1}">
-              <a14:hiddenFill xmlns:a14="http://schemas.microsoft.com/office/drawing/2010/main">
-                <a:solidFill>
-                  <a:srgbClr val="C7D7E9"/>
-                </a:solidFill>
-              </a14:hiddenFill>
-            </a:ext>
-            <a:ext uri="{91240B29-F687-4F45-9708-019B960494DF}">
-              <a14:hiddenLine xmlns:a14="http://schemas.microsoft.com/office/drawing/2010/main" w="9525">
-                <a:solidFill>
-                  <a:schemeClr val="tx1"/>
-                </a:solidFill>
-                <a:miter lim="800000"/>
-                <a:headEnd/>
-                <a:tailEnd/>
-              </a14:hiddenLine>
-            </a:ext>
-            <a:ext uri="{AF507438-7753-43E0-B8FC-AC1667EBCBE1}">
-              <a14:hiddenEffects xmlns:a14="http://schemas.microsoft.com/office/drawing/2010/main">
-                <a:effectLst>
-                  <a:outerShdw dist="35921" dir="2700000" algn="ctr" rotWithShape="0">
-                    <a:schemeClr val="bg2"/>
-                  </a:outerShdw>
-                </a:effectLst>
-              </a14:hiddenEffects>
-            </a:ext>
-          </a:extLst>
         </p:spPr>
         <p:txBody>
-          <a:bodyPr lIns="0" tIns="0" rIns="0" bIns="0" anchor="t">
-            <a:spAutoFit/>
+          <a:bodyPr vert="horz" wrap="square" lIns="0" tIns="0" rIns="0" bIns="0" numCol="1" rtlCol="0" anchor="t" anchorCtr="0" compatLnSpc="1">
+            <a:prstTxWarp prst="textNoShape">
+              <a:avLst/>
+            </a:prstTxWarp>
           </a:bodyPr>
           <a:lstStyle/>
           <a:p>
-            <a:pPr algn="l">
+            <a:pPr marL="0" marR="0" indent="0" algn="ctr" defTabSz="914400" rtl="0" eaLnBrk="0" fontAlgn="base" latinLnBrk="0" hangingPunct="0">
+              <a:lnSpc>
+                <a:spcPct val="100000"/>
+              </a:lnSpc>
               <a:spcBef>
-                <a:spcPct val="50000"/>
+                <a:spcPct val="20000"/>
               </a:spcBef>
+              <a:spcAft>
+                <a:spcPct val="0"/>
+              </a:spcAft>
+              <a:buClrTx/>
+              <a:buSzTx/>
+              <a:buFontTx/>
+              <a:buNone/>
+              <a:tabLst/>
             </a:pPr>
-            <a:r>
-              <a:rPr lang="it-IT" altLang="en-US" sz="3200" b="1" dirty="0">
-                <a:solidFill>
-                  <a:srgbClr val="003F6E"/>
-                </a:solidFill>
-                <a:latin typeface="Arial"/>
-                <a:cs typeface="Arial"/>
-              </a:rPr>
-              <a:t>CGPTS</a:t>
-            </a:r>
-            <a:endParaRPr lang="it-IT" dirty="0"/>
-          </a:p>
-          <a:p>
-            <a:pPr algn="l">
-              <a:spcBef>
-                <a:spcPct val="50000"/>
-              </a:spcBef>
-            </a:pPr>
-            <a:r>
-              <a:rPr lang="it-IT" sz="1400" b="1" dirty="0" err="1">
-                <a:solidFill>
-                  <a:srgbClr val="003F6E"/>
-                </a:solidFill>
-                <a:latin typeface="Arial"/>
-                <a:cs typeface="Arial"/>
-              </a:rPr>
-              <a:t>Combinatorial</a:t>
-            </a:r>
-            <a:r>
-              <a:rPr lang="it-IT" sz="1400" b="1" dirty="0">
-                <a:solidFill>
-                  <a:srgbClr val="003F6E"/>
-                </a:solidFill>
-                <a:latin typeface="Arial"/>
-                <a:cs typeface="Arial"/>
-              </a:rPr>
-              <a:t> </a:t>
-            </a:r>
-            <a:r>
-              <a:rPr lang="it-IT" sz="1400" b="1" dirty="0" err="1">
-                <a:solidFill>
-                  <a:srgbClr val="003F6E"/>
-                </a:solidFill>
-                <a:latin typeface="Arial"/>
-                <a:cs typeface="Arial"/>
-              </a:rPr>
-              <a:t>Gaussian</a:t>
-            </a:r>
-            <a:r>
-              <a:rPr lang="it-IT" sz="1400" b="1" dirty="0">
-                <a:solidFill>
-                  <a:srgbClr val="003F6E"/>
-                </a:solidFill>
-                <a:latin typeface="Arial"/>
-                <a:cs typeface="Arial"/>
-              </a:rPr>
-              <a:t> </a:t>
-            </a:r>
-            <a:r>
-              <a:rPr lang="it-IT" sz="1400" b="1" dirty="0" err="1">
-                <a:solidFill>
-                  <a:srgbClr val="003F6E"/>
-                </a:solidFill>
-                <a:latin typeface="Arial"/>
-                <a:cs typeface="Arial"/>
-              </a:rPr>
-              <a:t>Process</a:t>
-            </a:r>
-            <a:r>
-              <a:rPr lang="it-IT" sz="1400" b="1" dirty="0">
-                <a:solidFill>
-                  <a:srgbClr val="003F6E"/>
-                </a:solidFill>
-                <a:latin typeface="Arial"/>
-                <a:cs typeface="Arial"/>
-              </a:rPr>
-              <a:t> Thompson Sampling</a:t>
-            </a:r>
+            <a:endParaRPr kumimoji="0" lang="it-IT" sz="2400" b="0" i="0" u="none" strike="noStrike" cap="none" normalizeH="0" baseline="0">
+              <a:ln>
+                <a:noFill/>
+              </a:ln>
+              <a:solidFill>
+                <a:schemeClr val="tx1"/>
+              </a:solidFill>
+              <a:effectLst/>
+              <a:latin typeface="Arial" panose="020B0604020202020204" pitchFamily="34" charset="0"/>
+            </a:endParaRPr>
           </a:p>
         </p:txBody>
       </p:sp>
     </p:spTree>
     <p:extLst>
       <p:ext uri="{BB962C8B-B14F-4D97-AF65-F5344CB8AC3E}">
-        <p14:creationId xmlns:p14="http://schemas.microsoft.com/office/powerpoint/2010/main" val="285694480"/>
+        <p14:creationId xmlns:p14="http://schemas.microsoft.com/office/powerpoint/2010/main" val="4266643663"/>
       </p:ext>
     </p:extLst>
   </p:cSld>
@@ -8790,7 +9437,7 @@
           <p:cNvPr id="2" name="Titolo 1">
             <a:extLst>
               <a:ext uri="{FF2B5EF4-FFF2-40B4-BE49-F238E27FC236}">
-                <a16:creationId xmlns:a16="http://schemas.microsoft.com/office/drawing/2014/main" id="{4BE247A2-758D-4AC6-BF37-E19A51583476}"/>
+                <a16:creationId xmlns:a16="http://schemas.microsoft.com/office/drawing/2014/main" id="{4C2B4851-2CB6-4653-95E7-84A20052C3F0}"/>
               </a:ext>
             </a:extLst>
           </p:cNvPr>
@@ -8807,9 +9454,26 @@
           <a:lstStyle/>
           <a:p>
             <a:r>
-              <a:rPr lang="en-GB" dirty="0"/>
-              <a:t>Analysis</a:t>
-            </a:r>
+              <a:rPr lang="it-IT" dirty="0" err="1"/>
+              <a:t>Curves</a:t>
+            </a:r>
+            <a:r>
+              <a:rPr lang="it-IT" dirty="0"/>
+              <a:t> </a:t>
+            </a:r>
+            <a:r>
+              <a:rPr lang="it-IT" dirty="0" err="1"/>
+              <a:t>aggregation</a:t>
+            </a:r>
+            <a:r>
+              <a:rPr lang="it-IT" dirty="0"/>
+              <a:t>: Google sub-</a:t>
+            </a:r>
+            <a:r>
+              <a:rPr lang="it-IT" dirty="0" err="1"/>
+              <a:t>campaign</a:t>
+            </a:r>
+            <a:endParaRPr lang="it-IT" dirty="0"/>
           </a:p>
         </p:txBody>
       </p:sp>
@@ -8818,7 +9482,7 @@
           <p:cNvPr id="3" name="Segnaposto contenuto 2">
             <a:extLst>
               <a:ext uri="{FF2B5EF4-FFF2-40B4-BE49-F238E27FC236}">
-                <a16:creationId xmlns:a16="http://schemas.microsoft.com/office/drawing/2014/main" id="{701781B3-45AA-4B08-A426-FC957A94B924}"/>
+                <a16:creationId xmlns:a16="http://schemas.microsoft.com/office/drawing/2014/main" id="{5688D4DD-59AF-42B6-80AC-0DBA123E908B}"/>
               </a:ext>
             </a:extLst>
           </p:cNvPr>
@@ -8831,229 +9495,62 @@
         </p:nvSpPr>
         <p:spPr>
           <a:xfrm>
-            <a:off x="951613" y="1564037"/>
-            <a:ext cx="7260956" cy="4294322"/>
+            <a:off x="719138" y="1066800"/>
+            <a:ext cx="5797078" cy="244475"/>
           </a:xfrm>
         </p:spPr>
         <p:txBody>
           <a:bodyPr/>
           <a:lstStyle/>
           <a:p>
-            <a:pPr marL="457200" indent="-457200">
-              <a:lnSpc>
-                <a:spcPct val="90000"/>
-              </a:lnSpc>
-              <a:spcBef>
-                <a:spcPts val="1000"/>
-              </a:spcBef>
-              <a:spcAft>
-                <a:spcPts val="0"/>
-              </a:spcAft>
-              <a:buFont typeface="Arial"/>
-              <a:buChar char="•"/>
+            <a:r>
+              <a:rPr lang="it-IT" sz="1800" dirty="0" err="1"/>
+              <a:t>These</a:t>
+            </a:r>
+            <a:r>
+              <a:rPr lang="it-IT" sz="1800" dirty="0"/>
+              <a:t> are the </a:t>
+            </a:r>
+            <a:r>
+              <a:rPr lang="it-IT" sz="1800" dirty="0" err="1"/>
+              <a:t>three</a:t>
+            </a:r>
+            <a:r>
+              <a:rPr lang="it-IT" sz="1800" dirty="0"/>
+              <a:t> </a:t>
+            </a:r>
+            <a:r>
+              <a:rPr lang="it-IT" sz="1800" dirty="0" err="1"/>
+              <a:t>curves</a:t>
+            </a:r>
+            <a:r>
+              <a:rPr lang="it-IT" sz="1800" dirty="0"/>
+              <a:t> for the </a:t>
+            </a:r>
+            <a:r>
+              <a:rPr lang="it-IT" sz="1800" dirty="0" err="1"/>
+              <a:t>google</a:t>
+            </a:r>
+            <a:r>
+              <a:rPr lang="it-IT" sz="1800" dirty="0"/>
+              <a:t> sub-</a:t>
+            </a:r>
+            <a:r>
+              <a:rPr lang="it-IT" sz="1800" dirty="0" err="1"/>
+              <a:t>campaign</a:t>
+            </a:r>
+            <a:r>
+              <a:rPr lang="it-IT" sz="1800" dirty="0"/>
+              <a:t>:</a:t>
+            </a:r>
+          </a:p>
+          <a:p>
+            <a:pPr marL="457200" lvl="1" indent="0">
+              <a:buNone/>
             </a:pPr>
             <a:r>
-              <a:rPr lang="en-GB" sz="2800" dirty="0">
-                <a:solidFill>
-                  <a:srgbClr val="003F6E"/>
-                </a:solidFill>
-                <a:latin typeface="Calibri"/>
-                <a:cs typeface="Calibri"/>
-              </a:rPr>
-              <a:t>Target </a:t>
-            </a:r>
-            <a:r>
-              <a:rPr lang="en-GB" sz="2800" dirty="0" err="1">
-                <a:solidFill>
-                  <a:srgbClr val="003F6E"/>
-                </a:solidFill>
-                <a:latin typeface="Calibri"/>
-                <a:cs typeface="Calibri"/>
-              </a:rPr>
-              <a:t>Sdk</a:t>
-            </a:r>
-            <a:r>
-              <a:rPr lang="en-GB" sz="2800" dirty="0">
-                <a:solidFill>
-                  <a:srgbClr val="003F6E"/>
-                </a:solidFill>
-                <a:latin typeface="Calibri"/>
-                <a:cs typeface="Calibri"/>
-              </a:rPr>
-              <a:t> Version = 28</a:t>
-            </a:r>
-          </a:p>
-          <a:p>
-            <a:pPr marL="0" indent="0">
-              <a:lnSpc>
-                <a:spcPct val="90000"/>
-              </a:lnSpc>
-              <a:spcBef>
-                <a:spcPts val="1000"/>
-              </a:spcBef>
-              <a:spcAft>
-                <a:spcPts val="0"/>
-              </a:spcAft>
-            </a:pPr>
-            <a:endParaRPr lang="en-GB" sz="2800" dirty="0">
-              <a:solidFill>
-                <a:srgbClr val="003F6E"/>
-              </a:solidFill>
-              <a:latin typeface="Calibri"/>
-              <a:cs typeface="Calibri"/>
-            </a:endParaRPr>
-          </a:p>
-          <a:p>
-            <a:pPr marL="457200" indent="-457200">
-              <a:lnSpc>
-                <a:spcPct val="90000"/>
-              </a:lnSpc>
-              <a:spcBef>
-                <a:spcPts val="1000"/>
-              </a:spcBef>
-              <a:spcAft>
-                <a:spcPts val="0"/>
-              </a:spcAft>
-              <a:buFont typeface="Arial"/>
-              <a:buChar char="•"/>
-            </a:pPr>
-            <a:r>
-              <a:rPr lang="en-GB" sz="2800" dirty="0">
-                <a:solidFill>
-                  <a:srgbClr val="003F6E"/>
-                </a:solidFill>
-                <a:latin typeface="Calibri"/>
-                <a:cs typeface="Calibri"/>
-              </a:rPr>
-              <a:t>Minimum </a:t>
-            </a:r>
-            <a:r>
-              <a:rPr lang="en-GB" sz="2800" dirty="0" err="1">
-                <a:solidFill>
-                  <a:srgbClr val="003F6E"/>
-                </a:solidFill>
-                <a:latin typeface="Calibri"/>
-                <a:cs typeface="Calibri"/>
-              </a:rPr>
-              <a:t>Sdk</a:t>
-            </a:r>
-            <a:r>
-              <a:rPr lang="en-GB" sz="2800" dirty="0">
-                <a:solidFill>
-                  <a:srgbClr val="003F6E"/>
-                </a:solidFill>
-                <a:latin typeface="Calibri"/>
-                <a:cs typeface="Calibri"/>
-              </a:rPr>
-              <a:t> Version = 23</a:t>
-            </a:r>
-            <a:endParaRPr lang="en-GB" dirty="0">
-              <a:cs typeface="Arial"/>
-            </a:endParaRPr>
-          </a:p>
-          <a:p>
-            <a:pPr marL="0" indent="0">
-              <a:lnSpc>
-                <a:spcPct val="90000"/>
-              </a:lnSpc>
-              <a:spcBef>
-                <a:spcPts val="1000"/>
-              </a:spcBef>
-              <a:spcAft>
-                <a:spcPts val="0"/>
-              </a:spcAft>
-            </a:pPr>
-            <a:endParaRPr lang="en-GB" sz="2800" dirty="0">
-              <a:solidFill>
-                <a:srgbClr val="003F6E"/>
-              </a:solidFill>
-              <a:latin typeface="Calibri"/>
-              <a:cs typeface="Calibri"/>
-            </a:endParaRPr>
-          </a:p>
-          <a:p>
-            <a:pPr marL="0" indent="0">
-              <a:lnSpc>
-                <a:spcPct val="90000"/>
-              </a:lnSpc>
-              <a:spcBef>
-                <a:spcPts val="1000"/>
-              </a:spcBef>
-              <a:spcAft>
-                <a:spcPts val="0"/>
-              </a:spcAft>
-            </a:pPr>
-            <a:endParaRPr lang="en-GB" sz="2800" dirty="0">
-              <a:solidFill>
-                <a:srgbClr val="003F6E"/>
-              </a:solidFill>
-              <a:latin typeface="Calibri"/>
-              <a:cs typeface="Calibri"/>
-            </a:endParaRPr>
-          </a:p>
-          <a:p>
-            <a:pPr marL="0" indent="0">
-              <a:lnSpc>
-                <a:spcPct val="90000"/>
-              </a:lnSpc>
-              <a:spcBef>
-                <a:spcPts val="1000"/>
-              </a:spcBef>
-              <a:spcAft>
-                <a:spcPts val="0"/>
-              </a:spcAft>
-            </a:pPr>
-            <a:endParaRPr lang="en-GB" sz="2800" dirty="0">
-              <a:solidFill>
-                <a:srgbClr val="003F6E"/>
-              </a:solidFill>
-              <a:latin typeface="Calibri"/>
-              <a:cs typeface="Calibri"/>
-            </a:endParaRPr>
-          </a:p>
-          <a:p>
-            <a:pPr marL="0" indent="0">
-              <a:lnSpc>
-                <a:spcPct val="90000"/>
-              </a:lnSpc>
-              <a:spcBef>
-                <a:spcPts val="1000"/>
-              </a:spcBef>
-              <a:spcAft>
-                <a:spcPts val="0"/>
-              </a:spcAft>
-            </a:pPr>
-            <a:endParaRPr lang="en-GB" sz="2800" dirty="0">
-              <a:solidFill>
-                <a:srgbClr val="003F6E"/>
-              </a:solidFill>
-              <a:latin typeface="Calibri"/>
-              <a:cs typeface="Calibri"/>
-            </a:endParaRPr>
-          </a:p>
-          <a:p>
-            <a:pPr marL="457200" indent="-457200">
-              <a:lnSpc>
-                <a:spcPct val="90000"/>
-              </a:lnSpc>
-              <a:spcBef>
-                <a:spcPts val="1000"/>
-              </a:spcBef>
-              <a:spcAft>
-                <a:spcPts val="0"/>
-              </a:spcAft>
-              <a:buFont typeface="Arial"/>
-              <a:buChar char="•"/>
-            </a:pPr>
-            <a:r>
-              <a:rPr lang="en-GB" sz="2800" dirty="0">
-                <a:solidFill>
-                  <a:srgbClr val="003F6E"/>
-                </a:solidFill>
-                <a:latin typeface="Calibri"/>
-                <a:cs typeface="Calibri"/>
-              </a:rPr>
-              <a:t>Supported languages: English, Italian</a:t>
+              <a:rPr lang="it-IT" dirty="0"/>
+              <a:t>	</a:t>
             </a:r>
           </a:p>
         </p:txBody>
@@ -9063,7 +9560,7 @@
           <p:cNvPr id="4" name="Segnaposto numero diapositiva 3">
             <a:extLst>
               <a:ext uri="{FF2B5EF4-FFF2-40B4-BE49-F238E27FC236}">
-                <a16:creationId xmlns:a16="http://schemas.microsoft.com/office/drawing/2014/main" id="{1F42B96A-DC32-40CE-A5BB-9155421755F6}"/>
+                <a16:creationId xmlns:a16="http://schemas.microsoft.com/office/drawing/2014/main" id="{2A4F911E-DC7B-4D36-ABE0-C7921CA03D96}"/>
               </a:ext>
             </a:extLst>
           </p:cNvPr>
@@ -9084,177 +9581,37 @@
               <a:pPr/>
               <a:t>8</a:t>
             </a:fld>
-            <a:endParaRPr lang="it-IT" altLang="en-US"/>
+            <a:endParaRPr lang="it-IT" altLang="en-US" dirty="0"/>
           </a:p>
         </p:txBody>
       </p:sp>
       <p:sp>
         <p:nvSpPr>
-          <p:cNvPr id="5" name="CasellaDiTesto 4">
-            <a:extLst>
-              <a:ext uri="{FF2B5EF4-FFF2-40B4-BE49-F238E27FC236}">
-                <a16:creationId xmlns:a16="http://schemas.microsoft.com/office/drawing/2014/main" id="{D1091869-0615-4A10-B885-3278EA3EB5BB}"/>
-              </a:ext>
-            </a:extLst>
-          </p:cNvPr>
-          <p:cNvSpPr txBox="1"/>
+          <p:cNvPr id="5" name="Rettangolo 4">
+            <a:extLst>
+              <a:ext uri="{FF2B5EF4-FFF2-40B4-BE49-F238E27FC236}">
+                <a16:creationId xmlns:a16="http://schemas.microsoft.com/office/drawing/2014/main" id="{49675955-2DE1-44D3-9C18-6F5A342FE206}"/>
+              </a:ext>
+            </a:extLst>
+          </p:cNvPr>
+          <p:cNvSpPr/>
           <p:nvPr/>
         </p:nvSpPr>
-        <p:spPr>
+        <p:spPr bwMode="auto">
           <a:xfrm>
-            <a:off x="1702230" y="3800958"/>
-            <a:ext cx="6133452" cy="523220"/>
+            <a:off x="719138" y="6613525"/>
+            <a:ext cx="4140894" cy="244475"/>
           </a:xfrm>
           <a:prstGeom prst="rect">
             <a:avLst/>
           </a:prstGeom>
-          <a:noFill/>
-        </p:spPr>
-        <p:txBody>
-          <a:bodyPr rot="0" spcFirstLastPara="0" vertOverflow="overflow" horzOverflow="overflow" vert="horz" wrap="square" lIns="91440" tIns="45720" rIns="91440" bIns="45720" numCol="1" spcCol="0" rtlCol="0" fromWordArt="0" anchor="t" anchorCtr="0" forceAA="0" compatLnSpc="1">
-            <a:prstTxWarp prst="textNoShape">
-              <a:avLst/>
-            </a:prstTxWarp>
-            <a:spAutoFit/>
-          </a:bodyPr>
-          <a:lstStyle/>
-          <a:p>
-            <a:pPr algn="l"/>
-            <a:r>
-              <a:rPr lang="it-IT" sz="2800" dirty="0" err="1">
-                <a:solidFill>
-                  <a:srgbClr val="003F6E"/>
-                </a:solidFill>
-                <a:latin typeface="Calibri"/>
-                <a:cs typeface="Calibri"/>
-              </a:rPr>
-              <a:t>Approximate</a:t>
-            </a:r>
-            <a:r>
-              <a:rPr lang="it-IT" sz="2800" dirty="0">
-                <a:solidFill>
-                  <a:srgbClr val="003F6E"/>
-                </a:solidFill>
-                <a:latin typeface="Calibri"/>
-                <a:cs typeface="Calibri"/>
-              </a:rPr>
-              <a:t> devices coverage of 62.6% </a:t>
-            </a:r>
-          </a:p>
-        </p:txBody>
-      </p:sp>
-      <p:pic>
-        <p:nvPicPr>
-          <p:cNvPr id="6" name="Immagine 6" descr="Immagine che contiene verde&#10;&#10;Descrizione generata con affidabilità elevata">
-            <a:extLst>
-              <a:ext uri="{FF2B5EF4-FFF2-40B4-BE49-F238E27FC236}">
-                <a16:creationId xmlns:a16="http://schemas.microsoft.com/office/drawing/2014/main" id="{3D8E87DB-A5C7-49D7-B3CE-B5FF6F954B69}"/>
-              </a:ext>
-            </a:extLst>
-          </p:cNvPr>
-          <p:cNvPicPr>
-            <a:picLocks noChangeAspect="1"/>
-          </p:cNvPicPr>
-          <p:nvPr/>
-        </p:nvPicPr>
-        <p:blipFill>
-          <a:blip r:embed="rId2"/>
-          <a:stretch>
-            <a:fillRect/>
-          </a:stretch>
-        </p:blipFill>
-        <p:spPr>
-          <a:xfrm>
-            <a:off x="6364637" y="2185261"/>
-            <a:ext cx="1651862" cy="1099089"/>
-          </a:xfrm>
-          <a:prstGeom prst="rect">
-            <a:avLst/>
-          </a:prstGeom>
-        </p:spPr>
-      </p:pic>
-      <p:pic>
-        <p:nvPicPr>
-          <p:cNvPr id="8" name="Immagine 8" descr="Immagine che contiene interni, tavolo, torta&#10;&#10;Descrizione generata con affidabilità elevata">
-            <a:extLst>
-              <a:ext uri="{FF2B5EF4-FFF2-40B4-BE49-F238E27FC236}">
-                <a16:creationId xmlns:a16="http://schemas.microsoft.com/office/drawing/2014/main" id="{AE8DE90D-D129-439D-BD42-8D266AA75DC4}"/>
-              </a:ext>
-            </a:extLst>
-          </p:cNvPr>
-          <p:cNvPicPr>
-            <a:picLocks noChangeAspect="1"/>
-          </p:cNvPicPr>
-          <p:nvPr/>
-        </p:nvPicPr>
-        <p:blipFill>
-          <a:blip r:embed="rId3"/>
-          <a:stretch>
-            <a:fillRect/>
-          </a:stretch>
-        </p:blipFill>
-        <p:spPr>
-          <a:xfrm>
-            <a:off x="6280688" y="1171809"/>
-            <a:ext cx="1703523" cy="988519"/>
-          </a:xfrm>
-          <a:prstGeom prst="rect">
-            <a:avLst/>
-          </a:prstGeom>
-        </p:spPr>
-      </p:pic>
-      <p:sp>
-        <p:nvSpPr>
-          <p:cNvPr id="11" name="Freccia in giù 10">
-            <a:extLst>
-              <a:ext uri="{FF2B5EF4-FFF2-40B4-BE49-F238E27FC236}">
-                <a16:creationId xmlns:a16="http://schemas.microsoft.com/office/drawing/2014/main" id="{2643C3C7-70EF-4316-9374-DDF8666665B9}"/>
-              </a:ext>
-            </a:extLst>
-          </p:cNvPr>
-          <p:cNvSpPr/>
-          <p:nvPr/>
-        </p:nvSpPr>
-        <p:spPr bwMode="auto">
-          <a:xfrm>
-            <a:off x="4345020" y="3281167"/>
-            <a:ext cx="484631" cy="523220"/>
-          </a:xfrm>
-          <a:prstGeom prst="downArrow">
-            <a:avLst>
-              <a:gd name="adj1" fmla="val 29035"/>
-              <a:gd name="adj2" fmla="val 50000"/>
-            </a:avLst>
-          </a:prstGeom>
           <a:solidFill>
-            <a:srgbClr val="00B050"/>
+            <a:schemeClr val="accent3"/>
           </a:solidFill>
           <a:ln>
             <a:noFill/>
           </a:ln>
           <a:effectLst/>
-          <a:extLst>
-            <a:ext uri="{91240B29-F687-4F45-9708-019B960494DF}">
-              <a14:hiddenLine xmlns:a14="http://schemas.microsoft.com/office/drawing/2010/main" w="9525" cap="flat" cmpd="sng" algn="ctr">
-                <a:solidFill>
-                  <a:schemeClr val="tx1"/>
-                </a:solidFill>
-                <a:prstDash val="solid"/>
-                <a:round/>
-                <a:headEnd type="none" w="med" len="med"/>
-                <a:tailEnd type="none" w="med" len="med"/>
-              </a14:hiddenLine>
-            </a:ext>
-            <a:ext uri="{AF507438-7753-43E0-B8FC-AC1667EBCBE1}">
-              <a14:hiddenEffects xmlns:a14="http://schemas.microsoft.com/office/drawing/2010/main">
-                <a:effectLst>
-                  <a:outerShdw dist="35921" dir="2700000" algn="ctr" rotWithShape="0">
-                    <a:schemeClr val="bg2"/>
-                  </a:outerShdw>
-                </a:effectLst>
-              </a14:hiddenEffects>
-            </a:ext>
-          </a:extLst>
         </p:spPr>
         <p:txBody>
           <a:bodyPr vert="horz" wrap="square" lIns="0" tIns="0" rIns="0" bIns="0" numCol="1" rtlCol="0" anchor="t" anchorCtr="0" compatLnSpc="1">
@@ -9293,10 +9650,302 @@
           </a:p>
         </p:txBody>
       </p:sp>
+      <p:pic>
+        <p:nvPicPr>
+          <p:cNvPr id="6" name="Immagine 5">
+            <a:extLst>
+              <a:ext uri="{FF2B5EF4-FFF2-40B4-BE49-F238E27FC236}">
+                <a16:creationId xmlns:a16="http://schemas.microsoft.com/office/drawing/2014/main" id="{5A837E41-4339-41DA-896D-9E7ECF5317CE}"/>
+              </a:ext>
+            </a:extLst>
+          </p:cNvPr>
+          <p:cNvPicPr>
+            <a:picLocks noChangeAspect="1"/>
+          </p:cNvPicPr>
+          <p:nvPr/>
+        </p:nvPicPr>
+        <p:blipFill>
+          <a:blip r:embed="rId2"/>
+          <a:stretch>
+            <a:fillRect/>
+          </a:stretch>
+        </p:blipFill>
+        <p:spPr>
+          <a:xfrm>
+            <a:off x="827584" y="1735994"/>
+            <a:ext cx="2341508" cy="1482204"/>
+          </a:xfrm>
+          <a:prstGeom prst="rect">
+            <a:avLst/>
+          </a:prstGeom>
+        </p:spPr>
+      </p:pic>
+      <p:pic>
+        <p:nvPicPr>
+          <p:cNvPr id="7" name="Immagine 6">
+            <a:extLst>
+              <a:ext uri="{FF2B5EF4-FFF2-40B4-BE49-F238E27FC236}">
+                <a16:creationId xmlns:a16="http://schemas.microsoft.com/office/drawing/2014/main" id="{60E92C9F-F938-48AC-93EF-78DE9296BBF1}"/>
+              </a:ext>
+            </a:extLst>
+          </p:cNvPr>
+          <p:cNvPicPr/>
+          <p:nvPr/>
+        </p:nvPicPr>
+        <p:blipFill>
+          <a:blip r:embed="rId3">
+            <a:extLst>
+              <a:ext uri="{28A0092B-C50C-407E-A947-70E740481C1C}">
+                <a14:useLocalDpi xmlns:a14="http://schemas.microsoft.com/office/drawing/2010/main" val="0"/>
+              </a:ext>
+            </a:extLst>
+          </a:blip>
+          <a:srcRect/>
+          <a:stretch>
+            <a:fillRect/>
+          </a:stretch>
+        </p:blipFill>
+        <p:spPr bwMode="auto">
+          <a:xfrm>
+            <a:off x="827584" y="3873857"/>
+            <a:ext cx="2341508" cy="1482204"/>
+          </a:xfrm>
+          <a:prstGeom prst="rect">
+            <a:avLst/>
+          </a:prstGeom>
+          <a:noFill/>
+          <a:ln>
+            <a:noFill/>
+          </a:ln>
+        </p:spPr>
+      </p:pic>
+      <p:pic>
+        <p:nvPicPr>
+          <p:cNvPr id="8" name="Immagine 7">
+            <a:extLst>
+              <a:ext uri="{FF2B5EF4-FFF2-40B4-BE49-F238E27FC236}">
+                <a16:creationId xmlns:a16="http://schemas.microsoft.com/office/drawing/2014/main" id="{BF982826-8C06-4943-9497-5D4B78D5CE42}"/>
+              </a:ext>
+            </a:extLst>
+          </p:cNvPr>
+          <p:cNvPicPr/>
+          <p:nvPr/>
+        </p:nvPicPr>
+        <p:blipFill>
+          <a:blip r:embed="rId4">
+            <a:extLst>
+              <a:ext uri="{28A0092B-C50C-407E-A947-70E740481C1C}">
+                <a14:useLocalDpi xmlns:a14="http://schemas.microsoft.com/office/drawing/2010/main" val="0"/>
+              </a:ext>
+            </a:extLst>
+          </a:blip>
+          <a:srcRect/>
+          <a:stretch>
+            <a:fillRect/>
+          </a:stretch>
+        </p:blipFill>
+        <p:spPr bwMode="auto">
+          <a:xfrm>
+            <a:off x="4293964" y="1735993"/>
+            <a:ext cx="2341508" cy="1482205"/>
+          </a:xfrm>
+          <a:prstGeom prst="rect">
+            <a:avLst/>
+          </a:prstGeom>
+          <a:noFill/>
+          <a:ln>
+            <a:noFill/>
+          </a:ln>
+        </p:spPr>
+      </p:pic>
+      <p:pic>
+        <p:nvPicPr>
+          <p:cNvPr id="9" name="Immagine 8">
+            <a:extLst>
+              <a:ext uri="{FF2B5EF4-FFF2-40B4-BE49-F238E27FC236}">
+                <a16:creationId xmlns:a16="http://schemas.microsoft.com/office/drawing/2014/main" id="{F039869D-193A-411C-9DDD-FE7F917568F2}"/>
+              </a:ext>
+            </a:extLst>
+          </p:cNvPr>
+          <p:cNvPicPr/>
+          <p:nvPr/>
+        </p:nvPicPr>
+        <p:blipFill>
+          <a:blip r:embed="rId5">
+            <a:extLst>
+              <a:ext uri="{28A0092B-C50C-407E-A947-70E740481C1C}">
+                <a14:useLocalDpi xmlns:a14="http://schemas.microsoft.com/office/drawing/2010/main" val="0"/>
+              </a:ext>
+            </a:extLst>
+          </a:blip>
+          <a:srcRect/>
+          <a:stretch>
+            <a:fillRect/>
+          </a:stretch>
+        </p:blipFill>
+        <p:spPr bwMode="auto">
+          <a:xfrm>
+            <a:off x="4315223" y="3586407"/>
+            <a:ext cx="4165048" cy="2658909"/>
+          </a:xfrm>
+          <a:prstGeom prst="rect">
+            <a:avLst/>
+          </a:prstGeom>
+          <a:noFill/>
+          <a:ln>
+            <a:noFill/>
+          </a:ln>
+        </p:spPr>
+      </p:pic>
+      <p:sp>
+        <p:nvSpPr>
+          <p:cNvPr id="10" name="CasellaDiTesto 9">
+            <a:extLst>
+              <a:ext uri="{FF2B5EF4-FFF2-40B4-BE49-F238E27FC236}">
+                <a16:creationId xmlns:a16="http://schemas.microsoft.com/office/drawing/2014/main" id="{D0016BFB-57F4-48FD-AAF3-7A435D4D1337}"/>
+              </a:ext>
+            </a:extLst>
+          </p:cNvPr>
+          <p:cNvSpPr txBox="1"/>
+          <p:nvPr/>
+        </p:nvSpPr>
+        <p:spPr>
+          <a:xfrm>
+            <a:off x="740280" y="1474384"/>
+            <a:ext cx="1173718" cy="261610"/>
+          </a:xfrm>
+          <a:prstGeom prst="rect">
+            <a:avLst/>
+          </a:prstGeom>
+          <a:noFill/>
+        </p:spPr>
+        <p:txBody>
+          <a:bodyPr wrap="none" rtlCol="0">
+            <a:spAutoFit/>
+          </a:bodyPr>
+          <a:lstStyle/>
+          <a:p>
+            <a:r>
+              <a:rPr lang="it-IT" sz="1100" dirty="0"/>
+              <a:t>Google 1° class</a:t>
+            </a:r>
+          </a:p>
+        </p:txBody>
+      </p:sp>
+      <p:sp>
+        <p:nvSpPr>
+          <p:cNvPr id="11" name="CasellaDiTesto 10">
+            <a:extLst>
+              <a:ext uri="{FF2B5EF4-FFF2-40B4-BE49-F238E27FC236}">
+                <a16:creationId xmlns:a16="http://schemas.microsoft.com/office/drawing/2014/main" id="{A3DAED15-B5EF-4DE7-8C0B-42A8E86787C9}"/>
+              </a:ext>
+            </a:extLst>
+          </p:cNvPr>
+          <p:cNvSpPr txBox="1"/>
+          <p:nvPr/>
+        </p:nvSpPr>
+        <p:spPr>
+          <a:xfrm>
+            <a:off x="4273172" y="1474384"/>
+            <a:ext cx="1173719" cy="261610"/>
+          </a:xfrm>
+          <a:prstGeom prst="rect">
+            <a:avLst/>
+          </a:prstGeom>
+          <a:noFill/>
+        </p:spPr>
+        <p:txBody>
+          <a:bodyPr wrap="none" rtlCol="0">
+            <a:spAutoFit/>
+          </a:bodyPr>
+          <a:lstStyle/>
+          <a:p>
+            <a:r>
+              <a:rPr lang="it-IT" sz="1100" dirty="0"/>
+              <a:t>Google 2° class</a:t>
+            </a:r>
+          </a:p>
+        </p:txBody>
+      </p:sp>
+      <p:sp>
+        <p:nvSpPr>
+          <p:cNvPr id="12" name="CasellaDiTesto 11">
+            <a:extLst>
+              <a:ext uri="{FF2B5EF4-FFF2-40B4-BE49-F238E27FC236}">
+                <a16:creationId xmlns:a16="http://schemas.microsoft.com/office/drawing/2014/main" id="{CF41300F-33B6-4E11-97F0-EDE9E538128D}"/>
+              </a:ext>
+            </a:extLst>
+          </p:cNvPr>
+          <p:cNvSpPr txBox="1"/>
+          <p:nvPr/>
+        </p:nvSpPr>
+        <p:spPr>
+          <a:xfrm>
+            <a:off x="740280" y="3612247"/>
+            <a:ext cx="1173719" cy="261610"/>
+          </a:xfrm>
+          <a:prstGeom prst="rect">
+            <a:avLst/>
+          </a:prstGeom>
+          <a:noFill/>
+        </p:spPr>
+        <p:txBody>
+          <a:bodyPr wrap="none" rtlCol="0">
+            <a:spAutoFit/>
+          </a:bodyPr>
+          <a:lstStyle/>
+          <a:p>
+            <a:r>
+              <a:rPr lang="it-IT" sz="1100" dirty="0"/>
+              <a:t>Google 3° class</a:t>
+            </a:r>
+          </a:p>
+        </p:txBody>
+      </p:sp>
+      <p:sp>
+        <p:nvSpPr>
+          <p:cNvPr id="13" name="CasellaDiTesto 12">
+            <a:extLst>
+              <a:ext uri="{FF2B5EF4-FFF2-40B4-BE49-F238E27FC236}">
+                <a16:creationId xmlns:a16="http://schemas.microsoft.com/office/drawing/2014/main" id="{4157E6AE-0EC4-4148-9AB1-55DCE74217A9}"/>
+              </a:ext>
+            </a:extLst>
+          </p:cNvPr>
+          <p:cNvSpPr txBox="1"/>
+          <p:nvPr/>
+        </p:nvSpPr>
+        <p:spPr>
+          <a:xfrm>
+            <a:off x="4273172" y="3357625"/>
+            <a:ext cx="1391728" cy="261610"/>
+          </a:xfrm>
+          <a:prstGeom prst="rect">
+            <a:avLst/>
+          </a:prstGeom>
+          <a:noFill/>
+        </p:spPr>
+        <p:txBody>
+          <a:bodyPr wrap="none" rtlCol="0">
+            <a:spAutoFit/>
+          </a:bodyPr>
+          <a:lstStyle/>
+          <a:p>
+            <a:r>
+              <a:rPr lang="it-IT" sz="1100" dirty="0"/>
+              <a:t>Google </a:t>
+            </a:r>
+            <a:r>
+              <a:rPr lang="it-IT" sz="1100" dirty="0" err="1"/>
+              <a:t>aggregated</a:t>
+            </a:r>
+            <a:endParaRPr lang="it-IT" sz="1100" dirty="0"/>
+          </a:p>
+        </p:txBody>
+      </p:sp>
     </p:spTree>
     <p:extLst>
       <p:ext uri="{BB962C8B-B14F-4D97-AF65-F5344CB8AC3E}">
-        <p14:creationId xmlns:p14="http://schemas.microsoft.com/office/powerpoint/2010/main" val="2376468834"/>
+        <p14:creationId xmlns:p14="http://schemas.microsoft.com/office/powerpoint/2010/main" val="593537686"/>
       </p:ext>
     </p:extLst>
   </p:cSld>
@@ -9328,7 +9977,7 @@
           <p:cNvPr id="2" name="Titolo 1">
             <a:extLst>
               <a:ext uri="{FF2B5EF4-FFF2-40B4-BE49-F238E27FC236}">
-                <a16:creationId xmlns:a16="http://schemas.microsoft.com/office/drawing/2014/main" id="{4BE247A2-758D-4AC6-BF37-E19A51583476}"/>
+                <a16:creationId xmlns:a16="http://schemas.microsoft.com/office/drawing/2014/main" id="{5CCDD63A-438D-4B40-96EF-962EE61A5A1F}"/>
               </a:ext>
             </a:extLst>
           </p:cNvPr>
@@ -9344,10 +9993,7 @@
           <a:bodyPr/>
           <a:lstStyle/>
           <a:p>
-            <a:r>
-              <a:rPr lang="en-GB" dirty="0"/>
-              <a:t>GP Regression Error</a:t>
-            </a:r>
+            <a:endParaRPr lang="it-IT" dirty="0"/>
           </a:p>
         </p:txBody>
       </p:sp>
@@ -9356,7 +10002,7 @@
           <p:cNvPr id="3" name="Segnaposto contenuto 2">
             <a:extLst>
               <a:ext uri="{FF2B5EF4-FFF2-40B4-BE49-F238E27FC236}">
-                <a16:creationId xmlns:a16="http://schemas.microsoft.com/office/drawing/2014/main" id="{701781B3-45AA-4B08-A426-FC957A94B924}"/>
+                <a16:creationId xmlns:a16="http://schemas.microsoft.com/office/drawing/2014/main" id="{55BC5A9B-A7A6-439B-9D3D-11EDD37F4214}"/>
               </a:ext>
             </a:extLst>
           </p:cNvPr>
@@ -9367,232 +10013,12 @@
             <p:ph idx="1"/>
           </p:nvPr>
         </p:nvSpPr>
-        <p:spPr>
-          <a:xfrm>
-            <a:off x="951613" y="1564037"/>
-            <a:ext cx="7260956" cy="4294322"/>
-          </a:xfrm>
-        </p:spPr>
+        <p:spPr/>
         <p:txBody>
           <a:bodyPr/>
           <a:lstStyle/>
           <a:p>
-            <a:pPr marL="457200" indent="-457200">
-              <a:lnSpc>
-                <a:spcPct val="90000"/>
-              </a:lnSpc>
-              <a:spcBef>
-                <a:spcPts val="1000"/>
-              </a:spcBef>
-              <a:spcAft>
-                <a:spcPts val="0"/>
-              </a:spcAft>
-              <a:buFont typeface="Arial"/>
-              <a:buChar char="•"/>
-            </a:pPr>
-            <a:r>
-              <a:rPr lang="en-GB" sz="2800" dirty="0">
-                <a:solidFill>
-                  <a:srgbClr val="003F6E"/>
-                </a:solidFill>
-                <a:latin typeface="Calibri"/>
-                <a:cs typeface="Calibri"/>
-              </a:rPr>
-              <a:t>Target </a:t>
-            </a:r>
-            <a:r>
-              <a:rPr lang="en-GB" sz="2800" dirty="0" err="1">
-                <a:solidFill>
-                  <a:srgbClr val="003F6E"/>
-                </a:solidFill>
-                <a:latin typeface="Calibri"/>
-                <a:cs typeface="Calibri"/>
-              </a:rPr>
-              <a:t>Sdk</a:t>
-            </a:r>
-            <a:r>
-              <a:rPr lang="en-GB" sz="2800" dirty="0">
-                <a:solidFill>
-                  <a:srgbClr val="003F6E"/>
-                </a:solidFill>
-                <a:latin typeface="Calibri"/>
-                <a:cs typeface="Calibri"/>
-              </a:rPr>
-              <a:t> Version = 28</a:t>
-            </a:r>
-          </a:p>
-          <a:p>
-            <a:pPr marL="0" indent="0">
-              <a:lnSpc>
-                <a:spcPct val="90000"/>
-              </a:lnSpc>
-              <a:spcBef>
-                <a:spcPts val="1000"/>
-              </a:spcBef>
-              <a:spcAft>
-                <a:spcPts val="0"/>
-              </a:spcAft>
-            </a:pPr>
-            <a:endParaRPr lang="en-GB" sz="2800" dirty="0">
-              <a:solidFill>
-                <a:srgbClr val="003F6E"/>
-              </a:solidFill>
-              <a:latin typeface="Calibri"/>
-              <a:cs typeface="Calibri"/>
-            </a:endParaRPr>
-          </a:p>
-          <a:p>
-            <a:pPr marL="457200" indent="-457200">
-              <a:lnSpc>
-                <a:spcPct val="90000"/>
-              </a:lnSpc>
-              <a:spcBef>
-                <a:spcPts val="1000"/>
-              </a:spcBef>
-              <a:spcAft>
-                <a:spcPts val="0"/>
-              </a:spcAft>
-              <a:buFont typeface="Arial"/>
-              <a:buChar char="•"/>
-            </a:pPr>
-            <a:r>
-              <a:rPr lang="en-GB" sz="2800" dirty="0">
-                <a:solidFill>
-                  <a:srgbClr val="003F6E"/>
-                </a:solidFill>
-                <a:latin typeface="Calibri"/>
-                <a:cs typeface="Calibri"/>
-              </a:rPr>
-              <a:t>Minimum </a:t>
-            </a:r>
-            <a:r>
-              <a:rPr lang="en-GB" sz="2800" dirty="0" err="1">
-                <a:solidFill>
-                  <a:srgbClr val="003F6E"/>
-                </a:solidFill>
-                <a:latin typeface="Calibri"/>
-                <a:cs typeface="Calibri"/>
-              </a:rPr>
-              <a:t>Sdk</a:t>
-            </a:r>
-            <a:r>
-              <a:rPr lang="en-GB" sz="2800" dirty="0">
-                <a:solidFill>
-                  <a:srgbClr val="003F6E"/>
-                </a:solidFill>
-                <a:latin typeface="Calibri"/>
-                <a:cs typeface="Calibri"/>
-              </a:rPr>
-              <a:t> Version = 23</a:t>
-            </a:r>
-            <a:endParaRPr lang="en-GB" dirty="0">
-              <a:cs typeface="Arial"/>
-            </a:endParaRPr>
-          </a:p>
-          <a:p>
-            <a:pPr marL="0" indent="0">
-              <a:lnSpc>
-                <a:spcPct val="90000"/>
-              </a:lnSpc>
-              <a:spcBef>
-                <a:spcPts val="1000"/>
-              </a:spcBef>
-              <a:spcAft>
-                <a:spcPts val="0"/>
-              </a:spcAft>
-            </a:pPr>
-            <a:endParaRPr lang="en-GB" sz="2800" dirty="0">
-              <a:solidFill>
-                <a:srgbClr val="003F6E"/>
-              </a:solidFill>
-              <a:latin typeface="Calibri"/>
-              <a:cs typeface="Calibri"/>
-            </a:endParaRPr>
-          </a:p>
-          <a:p>
-            <a:pPr marL="0" indent="0">
-              <a:lnSpc>
-                <a:spcPct val="90000"/>
-              </a:lnSpc>
-              <a:spcBef>
-                <a:spcPts val="1000"/>
-              </a:spcBef>
-              <a:spcAft>
-                <a:spcPts val="0"/>
-              </a:spcAft>
-            </a:pPr>
-            <a:endParaRPr lang="en-GB" sz="2800" dirty="0">
-              <a:solidFill>
-                <a:srgbClr val="003F6E"/>
-              </a:solidFill>
-              <a:latin typeface="Calibri"/>
-              <a:cs typeface="Calibri"/>
-            </a:endParaRPr>
-          </a:p>
-          <a:p>
-            <a:pPr marL="0" indent="0">
-              <a:lnSpc>
-                <a:spcPct val="90000"/>
-              </a:lnSpc>
-              <a:spcBef>
-                <a:spcPts val="1000"/>
-              </a:spcBef>
-              <a:spcAft>
-                <a:spcPts val="0"/>
-              </a:spcAft>
-            </a:pPr>
-            <a:endParaRPr lang="en-GB" sz="2800" dirty="0">
-              <a:solidFill>
-                <a:srgbClr val="003F6E"/>
-              </a:solidFill>
-              <a:latin typeface="Calibri"/>
-              <a:cs typeface="Calibri"/>
-            </a:endParaRPr>
-          </a:p>
-          <a:p>
-            <a:pPr marL="0" indent="0">
-              <a:lnSpc>
-                <a:spcPct val="90000"/>
-              </a:lnSpc>
-              <a:spcBef>
-                <a:spcPts val="1000"/>
-              </a:spcBef>
-              <a:spcAft>
-                <a:spcPts val="0"/>
-              </a:spcAft>
-            </a:pPr>
-            <a:endParaRPr lang="en-GB" sz="2800" dirty="0">
-              <a:solidFill>
-                <a:srgbClr val="003F6E"/>
-              </a:solidFill>
-              <a:latin typeface="Calibri"/>
-              <a:cs typeface="Calibri"/>
-            </a:endParaRPr>
-          </a:p>
-          <a:p>
-            <a:pPr marL="457200" indent="-457200">
-              <a:lnSpc>
-                <a:spcPct val="90000"/>
-              </a:lnSpc>
-              <a:spcBef>
-                <a:spcPts val="1000"/>
-              </a:spcBef>
-              <a:spcAft>
-                <a:spcPts val="0"/>
-              </a:spcAft>
-              <a:buFont typeface="Arial"/>
-              <a:buChar char="•"/>
-            </a:pPr>
-            <a:r>
-              <a:rPr lang="en-GB" sz="2800" dirty="0">
-                <a:solidFill>
-                  <a:srgbClr val="003F6E"/>
-                </a:solidFill>
-                <a:latin typeface="Calibri"/>
-                <a:cs typeface="Calibri"/>
-              </a:rPr>
-              <a:t>Supported languages: English, Italian</a:t>
-            </a:r>
+            <a:endParaRPr lang="it-IT"/>
           </a:p>
         </p:txBody>
       </p:sp>
@@ -9601,7 +10027,7 @@
           <p:cNvPr id="4" name="Segnaposto numero diapositiva 3">
             <a:extLst>
               <a:ext uri="{FF2B5EF4-FFF2-40B4-BE49-F238E27FC236}">
-                <a16:creationId xmlns:a16="http://schemas.microsoft.com/office/drawing/2014/main" id="{1F42B96A-DC32-40CE-A5BB-9155421755F6}"/>
+                <a16:creationId xmlns:a16="http://schemas.microsoft.com/office/drawing/2014/main" id="{136BF483-47CE-48DA-BBDC-C340A204C125}"/>
               </a:ext>
             </a:extLst>
           </p:cNvPr>
@@ -9622,177 +10048,37 @@
               <a:pPr/>
               <a:t>9</a:t>
             </a:fld>
-            <a:endParaRPr lang="it-IT" altLang="en-US"/>
+            <a:endParaRPr lang="it-IT" altLang="en-US" dirty="0"/>
           </a:p>
         </p:txBody>
       </p:sp>
       <p:sp>
         <p:nvSpPr>
-          <p:cNvPr id="5" name="CasellaDiTesto 4">
-            <a:extLst>
-              <a:ext uri="{FF2B5EF4-FFF2-40B4-BE49-F238E27FC236}">
-                <a16:creationId xmlns:a16="http://schemas.microsoft.com/office/drawing/2014/main" id="{D1091869-0615-4A10-B885-3278EA3EB5BB}"/>
-              </a:ext>
-            </a:extLst>
-          </p:cNvPr>
-          <p:cNvSpPr txBox="1"/>
+          <p:cNvPr id="5" name="Rettangolo 4">
+            <a:extLst>
+              <a:ext uri="{FF2B5EF4-FFF2-40B4-BE49-F238E27FC236}">
+                <a16:creationId xmlns:a16="http://schemas.microsoft.com/office/drawing/2014/main" id="{838103B8-D9E0-4320-AA89-0AB6A63E6FC2}"/>
+              </a:ext>
+            </a:extLst>
+          </p:cNvPr>
+          <p:cNvSpPr/>
           <p:nvPr/>
         </p:nvSpPr>
-        <p:spPr>
+        <p:spPr bwMode="auto">
           <a:xfrm>
-            <a:off x="1702230" y="3800958"/>
-            <a:ext cx="6133452" cy="523220"/>
+            <a:off x="719138" y="6613525"/>
+            <a:ext cx="4140894" cy="244475"/>
           </a:xfrm>
           <a:prstGeom prst="rect">
             <a:avLst/>
           </a:prstGeom>
-          <a:noFill/>
-        </p:spPr>
-        <p:txBody>
-          <a:bodyPr rot="0" spcFirstLastPara="0" vertOverflow="overflow" horzOverflow="overflow" vert="horz" wrap="square" lIns="91440" tIns="45720" rIns="91440" bIns="45720" numCol="1" spcCol="0" rtlCol="0" fromWordArt="0" anchor="t" anchorCtr="0" forceAA="0" compatLnSpc="1">
-            <a:prstTxWarp prst="textNoShape">
-              <a:avLst/>
-            </a:prstTxWarp>
-            <a:spAutoFit/>
-          </a:bodyPr>
-          <a:lstStyle/>
-          <a:p>
-            <a:pPr algn="l"/>
-            <a:r>
-              <a:rPr lang="it-IT" sz="2800" dirty="0" err="1">
-                <a:solidFill>
-                  <a:srgbClr val="003F6E"/>
-                </a:solidFill>
-                <a:latin typeface="Calibri"/>
-                <a:cs typeface="Calibri"/>
-              </a:rPr>
-              <a:t>Approximate</a:t>
-            </a:r>
-            <a:r>
-              <a:rPr lang="it-IT" sz="2800" dirty="0">
-                <a:solidFill>
-                  <a:srgbClr val="003F6E"/>
-                </a:solidFill>
-                <a:latin typeface="Calibri"/>
-                <a:cs typeface="Calibri"/>
-              </a:rPr>
-              <a:t> devices coverage of 62.6% </a:t>
-            </a:r>
-          </a:p>
-        </p:txBody>
-      </p:sp>
-      <p:pic>
-        <p:nvPicPr>
-          <p:cNvPr id="6" name="Immagine 6" descr="Immagine che contiene verde&#10;&#10;Descrizione generata con affidabilità elevata">
-            <a:extLst>
-              <a:ext uri="{FF2B5EF4-FFF2-40B4-BE49-F238E27FC236}">
-                <a16:creationId xmlns:a16="http://schemas.microsoft.com/office/drawing/2014/main" id="{3D8E87DB-A5C7-49D7-B3CE-B5FF6F954B69}"/>
-              </a:ext>
-            </a:extLst>
-          </p:cNvPr>
-          <p:cNvPicPr>
-            <a:picLocks noChangeAspect="1"/>
-          </p:cNvPicPr>
-          <p:nvPr/>
-        </p:nvPicPr>
-        <p:blipFill>
-          <a:blip r:embed="rId2"/>
-          <a:stretch>
-            <a:fillRect/>
-          </a:stretch>
-        </p:blipFill>
-        <p:spPr>
-          <a:xfrm>
-            <a:off x="6364637" y="2185261"/>
-            <a:ext cx="1651862" cy="1099089"/>
-          </a:xfrm>
-          <a:prstGeom prst="rect">
-            <a:avLst/>
-          </a:prstGeom>
-        </p:spPr>
-      </p:pic>
-      <p:pic>
-        <p:nvPicPr>
-          <p:cNvPr id="8" name="Immagine 8" descr="Immagine che contiene interni, tavolo, torta&#10;&#10;Descrizione generata con affidabilità elevata">
-            <a:extLst>
-              <a:ext uri="{FF2B5EF4-FFF2-40B4-BE49-F238E27FC236}">
-                <a16:creationId xmlns:a16="http://schemas.microsoft.com/office/drawing/2014/main" id="{AE8DE90D-D129-439D-BD42-8D266AA75DC4}"/>
-              </a:ext>
-            </a:extLst>
-          </p:cNvPr>
-          <p:cNvPicPr>
-            <a:picLocks noChangeAspect="1"/>
-          </p:cNvPicPr>
-          <p:nvPr/>
-        </p:nvPicPr>
-        <p:blipFill>
-          <a:blip r:embed="rId3"/>
-          <a:stretch>
-            <a:fillRect/>
-          </a:stretch>
-        </p:blipFill>
-        <p:spPr>
-          <a:xfrm>
-            <a:off x="6280688" y="1171809"/>
-            <a:ext cx="1703523" cy="988519"/>
-          </a:xfrm>
-          <a:prstGeom prst="rect">
-            <a:avLst/>
-          </a:prstGeom>
-        </p:spPr>
-      </p:pic>
-      <p:sp>
-        <p:nvSpPr>
-          <p:cNvPr id="11" name="Freccia in giù 10">
-            <a:extLst>
-              <a:ext uri="{FF2B5EF4-FFF2-40B4-BE49-F238E27FC236}">
-                <a16:creationId xmlns:a16="http://schemas.microsoft.com/office/drawing/2014/main" id="{2643C3C7-70EF-4316-9374-DDF8666665B9}"/>
-              </a:ext>
-            </a:extLst>
-          </p:cNvPr>
-          <p:cNvSpPr/>
-          <p:nvPr/>
-        </p:nvSpPr>
-        <p:spPr bwMode="auto">
-          <a:xfrm>
-            <a:off x="4345020" y="3281167"/>
-            <a:ext cx="484631" cy="523220"/>
-          </a:xfrm>
-          <a:prstGeom prst="downArrow">
-            <a:avLst>
-              <a:gd name="adj1" fmla="val 29035"/>
-              <a:gd name="adj2" fmla="val 50000"/>
-            </a:avLst>
-          </a:prstGeom>
           <a:solidFill>
-            <a:srgbClr val="00B050"/>
+            <a:schemeClr val="accent3"/>
           </a:solidFill>
           <a:ln>
             <a:noFill/>
           </a:ln>
           <a:effectLst/>
-          <a:extLst>
-            <a:ext uri="{91240B29-F687-4F45-9708-019B960494DF}">
-              <a14:hiddenLine xmlns:a14="http://schemas.microsoft.com/office/drawing/2010/main" w="9525" cap="flat" cmpd="sng" algn="ctr">
-                <a:solidFill>
-                  <a:schemeClr val="tx1"/>
-                </a:solidFill>
-                <a:prstDash val="solid"/>
-                <a:round/>
-                <a:headEnd type="none" w="med" len="med"/>
-                <a:tailEnd type="none" w="med" len="med"/>
-              </a14:hiddenLine>
-            </a:ext>
-            <a:ext uri="{AF507438-7753-43E0-B8FC-AC1667EBCBE1}">
-              <a14:hiddenEffects xmlns:a14="http://schemas.microsoft.com/office/drawing/2010/main">
-                <a:effectLst>
-                  <a:outerShdw dist="35921" dir="2700000" algn="ctr" rotWithShape="0">
-                    <a:schemeClr val="bg2"/>
-                  </a:outerShdw>
-                </a:effectLst>
-              </a14:hiddenEffects>
-            </a:ext>
-          </a:extLst>
         </p:spPr>
         <p:txBody>
           <a:bodyPr vert="horz" wrap="square" lIns="0" tIns="0" rIns="0" bIns="0" numCol="1" rtlCol="0" anchor="t" anchorCtr="0" compatLnSpc="1">
@@ -9834,7 +10120,7 @@
     </p:spTree>
     <p:extLst>
       <p:ext uri="{BB962C8B-B14F-4D97-AF65-F5344CB8AC3E}">
-        <p14:creationId xmlns:p14="http://schemas.microsoft.com/office/powerpoint/2010/main" val="2391344002"/>
+        <p14:creationId xmlns:p14="http://schemas.microsoft.com/office/powerpoint/2010/main" val="3845932730"/>
       </p:ext>
     </p:extLst>
   </p:cSld>

--- a/advertising_presentation.pptx
+++ b/advertising_presentation.pptx
@@ -5,10 +5,10 @@
     <p:sldMasterId id="2147483648" r:id="rId1"/>
   </p:sldMasterIdLst>
   <p:notesMasterIdLst>
-    <p:notesMasterId r:id="rId14"/>
+    <p:notesMasterId r:id="rId21"/>
   </p:notesMasterIdLst>
   <p:handoutMasterIdLst>
-    <p:handoutMasterId r:id="rId15"/>
+    <p:handoutMasterId r:id="rId22"/>
   </p:handoutMasterIdLst>
   <p:sldIdLst>
     <p:sldId id="256" r:id="rId2"/>
@@ -19,10 +19,17 @@
     <p:sldId id="295" r:id="rId7"/>
     <p:sldId id="296" r:id="rId8"/>
     <p:sldId id="297" r:id="rId9"/>
-    <p:sldId id="298" r:id="rId10"/>
-    <p:sldId id="271" r:id="rId11"/>
-    <p:sldId id="293" r:id="rId12"/>
-    <p:sldId id="289" r:id="rId13"/>
+    <p:sldId id="271" r:id="rId10"/>
+    <p:sldId id="298" r:id="rId11"/>
+    <p:sldId id="299" r:id="rId12"/>
+    <p:sldId id="300" r:id="rId13"/>
+    <p:sldId id="301" r:id="rId14"/>
+    <p:sldId id="302" r:id="rId15"/>
+    <p:sldId id="303" r:id="rId16"/>
+    <p:sldId id="304" r:id="rId17"/>
+    <p:sldId id="305" r:id="rId18"/>
+    <p:sldId id="306" r:id="rId19"/>
+    <p:sldId id="289" r:id="rId20"/>
   </p:sldIdLst>
   <p:sldSz cx="9144000" cy="6858000" type="screen4x3"/>
   <p:notesSz cx="6669088" cy="9928225"/>
@@ -1850,7 +1857,7 @@
             <a:fld id="{AF277DBB-4E58-4C67-A2CD-2F1D5D299867}" type="slidenum">
               <a:rPr lang="it-IT" altLang="en-US"/>
               <a:pPr/>
-              <a:t>10</a:t>
+              <a:t>9</a:t>
             </a:fld>
             <a:endParaRPr lang="it-IT" altLang="en-US"/>
           </a:p>
@@ -1966,123 +1973,7 @@
             <a:fld id="{AF277DBB-4E58-4C67-A2CD-2F1D5D299867}" type="slidenum">
               <a:rPr lang="it-IT" altLang="en-US"/>
               <a:pPr/>
-              <a:t>11</a:t>
-            </a:fld>
-            <a:endParaRPr lang="it-IT" altLang="en-US"/>
-          </a:p>
-        </p:txBody>
-      </p:sp>
-      <p:sp>
-        <p:nvSpPr>
-          <p:cNvPr id="45058" name="Rectangle 2">
-            <a:extLst>
-              <a:ext uri="{FF2B5EF4-FFF2-40B4-BE49-F238E27FC236}">
-                <a16:creationId xmlns:a16="http://schemas.microsoft.com/office/drawing/2014/main" id="{A5D84FAA-A66D-46F2-AB9F-1F610E3F9C3F}"/>
-              </a:ext>
-            </a:extLst>
-          </p:cNvPr>
-          <p:cNvSpPr>
-            <a:spLocks noGrp="1" noRot="1" noChangeAspect="1" noChangeArrowheads="1" noTextEdit="1"/>
-          </p:cNvSpPr>
-          <p:nvPr>
-            <p:ph type="sldImg"/>
-          </p:nvPr>
-        </p:nvSpPr>
-        <p:spPr>
-          <a:xfrm>
-            <a:off x="625475" y="803275"/>
-            <a:ext cx="5360988" cy="4021138"/>
-          </a:xfrm>
-          <a:ln/>
-        </p:spPr>
-      </p:sp>
-      <p:sp>
-        <p:nvSpPr>
-          <p:cNvPr id="45059" name="Rectangle 3">
-            <a:extLst>
-              <a:ext uri="{FF2B5EF4-FFF2-40B4-BE49-F238E27FC236}">
-                <a16:creationId xmlns:a16="http://schemas.microsoft.com/office/drawing/2014/main" id="{321772FB-65CD-4540-A5E5-CFFD77B5FF88}"/>
-              </a:ext>
-            </a:extLst>
-          </p:cNvPr>
-          <p:cNvSpPr>
-            <a:spLocks noGrp="1" noChangeArrowheads="1"/>
-          </p:cNvSpPr>
-          <p:nvPr>
-            <p:ph type="body" idx="1"/>
-          </p:nvPr>
-        </p:nvSpPr>
-        <p:spPr>
-          <a:xfrm>
-            <a:off x="881063" y="5091113"/>
-            <a:ext cx="4846637" cy="4824412"/>
-          </a:xfrm>
-        </p:spPr>
-        <p:txBody>
-          <a:bodyPr/>
-          <a:lstStyle/>
-          <a:p>
-            <a:endParaRPr lang="it-IT" altLang="en-US"/>
-          </a:p>
-        </p:txBody>
-      </p:sp>
-    </p:spTree>
-    <p:extLst>
-      <p:ext uri="{BB962C8B-B14F-4D97-AF65-F5344CB8AC3E}">
-        <p14:creationId xmlns:p14="http://schemas.microsoft.com/office/powerpoint/2010/main" val="403479840"/>
-      </p:ext>
-    </p:extLst>
-  </p:cSld>
-  <p:clrMapOvr>
-    <a:masterClrMapping/>
-  </p:clrMapOvr>
-</p:notes>
-</file>
-
-<file path=ppt/notesSlides/notesSlide4.xml><?xml version="1.0" encoding="utf-8"?>
-<p:notes xmlns:a="http://schemas.openxmlformats.org/drawingml/2006/main" xmlns:r="http://schemas.openxmlformats.org/officeDocument/2006/relationships" xmlns:p="http://schemas.openxmlformats.org/presentationml/2006/main">
-  <p:cSld>
-    <p:spTree>
-      <p:nvGrpSpPr>
-        <p:cNvPr id="1" name=""/>
-        <p:cNvGrpSpPr/>
-        <p:nvPr/>
-      </p:nvGrpSpPr>
-      <p:grpSpPr>
-        <a:xfrm>
-          <a:off x="0" y="0"/>
-          <a:ext cx="0" cy="0"/>
-          <a:chOff x="0" y="0"/>
-          <a:chExt cx="0" cy="0"/>
-        </a:xfrm>
-      </p:grpSpPr>
-      <p:sp>
-        <p:nvSpPr>
-          <p:cNvPr id="4" name="Rectangle 7">
-            <a:extLst>
-              <a:ext uri="{FF2B5EF4-FFF2-40B4-BE49-F238E27FC236}">
-                <a16:creationId xmlns:a16="http://schemas.microsoft.com/office/drawing/2014/main" id="{54B452F9-68C9-4F43-A513-7473FA7F3582}"/>
-              </a:ext>
-            </a:extLst>
-          </p:cNvPr>
-          <p:cNvSpPr>
-            <a:spLocks noGrp="1" noChangeArrowheads="1"/>
-          </p:cNvSpPr>
-          <p:nvPr>
-            <p:ph type="sldNum" sz="quarter" idx="5"/>
-          </p:nvPr>
-        </p:nvSpPr>
-        <p:spPr>
-          <a:ln/>
-        </p:spPr>
-        <p:txBody>
-          <a:bodyPr/>
-          <a:lstStyle/>
-          <a:p>
-            <a:fld id="{AF277DBB-4E58-4C67-A2CD-2F1D5D299867}" type="slidenum">
-              <a:rPr lang="it-IT" altLang="en-US"/>
-              <a:pPr/>
-              <a:t>12</a:t>
+              <a:t>19</a:t>
             </a:fld>
             <a:endParaRPr lang="it-IT" altLang="en-US"/>
           </a:p>
@@ -5871,156 +5762,436 @@
       </p:grpSpPr>
       <p:sp>
         <p:nvSpPr>
-          <p:cNvPr id="2063" name="Text Box 15">
-            <a:extLst>
-              <a:ext uri="{FF2B5EF4-FFF2-40B4-BE49-F238E27FC236}">
-                <a16:creationId xmlns:a16="http://schemas.microsoft.com/office/drawing/2014/main" id="{163E1146-9683-4D80-A948-17A524CE64E3}"/>
-              </a:ext>
-            </a:extLst>
-          </p:cNvPr>
-          <p:cNvSpPr txBox="1">
-            <a:spLocks noChangeArrowheads="1"/>
+          <p:cNvPr id="2" name="Titolo 1">
+            <a:extLst>
+              <a:ext uri="{FF2B5EF4-FFF2-40B4-BE49-F238E27FC236}">
+                <a16:creationId xmlns:a16="http://schemas.microsoft.com/office/drawing/2014/main" id="{40904FBA-1046-4380-B1D6-09B63203717E}"/>
+              </a:ext>
+            </a:extLst>
+          </p:cNvPr>
+          <p:cNvSpPr>
+            <a:spLocks noGrp="1"/>
           </p:cNvSpPr>
+          <p:nvPr>
+            <p:ph type="title"/>
+          </p:nvPr>
+        </p:nvSpPr>
+        <p:spPr/>
+        <p:txBody>
+          <a:bodyPr/>
+          <a:lstStyle/>
+          <a:p>
+            <a:r>
+              <a:rPr lang="it-IT" dirty="0" err="1"/>
+              <a:t>Combinatorial</a:t>
+            </a:r>
+            <a:r>
+              <a:rPr lang="it-IT" dirty="0"/>
+              <a:t> </a:t>
+            </a:r>
+            <a:r>
+              <a:rPr lang="it-IT" dirty="0" err="1"/>
+              <a:t>Algorithm</a:t>
+            </a:r>
+            <a:endParaRPr lang="it-IT" dirty="0"/>
+          </a:p>
+        </p:txBody>
+      </p:sp>
+      <p:sp>
+        <p:nvSpPr>
+          <p:cNvPr id="3" name="Segnaposto contenuto 2">
+            <a:extLst>
+              <a:ext uri="{FF2B5EF4-FFF2-40B4-BE49-F238E27FC236}">
+                <a16:creationId xmlns:a16="http://schemas.microsoft.com/office/drawing/2014/main" id="{CDDA5DC2-B5FF-4367-A2FA-FAC641192EF0}"/>
+              </a:ext>
+            </a:extLst>
+          </p:cNvPr>
+          <p:cNvSpPr>
+            <a:spLocks noGrp="1"/>
+          </p:cNvSpPr>
+          <p:nvPr>
+            <p:ph idx="1"/>
+          </p:nvPr>
+        </p:nvSpPr>
+        <p:spPr/>
+        <p:txBody>
+          <a:bodyPr/>
+          <a:lstStyle/>
+          <a:p>
+            <a:pPr>
+              <a:buFont typeface="Arial" panose="020B0604020202020204" pitchFamily="34" charset="0"/>
+              <a:buChar char="•"/>
+            </a:pPr>
+            <a:r>
+              <a:rPr lang="it-IT" dirty="0" err="1"/>
+              <a:t>Picks</a:t>
+            </a:r>
+            <a:r>
+              <a:rPr lang="it-IT" dirty="0"/>
+              <a:t> an </a:t>
+            </a:r>
+            <a:r>
+              <a:rPr lang="it-IT" dirty="0" err="1"/>
+              <a:t>arm</a:t>
+            </a:r>
+            <a:r>
+              <a:rPr lang="it-IT" dirty="0"/>
+              <a:t> for </a:t>
+            </a:r>
+            <a:r>
+              <a:rPr lang="it-IT" dirty="0" err="1"/>
+              <a:t>each</a:t>
+            </a:r>
+            <a:r>
+              <a:rPr lang="it-IT" dirty="0"/>
+              <a:t> </a:t>
+            </a:r>
+            <a:r>
+              <a:rPr lang="it-IT" dirty="0" err="1"/>
+              <a:t>learner</a:t>
+            </a:r>
+            <a:r>
+              <a:rPr lang="it-IT" dirty="0"/>
+              <a:t>, </a:t>
+            </a:r>
+            <a:r>
+              <a:rPr lang="it-IT" dirty="0" err="1"/>
+              <a:t>accordin</a:t>
+            </a:r>
+            <a:r>
+              <a:rPr lang="it-IT" dirty="0"/>
+              <a:t> to </a:t>
+            </a:r>
+            <a:r>
+              <a:rPr lang="it-IT" dirty="0" err="1"/>
+              <a:t>constraints</a:t>
+            </a:r>
+            <a:r>
+              <a:rPr lang="it-IT" dirty="0"/>
+              <a:t>.</a:t>
+            </a:r>
+          </a:p>
+          <a:p>
+            <a:pPr>
+              <a:buFont typeface="Arial" panose="020B0604020202020204" pitchFamily="34" charset="0"/>
+              <a:buChar char="•"/>
+            </a:pPr>
+            <a:endParaRPr lang="it-IT" dirty="0"/>
+          </a:p>
+          <a:p>
+            <a:pPr>
+              <a:buFont typeface="Arial" panose="020B0604020202020204" pitchFamily="34" charset="0"/>
+              <a:buChar char="•"/>
+            </a:pPr>
+            <a:r>
+              <a:rPr lang="it-IT" dirty="0" err="1"/>
+              <a:t>Each</a:t>
+            </a:r>
+            <a:r>
+              <a:rPr lang="it-IT" dirty="0"/>
+              <a:t> </a:t>
+            </a:r>
+            <a:r>
+              <a:rPr lang="it-IT" dirty="0" err="1"/>
+              <a:t>learner</a:t>
+            </a:r>
+            <a:r>
+              <a:rPr lang="it-IT" dirty="0"/>
+              <a:t> </a:t>
+            </a:r>
+            <a:r>
+              <a:rPr lang="it-IT" dirty="0" err="1"/>
+              <a:t>represents</a:t>
+            </a:r>
+            <a:r>
+              <a:rPr lang="it-IT" dirty="0"/>
+              <a:t> a GP-TS </a:t>
+            </a:r>
+            <a:r>
+              <a:rPr lang="it-IT" dirty="0" err="1"/>
+              <a:t>algorithm</a:t>
+            </a:r>
+            <a:r>
+              <a:rPr lang="it-IT" dirty="0"/>
+              <a:t>, learning a budget/click curve for that sub-</a:t>
+            </a:r>
+            <a:r>
+              <a:rPr lang="it-IT" dirty="0" err="1"/>
+              <a:t>campaign</a:t>
+            </a:r>
+            <a:r>
+              <a:rPr lang="it-IT" dirty="0"/>
+              <a:t>.</a:t>
+            </a:r>
+          </a:p>
+          <a:p>
+            <a:pPr>
+              <a:buFont typeface="Arial" panose="020B0604020202020204" pitchFamily="34" charset="0"/>
+              <a:buChar char="•"/>
+            </a:pPr>
+            <a:endParaRPr lang="it-IT" dirty="0"/>
+          </a:p>
+          <a:p>
+            <a:pPr>
+              <a:buFont typeface="Arial" panose="020B0604020202020204" pitchFamily="34" charset="0"/>
+              <a:buChar char="•"/>
+            </a:pPr>
+            <a:r>
+              <a:rPr lang="it-IT" dirty="0"/>
+              <a:t>The </a:t>
+            </a:r>
+            <a:r>
+              <a:rPr lang="it-IT" dirty="0" err="1"/>
+              <a:t>final</a:t>
+            </a:r>
+            <a:r>
+              <a:rPr lang="it-IT" dirty="0"/>
+              <a:t> </a:t>
+            </a:r>
+            <a:r>
+              <a:rPr lang="it-IT" dirty="0" err="1"/>
+              <a:t>result</a:t>
+            </a:r>
+            <a:r>
+              <a:rPr lang="it-IT" dirty="0"/>
+              <a:t> </a:t>
+            </a:r>
+            <a:r>
+              <a:rPr lang="it-IT" dirty="0" err="1"/>
+              <a:t>gives</a:t>
+            </a:r>
+            <a:r>
+              <a:rPr lang="it-IT" dirty="0"/>
+              <a:t> the </a:t>
+            </a:r>
+            <a:r>
+              <a:rPr lang="it-IT" dirty="0" err="1"/>
+              <a:t>partition</a:t>
+            </a:r>
+            <a:r>
+              <a:rPr lang="it-IT" dirty="0"/>
+              <a:t> of budget to </a:t>
+            </a:r>
+            <a:r>
+              <a:rPr lang="it-IT" dirty="0" err="1"/>
+              <a:t>assign</a:t>
+            </a:r>
+            <a:r>
+              <a:rPr lang="it-IT" dirty="0"/>
+              <a:t> to </a:t>
+            </a:r>
+            <a:r>
+              <a:rPr lang="it-IT" dirty="0" err="1"/>
+              <a:t>each</a:t>
+            </a:r>
+            <a:r>
+              <a:rPr lang="it-IT" dirty="0"/>
+              <a:t> sub-</a:t>
+            </a:r>
+            <a:r>
+              <a:rPr lang="it-IT" dirty="0" err="1"/>
+              <a:t>campaign</a:t>
+            </a:r>
+            <a:r>
+              <a:rPr lang="it-IT" dirty="0"/>
+              <a:t>.</a:t>
+            </a:r>
+          </a:p>
+          <a:p>
+            <a:pPr>
+              <a:buFont typeface="Arial" panose="020B0604020202020204" pitchFamily="34" charset="0"/>
+              <a:buChar char="•"/>
+            </a:pPr>
+            <a:endParaRPr lang="it-IT" dirty="0"/>
+          </a:p>
+          <a:p>
+            <a:pPr>
+              <a:buFont typeface="Arial" panose="020B0604020202020204" pitchFamily="34" charset="0"/>
+              <a:buChar char="•"/>
+            </a:pPr>
+            <a:r>
+              <a:rPr lang="it-IT" dirty="0"/>
+              <a:t>Two </a:t>
+            </a:r>
+            <a:r>
+              <a:rPr lang="it-IT" dirty="0" err="1"/>
+              <a:t>cases</a:t>
+            </a:r>
+            <a:r>
+              <a:rPr lang="it-IT" dirty="0"/>
+              <a:t>: </a:t>
+            </a:r>
+          </a:p>
+          <a:p>
+            <a:pPr lvl="1">
+              <a:buFont typeface="Arial" panose="020B0604020202020204" pitchFamily="34" charset="0"/>
+              <a:buChar char="•"/>
+            </a:pPr>
+            <a:r>
+              <a:rPr lang="it-IT" dirty="0"/>
+              <a:t>Forcing </a:t>
+            </a:r>
+            <a:r>
+              <a:rPr lang="it-IT" dirty="0" err="1"/>
+              <a:t>all</a:t>
+            </a:r>
+            <a:r>
+              <a:rPr lang="it-IT" dirty="0"/>
+              <a:t> sub-</a:t>
+            </a:r>
+            <a:r>
+              <a:rPr lang="it-IT" dirty="0" err="1"/>
+              <a:t>campaign</a:t>
+            </a:r>
+            <a:r>
+              <a:rPr lang="it-IT" dirty="0"/>
+              <a:t> to </a:t>
+            </a:r>
+            <a:r>
+              <a:rPr lang="it-IT" dirty="0" err="1"/>
+              <a:t>have</a:t>
+            </a:r>
+            <a:r>
+              <a:rPr lang="it-IT" dirty="0"/>
+              <a:t> a non-zero budget</a:t>
+            </a:r>
+          </a:p>
+          <a:p>
+            <a:pPr lvl="1">
+              <a:buFont typeface="Arial" panose="020B0604020202020204" pitchFamily="34" charset="0"/>
+              <a:buChar char="•"/>
+            </a:pPr>
+            <a:r>
+              <a:rPr lang="it-IT" dirty="0" err="1"/>
+              <a:t>Allowing</a:t>
+            </a:r>
+            <a:r>
+              <a:rPr lang="it-IT" dirty="0"/>
+              <a:t> 0-budget sub-</a:t>
+            </a:r>
+            <a:r>
+              <a:rPr lang="it-IT" dirty="0" err="1"/>
+              <a:t>campaign</a:t>
+            </a:r>
+            <a:endParaRPr lang="it-IT" dirty="0"/>
+          </a:p>
+          <a:p>
+            <a:pPr marL="457200" lvl="1" indent="0">
+              <a:buNone/>
+            </a:pPr>
+            <a:endParaRPr lang="it-IT" dirty="0"/>
+          </a:p>
+          <a:p>
+            <a:pPr>
+              <a:buFont typeface="Arial" panose="020B0604020202020204" pitchFamily="34" charset="0"/>
+              <a:buChar char="•"/>
+            </a:pPr>
+            <a:endParaRPr lang="it-IT" dirty="0"/>
+          </a:p>
+          <a:p>
+            <a:endParaRPr lang="it-IT" dirty="0"/>
+          </a:p>
+        </p:txBody>
+      </p:sp>
+      <p:sp>
+        <p:nvSpPr>
+          <p:cNvPr id="4" name="Segnaposto numero diapositiva 3">
+            <a:extLst>
+              <a:ext uri="{FF2B5EF4-FFF2-40B4-BE49-F238E27FC236}">
+                <a16:creationId xmlns:a16="http://schemas.microsoft.com/office/drawing/2014/main" id="{F828EE19-7F0C-41A6-8B54-1970A436FB57}"/>
+              </a:ext>
+            </a:extLst>
+          </p:cNvPr>
+          <p:cNvSpPr>
+            <a:spLocks noGrp="1"/>
+          </p:cNvSpPr>
+          <p:nvPr>
+            <p:ph type="sldNum" sz="quarter" idx="10"/>
+          </p:nvPr>
+        </p:nvSpPr>
+        <p:spPr/>
+        <p:txBody>
+          <a:bodyPr/>
+          <a:lstStyle/>
+          <a:p>
+            <a:fld id="{FE575B20-646B-44A6-B32B-8B9F7AC502D9}" type="slidenum">
+              <a:rPr lang="it-IT" altLang="en-US" smtClean="0"/>
+              <a:pPr/>
+              <a:t>10</a:t>
+            </a:fld>
+            <a:endParaRPr lang="it-IT" altLang="en-US" dirty="0"/>
+          </a:p>
+        </p:txBody>
+      </p:sp>
+      <p:sp>
+        <p:nvSpPr>
+          <p:cNvPr id="5" name="Rettangolo 4">
+            <a:extLst>
+              <a:ext uri="{FF2B5EF4-FFF2-40B4-BE49-F238E27FC236}">
+                <a16:creationId xmlns:a16="http://schemas.microsoft.com/office/drawing/2014/main" id="{C49FAA34-6BDC-49FA-BA47-1D99053C8C06}"/>
+              </a:ext>
+            </a:extLst>
+          </p:cNvPr>
+          <p:cNvSpPr/>
           <p:nvPr/>
         </p:nvSpPr>
         <p:spPr bwMode="auto">
           <a:xfrm>
-            <a:off x="1763688" y="4581128"/>
-            <a:ext cx="6248400" cy="815608"/>
+            <a:off x="719138" y="6597352"/>
+            <a:ext cx="4140894" cy="244475"/>
           </a:xfrm>
           <a:prstGeom prst="rect">
             <a:avLst/>
           </a:prstGeom>
-          <a:noFill/>
+          <a:solidFill>
+            <a:schemeClr val="accent3"/>
+          </a:solidFill>
           <a:ln>
             <a:noFill/>
           </a:ln>
           <a:effectLst/>
-          <a:extLst>
-            <a:ext uri="{909E8E84-426E-40DD-AFC4-6F175D3DCCD1}">
-              <a14:hiddenFill xmlns:a14="http://schemas.microsoft.com/office/drawing/2010/main">
-                <a:solidFill>
-                  <a:srgbClr val="C7D7E9"/>
-                </a:solidFill>
-              </a14:hiddenFill>
-            </a:ext>
-            <a:ext uri="{91240B29-F687-4F45-9708-019B960494DF}">
-              <a14:hiddenLine xmlns:a14="http://schemas.microsoft.com/office/drawing/2010/main" w="9525">
-                <a:solidFill>
-                  <a:schemeClr val="tx1"/>
-                </a:solidFill>
-                <a:miter lim="800000"/>
-                <a:headEnd/>
-                <a:tailEnd/>
-              </a14:hiddenLine>
-            </a:ext>
-            <a:ext uri="{AF507438-7753-43E0-B8FC-AC1667EBCBE1}">
-              <a14:hiddenEffects xmlns:a14="http://schemas.microsoft.com/office/drawing/2010/main">
-                <a:effectLst>
-                  <a:outerShdw dist="35921" dir="2700000" algn="ctr" rotWithShape="0">
-                    <a:schemeClr val="bg2"/>
-                  </a:outerShdw>
-                </a:effectLst>
-              </a14:hiddenEffects>
-            </a:ext>
-          </a:extLst>
         </p:spPr>
         <p:txBody>
-          <a:bodyPr lIns="0" tIns="0" rIns="0" bIns="0" anchor="t">
-            <a:spAutoFit/>
+          <a:bodyPr vert="horz" wrap="square" lIns="0" tIns="0" rIns="0" bIns="0" numCol="1" rtlCol="0" anchor="t" anchorCtr="0" compatLnSpc="1">
+            <a:prstTxWarp prst="textNoShape">
+              <a:avLst/>
+            </a:prstTxWarp>
           </a:bodyPr>
           <a:lstStyle/>
           <a:p>
-            <a:pPr algn="l">
+            <a:pPr marL="0" marR="0" indent="0" algn="ctr" defTabSz="914400" rtl="0" eaLnBrk="0" fontAlgn="base" latinLnBrk="0" hangingPunct="0">
+              <a:lnSpc>
+                <a:spcPct val="100000"/>
+              </a:lnSpc>
               <a:spcBef>
-                <a:spcPct val="50000"/>
+                <a:spcPct val="20000"/>
               </a:spcBef>
+              <a:spcAft>
+                <a:spcPct val="0"/>
+              </a:spcAft>
+              <a:buClrTx/>
+              <a:buSzTx/>
+              <a:buFontTx/>
+              <a:buNone/>
+              <a:tabLst/>
             </a:pPr>
-            <a:r>
-              <a:rPr lang="it-IT" altLang="en-US" sz="3200" b="1" dirty="0">
-                <a:solidFill>
-                  <a:srgbClr val="003F6E"/>
-                </a:solidFill>
-                <a:latin typeface="Arial"/>
-                <a:cs typeface="Arial"/>
-              </a:rPr>
-              <a:t>CGPTS</a:t>
-            </a:r>
-            <a:endParaRPr lang="it-IT" dirty="0"/>
-          </a:p>
-          <a:p>
-            <a:pPr algn="l">
-              <a:spcBef>
-                <a:spcPct val="50000"/>
-              </a:spcBef>
-            </a:pPr>
-            <a:r>
-              <a:rPr lang="it-IT" sz="1400" b="1" dirty="0" err="1">
-                <a:solidFill>
-                  <a:srgbClr val="003F6E"/>
-                </a:solidFill>
-                <a:latin typeface="Arial"/>
-                <a:cs typeface="Arial"/>
-              </a:rPr>
-              <a:t>Combinatorial</a:t>
-            </a:r>
-            <a:r>
-              <a:rPr lang="it-IT" sz="1400" b="1" dirty="0">
-                <a:solidFill>
-                  <a:srgbClr val="003F6E"/>
-                </a:solidFill>
-                <a:latin typeface="Arial"/>
-                <a:cs typeface="Arial"/>
-              </a:rPr>
-              <a:t> </a:t>
-            </a:r>
-            <a:r>
-              <a:rPr lang="it-IT" sz="1400" b="1" dirty="0" err="1">
-                <a:solidFill>
-                  <a:srgbClr val="003F6E"/>
-                </a:solidFill>
-                <a:latin typeface="Arial"/>
-                <a:cs typeface="Arial"/>
-              </a:rPr>
-              <a:t>Gaussian</a:t>
-            </a:r>
-            <a:r>
-              <a:rPr lang="it-IT" sz="1400" b="1" dirty="0">
-                <a:solidFill>
-                  <a:srgbClr val="003F6E"/>
-                </a:solidFill>
-                <a:latin typeface="Arial"/>
-                <a:cs typeface="Arial"/>
-              </a:rPr>
-              <a:t> </a:t>
-            </a:r>
-            <a:r>
-              <a:rPr lang="it-IT" sz="1400" b="1" dirty="0" err="1">
-                <a:solidFill>
-                  <a:srgbClr val="003F6E"/>
-                </a:solidFill>
-                <a:latin typeface="Arial"/>
-                <a:cs typeface="Arial"/>
-              </a:rPr>
-              <a:t>Process</a:t>
-            </a:r>
-            <a:r>
-              <a:rPr lang="it-IT" sz="1400" b="1" dirty="0">
-                <a:solidFill>
-                  <a:srgbClr val="003F6E"/>
-                </a:solidFill>
-                <a:latin typeface="Arial"/>
-                <a:cs typeface="Arial"/>
-              </a:rPr>
-              <a:t> Thompson Sampling</a:t>
-            </a:r>
+            <a:endParaRPr kumimoji="0" lang="it-IT" sz="2400" b="0" i="0" u="none" strike="noStrike" cap="none" normalizeH="0" baseline="0">
+              <a:ln>
+                <a:noFill/>
+              </a:ln>
+              <a:solidFill>
+                <a:schemeClr val="tx1"/>
+              </a:solidFill>
+              <a:effectLst/>
+              <a:latin typeface="Arial" panose="020B0604020202020204" pitchFamily="34" charset="0"/>
+            </a:endParaRPr>
           </a:p>
         </p:txBody>
       </p:sp>
     </p:spTree>
     <p:extLst>
       <p:ext uri="{BB962C8B-B14F-4D97-AF65-F5344CB8AC3E}">
-        <p14:creationId xmlns:p14="http://schemas.microsoft.com/office/powerpoint/2010/main" val="285694480"/>
+        <p14:creationId xmlns:p14="http://schemas.microsoft.com/office/powerpoint/2010/main" val="3917879641"/>
       </p:ext>
     </p:extLst>
   </p:cSld>
@@ -6049,94 +6220,406 @@
       </p:grpSpPr>
       <p:sp>
         <p:nvSpPr>
-          <p:cNvPr id="2063" name="Text Box 15">
-            <a:extLst>
-              <a:ext uri="{FF2B5EF4-FFF2-40B4-BE49-F238E27FC236}">
-                <a16:creationId xmlns:a16="http://schemas.microsoft.com/office/drawing/2014/main" id="{163E1146-9683-4D80-A948-17A524CE64E3}"/>
-              </a:ext>
-            </a:extLst>
-          </p:cNvPr>
-          <p:cNvSpPr txBox="1">
-            <a:spLocks noChangeArrowheads="1"/>
+          <p:cNvPr id="2" name="Titolo 1">
+            <a:extLst>
+              <a:ext uri="{FF2B5EF4-FFF2-40B4-BE49-F238E27FC236}">
+                <a16:creationId xmlns:a16="http://schemas.microsoft.com/office/drawing/2014/main" id="{1D6A45E0-10D9-4580-9A28-70D3AC418B93}"/>
+              </a:ext>
+            </a:extLst>
+          </p:cNvPr>
+          <p:cNvSpPr>
+            <a:spLocks noGrp="1"/>
           </p:cNvSpPr>
+          <p:nvPr>
+            <p:ph type="title"/>
+          </p:nvPr>
+        </p:nvSpPr>
+        <p:spPr/>
+        <p:txBody>
+          <a:bodyPr/>
+          <a:lstStyle/>
+          <a:p>
+            <a:r>
+              <a:rPr lang="it-IT" dirty="0"/>
+              <a:t>CGPTS settings &amp; </a:t>
+            </a:r>
+            <a:r>
+              <a:rPr lang="it-IT" dirty="0" err="1"/>
+              <a:t>result</a:t>
+            </a:r>
+            <a:endParaRPr lang="it-IT" dirty="0"/>
+          </a:p>
+        </p:txBody>
+      </p:sp>
+      <p:sp>
+        <p:nvSpPr>
+          <p:cNvPr id="4" name="Segnaposto numero diapositiva 3">
+            <a:extLst>
+              <a:ext uri="{FF2B5EF4-FFF2-40B4-BE49-F238E27FC236}">
+                <a16:creationId xmlns:a16="http://schemas.microsoft.com/office/drawing/2014/main" id="{FA45D01B-C117-4202-A74E-B13A8FA02A79}"/>
+              </a:ext>
+            </a:extLst>
+          </p:cNvPr>
+          <p:cNvSpPr>
+            <a:spLocks noGrp="1"/>
+          </p:cNvSpPr>
+          <p:nvPr>
+            <p:ph type="sldNum" sz="quarter" idx="10"/>
+          </p:nvPr>
+        </p:nvSpPr>
+        <p:spPr/>
+        <p:txBody>
+          <a:bodyPr/>
+          <a:lstStyle/>
+          <a:p>
+            <a:fld id="{FE575B20-646B-44A6-B32B-8B9F7AC502D9}" type="slidenum">
+              <a:rPr lang="it-IT" altLang="en-US" smtClean="0"/>
+              <a:pPr/>
+              <a:t>11</a:t>
+            </a:fld>
+            <a:endParaRPr lang="it-IT" altLang="en-US" dirty="0"/>
+          </a:p>
+        </p:txBody>
+      </p:sp>
+      <p:pic>
+        <p:nvPicPr>
+          <p:cNvPr id="5" name="Immagine 4">
+            <a:extLst>
+              <a:ext uri="{FF2B5EF4-FFF2-40B4-BE49-F238E27FC236}">
+                <a16:creationId xmlns:a16="http://schemas.microsoft.com/office/drawing/2014/main" id="{260DCC65-C6D1-4CC3-A2E9-507F432659A8}"/>
+              </a:ext>
+            </a:extLst>
+          </p:cNvPr>
+          <p:cNvPicPr>
+            <a:picLocks noChangeAspect="1"/>
+          </p:cNvPicPr>
+          <p:nvPr/>
+        </p:nvPicPr>
+        <p:blipFill>
+          <a:blip r:embed="rId2"/>
+          <a:stretch>
+            <a:fillRect/>
+          </a:stretch>
+        </p:blipFill>
+        <p:spPr>
+          <a:xfrm>
+            <a:off x="395536" y="1124744"/>
+            <a:ext cx="2520280" cy="5244716"/>
+          </a:xfrm>
+          <a:prstGeom prst="rect">
+            <a:avLst/>
+          </a:prstGeom>
+        </p:spPr>
+      </p:pic>
+      <p:sp>
+        <p:nvSpPr>
+          <p:cNvPr id="8" name="Rettangolo 7">
+            <a:extLst>
+              <a:ext uri="{FF2B5EF4-FFF2-40B4-BE49-F238E27FC236}">
+                <a16:creationId xmlns:a16="http://schemas.microsoft.com/office/drawing/2014/main" id="{940F2B01-9B24-4EB8-857C-2A162280DBFD}"/>
+              </a:ext>
+            </a:extLst>
+          </p:cNvPr>
+          <p:cNvSpPr/>
           <p:nvPr/>
         </p:nvSpPr>
         <p:spPr bwMode="auto">
           <a:xfrm>
-            <a:off x="1763688" y="4581128"/>
-            <a:ext cx="6248400" cy="492443"/>
+            <a:off x="719138" y="6613525"/>
+            <a:ext cx="4140894" cy="244475"/>
+          </a:xfrm>
+          <a:prstGeom prst="rect">
+            <a:avLst/>
+          </a:prstGeom>
+          <a:solidFill>
+            <a:schemeClr val="accent3"/>
+          </a:solidFill>
+          <a:ln>
+            <a:noFill/>
+          </a:ln>
+          <a:effectLst/>
+        </p:spPr>
+        <p:txBody>
+          <a:bodyPr vert="horz" wrap="square" lIns="0" tIns="0" rIns="0" bIns="0" numCol="1" rtlCol="0" anchor="t" anchorCtr="0" compatLnSpc="1">
+            <a:prstTxWarp prst="textNoShape">
+              <a:avLst/>
+            </a:prstTxWarp>
+          </a:bodyPr>
+          <a:lstStyle/>
+          <a:p>
+            <a:pPr marL="0" marR="0" indent="0" algn="ctr" defTabSz="914400" rtl="0" eaLnBrk="0" fontAlgn="base" latinLnBrk="0" hangingPunct="0">
+              <a:lnSpc>
+                <a:spcPct val="100000"/>
+              </a:lnSpc>
+              <a:spcBef>
+                <a:spcPct val="20000"/>
+              </a:spcBef>
+              <a:spcAft>
+                <a:spcPct val="0"/>
+              </a:spcAft>
+              <a:buClrTx/>
+              <a:buSzTx/>
+              <a:buFontTx/>
+              <a:buNone/>
+              <a:tabLst/>
+            </a:pPr>
+            <a:endParaRPr kumimoji="0" lang="it-IT" sz="2400" b="0" i="0" u="none" strike="noStrike" cap="none" normalizeH="0" baseline="0">
+              <a:ln>
+                <a:noFill/>
+              </a:ln>
+              <a:solidFill>
+                <a:schemeClr val="tx1"/>
+              </a:solidFill>
+              <a:effectLst/>
+              <a:latin typeface="Arial" panose="020B0604020202020204" pitchFamily="34" charset="0"/>
+            </a:endParaRPr>
+          </a:p>
+        </p:txBody>
+      </p:sp>
+      <p:sp>
+        <p:nvSpPr>
+          <p:cNvPr id="9" name="CasellaDiTesto 8">
+            <a:extLst>
+              <a:ext uri="{FF2B5EF4-FFF2-40B4-BE49-F238E27FC236}">
+                <a16:creationId xmlns:a16="http://schemas.microsoft.com/office/drawing/2014/main" id="{B5ED629F-4BAD-4B1C-B053-D26768A029CE}"/>
+              </a:ext>
+            </a:extLst>
+          </p:cNvPr>
+          <p:cNvSpPr txBox="1"/>
+          <p:nvPr/>
+        </p:nvSpPr>
+        <p:spPr>
+          <a:xfrm>
+            <a:off x="3347864" y="1556792"/>
+            <a:ext cx="4823097" cy="3914918"/>
           </a:xfrm>
           <a:prstGeom prst="rect">
             <a:avLst/>
           </a:prstGeom>
           <a:noFill/>
-          <a:ln>
-            <a:noFill/>
-          </a:ln>
-          <a:effectLst/>
-          <a:extLst>
-            <a:ext uri="{909E8E84-426E-40DD-AFC4-6F175D3DCCD1}">
-              <a14:hiddenFill xmlns:a14="http://schemas.microsoft.com/office/drawing/2010/main">
-                <a:solidFill>
-                  <a:srgbClr val="C7D7E9"/>
-                </a:solidFill>
-              </a14:hiddenFill>
-            </a:ext>
-            <a:ext uri="{91240B29-F687-4F45-9708-019B960494DF}">
-              <a14:hiddenLine xmlns:a14="http://schemas.microsoft.com/office/drawing/2010/main" w="9525">
-                <a:solidFill>
-                  <a:schemeClr val="tx1"/>
-                </a:solidFill>
-                <a:miter lim="800000"/>
-                <a:headEnd/>
-                <a:tailEnd/>
-              </a14:hiddenLine>
-            </a:ext>
-            <a:ext uri="{AF507438-7753-43E0-B8FC-AC1667EBCBE1}">
-              <a14:hiddenEffects xmlns:a14="http://schemas.microsoft.com/office/drawing/2010/main">
-                <a:effectLst>
-                  <a:outerShdw dist="35921" dir="2700000" algn="ctr" rotWithShape="0">
-                    <a:schemeClr val="bg2"/>
-                  </a:outerShdw>
-                </a:effectLst>
-              </a14:hiddenEffects>
-            </a:ext>
-          </a:extLst>
         </p:spPr>
         <p:txBody>
-          <a:bodyPr lIns="0" tIns="0" rIns="0" bIns="0" anchor="t">
+          <a:bodyPr wrap="square" rtlCol="0">
             <a:spAutoFit/>
           </a:bodyPr>
           <a:lstStyle/>
           <a:p>
-            <a:pPr algn="l">
-              <a:spcBef>
-                <a:spcPct val="50000"/>
-              </a:spcBef>
+            <a:r>
+              <a:rPr lang="it-IT" sz="1800" dirty="0"/>
+              <a:t>Best </a:t>
+            </a:r>
+            <a:r>
+              <a:rPr lang="it-IT" sz="1800" dirty="0" err="1"/>
+              <a:t>partition</a:t>
+            </a:r>
+            <a:r>
+              <a:rPr lang="it-IT" sz="1800" dirty="0"/>
+              <a:t> </a:t>
+            </a:r>
+            <a:r>
+              <a:rPr lang="it-IT" sz="1800" dirty="0" err="1"/>
+              <a:t>found</a:t>
+            </a:r>
+            <a:r>
+              <a:rPr lang="it-IT" sz="1800" dirty="0"/>
+              <a:t> by the </a:t>
+            </a:r>
+            <a:r>
+              <a:rPr lang="it-IT" sz="1800" dirty="0" err="1"/>
+              <a:t>algorithm</a:t>
+            </a:r>
+            <a:endParaRPr lang="it-IT" sz="1800" dirty="0"/>
+          </a:p>
+          <a:p>
+            <a:endParaRPr lang="it-IT" sz="1800" dirty="0"/>
+          </a:p>
+          <a:p>
+            <a:pPr marL="285750" indent="-285750" algn="l">
+              <a:buFont typeface="Arial" panose="020B0604020202020204" pitchFamily="34" charset="0"/>
+              <a:buChar char="•"/>
             </a:pPr>
             <a:r>
-              <a:rPr lang="it-IT" altLang="en-US" sz="3200" b="1" dirty="0">
-                <a:solidFill>
-                  <a:srgbClr val="003F6E"/>
-                </a:solidFill>
-                <a:latin typeface="Arial"/>
-                <a:cs typeface="Arial"/>
-              </a:rPr>
-              <a:t>CGPTS vs CGTS</a:t>
-            </a:r>
-            <a:endParaRPr lang="it-IT" altLang="en-US" sz="3200" b="1" dirty="0">
-              <a:solidFill>
-                <a:srgbClr val="003F6E"/>
-              </a:solidFill>
-              <a:cs typeface="Arial"/>
-            </a:endParaRPr>
+              <a:rPr lang="it-IT" sz="1400" dirty="0"/>
+              <a:t>Google = 4 €</a:t>
+            </a:r>
+          </a:p>
+          <a:p>
+            <a:pPr marL="285750" indent="-285750" algn="l">
+              <a:buFont typeface="Arial" panose="020B0604020202020204" pitchFamily="34" charset="0"/>
+              <a:buChar char="•"/>
+            </a:pPr>
+            <a:r>
+              <a:rPr lang="it-IT" sz="1400" dirty="0"/>
+              <a:t>Facebook = 1 €</a:t>
+            </a:r>
+          </a:p>
+          <a:p>
+            <a:pPr marL="285750" indent="-285750" algn="l">
+              <a:buFont typeface="Arial" panose="020B0604020202020204" pitchFamily="34" charset="0"/>
+              <a:buChar char="•"/>
+            </a:pPr>
+            <a:r>
+              <a:rPr lang="it-IT" sz="1400" dirty="0"/>
+              <a:t>Instagram = 6 €</a:t>
+            </a:r>
+          </a:p>
+          <a:p>
+            <a:pPr marL="285750" indent="-285750" algn="l">
+              <a:buFont typeface="Arial" panose="020B0604020202020204" pitchFamily="34" charset="0"/>
+              <a:buChar char="•"/>
+            </a:pPr>
+            <a:r>
+              <a:rPr lang="it-IT" sz="1400" dirty="0" err="1"/>
+              <a:t>Youtube</a:t>
+            </a:r>
+            <a:r>
+              <a:rPr lang="it-IT" sz="1400" dirty="0"/>
+              <a:t> = 1 €</a:t>
+            </a:r>
+          </a:p>
+          <a:p>
+            <a:pPr marL="285750" indent="-285750" algn="l">
+              <a:buFont typeface="Arial" panose="020B0604020202020204" pitchFamily="34" charset="0"/>
+              <a:buChar char="•"/>
+            </a:pPr>
+            <a:r>
+              <a:rPr lang="it-IT" sz="1400" dirty="0"/>
+              <a:t>Bing = 7 €</a:t>
+            </a:r>
+          </a:p>
+          <a:p>
+            <a:pPr marL="285750" indent="-285750" algn="l">
+              <a:buFont typeface="Arial" panose="020B0604020202020204" pitchFamily="34" charset="0"/>
+              <a:buChar char="•"/>
+            </a:pPr>
+            <a:endParaRPr lang="it-IT" sz="1400" dirty="0"/>
+          </a:p>
+          <a:p>
+            <a:pPr marL="285750" indent="-285750" algn="l">
+              <a:buFont typeface="Arial" panose="020B0604020202020204" pitchFamily="34" charset="0"/>
+              <a:buChar char="•"/>
+            </a:pPr>
+            <a:endParaRPr lang="it-IT" sz="1400" dirty="0"/>
+          </a:p>
+          <a:p>
+            <a:pPr marL="285750" indent="-285750" algn="l">
+              <a:buFont typeface="Arial" panose="020B0604020202020204" pitchFamily="34" charset="0"/>
+              <a:buChar char="•"/>
+            </a:pPr>
+            <a:endParaRPr lang="it-IT" sz="1400" dirty="0"/>
+          </a:p>
+          <a:p>
+            <a:pPr algn="l"/>
+            <a:r>
+              <a:rPr lang="it-IT" sz="1800" dirty="0" err="1"/>
+              <a:t>This</a:t>
+            </a:r>
+            <a:r>
+              <a:rPr lang="it-IT" sz="1800" dirty="0"/>
+              <a:t> </a:t>
+            </a:r>
+            <a:r>
+              <a:rPr lang="it-IT" sz="1800" dirty="0" err="1"/>
+              <a:t>result</a:t>
+            </a:r>
+            <a:r>
+              <a:rPr lang="it-IT" sz="1800" dirty="0"/>
+              <a:t> </a:t>
+            </a:r>
+            <a:r>
+              <a:rPr lang="it-IT" sz="1800" dirty="0" err="1"/>
+              <a:t>was</a:t>
+            </a:r>
+            <a:r>
+              <a:rPr lang="it-IT" sz="1800" dirty="0"/>
+              <a:t> </a:t>
+            </a:r>
+            <a:r>
+              <a:rPr lang="it-IT" sz="1800" dirty="0" err="1"/>
+              <a:t>achieved</a:t>
+            </a:r>
+            <a:r>
+              <a:rPr lang="it-IT" sz="1800" dirty="0"/>
+              <a:t> </a:t>
+            </a:r>
+            <a:r>
+              <a:rPr lang="it-IT" sz="1800" dirty="0" err="1"/>
+              <a:t>using</a:t>
+            </a:r>
+            <a:r>
+              <a:rPr lang="it-IT" sz="1800" dirty="0"/>
+              <a:t> the settings in the </a:t>
+            </a:r>
+            <a:r>
+              <a:rPr lang="it-IT" sz="1800" dirty="0" err="1"/>
+              <a:t>table</a:t>
+            </a:r>
+            <a:r>
+              <a:rPr lang="it-IT" sz="1800" dirty="0"/>
+              <a:t>, and forcing the </a:t>
+            </a:r>
+            <a:r>
+              <a:rPr lang="it-IT" sz="1800" dirty="0" err="1"/>
+              <a:t>algorithm</a:t>
+            </a:r>
+            <a:r>
+              <a:rPr lang="it-IT" sz="1800" dirty="0"/>
+              <a:t> to </a:t>
+            </a:r>
+            <a:r>
+              <a:rPr lang="it-IT" sz="1800" dirty="0" err="1"/>
+              <a:t>assign</a:t>
+            </a:r>
+            <a:r>
+              <a:rPr lang="it-IT" sz="1800" dirty="0"/>
+              <a:t> </a:t>
+            </a:r>
+            <a:r>
+              <a:rPr lang="it-IT" sz="1800" dirty="0" err="1"/>
+              <a:t>at</a:t>
+            </a:r>
+            <a:r>
+              <a:rPr lang="it-IT" sz="1800" dirty="0"/>
+              <a:t> </a:t>
+            </a:r>
+            <a:r>
+              <a:rPr lang="it-IT" sz="1800" dirty="0" err="1"/>
+              <a:t>least</a:t>
+            </a:r>
+            <a:r>
+              <a:rPr lang="it-IT" sz="1800" dirty="0"/>
+              <a:t> 1€ per day to </a:t>
+            </a:r>
+            <a:r>
+              <a:rPr lang="it-IT" sz="1800" dirty="0" err="1"/>
+              <a:t>each</a:t>
+            </a:r>
+            <a:r>
+              <a:rPr lang="it-IT" sz="1800" dirty="0"/>
+              <a:t> sub-</a:t>
+            </a:r>
+            <a:r>
+              <a:rPr lang="it-IT" sz="1800" dirty="0" err="1"/>
+              <a:t>campaign</a:t>
+            </a:r>
+            <a:r>
+              <a:rPr lang="it-IT" sz="1800" dirty="0"/>
+              <a:t>.</a:t>
+            </a:r>
+          </a:p>
+          <a:p>
+            <a:pPr marL="285750" indent="-285750" algn="l">
+              <a:buFont typeface="Arial" panose="020B0604020202020204" pitchFamily="34" charset="0"/>
+              <a:buChar char="•"/>
+            </a:pPr>
+            <a:endParaRPr lang="it-IT" sz="1400" dirty="0"/>
           </a:p>
         </p:txBody>
       </p:sp>
     </p:spTree>
     <p:extLst>
       <p:ext uri="{BB962C8B-B14F-4D97-AF65-F5344CB8AC3E}">
-        <p14:creationId xmlns:p14="http://schemas.microsoft.com/office/powerpoint/2010/main" val="206376812"/>
+        <p14:creationId xmlns:p14="http://schemas.microsoft.com/office/powerpoint/2010/main" val="2133394857"/>
       </p:ext>
     </p:extLst>
   </p:cSld>
@@ -6147,6 +6630,3061 @@
 </file>
 
 <file path=ppt/slides/slide12.xml><?xml version="1.0" encoding="utf-8"?>
+<p:sld xmlns:a="http://schemas.openxmlformats.org/drawingml/2006/main" xmlns:r="http://schemas.openxmlformats.org/officeDocument/2006/relationships" xmlns:p="http://schemas.openxmlformats.org/presentationml/2006/main">
+  <p:cSld>
+    <p:spTree>
+      <p:nvGrpSpPr>
+        <p:cNvPr id="1" name=""/>
+        <p:cNvGrpSpPr/>
+        <p:nvPr/>
+      </p:nvGrpSpPr>
+      <p:grpSpPr>
+        <a:xfrm>
+          <a:off x="0" y="0"/>
+          <a:ext cx="0" cy="0"/>
+          <a:chOff x="0" y="0"/>
+          <a:chExt cx="0" cy="0"/>
+        </a:xfrm>
+      </p:grpSpPr>
+      <p:sp>
+        <p:nvSpPr>
+          <p:cNvPr id="2" name="Titolo 1">
+            <a:extLst>
+              <a:ext uri="{FF2B5EF4-FFF2-40B4-BE49-F238E27FC236}">
+                <a16:creationId xmlns:a16="http://schemas.microsoft.com/office/drawing/2014/main" id="{C3600905-1F42-4E5A-A5FD-297236A1617C}"/>
+              </a:ext>
+            </a:extLst>
+          </p:cNvPr>
+          <p:cNvSpPr>
+            <a:spLocks noGrp="1"/>
+          </p:cNvSpPr>
+          <p:nvPr>
+            <p:ph type="title"/>
+          </p:nvPr>
+        </p:nvSpPr>
+        <p:spPr/>
+        <p:txBody>
+          <a:bodyPr/>
+          <a:lstStyle/>
+          <a:p>
+            <a:r>
+              <a:rPr lang="it-IT" dirty="0"/>
+              <a:t>CGPTS : </a:t>
+            </a:r>
+            <a:r>
+              <a:rPr lang="it-IT" dirty="0" err="1"/>
+              <a:t>Graphs</a:t>
+            </a:r>
+            <a:endParaRPr lang="it-IT" dirty="0"/>
+          </a:p>
+        </p:txBody>
+      </p:sp>
+      <p:sp>
+        <p:nvSpPr>
+          <p:cNvPr id="4" name="Segnaposto numero diapositiva 3">
+            <a:extLst>
+              <a:ext uri="{FF2B5EF4-FFF2-40B4-BE49-F238E27FC236}">
+                <a16:creationId xmlns:a16="http://schemas.microsoft.com/office/drawing/2014/main" id="{AACE51EC-B712-4E3E-A13A-296F2FCEE3F4}"/>
+              </a:ext>
+            </a:extLst>
+          </p:cNvPr>
+          <p:cNvSpPr>
+            <a:spLocks noGrp="1"/>
+          </p:cNvSpPr>
+          <p:nvPr>
+            <p:ph type="sldNum" sz="quarter" idx="10"/>
+          </p:nvPr>
+        </p:nvSpPr>
+        <p:spPr/>
+        <p:txBody>
+          <a:bodyPr/>
+          <a:lstStyle/>
+          <a:p>
+            <a:fld id="{FE575B20-646B-44A6-B32B-8B9F7AC502D9}" type="slidenum">
+              <a:rPr lang="it-IT" altLang="en-US" smtClean="0"/>
+              <a:pPr/>
+              <a:t>12</a:t>
+            </a:fld>
+            <a:endParaRPr lang="it-IT" altLang="en-US" dirty="0"/>
+          </a:p>
+        </p:txBody>
+      </p:sp>
+      <p:sp>
+        <p:nvSpPr>
+          <p:cNvPr id="5" name="Rettangolo 4">
+            <a:extLst>
+              <a:ext uri="{FF2B5EF4-FFF2-40B4-BE49-F238E27FC236}">
+                <a16:creationId xmlns:a16="http://schemas.microsoft.com/office/drawing/2014/main" id="{9861F399-E294-4B47-90A1-592B98104413}"/>
+              </a:ext>
+            </a:extLst>
+          </p:cNvPr>
+          <p:cNvSpPr/>
+          <p:nvPr/>
+        </p:nvSpPr>
+        <p:spPr bwMode="auto">
+          <a:xfrm>
+            <a:off x="719138" y="6613525"/>
+            <a:ext cx="4140894" cy="244475"/>
+          </a:xfrm>
+          <a:prstGeom prst="rect">
+            <a:avLst/>
+          </a:prstGeom>
+          <a:solidFill>
+            <a:schemeClr val="accent3"/>
+          </a:solidFill>
+          <a:ln>
+            <a:noFill/>
+          </a:ln>
+          <a:effectLst/>
+        </p:spPr>
+        <p:txBody>
+          <a:bodyPr vert="horz" wrap="square" lIns="0" tIns="0" rIns="0" bIns="0" numCol="1" rtlCol="0" anchor="t" anchorCtr="0" compatLnSpc="1">
+            <a:prstTxWarp prst="textNoShape">
+              <a:avLst/>
+            </a:prstTxWarp>
+          </a:bodyPr>
+          <a:lstStyle/>
+          <a:p>
+            <a:pPr marL="0" marR="0" indent="0" algn="ctr" defTabSz="914400" rtl="0" eaLnBrk="0" fontAlgn="base" latinLnBrk="0" hangingPunct="0">
+              <a:lnSpc>
+                <a:spcPct val="100000"/>
+              </a:lnSpc>
+              <a:spcBef>
+                <a:spcPct val="20000"/>
+              </a:spcBef>
+              <a:spcAft>
+                <a:spcPct val="0"/>
+              </a:spcAft>
+              <a:buClrTx/>
+              <a:buSzTx/>
+              <a:buFontTx/>
+              <a:buNone/>
+              <a:tabLst/>
+            </a:pPr>
+            <a:endParaRPr kumimoji="0" lang="it-IT" sz="2400" b="0" i="0" u="none" strike="noStrike" cap="none" normalizeH="0" baseline="0">
+              <a:ln>
+                <a:noFill/>
+              </a:ln>
+              <a:solidFill>
+                <a:schemeClr val="tx1"/>
+              </a:solidFill>
+              <a:effectLst/>
+              <a:latin typeface="Arial" panose="020B0604020202020204" pitchFamily="34" charset="0"/>
+            </a:endParaRPr>
+          </a:p>
+        </p:txBody>
+      </p:sp>
+      <p:pic>
+        <p:nvPicPr>
+          <p:cNvPr id="6" name="Immagine 5">
+            <a:extLst>
+              <a:ext uri="{FF2B5EF4-FFF2-40B4-BE49-F238E27FC236}">
+                <a16:creationId xmlns:a16="http://schemas.microsoft.com/office/drawing/2014/main" id="{4477252E-98F9-4403-B075-5D8AD8CAE53E}"/>
+              </a:ext>
+            </a:extLst>
+          </p:cNvPr>
+          <p:cNvPicPr>
+            <a:picLocks noChangeAspect="1"/>
+          </p:cNvPicPr>
+          <p:nvPr/>
+        </p:nvPicPr>
+        <p:blipFill>
+          <a:blip r:embed="rId2"/>
+          <a:stretch>
+            <a:fillRect/>
+          </a:stretch>
+        </p:blipFill>
+        <p:spPr>
+          <a:xfrm>
+            <a:off x="201397" y="1700808"/>
+            <a:ext cx="4370603" cy="3132265"/>
+          </a:xfrm>
+          <a:prstGeom prst="rect">
+            <a:avLst/>
+          </a:prstGeom>
+        </p:spPr>
+      </p:pic>
+      <p:pic>
+        <p:nvPicPr>
+          <p:cNvPr id="7" name="Immagine 6">
+            <a:extLst>
+              <a:ext uri="{FF2B5EF4-FFF2-40B4-BE49-F238E27FC236}">
+                <a16:creationId xmlns:a16="http://schemas.microsoft.com/office/drawing/2014/main" id="{DBA76EC8-4627-4B7D-82F3-04A2B68F4CF5}"/>
+              </a:ext>
+            </a:extLst>
+          </p:cNvPr>
+          <p:cNvPicPr>
+            <a:picLocks noChangeAspect="1"/>
+          </p:cNvPicPr>
+          <p:nvPr/>
+        </p:nvPicPr>
+        <p:blipFill>
+          <a:blip r:embed="rId3"/>
+          <a:stretch>
+            <a:fillRect/>
+          </a:stretch>
+        </p:blipFill>
+        <p:spPr>
+          <a:xfrm>
+            <a:off x="4551372" y="1700808"/>
+            <a:ext cx="4391231" cy="3243592"/>
+          </a:xfrm>
+          <a:prstGeom prst="rect">
+            <a:avLst/>
+          </a:prstGeom>
+        </p:spPr>
+      </p:pic>
+      <p:sp>
+        <p:nvSpPr>
+          <p:cNvPr id="8" name="CasellaDiTesto 7">
+            <a:extLst>
+              <a:ext uri="{FF2B5EF4-FFF2-40B4-BE49-F238E27FC236}">
+                <a16:creationId xmlns:a16="http://schemas.microsoft.com/office/drawing/2014/main" id="{CBD81B7C-2518-4396-93E7-52B2D7DE127D}"/>
+              </a:ext>
+            </a:extLst>
+          </p:cNvPr>
+          <p:cNvSpPr txBox="1"/>
+          <p:nvPr/>
+        </p:nvSpPr>
+        <p:spPr>
+          <a:xfrm>
+            <a:off x="395282" y="1176693"/>
+            <a:ext cx="1922322" cy="369332"/>
+          </a:xfrm>
+          <a:prstGeom prst="rect">
+            <a:avLst/>
+          </a:prstGeom>
+          <a:noFill/>
+        </p:spPr>
+        <p:txBody>
+          <a:bodyPr wrap="square" rtlCol="0">
+            <a:spAutoFit/>
+          </a:bodyPr>
+          <a:lstStyle/>
+          <a:p>
+            <a:pPr marL="285750" indent="-285750">
+              <a:buFont typeface="Arial" panose="020B0604020202020204" pitchFamily="34" charset="0"/>
+              <a:buChar char="•"/>
+            </a:pPr>
+            <a:r>
+              <a:rPr lang="it-IT" sz="1800" dirty="0" err="1"/>
+              <a:t>Reward</a:t>
+            </a:r>
+            <a:r>
+              <a:rPr lang="it-IT" sz="1800" dirty="0"/>
+              <a:t> </a:t>
+            </a:r>
+            <a:r>
+              <a:rPr lang="it-IT" sz="1800" dirty="0" err="1"/>
+              <a:t>graph</a:t>
+            </a:r>
+            <a:endParaRPr lang="it-IT" sz="1800" dirty="0"/>
+          </a:p>
+        </p:txBody>
+      </p:sp>
+      <p:sp>
+        <p:nvSpPr>
+          <p:cNvPr id="9" name="CasellaDiTesto 8">
+            <a:extLst>
+              <a:ext uri="{FF2B5EF4-FFF2-40B4-BE49-F238E27FC236}">
+                <a16:creationId xmlns:a16="http://schemas.microsoft.com/office/drawing/2014/main" id="{D140098C-1836-45D3-8404-4014DA168155}"/>
+              </a:ext>
+            </a:extLst>
+          </p:cNvPr>
+          <p:cNvSpPr txBox="1"/>
+          <p:nvPr/>
+        </p:nvSpPr>
+        <p:spPr>
+          <a:xfrm>
+            <a:off x="4907444" y="1179186"/>
+            <a:ext cx="1819730" cy="369332"/>
+          </a:xfrm>
+          <a:prstGeom prst="rect">
+            <a:avLst/>
+          </a:prstGeom>
+          <a:noFill/>
+        </p:spPr>
+        <p:txBody>
+          <a:bodyPr wrap="square" rtlCol="0">
+            <a:spAutoFit/>
+          </a:bodyPr>
+          <a:lstStyle/>
+          <a:p>
+            <a:pPr marL="285750" indent="-285750">
+              <a:buFont typeface="Arial" panose="020B0604020202020204" pitchFamily="34" charset="0"/>
+              <a:buChar char="•"/>
+            </a:pPr>
+            <a:r>
+              <a:rPr lang="it-IT" sz="1800" dirty="0" err="1"/>
+              <a:t>Regret</a:t>
+            </a:r>
+            <a:r>
+              <a:rPr lang="it-IT" sz="1800" dirty="0"/>
+              <a:t> </a:t>
+            </a:r>
+            <a:r>
+              <a:rPr lang="it-IT" sz="1800" dirty="0" err="1"/>
+              <a:t>graph</a:t>
+            </a:r>
+            <a:endParaRPr lang="it-IT" sz="1800" dirty="0"/>
+          </a:p>
+        </p:txBody>
+      </p:sp>
+      <p:sp>
+        <p:nvSpPr>
+          <p:cNvPr id="10" name="CasellaDiTesto 9">
+            <a:extLst>
+              <a:ext uri="{FF2B5EF4-FFF2-40B4-BE49-F238E27FC236}">
+                <a16:creationId xmlns:a16="http://schemas.microsoft.com/office/drawing/2014/main" id="{B1427663-4D4F-4D5A-8913-F0F3BEA02285}"/>
+              </a:ext>
+            </a:extLst>
+          </p:cNvPr>
+          <p:cNvSpPr txBox="1"/>
+          <p:nvPr/>
+        </p:nvSpPr>
+        <p:spPr>
+          <a:xfrm>
+            <a:off x="163912" y="5229200"/>
+            <a:ext cx="4126451" cy="929485"/>
+          </a:xfrm>
+          <a:prstGeom prst="rect">
+            <a:avLst/>
+          </a:prstGeom>
+          <a:noFill/>
+        </p:spPr>
+        <p:txBody>
+          <a:bodyPr wrap="none" rtlCol="0">
+            <a:spAutoFit/>
+          </a:bodyPr>
+          <a:lstStyle/>
+          <a:p>
+            <a:pPr marL="285750" indent="-285750" algn="l">
+              <a:buFont typeface="Arial" panose="020B0604020202020204" pitchFamily="34" charset="0"/>
+              <a:buChar char="•"/>
+            </a:pPr>
+            <a:r>
+              <a:rPr lang="it-IT" sz="1600" dirty="0" err="1"/>
+              <a:t>Initial</a:t>
+            </a:r>
+            <a:r>
+              <a:rPr lang="it-IT" sz="1600" dirty="0"/>
+              <a:t> </a:t>
+            </a:r>
+            <a:r>
+              <a:rPr lang="it-IT" sz="1600" dirty="0" err="1"/>
+              <a:t>transition</a:t>
+            </a:r>
+            <a:r>
+              <a:rPr lang="it-IT" sz="1600" dirty="0"/>
+              <a:t> : ~20/30 days</a:t>
+            </a:r>
+          </a:p>
+          <a:p>
+            <a:pPr marL="285750" indent="-285750" algn="l">
+              <a:buFont typeface="Arial" panose="020B0604020202020204" pitchFamily="34" charset="0"/>
+              <a:buChar char="•"/>
+            </a:pPr>
+            <a:r>
+              <a:rPr lang="it-IT" sz="1600" dirty="0"/>
+              <a:t>Maximum </a:t>
+            </a:r>
+            <a:r>
+              <a:rPr lang="it-IT" sz="1600" dirty="0" err="1"/>
+              <a:t>Clairvoyant</a:t>
+            </a:r>
+            <a:r>
+              <a:rPr lang="it-IT" sz="1600" dirty="0"/>
+              <a:t> </a:t>
+            </a:r>
+            <a:r>
+              <a:rPr lang="it-IT" sz="1600" dirty="0" err="1"/>
+              <a:t>value</a:t>
+            </a:r>
+            <a:r>
+              <a:rPr lang="it-IT" sz="1600" dirty="0"/>
+              <a:t> = 149 clicks</a:t>
+            </a:r>
+          </a:p>
+          <a:p>
+            <a:pPr marL="285750" indent="-285750" algn="l">
+              <a:buFont typeface="Arial" panose="020B0604020202020204" pitchFamily="34" charset="0"/>
+              <a:buChar char="•"/>
+            </a:pPr>
+            <a:r>
+              <a:rPr lang="it-IT" sz="1600" dirty="0" err="1"/>
+              <a:t>Mean</a:t>
+            </a:r>
+            <a:r>
+              <a:rPr lang="it-IT" sz="1600" dirty="0"/>
+              <a:t> </a:t>
+            </a:r>
+            <a:r>
+              <a:rPr lang="it-IT" sz="1600" dirty="0" err="1"/>
+              <a:t>value</a:t>
+            </a:r>
+            <a:r>
+              <a:rPr lang="it-IT" sz="1600" dirty="0"/>
+              <a:t>: ~135 clicks</a:t>
+            </a:r>
+          </a:p>
+        </p:txBody>
+      </p:sp>
+      <p:sp>
+        <p:nvSpPr>
+          <p:cNvPr id="12" name="CasellaDiTesto 11">
+            <a:extLst>
+              <a:ext uri="{FF2B5EF4-FFF2-40B4-BE49-F238E27FC236}">
+                <a16:creationId xmlns:a16="http://schemas.microsoft.com/office/drawing/2014/main" id="{7E2F3977-871D-4197-A6C5-F8C839D2CB7D}"/>
+              </a:ext>
+            </a:extLst>
+          </p:cNvPr>
+          <p:cNvSpPr txBox="1"/>
+          <p:nvPr/>
+        </p:nvSpPr>
+        <p:spPr>
+          <a:xfrm>
+            <a:off x="4716016" y="5229200"/>
+            <a:ext cx="4273927" cy="634020"/>
+          </a:xfrm>
+          <a:prstGeom prst="rect">
+            <a:avLst/>
+          </a:prstGeom>
+          <a:noFill/>
+        </p:spPr>
+        <p:txBody>
+          <a:bodyPr wrap="none" rtlCol="0">
+            <a:spAutoFit/>
+          </a:bodyPr>
+          <a:lstStyle/>
+          <a:p>
+            <a:pPr marL="285750" indent="-285750" algn="l">
+              <a:buFont typeface="Arial" panose="020B0604020202020204" pitchFamily="34" charset="0"/>
+              <a:buChar char="•"/>
+            </a:pPr>
+            <a:r>
+              <a:rPr lang="it-IT" sz="1600" dirty="0" err="1"/>
+              <a:t>Regret</a:t>
+            </a:r>
+            <a:r>
+              <a:rPr lang="it-IT" sz="1600" dirty="0"/>
+              <a:t> </a:t>
+            </a:r>
+            <a:r>
+              <a:rPr lang="it-IT" sz="1600" dirty="0" err="1"/>
+              <a:t>expressed</a:t>
+            </a:r>
+            <a:r>
+              <a:rPr lang="it-IT" sz="1600" dirty="0"/>
+              <a:t> in </a:t>
+            </a:r>
+            <a:r>
+              <a:rPr lang="it-IT" sz="1600" dirty="0" err="1"/>
+              <a:t>terms</a:t>
+            </a:r>
+            <a:r>
+              <a:rPr lang="it-IT" sz="1600" dirty="0"/>
+              <a:t> of </a:t>
+            </a:r>
+            <a:r>
+              <a:rPr lang="it-IT" sz="1600" dirty="0" err="1"/>
+              <a:t>lost</a:t>
+            </a:r>
+            <a:r>
+              <a:rPr lang="it-IT" sz="1600" dirty="0"/>
+              <a:t> of clicks</a:t>
+            </a:r>
+          </a:p>
+          <a:p>
+            <a:pPr marL="285750" indent="-285750" algn="l">
+              <a:buFont typeface="Arial" panose="020B0604020202020204" pitchFamily="34" charset="0"/>
+              <a:buChar char="•"/>
+            </a:pPr>
+            <a:r>
+              <a:rPr lang="it-IT" sz="1600" dirty="0"/>
+              <a:t>After first </a:t>
+            </a:r>
+            <a:r>
+              <a:rPr lang="it-IT" sz="1600" dirty="0" err="1"/>
+              <a:t>period</a:t>
+            </a:r>
+            <a:r>
+              <a:rPr lang="it-IT" sz="1600" dirty="0"/>
+              <a:t>, </a:t>
+            </a:r>
+            <a:r>
+              <a:rPr lang="it-IT" sz="1600" dirty="0" err="1"/>
+              <a:t>it</a:t>
+            </a:r>
+            <a:r>
+              <a:rPr lang="it-IT" sz="1600" dirty="0"/>
+              <a:t> </a:t>
+            </a:r>
+            <a:r>
+              <a:rPr lang="it-IT" sz="1600" dirty="0" err="1"/>
+              <a:t>increases</a:t>
+            </a:r>
+            <a:r>
+              <a:rPr lang="it-IT" sz="1600" dirty="0"/>
+              <a:t> </a:t>
+            </a:r>
+            <a:r>
+              <a:rPr lang="it-IT" sz="1600" dirty="0" err="1"/>
+              <a:t>linearly</a:t>
+            </a:r>
+            <a:endParaRPr lang="it-IT" sz="1600" dirty="0"/>
+          </a:p>
+        </p:txBody>
+      </p:sp>
+    </p:spTree>
+    <p:extLst>
+      <p:ext uri="{BB962C8B-B14F-4D97-AF65-F5344CB8AC3E}">
+        <p14:creationId xmlns:p14="http://schemas.microsoft.com/office/powerpoint/2010/main" val="3752058816"/>
+      </p:ext>
+    </p:extLst>
+  </p:cSld>
+  <p:clrMapOvr>
+    <a:masterClrMapping/>
+  </p:clrMapOvr>
+</p:sld>
+</file>
+
+<file path=ppt/slides/slide13.xml><?xml version="1.0" encoding="utf-8"?>
+<p:sld xmlns:a="http://schemas.openxmlformats.org/drawingml/2006/main" xmlns:r="http://schemas.openxmlformats.org/officeDocument/2006/relationships" xmlns:p="http://schemas.openxmlformats.org/presentationml/2006/main">
+  <p:cSld>
+    <p:spTree>
+      <p:nvGrpSpPr>
+        <p:cNvPr id="1" name=""/>
+        <p:cNvGrpSpPr/>
+        <p:nvPr/>
+      </p:nvGrpSpPr>
+      <p:grpSpPr>
+        <a:xfrm>
+          <a:off x="0" y="0"/>
+          <a:ext cx="0" cy="0"/>
+          <a:chOff x="0" y="0"/>
+          <a:chExt cx="0" cy="0"/>
+        </a:xfrm>
+      </p:grpSpPr>
+      <p:sp>
+        <p:nvSpPr>
+          <p:cNvPr id="2" name="Titolo 1">
+            <a:extLst>
+              <a:ext uri="{FF2B5EF4-FFF2-40B4-BE49-F238E27FC236}">
+                <a16:creationId xmlns:a16="http://schemas.microsoft.com/office/drawing/2014/main" id="{3A0493DD-213F-4F15-A674-302B2E057DA7}"/>
+              </a:ext>
+            </a:extLst>
+          </p:cNvPr>
+          <p:cNvSpPr>
+            <a:spLocks noGrp="1"/>
+          </p:cNvSpPr>
+          <p:nvPr>
+            <p:ph type="title"/>
+          </p:nvPr>
+        </p:nvSpPr>
+        <p:spPr/>
+        <p:txBody>
+          <a:bodyPr/>
+          <a:lstStyle/>
+          <a:p>
+            <a:r>
+              <a:rPr lang="it-IT" dirty="0" err="1"/>
+              <a:t>Average</a:t>
+            </a:r>
+            <a:r>
+              <a:rPr lang="it-IT" dirty="0"/>
+              <a:t> </a:t>
+            </a:r>
+            <a:r>
+              <a:rPr lang="it-IT" dirty="0" err="1"/>
+              <a:t>regression</a:t>
+            </a:r>
+            <a:r>
+              <a:rPr lang="it-IT" dirty="0"/>
+              <a:t> </a:t>
+            </a:r>
+            <a:r>
+              <a:rPr lang="it-IT" dirty="0" err="1"/>
+              <a:t>error</a:t>
+            </a:r>
+            <a:r>
+              <a:rPr lang="it-IT" dirty="0"/>
+              <a:t> of </a:t>
+            </a:r>
+            <a:r>
+              <a:rPr lang="it-IT" dirty="0" err="1"/>
+              <a:t>GPs</a:t>
+            </a:r>
+            <a:endParaRPr lang="it-IT" dirty="0"/>
+          </a:p>
+        </p:txBody>
+      </p:sp>
+      <p:sp>
+        <p:nvSpPr>
+          <p:cNvPr id="4" name="Segnaposto numero diapositiva 3">
+            <a:extLst>
+              <a:ext uri="{FF2B5EF4-FFF2-40B4-BE49-F238E27FC236}">
+                <a16:creationId xmlns:a16="http://schemas.microsoft.com/office/drawing/2014/main" id="{FF35E24C-EA8E-4206-98A6-B2F1C988C092}"/>
+              </a:ext>
+            </a:extLst>
+          </p:cNvPr>
+          <p:cNvSpPr>
+            <a:spLocks noGrp="1"/>
+          </p:cNvSpPr>
+          <p:nvPr>
+            <p:ph type="sldNum" sz="quarter" idx="10"/>
+          </p:nvPr>
+        </p:nvSpPr>
+        <p:spPr/>
+        <p:txBody>
+          <a:bodyPr/>
+          <a:lstStyle/>
+          <a:p>
+            <a:fld id="{FE575B20-646B-44A6-B32B-8B9F7AC502D9}" type="slidenum">
+              <a:rPr lang="it-IT" altLang="en-US" smtClean="0"/>
+              <a:pPr/>
+              <a:t>13</a:t>
+            </a:fld>
+            <a:endParaRPr lang="it-IT" altLang="en-US" dirty="0"/>
+          </a:p>
+        </p:txBody>
+      </p:sp>
+      <p:pic>
+        <p:nvPicPr>
+          <p:cNvPr id="5" name="Immagine 4">
+            <a:extLst>
+              <a:ext uri="{FF2B5EF4-FFF2-40B4-BE49-F238E27FC236}">
+                <a16:creationId xmlns:a16="http://schemas.microsoft.com/office/drawing/2014/main" id="{DBD157F1-E16D-4D1E-9DF9-2C02E810903F}"/>
+              </a:ext>
+            </a:extLst>
+          </p:cNvPr>
+          <p:cNvPicPr>
+            <a:picLocks noChangeAspect="1"/>
+          </p:cNvPicPr>
+          <p:nvPr/>
+        </p:nvPicPr>
+        <p:blipFill>
+          <a:blip r:embed="rId2"/>
+          <a:stretch>
+            <a:fillRect/>
+          </a:stretch>
+        </p:blipFill>
+        <p:spPr>
+          <a:xfrm>
+            <a:off x="123254" y="1268760"/>
+            <a:ext cx="4535302" cy="3312368"/>
+          </a:xfrm>
+          <a:prstGeom prst="rect">
+            <a:avLst/>
+          </a:prstGeom>
+        </p:spPr>
+      </p:pic>
+      <p:sp>
+        <p:nvSpPr>
+          <p:cNvPr id="7" name="Rettangolo 6">
+            <a:extLst>
+              <a:ext uri="{FF2B5EF4-FFF2-40B4-BE49-F238E27FC236}">
+                <a16:creationId xmlns:a16="http://schemas.microsoft.com/office/drawing/2014/main" id="{2682E039-97B7-470A-86FF-07DF13F9BF52}"/>
+              </a:ext>
+            </a:extLst>
+          </p:cNvPr>
+          <p:cNvSpPr/>
+          <p:nvPr/>
+        </p:nvSpPr>
+        <p:spPr bwMode="auto">
+          <a:xfrm>
+            <a:off x="719138" y="6613525"/>
+            <a:ext cx="4140894" cy="244475"/>
+          </a:xfrm>
+          <a:prstGeom prst="rect">
+            <a:avLst/>
+          </a:prstGeom>
+          <a:solidFill>
+            <a:schemeClr val="accent3"/>
+          </a:solidFill>
+          <a:ln>
+            <a:noFill/>
+          </a:ln>
+          <a:effectLst/>
+        </p:spPr>
+        <p:txBody>
+          <a:bodyPr vert="horz" wrap="square" lIns="0" tIns="0" rIns="0" bIns="0" numCol="1" rtlCol="0" anchor="t" anchorCtr="0" compatLnSpc="1">
+            <a:prstTxWarp prst="textNoShape">
+              <a:avLst/>
+            </a:prstTxWarp>
+          </a:bodyPr>
+          <a:lstStyle/>
+          <a:p>
+            <a:pPr marL="0" marR="0" indent="0" algn="ctr" defTabSz="914400" rtl="0" eaLnBrk="0" fontAlgn="base" latinLnBrk="0" hangingPunct="0">
+              <a:lnSpc>
+                <a:spcPct val="100000"/>
+              </a:lnSpc>
+              <a:spcBef>
+                <a:spcPct val="20000"/>
+              </a:spcBef>
+              <a:spcAft>
+                <a:spcPct val="0"/>
+              </a:spcAft>
+              <a:buClrTx/>
+              <a:buSzTx/>
+              <a:buFontTx/>
+              <a:buNone/>
+              <a:tabLst/>
+            </a:pPr>
+            <a:endParaRPr kumimoji="0" lang="it-IT" sz="2400" b="0" i="0" u="none" strike="noStrike" cap="none" normalizeH="0" baseline="0">
+              <a:ln>
+                <a:noFill/>
+              </a:ln>
+              <a:solidFill>
+                <a:schemeClr val="tx1"/>
+              </a:solidFill>
+              <a:effectLst/>
+              <a:latin typeface="Arial" panose="020B0604020202020204" pitchFamily="34" charset="0"/>
+            </a:endParaRPr>
+          </a:p>
+        </p:txBody>
+      </p:sp>
+      <p:sp>
+        <p:nvSpPr>
+          <p:cNvPr id="8" name="CasellaDiTesto 7">
+            <a:extLst>
+              <a:ext uri="{FF2B5EF4-FFF2-40B4-BE49-F238E27FC236}">
+                <a16:creationId xmlns:a16="http://schemas.microsoft.com/office/drawing/2014/main" id="{B8AE4B11-B798-425B-94F0-B8FE2945B61E}"/>
+              </a:ext>
+            </a:extLst>
+          </p:cNvPr>
+          <p:cNvSpPr txBox="1"/>
+          <p:nvPr/>
+        </p:nvSpPr>
+        <p:spPr>
+          <a:xfrm>
+            <a:off x="4860032" y="1268760"/>
+            <a:ext cx="3904973" cy="3588675"/>
+          </a:xfrm>
+          <a:prstGeom prst="rect">
+            <a:avLst/>
+          </a:prstGeom>
+          <a:noFill/>
+        </p:spPr>
+        <p:txBody>
+          <a:bodyPr wrap="square" rtlCol="0">
+            <a:spAutoFit/>
+          </a:bodyPr>
+          <a:lstStyle/>
+          <a:p>
+            <a:pPr marL="285750" indent="-285750" algn="l">
+              <a:buFont typeface="Arial" panose="020B0604020202020204" pitchFamily="34" charset="0"/>
+              <a:buChar char="•"/>
+            </a:pPr>
+            <a:r>
+              <a:rPr lang="en-US" sz="1600" dirty="0"/>
+              <a:t>The regression error is the maximum error among all the possible arms</a:t>
+            </a:r>
+          </a:p>
+          <a:p>
+            <a:pPr marL="285750" indent="-285750" algn="l">
+              <a:buFont typeface="Arial" panose="020B0604020202020204" pitchFamily="34" charset="0"/>
+              <a:buChar char="•"/>
+            </a:pPr>
+            <a:endParaRPr lang="en-US" sz="1600" dirty="0"/>
+          </a:p>
+          <a:p>
+            <a:pPr marL="285750" indent="-285750" algn="l">
+              <a:buFont typeface="Arial" panose="020B0604020202020204" pitchFamily="34" charset="0"/>
+              <a:buChar char="•"/>
+            </a:pPr>
+            <a:r>
+              <a:rPr lang="en-US" sz="1600" dirty="0"/>
+              <a:t>When the </a:t>
+            </a:r>
+            <a:r>
+              <a:rPr lang="en-US" sz="1600" dirty="0" err="1"/>
+              <a:t>Gp</a:t>
+            </a:r>
+            <a:r>
+              <a:rPr lang="en-US" sz="1600" dirty="0"/>
+              <a:t> is able to approximate the curves, as the samples increase, it should decrease</a:t>
+            </a:r>
+          </a:p>
+          <a:p>
+            <a:pPr marL="285750" indent="-285750" algn="l">
+              <a:buFont typeface="Arial" panose="020B0604020202020204" pitchFamily="34" charset="0"/>
+              <a:buChar char="•"/>
+            </a:pPr>
+            <a:endParaRPr lang="en-US" sz="1600" dirty="0"/>
+          </a:p>
+          <a:p>
+            <a:pPr marL="285750" indent="-285750" algn="l">
+              <a:buFont typeface="Arial" panose="020B0604020202020204" pitchFamily="34" charset="0"/>
+              <a:buChar char="•"/>
+            </a:pPr>
+            <a:r>
+              <a:rPr lang="en-US" sz="1600" dirty="0"/>
+              <a:t>Facebook and </a:t>
+            </a:r>
+            <a:r>
+              <a:rPr lang="en-US" sz="1600" dirty="0" err="1"/>
+              <a:t>Youtube</a:t>
+            </a:r>
+            <a:r>
+              <a:rPr lang="en-US" sz="1600" dirty="0"/>
+              <a:t> sub-campaign are not decreasing, </a:t>
+            </a:r>
+            <a:r>
+              <a:rPr lang="en-US" sz="1600" dirty="0" err="1"/>
+              <a:t>Gp</a:t>
+            </a:r>
+            <a:r>
+              <a:rPr lang="en-US" sz="1600" dirty="0"/>
+              <a:t> are not approximating correctly the curve.</a:t>
+            </a:r>
+          </a:p>
+          <a:p>
+            <a:pPr marL="285750" indent="-285750" algn="l">
+              <a:buFont typeface="Arial" panose="020B0604020202020204" pitchFamily="34" charset="0"/>
+              <a:buChar char="•"/>
+            </a:pPr>
+            <a:endParaRPr lang="en-US" sz="1600" dirty="0"/>
+          </a:p>
+          <a:p>
+            <a:pPr marL="285750" indent="-285750" algn="l">
+              <a:buFont typeface="Arial" panose="020B0604020202020204" pitchFamily="34" charset="0"/>
+              <a:buChar char="•"/>
+            </a:pPr>
+            <a:r>
+              <a:rPr lang="en-US" sz="1600" dirty="0"/>
+              <a:t>The algorithm is forced to pull at least 1 € arm on all sub-campaigns.</a:t>
+            </a:r>
+            <a:endParaRPr lang="it-IT" sz="1600" dirty="0"/>
+          </a:p>
+        </p:txBody>
+      </p:sp>
+      <p:pic>
+        <p:nvPicPr>
+          <p:cNvPr id="9" name="Immagine 8">
+            <a:extLst>
+              <a:ext uri="{FF2B5EF4-FFF2-40B4-BE49-F238E27FC236}">
+                <a16:creationId xmlns:a16="http://schemas.microsoft.com/office/drawing/2014/main" id="{B51D2162-C739-4AF3-835F-291FE6B7D07D}"/>
+              </a:ext>
+            </a:extLst>
+          </p:cNvPr>
+          <p:cNvPicPr>
+            <a:picLocks noChangeAspect="1"/>
+          </p:cNvPicPr>
+          <p:nvPr/>
+        </p:nvPicPr>
+        <p:blipFill>
+          <a:blip r:embed="rId3"/>
+          <a:stretch>
+            <a:fillRect/>
+          </a:stretch>
+        </p:blipFill>
+        <p:spPr>
+          <a:xfrm>
+            <a:off x="3512443" y="1340768"/>
+            <a:ext cx="1059557" cy="967990"/>
+          </a:xfrm>
+          <a:prstGeom prst="rect">
+            <a:avLst/>
+          </a:prstGeom>
+        </p:spPr>
+      </p:pic>
+      <p:sp>
+        <p:nvSpPr>
+          <p:cNvPr id="10" name="CasellaDiTesto 9">
+            <a:extLst>
+              <a:ext uri="{FF2B5EF4-FFF2-40B4-BE49-F238E27FC236}">
+                <a16:creationId xmlns:a16="http://schemas.microsoft.com/office/drawing/2014/main" id="{4BBDB38F-F70D-4389-AC4F-5612C4C9A55B}"/>
+              </a:ext>
+            </a:extLst>
+          </p:cNvPr>
+          <p:cNvSpPr txBox="1"/>
+          <p:nvPr/>
+        </p:nvSpPr>
+        <p:spPr>
+          <a:xfrm>
+            <a:off x="621362" y="5301208"/>
+            <a:ext cx="5328703" cy="338554"/>
+          </a:xfrm>
+          <a:prstGeom prst="rect">
+            <a:avLst/>
+          </a:prstGeom>
+          <a:noFill/>
+        </p:spPr>
+        <p:txBody>
+          <a:bodyPr wrap="none" rtlCol="0">
+            <a:spAutoFit/>
+          </a:bodyPr>
+          <a:lstStyle/>
+          <a:p>
+            <a:pPr marL="342900" indent="-342900" algn="l">
+              <a:buFont typeface="Arial" panose="020B0604020202020204" pitchFamily="34" charset="0"/>
+              <a:buChar char="•"/>
+            </a:pPr>
+            <a:r>
+              <a:rPr lang="it-IT" sz="1600" dirty="0" err="1"/>
+              <a:t>Analize</a:t>
+            </a:r>
+            <a:r>
+              <a:rPr lang="it-IT" sz="1600" dirty="0"/>
+              <a:t> the case of </a:t>
+            </a:r>
+            <a:r>
+              <a:rPr lang="it-IT" sz="1600" dirty="0" err="1"/>
+              <a:t>allowing</a:t>
+            </a:r>
+            <a:r>
+              <a:rPr lang="it-IT" sz="1600" dirty="0"/>
+              <a:t> 0-budget sub-</a:t>
+            </a:r>
+            <a:r>
+              <a:rPr lang="it-IT" sz="1600" dirty="0" err="1"/>
+              <a:t>campaign</a:t>
+            </a:r>
+            <a:endParaRPr lang="it-IT" sz="1600" dirty="0"/>
+          </a:p>
+        </p:txBody>
+      </p:sp>
+    </p:spTree>
+    <p:extLst>
+      <p:ext uri="{BB962C8B-B14F-4D97-AF65-F5344CB8AC3E}">
+        <p14:creationId xmlns:p14="http://schemas.microsoft.com/office/powerpoint/2010/main" val="205145446"/>
+      </p:ext>
+    </p:extLst>
+  </p:cSld>
+  <p:clrMapOvr>
+    <a:masterClrMapping/>
+  </p:clrMapOvr>
+</p:sld>
+</file>
+
+<file path=ppt/slides/slide14.xml><?xml version="1.0" encoding="utf-8"?>
+<p:sld xmlns:a="http://schemas.openxmlformats.org/drawingml/2006/main" xmlns:r="http://schemas.openxmlformats.org/officeDocument/2006/relationships" xmlns:p="http://schemas.openxmlformats.org/presentationml/2006/main">
+  <p:cSld>
+    <p:spTree>
+      <p:nvGrpSpPr>
+        <p:cNvPr id="1" name=""/>
+        <p:cNvGrpSpPr/>
+        <p:nvPr/>
+      </p:nvGrpSpPr>
+      <p:grpSpPr>
+        <a:xfrm>
+          <a:off x="0" y="0"/>
+          <a:ext cx="0" cy="0"/>
+          <a:chOff x="0" y="0"/>
+          <a:chExt cx="0" cy="0"/>
+        </a:xfrm>
+      </p:grpSpPr>
+      <p:sp>
+        <p:nvSpPr>
+          <p:cNvPr id="2" name="Titolo 1">
+            <a:extLst>
+              <a:ext uri="{FF2B5EF4-FFF2-40B4-BE49-F238E27FC236}">
+                <a16:creationId xmlns:a16="http://schemas.microsoft.com/office/drawing/2014/main" id="{CBE82E82-F514-4253-928D-8C8CC0D7C836}"/>
+              </a:ext>
+            </a:extLst>
+          </p:cNvPr>
+          <p:cNvSpPr>
+            <a:spLocks noGrp="1"/>
+          </p:cNvSpPr>
+          <p:nvPr>
+            <p:ph type="title"/>
+          </p:nvPr>
+        </p:nvSpPr>
+        <p:spPr/>
+        <p:txBody>
+          <a:bodyPr/>
+          <a:lstStyle/>
+          <a:p>
+            <a:r>
+              <a:rPr lang="it-IT" dirty="0"/>
+              <a:t>CGP-TS </a:t>
+            </a:r>
+            <a:r>
+              <a:rPr lang="it-IT" dirty="0" err="1"/>
+              <a:t>allowing</a:t>
+            </a:r>
+            <a:r>
+              <a:rPr lang="it-IT" dirty="0"/>
+              <a:t> 0-Budget sub-</a:t>
+            </a:r>
+            <a:r>
+              <a:rPr lang="it-IT" dirty="0" err="1"/>
+              <a:t>campaign</a:t>
+            </a:r>
+            <a:endParaRPr lang="it-IT" dirty="0"/>
+          </a:p>
+        </p:txBody>
+      </p:sp>
+      <p:sp>
+        <p:nvSpPr>
+          <p:cNvPr id="3" name="Segnaposto contenuto 2">
+            <a:extLst>
+              <a:ext uri="{FF2B5EF4-FFF2-40B4-BE49-F238E27FC236}">
+                <a16:creationId xmlns:a16="http://schemas.microsoft.com/office/drawing/2014/main" id="{46049E55-F837-4F73-B8CD-A495BA783FC8}"/>
+              </a:ext>
+            </a:extLst>
+          </p:cNvPr>
+          <p:cNvSpPr>
+            <a:spLocks noGrp="1"/>
+          </p:cNvSpPr>
+          <p:nvPr>
+            <p:ph idx="1"/>
+          </p:nvPr>
+        </p:nvSpPr>
+        <p:spPr>
+          <a:xfrm>
+            <a:off x="719138" y="1066800"/>
+            <a:ext cx="8229600" cy="345976"/>
+          </a:xfrm>
+        </p:spPr>
+        <p:txBody>
+          <a:bodyPr/>
+          <a:lstStyle/>
+          <a:p>
+            <a:pPr>
+              <a:buFont typeface="Arial" panose="020B0604020202020204" pitchFamily="34" charset="0"/>
+              <a:buChar char="•"/>
+            </a:pPr>
+            <a:r>
+              <a:rPr lang="it-IT" dirty="0"/>
+              <a:t>Same settings </a:t>
+            </a:r>
+            <a:r>
+              <a:rPr lang="it-IT" dirty="0" err="1"/>
+              <a:t>as</a:t>
+            </a:r>
+            <a:r>
+              <a:rPr lang="it-IT" dirty="0"/>
+              <a:t> </a:t>
+            </a:r>
+            <a:r>
+              <a:rPr lang="it-IT" dirty="0" err="1"/>
+              <a:t>before</a:t>
+            </a:r>
+            <a:r>
+              <a:rPr lang="it-IT" dirty="0"/>
+              <a:t>, </a:t>
+            </a:r>
+            <a:r>
+              <a:rPr lang="it-IT" dirty="0" err="1"/>
+              <a:t>result</a:t>
+            </a:r>
+            <a:r>
+              <a:rPr lang="it-IT" dirty="0"/>
+              <a:t>: </a:t>
+            </a:r>
+          </a:p>
+          <a:p>
+            <a:pPr>
+              <a:buFont typeface="Arial" panose="020B0604020202020204" pitchFamily="34" charset="0"/>
+              <a:buChar char="•"/>
+            </a:pPr>
+            <a:endParaRPr lang="it-IT" sz="900" dirty="0"/>
+          </a:p>
+          <a:p>
+            <a:pPr marL="685800" lvl="1">
+              <a:buFont typeface="Arial" panose="020B0604020202020204" pitchFamily="34" charset="0"/>
+              <a:buChar char="•"/>
+            </a:pPr>
+            <a:r>
+              <a:rPr lang="it-IT" sz="1400" dirty="0"/>
+              <a:t>Google = 5 €</a:t>
+            </a:r>
+          </a:p>
+          <a:p>
+            <a:pPr marL="685800" lvl="1">
+              <a:buFont typeface="Arial" panose="020B0604020202020204" pitchFamily="34" charset="0"/>
+              <a:buChar char="•"/>
+            </a:pPr>
+            <a:r>
+              <a:rPr lang="it-IT" sz="1400" dirty="0"/>
+              <a:t>Facebook = 0 €</a:t>
+            </a:r>
+          </a:p>
+          <a:p>
+            <a:pPr marL="685800" lvl="1">
+              <a:buFont typeface="Arial" panose="020B0604020202020204" pitchFamily="34" charset="0"/>
+              <a:buChar char="•"/>
+            </a:pPr>
+            <a:r>
+              <a:rPr lang="it-IT" sz="1400" dirty="0"/>
+              <a:t>Instagram = 7 €</a:t>
+            </a:r>
+          </a:p>
+          <a:p>
+            <a:pPr marL="685800" lvl="1">
+              <a:buFont typeface="Arial" panose="020B0604020202020204" pitchFamily="34" charset="0"/>
+              <a:buChar char="•"/>
+            </a:pPr>
+            <a:r>
+              <a:rPr lang="it-IT" sz="1400" dirty="0" err="1"/>
+              <a:t>Youtube</a:t>
+            </a:r>
+            <a:r>
+              <a:rPr lang="it-IT" sz="1400" dirty="0"/>
+              <a:t> = 0 €</a:t>
+            </a:r>
+          </a:p>
+          <a:p>
+            <a:pPr marL="685800" lvl="1">
+              <a:buFont typeface="Arial" panose="020B0604020202020204" pitchFamily="34" charset="0"/>
+              <a:buChar char="•"/>
+            </a:pPr>
+            <a:r>
+              <a:rPr lang="it-IT" sz="1400" dirty="0"/>
+              <a:t>Bing = 7 €</a:t>
+            </a:r>
+          </a:p>
+          <a:p>
+            <a:pPr>
+              <a:buFont typeface="Arial" panose="020B0604020202020204" pitchFamily="34" charset="0"/>
+              <a:buChar char="•"/>
+            </a:pPr>
+            <a:endParaRPr lang="it-IT" dirty="0"/>
+          </a:p>
+        </p:txBody>
+      </p:sp>
+      <p:sp>
+        <p:nvSpPr>
+          <p:cNvPr id="4" name="Segnaposto numero diapositiva 3">
+            <a:extLst>
+              <a:ext uri="{FF2B5EF4-FFF2-40B4-BE49-F238E27FC236}">
+                <a16:creationId xmlns:a16="http://schemas.microsoft.com/office/drawing/2014/main" id="{E022A619-8E5C-4948-8BE1-5DD53478EC42}"/>
+              </a:ext>
+            </a:extLst>
+          </p:cNvPr>
+          <p:cNvSpPr>
+            <a:spLocks noGrp="1"/>
+          </p:cNvSpPr>
+          <p:nvPr>
+            <p:ph type="sldNum" sz="quarter" idx="10"/>
+          </p:nvPr>
+        </p:nvSpPr>
+        <p:spPr/>
+        <p:txBody>
+          <a:bodyPr/>
+          <a:lstStyle/>
+          <a:p>
+            <a:fld id="{FE575B20-646B-44A6-B32B-8B9F7AC502D9}" type="slidenum">
+              <a:rPr lang="it-IT" altLang="en-US" smtClean="0"/>
+              <a:pPr/>
+              <a:t>14</a:t>
+            </a:fld>
+            <a:endParaRPr lang="it-IT" altLang="en-US" dirty="0"/>
+          </a:p>
+        </p:txBody>
+      </p:sp>
+      <p:pic>
+        <p:nvPicPr>
+          <p:cNvPr id="5" name="Immagine 4">
+            <a:extLst>
+              <a:ext uri="{FF2B5EF4-FFF2-40B4-BE49-F238E27FC236}">
+                <a16:creationId xmlns:a16="http://schemas.microsoft.com/office/drawing/2014/main" id="{9CF45E6D-2C3E-4B15-A56C-55B5F31775CD}"/>
+              </a:ext>
+            </a:extLst>
+          </p:cNvPr>
+          <p:cNvPicPr>
+            <a:picLocks noChangeAspect="1"/>
+          </p:cNvPicPr>
+          <p:nvPr/>
+        </p:nvPicPr>
+        <p:blipFill>
+          <a:blip r:embed="rId2"/>
+          <a:stretch>
+            <a:fillRect/>
+          </a:stretch>
+        </p:blipFill>
+        <p:spPr>
+          <a:xfrm>
+            <a:off x="179512" y="3212976"/>
+            <a:ext cx="4176464" cy="3025584"/>
+          </a:xfrm>
+          <a:prstGeom prst="rect">
+            <a:avLst/>
+          </a:prstGeom>
+        </p:spPr>
+      </p:pic>
+      <p:sp>
+        <p:nvSpPr>
+          <p:cNvPr id="6" name="Rettangolo 5">
+            <a:extLst>
+              <a:ext uri="{FF2B5EF4-FFF2-40B4-BE49-F238E27FC236}">
+                <a16:creationId xmlns:a16="http://schemas.microsoft.com/office/drawing/2014/main" id="{8CE128D2-16A2-43CA-8559-B82B86F6D702}"/>
+              </a:ext>
+            </a:extLst>
+          </p:cNvPr>
+          <p:cNvSpPr/>
+          <p:nvPr/>
+        </p:nvSpPr>
+        <p:spPr bwMode="auto">
+          <a:xfrm>
+            <a:off x="719138" y="6613525"/>
+            <a:ext cx="4140894" cy="244475"/>
+          </a:xfrm>
+          <a:prstGeom prst="rect">
+            <a:avLst/>
+          </a:prstGeom>
+          <a:solidFill>
+            <a:schemeClr val="accent3"/>
+          </a:solidFill>
+          <a:ln>
+            <a:noFill/>
+          </a:ln>
+          <a:effectLst/>
+        </p:spPr>
+        <p:txBody>
+          <a:bodyPr vert="horz" wrap="square" lIns="0" tIns="0" rIns="0" bIns="0" numCol="1" rtlCol="0" anchor="t" anchorCtr="0" compatLnSpc="1">
+            <a:prstTxWarp prst="textNoShape">
+              <a:avLst/>
+            </a:prstTxWarp>
+          </a:bodyPr>
+          <a:lstStyle/>
+          <a:p>
+            <a:pPr marL="0" marR="0" indent="0" algn="ctr" defTabSz="914400" rtl="0" eaLnBrk="0" fontAlgn="base" latinLnBrk="0" hangingPunct="0">
+              <a:lnSpc>
+                <a:spcPct val="100000"/>
+              </a:lnSpc>
+              <a:spcBef>
+                <a:spcPct val="20000"/>
+              </a:spcBef>
+              <a:spcAft>
+                <a:spcPct val="0"/>
+              </a:spcAft>
+              <a:buClrTx/>
+              <a:buSzTx/>
+              <a:buFontTx/>
+              <a:buNone/>
+              <a:tabLst/>
+            </a:pPr>
+            <a:endParaRPr kumimoji="0" lang="it-IT" sz="2400" b="0" i="0" u="none" strike="noStrike" cap="none" normalizeH="0" baseline="0">
+              <a:ln>
+                <a:noFill/>
+              </a:ln>
+              <a:solidFill>
+                <a:schemeClr val="tx1"/>
+              </a:solidFill>
+              <a:effectLst/>
+              <a:latin typeface="Arial" panose="020B0604020202020204" pitchFamily="34" charset="0"/>
+            </a:endParaRPr>
+          </a:p>
+        </p:txBody>
+      </p:sp>
+      <p:sp>
+        <p:nvSpPr>
+          <p:cNvPr id="7" name="CasellaDiTesto 6">
+            <a:extLst>
+              <a:ext uri="{FF2B5EF4-FFF2-40B4-BE49-F238E27FC236}">
+                <a16:creationId xmlns:a16="http://schemas.microsoft.com/office/drawing/2014/main" id="{534E4B2C-A090-44B8-98D2-E25C4FFCD952}"/>
+              </a:ext>
+            </a:extLst>
+          </p:cNvPr>
+          <p:cNvSpPr txBox="1"/>
+          <p:nvPr/>
+        </p:nvSpPr>
+        <p:spPr>
+          <a:xfrm>
+            <a:off x="4585583" y="3212976"/>
+            <a:ext cx="4176465" cy="2862322"/>
+          </a:xfrm>
+          <a:prstGeom prst="rect">
+            <a:avLst/>
+          </a:prstGeom>
+          <a:noFill/>
+        </p:spPr>
+        <p:txBody>
+          <a:bodyPr wrap="square" rtlCol="0">
+            <a:spAutoFit/>
+          </a:bodyPr>
+          <a:lstStyle/>
+          <a:p>
+            <a:pPr marL="285750" indent="-285750" algn="l">
+              <a:buFont typeface="Arial" panose="020B0604020202020204" pitchFamily="34" charset="0"/>
+              <a:buChar char="•"/>
+            </a:pPr>
+            <a:r>
+              <a:rPr lang="it-IT" sz="1800" dirty="0"/>
+              <a:t>Maximum </a:t>
+            </a:r>
+            <a:r>
+              <a:rPr lang="it-IT" sz="1800" dirty="0" err="1"/>
+              <a:t>Clairvoyant</a:t>
+            </a:r>
+            <a:r>
+              <a:rPr lang="it-IT" sz="1800" dirty="0"/>
+              <a:t> </a:t>
+            </a:r>
+            <a:r>
+              <a:rPr lang="it-IT" sz="1800" dirty="0" err="1"/>
+              <a:t>value</a:t>
+            </a:r>
+            <a:r>
+              <a:rPr lang="it-IT" sz="1800" dirty="0"/>
+              <a:t>: 162</a:t>
+            </a:r>
+          </a:p>
+          <a:p>
+            <a:pPr marL="285750" indent="-285750" algn="l">
+              <a:buFont typeface="Arial" panose="020B0604020202020204" pitchFamily="34" charset="0"/>
+              <a:buChar char="•"/>
+            </a:pPr>
+            <a:r>
+              <a:rPr lang="it-IT" sz="1800" dirty="0"/>
+              <a:t> </a:t>
+            </a:r>
+            <a:r>
+              <a:rPr lang="it-IT" sz="1800" dirty="0" err="1"/>
+              <a:t>Mean</a:t>
+            </a:r>
+            <a:r>
+              <a:rPr lang="it-IT" sz="1800" dirty="0"/>
+              <a:t> </a:t>
+            </a:r>
+            <a:r>
+              <a:rPr lang="it-IT" sz="1800" dirty="0" err="1"/>
+              <a:t>value</a:t>
+            </a:r>
+            <a:r>
+              <a:rPr lang="it-IT" sz="1800" dirty="0"/>
+              <a:t>: ~143</a:t>
+            </a:r>
+          </a:p>
+          <a:p>
+            <a:pPr marL="285750" indent="-285750" algn="l">
+              <a:buFont typeface="Arial" panose="020B0604020202020204" pitchFamily="34" charset="0"/>
+              <a:buChar char="•"/>
+            </a:pPr>
+            <a:endParaRPr lang="it-IT" sz="1800" dirty="0"/>
+          </a:p>
+          <a:p>
+            <a:pPr marL="285750" indent="-285750" algn="l">
+              <a:buFont typeface="Arial" panose="020B0604020202020204" pitchFamily="34" charset="0"/>
+              <a:buChar char="•"/>
+            </a:pPr>
+            <a:r>
+              <a:rPr lang="it-IT" sz="1800" dirty="0"/>
+              <a:t>The </a:t>
+            </a:r>
+            <a:r>
+              <a:rPr lang="it-IT" sz="1800" dirty="0" err="1"/>
+              <a:t>algorithm</a:t>
+            </a:r>
+            <a:r>
+              <a:rPr lang="it-IT" sz="1800" dirty="0"/>
+              <a:t> </a:t>
+            </a:r>
+            <a:r>
+              <a:rPr lang="it-IT" sz="1800" dirty="0" err="1"/>
+              <a:t>has</a:t>
+            </a:r>
+            <a:r>
+              <a:rPr lang="it-IT" sz="1800" dirty="0"/>
+              <a:t> an </a:t>
+            </a:r>
+            <a:r>
+              <a:rPr lang="it-IT" sz="1800" dirty="0" err="1"/>
+              <a:t>higher</a:t>
+            </a:r>
+            <a:r>
+              <a:rPr lang="it-IT" sz="1800" dirty="0"/>
+              <a:t> </a:t>
+            </a:r>
+            <a:r>
+              <a:rPr lang="it-IT" sz="1800" dirty="0" err="1"/>
+              <a:t>reward</a:t>
+            </a:r>
+            <a:r>
+              <a:rPr lang="it-IT" sz="1800" dirty="0"/>
+              <a:t> w.r.t. the first one.</a:t>
+            </a:r>
+          </a:p>
+          <a:p>
+            <a:pPr marL="285750" indent="-285750" algn="l">
+              <a:buFont typeface="Arial" panose="020B0604020202020204" pitchFamily="34" charset="0"/>
+              <a:buChar char="•"/>
+            </a:pPr>
+            <a:endParaRPr lang="it-IT" sz="1800" dirty="0"/>
+          </a:p>
+          <a:p>
+            <a:pPr marL="285750" indent="-285750" algn="l">
+              <a:buFont typeface="Arial" panose="020B0604020202020204" pitchFamily="34" charset="0"/>
+              <a:buChar char="•"/>
+            </a:pPr>
+            <a:r>
+              <a:rPr lang="it-IT" sz="1800" dirty="0"/>
+              <a:t>The </a:t>
+            </a:r>
+            <a:r>
+              <a:rPr lang="it-IT" sz="1800" dirty="0" err="1"/>
+              <a:t>regret</a:t>
+            </a:r>
+            <a:r>
+              <a:rPr lang="it-IT" sz="1800" dirty="0"/>
+              <a:t> </a:t>
+            </a:r>
+            <a:r>
+              <a:rPr lang="it-IT" sz="1800" dirty="0" err="1"/>
+              <a:t>behaves</a:t>
+            </a:r>
+            <a:r>
+              <a:rPr lang="it-IT" sz="1800" dirty="0"/>
+              <a:t> </a:t>
+            </a:r>
+            <a:r>
+              <a:rPr lang="it-IT" sz="1800" dirty="0" err="1"/>
+              <a:t>almost</a:t>
+            </a:r>
+            <a:r>
+              <a:rPr lang="it-IT" sz="1800" dirty="0"/>
+              <a:t> the same </a:t>
+            </a:r>
+            <a:r>
+              <a:rPr lang="it-IT" sz="1800" dirty="0" err="1"/>
+              <a:t>as</a:t>
+            </a:r>
+            <a:r>
+              <a:rPr lang="it-IT" sz="1800" dirty="0"/>
+              <a:t> </a:t>
+            </a:r>
+            <a:r>
+              <a:rPr lang="it-IT" sz="1800" dirty="0" err="1"/>
+              <a:t>before</a:t>
+            </a:r>
+            <a:r>
+              <a:rPr lang="it-IT" sz="1800" dirty="0"/>
+              <a:t>, </a:t>
+            </a:r>
+            <a:r>
+              <a:rPr lang="it-IT" sz="1800" dirty="0" err="1"/>
+              <a:t>since</a:t>
+            </a:r>
+            <a:r>
+              <a:rPr lang="it-IT" sz="1800" dirty="0"/>
+              <a:t> the gap from the </a:t>
+            </a:r>
+            <a:r>
+              <a:rPr lang="it-IT" sz="1800" dirty="0" err="1"/>
+              <a:t>clairvoyant</a:t>
+            </a:r>
+            <a:r>
+              <a:rPr lang="it-IT" sz="1800" dirty="0"/>
+              <a:t> </a:t>
+            </a:r>
+            <a:r>
+              <a:rPr lang="it-IT" sz="1800" dirty="0" err="1"/>
+              <a:t>is</a:t>
+            </a:r>
+            <a:r>
+              <a:rPr lang="it-IT" sz="1800" dirty="0"/>
+              <a:t> </a:t>
+            </a:r>
+            <a:r>
+              <a:rPr lang="it-IT" sz="1800" dirty="0" err="1"/>
+              <a:t>almost</a:t>
+            </a:r>
+            <a:r>
+              <a:rPr lang="it-IT" sz="1800" dirty="0"/>
+              <a:t> the same.</a:t>
+            </a:r>
+          </a:p>
+        </p:txBody>
+      </p:sp>
+    </p:spTree>
+    <p:extLst>
+      <p:ext uri="{BB962C8B-B14F-4D97-AF65-F5344CB8AC3E}">
+        <p14:creationId xmlns:p14="http://schemas.microsoft.com/office/powerpoint/2010/main" val="3384350888"/>
+      </p:ext>
+    </p:extLst>
+  </p:cSld>
+  <p:clrMapOvr>
+    <a:masterClrMapping/>
+  </p:clrMapOvr>
+</p:sld>
+</file>
+
+<file path=ppt/slides/slide15.xml><?xml version="1.0" encoding="utf-8"?>
+<p:sld xmlns:a="http://schemas.openxmlformats.org/drawingml/2006/main" xmlns:r="http://schemas.openxmlformats.org/officeDocument/2006/relationships" xmlns:p="http://schemas.openxmlformats.org/presentationml/2006/main">
+  <p:cSld>
+    <p:spTree>
+      <p:nvGrpSpPr>
+        <p:cNvPr id="1" name=""/>
+        <p:cNvGrpSpPr/>
+        <p:nvPr/>
+      </p:nvGrpSpPr>
+      <p:grpSpPr>
+        <a:xfrm>
+          <a:off x="0" y="0"/>
+          <a:ext cx="0" cy="0"/>
+          <a:chOff x="0" y="0"/>
+          <a:chExt cx="0" cy="0"/>
+        </a:xfrm>
+      </p:grpSpPr>
+      <p:sp>
+        <p:nvSpPr>
+          <p:cNvPr id="2" name="Titolo 1">
+            <a:extLst>
+              <a:ext uri="{FF2B5EF4-FFF2-40B4-BE49-F238E27FC236}">
+                <a16:creationId xmlns:a16="http://schemas.microsoft.com/office/drawing/2014/main" id="{E52F216F-CB22-4084-A707-EDCF32C4D928}"/>
+              </a:ext>
+            </a:extLst>
+          </p:cNvPr>
+          <p:cNvSpPr>
+            <a:spLocks noGrp="1"/>
+          </p:cNvSpPr>
+          <p:nvPr>
+            <p:ph type="title"/>
+          </p:nvPr>
+        </p:nvSpPr>
+        <p:spPr/>
+        <p:txBody>
+          <a:bodyPr/>
+          <a:lstStyle/>
+          <a:p>
+            <a:r>
+              <a:rPr lang="it-IT" dirty="0"/>
+              <a:t>CGP-TS: 0-Budget vs </a:t>
+            </a:r>
+            <a:r>
+              <a:rPr lang="it-IT" dirty="0" err="1"/>
+              <a:t>nonZero</a:t>
+            </a:r>
+            <a:r>
+              <a:rPr lang="it-IT" dirty="0"/>
+              <a:t>-Budget</a:t>
+            </a:r>
+          </a:p>
+        </p:txBody>
+      </p:sp>
+      <p:sp>
+        <p:nvSpPr>
+          <p:cNvPr id="4" name="Segnaposto numero diapositiva 3">
+            <a:extLst>
+              <a:ext uri="{FF2B5EF4-FFF2-40B4-BE49-F238E27FC236}">
+                <a16:creationId xmlns:a16="http://schemas.microsoft.com/office/drawing/2014/main" id="{1D36B542-6381-4463-AB53-81C2B8208D64}"/>
+              </a:ext>
+            </a:extLst>
+          </p:cNvPr>
+          <p:cNvSpPr>
+            <a:spLocks noGrp="1"/>
+          </p:cNvSpPr>
+          <p:nvPr>
+            <p:ph type="sldNum" sz="quarter" idx="10"/>
+          </p:nvPr>
+        </p:nvSpPr>
+        <p:spPr/>
+        <p:txBody>
+          <a:bodyPr/>
+          <a:lstStyle/>
+          <a:p>
+            <a:fld id="{FE575B20-646B-44A6-B32B-8B9F7AC502D9}" type="slidenum">
+              <a:rPr lang="it-IT" altLang="en-US" smtClean="0"/>
+              <a:pPr/>
+              <a:t>15</a:t>
+            </a:fld>
+            <a:endParaRPr lang="it-IT" altLang="en-US" dirty="0"/>
+          </a:p>
+        </p:txBody>
+      </p:sp>
+      <p:pic>
+        <p:nvPicPr>
+          <p:cNvPr id="5" name="Immagine 4">
+            <a:extLst>
+              <a:ext uri="{FF2B5EF4-FFF2-40B4-BE49-F238E27FC236}">
+                <a16:creationId xmlns:a16="http://schemas.microsoft.com/office/drawing/2014/main" id="{1FD88341-40B4-4C49-9406-23E043735B77}"/>
+              </a:ext>
+            </a:extLst>
+          </p:cNvPr>
+          <p:cNvPicPr>
+            <a:picLocks noChangeAspect="1"/>
+          </p:cNvPicPr>
+          <p:nvPr/>
+        </p:nvPicPr>
+        <p:blipFill>
+          <a:blip r:embed="rId2"/>
+          <a:stretch>
+            <a:fillRect/>
+          </a:stretch>
+        </p:blipFill>
+        <p:spPr>
+          <a:xfrm>
+            <a:off x="719138" y="2132856"/>
+            <a:ext cx="4109536" cy="3050578"/>
+          </a:xfrm>
+          <a:prstGeom prst="rect">
+            <a:avLst/>
+          </a:prstGeom>
+        </p:spPr>
+      </p:pic>
+      <p:pic>
+        <p:nvPicPr>
+          <p:cNvPr id="6" name="Immagine 5">
+            <a:extLst>
+              <a:ext uri="{FF2B5EF4-FFF2-40B4-BE49-F238E27FC236}">
+                <a16:creationId xmlns:a16="http://schemas.microsoft.com/office/drawing/2014/main" id="{A2E465F3-D67E-4CA1-825B-2FC573FB60D9}"/>
+              </a:ext>
+            </a:extLst>
+          </p:cNvPr>
+          <p:cNvPicPr>
+            <a:picLocks noChangeAspect="1"/>
+          </p:cNvPicPr>
+          <p:nvPr/>
+        </p:nvPicPr>
+        <p:blipFill>
+          <a:blip r:embed="rId3"/>
+          <a:stretch>
+            <a:fillRect/>
+          </a:stretch>
+        </p:blipFill>
+        <p:spPr>
+          <a:xfrm>
+            <a:off x="4828674" y="2137887"/>
+            <a:ext cx="4109536" cy="3045547"/>
+          </a:xfrm>
+          <a:prstGeom prst="rect">
+            <a:avLst/>
+          </a:prstGeom>
+        </p:spPr>
+      </p:pic>
+      <p:sp>
+        <p:nvSpPr>
+          <p:cNvPr id="7" name="CasellaDiTesto 6">
+            <a:extLst>
+              <a:ext uri="{FF2B5EF4-FFF2-40B4-BE49-F238E27FC236}">
+                <a16:creationId xmlns:a16="http://schemas.microsoft.com/office/drawing/2014/main" id="{F6ED2B59-ED2D-4389-AB62-210FDA7590DC}"/>
+              </a:ext>
+            </a:extLst>
+          </p:cNvPr>
+          <p:cNvSpPr txBox="1"/>
+          <p:nvPr/>
+        </p:nvSpPr>
+        <p:spPr>
+          <a:xfrm>
+            <a:off x="971600" y="1456519"/>
+            <a:ext cx="2582758" cy="369332"/>
+          </a:xfrm>
+          <a:prstGeom prst="rect">
+            <a:avLst/>
+          </a:prstGeom>
+          <a:noFill/>
+        </p:spPr>
+        <p:txBody>
+          <a:bodyPr wrap="none" rtlCol="0">
+            <a:spAutoFit/>
+          </a:bodyPr>
+          <a:lstStyle/>
+          <a:p>
+            <a:pPr marL="342900" indent="-342900" algn="l">
+              <a:buFont typeface="Arial" panose="020B0604020202020204" pitchFamily="34" charset="0"/>
+              <a:buChar char="•"/>
+            </a:pPr>
+            <a:r>
+              <a:rPr lang="it-IT" sz="1800" dirty="0" err="1"/>
+              <a:t>Reward</a:t>
+            </a:r>
+            <a:r>
+              <a:rPr lang="it-IT" sz="1800" dirty="0"/>
+              <a:t> </a:t>
+            </a:r>
+            <a:r>
+              <a:rPr lang="it-IT" sz="1800" dirty="0" err="1"/>
+              <a:t>comparison</a:t>
+            </a:r>
+            <a:endParaRPr lang="it-IT" sz="1800" dirty="0"/>
+          </a:p>
+        </p:txBody>
+      </p:sp>
+      <p:sp>
+        <p:nvSpPr>
+          <p:cNvPr id="8" name="CasellaDiTesto 7">
+            <a:extLst>
+              <a:ext uri="{FF2B5EF4-FFF2-40B4-BE49-F238E27FC236}">
+                <a16:creationId xmlns:a16="http://schemas.microsoft.com/office/drawing/2014/main" id="{CAF315C7-0681-491C-B39E-5B8B784FEF75}"/>
+              </a:ext>
+            </a:extLst>
+          </p:cNvPr>
+          <p:cNvSpPr txBox="1"/>
+          <p:nvPr/>
+        </p:nvSpPr>
+        <p:spPr>
+          <a:xfrm>
+            <a:off x="4932040" y="1456519"/>
+            <a:ext cx="2480166" cy="369332"/>
+          </a:xfrm>
+          <a:prstGeom prst="rect">
+            <a:avLst/>
+          </a:prstGeom>
+          <a:noFill/>
+        </p:spPr>
+        <p:txBody>
+          <a:bodyPr wrap="none" rtlCol="0">
+            <a:spAutoFit/>
+          </a:bodyPr>
+          <a:lstStyle/>
+          <a:p>
+            <a:pPr marL="342900" indent="-342900" algn="l">
+              <a:buFont typeface="Arial" panose="020B0604020202020204" pitchFamily="34" charset="0"/>
+              <a:buChar char="•"/>
+            </a:pPr>
+            <a:r>
+              <a:rPr lang="it-IT" sz="1800" dirty="0" err="1"/>
+              <a:t>Regret</a:t>
+            </a:r>
+            <a:r>
+              <a:rPr lang="it-IT" sz="1800" dirty="0"/>
+              <a:t> </a:t>
+            </a:r>
+            <a:r>
+              <a:rPr lang="it-IT" sz="1800" dirty="0" err="1"/>
+              <a:t>comparison</a:t>
+            </a:r>
+            <a:endParaRPr lang="it-IT" sz="1800" dirty="0"/>
+          </a:p>
+        </p:txBody>
+      </p:sp>
+      <p:sp>
+        <p:nvSpPr>
+          <p:cNvPr id="9" name="Rettangolo 8">
+            <a:extLst>
+              <a:ext uri="{FF2B5EF4-FFF2-40B4-BE49-F238E27FC236}">
+                <a16:creationId xmlns:a16="http://schemas.microsoft.com/office/drawing/2014/main" id="{B82FB4C8-BBA0-4E69-BF6B-FC0AD67AF444}"/>
+              </a:ext>
+            </a:extLst>
+          </p:cNvPr>
+          <p:cNvSpPr/>
+          <p:nvPr/>
+        </p:nvSpPr>
+        <p:spPr bwMode="auto">
+          <a:xfrm>
+            <a:off x="719138" y="6613525"/>
+            <a:ext cx="4140894" cy="244475"/>
+          </a:xfrm>
+          <a:prstGeom prst="rect">
+            <a:avLst/>
+          </a:prstGeom>
+          <a:solidFill>
+            <a:schemeClr val="accent3"/>
+          </a:solidFill>
+          <a:ln>
+            <a:noFill/>
+          </a:ln>
+          <a:effectLst/>
+        </p:spPr>
+        <p:txBody>
+          <a:bodyPr vert="horz" wrap="square" lIns="0" tIns="0" rIns="0" bIns="0" numCol="1" rtlCol="0" anchor="t" anchorCtr="0" compatLnSpc="1">
+            <a:prstTxWarp prst="textNoShape">
+              <a:avLst/>
+            </a:prstTxWarp>
+          </a:bodyPr>
+          <a:lstStyle/>
+          <a:p>
+            <a:pPr marL="0" marR="0" indent="0" algn="ctr" defTabSz="914400" rtl="0" eaLnBrk="0" fontAlgn="base" latinLnBrk="0" hangingPunct="0">
+              <a:lnSpc>
+                <a:spcPct val="100000"/>
+              </a:lnSpc>
+              <a:spcBef>
+                <a:spcPct val="20000"/>
+              </a:spcBef>
+              <a:spcAft>
+                <a:spcPct val="0"/>
+              </a:spcAft>
+              <a:buClrTx/>
+              <a:buSzTx/>
+              <a:buFontTx/>
+              <a:buNone/>
+              <a:tabLst/>
+            </a:pPr>
+            <a:endParaRPr kumimoji="0" lang="it-IT" sz="2400" b="0" i="0" u="none" strike="noStrike" cap="none" normalizeH="0" baseline="0">
+              <a:ln>
+                <a:noFill/>
+              </a:ln>
+              <a:solidFill>
+                <a:schemeClr val="tx1"/>
+              </a:solidFill>
+              <a:effectLst/>
+              <a:latin typeface="Arial" panose="020B0604020202020204" pitchFamily="34" charset="0"/>
+            </a:endParaRPr>
+          </a:p>
+        </p:txBody>
+      </p:sp>
+    </p:spTree>
+    <p:extLst>
+      <p:ext uri="{BB962C8B-B14F-4D97-AF65-F5344CB8AC3E}">
+        <p14:creationId xmlns:p14="http://schemas.microsoft.com/office/powerpoint/2010/main" val="4056263061"/>
+      </p:ext>
+    </p:extLst>
+  </p:cSld>
+  <p:clrMapOvr>
+    <a:masterClrMapping/>
+  </p:clrMapOvr>
+</p:sld>
+</file>
+
+<file path=ppt/slides/slide16.xml><?xml version="1.0" encoding="utf-8"?>
+<p:sld xmlns:a="http://schemas.openxmlformats.org/drawingml/2006/main" xmlns:r="http://schemas.openxmlformats.org/officeDocument/2006/relationships" xmlns:p="http://schemas.openxmlformats.org/presentationml/2006/main">
+  <p:cSld>
+    <p:spTree>
+      <p:nvGrpSpPr>
+        <p:cNvPr id="1" name=""/>
+        <p:cNvGrpSpPr/>
+        <p:nvPr/>
+      </p:nvGrpSpPr>
+      <p:grpSpPr>
+        <a:xfrm>
+          <a:off x="0" y="0"/>
+          <a:ext cx="0" cy="0"/>
+          <a:chOff x="0" y="0"/>
+          <a:chExt cx="0" cy="0"/>
+        </a:xfrm>
+      </p:grpSpPr>
+      <p:sp>
+        <p:nvSpPr>
+          <p:cNvPr id="2" name="Titolo 1">
+            <a:extLst>
+              <a:ext uri="{FF2B5EF4-FFF2-40B4-BE49-F238E27FC236}">
+                <a16:creationId xmlns:a16="http://schemas.microsoft.com/office/drawing/2014/main" id="{2E7FA484-4FA5-46D0-81CA-4CD8BB8F7A2E}"/>
+              </a:ext>
+            </a:extLst>
+          </p:cNvPr>
+          <p:cNvSpPr>
+            <a:spLocks noGrp="1"/>
+          </p:cNvSpPr>
+          <p:nvPr>
+            <p:ph type="title"/>
+          </p:nvPr>
+        </p:nvSpPr>
+        <p:spPr/>
+        <p:txBody>
+          <a:bodyPr/>
+          <a:lstStyle/>
+          <a:p>
+            <a:r>
+              <a:rPr lang="it-IT" dirty="0"/>
+              <a:t>CGPTS vs CGTS</a:t>
+            </a:r>
+          </a:p>
+        </p:txBody>
+      </p:sp>
+      <p:sp>
+        <p:nvSpPr>
+          <p:cNvPr id="4" name="Segnaposto numero diapositiva 3">
+            <a:extLst>
+              <a:ext uri="{FF2B5EF4-FFF2-40B4-BE49-F238E27FC236}">
+                <a16:creationId xmlns:a16="http://schemas.microsoft.com/office/drawing/2014/main" id="{C0C60E3A-C405-4408-9160-F222565949BF}"/>
+              </a:ext>
+            </a:extLst>
+          </p:cNvPr>
+          <p:cNvSpPr>
+            <a:spLocks noGrp="1"/>
+          </p:cNvSpPr>
+          <p:nvPr>
+            <p:ph type="sldNum" sz="quarter" idx="10"/>
+          </p:nvPr>
+        </p:nvSpPr>
+        <p:spPr/>
+        <p:txBody>
+          <a:bodyPr/>
+          <a:lstStyle/>
+          <a:p>
+            <a:fld id="{FE575B20-646B-44A6-B32B-8B9F7AC502D9}" type="slidenum">
+              <a:rPr lang="it-IT" altLang="en-US" smtClean="0"/>
+              <a:pPr/>
+              <a:t>16</a:t>
+            </a:fld>
+            <a:endParaRPr lang="it-IT" altLang="en-US" dirty="0"/>
+          </a:p>
+        </p:txBody>
+      </p:sp>
+      <p:pic>
+        <p:nvPicPr>
+          <p:cNvPr id="6" name="Immagine 5">
+            <a:extLst>
+              <a:ext uri="{FF2B5EF4-FFF2-40B4-BE49-F238E27FC236}">
+                <a16:creationId xmlns:a16="http://schemas.microsoft.com/office/drawing/2014/main" id="{51AB0684-5566-48D7-829A-E49726AAEB4A}"/>
+              </a:ext>
+            </a:extLst>
+          </p:cNvPr>
+          <p:cNvPicPr>
+            <a:picLocks noChangeAspect="1"/>
+          </p:cNvPicPr>
+          <p:nvPr/>
+        </p:nvPicPr>
+        <p:blipFill>
+          <a:blip r:embed="rId2"/>
+          <a:stretch>
+            <a:fillRect/>
+          </a:stretch>
+        </p:blipFill>
+        <p:spPr>
+          <a:xfrm>
+            <a:off x="125760" y="2204864"/>
+            <a:ext cx="8892480" cy="4111395"/>
+          </a:xfrm>
+          <a:prstGeom prst="rect">
+            <a:avLst/>
+          </a:prstGeom>
+        </p:spPr>
+      </p:pic>
+      <p:sp>
+        <p:nvSpPr>
+          <p:cNvPr id="7" name="Rettangolo 6">
+            <a:extLst>
+              <a:ext uri="{FF2B5EF4-FFF2-40B4-BE49-F238E27FC236}">
+                <a16:creationId xmlns:a16="http://schemas.microsoft.com/office/drawing/2014/main" id="{E64707EA-2B13-4434-B449-F20DBD915E7D}"/>
+              </a:ext>
+            </a:extLst>
+          </p:cNvPr>
+          <p:cNvSpPr/>
+          <p:nvPr/>
+        </p:nvSpPr>
+        <p:spPr bwMode="auto">
+          <a:xfrm>
+            <a:off x="719138" y="6613525"/>
+            <a:ext cx="4140894" cy="244475"/>
+          </a:xfrm>
+          <a:prstGeom prst="rect">
+            <a:avLst/>
+          </a:prstGeom>
+          <a:solidFill>
+            <a:schemeClr val="accent3"/>
+          </a:solidFill>
+          <a:ln>
+            <a:noFill/>
+          </a:ln>
+          <a:effectLst/>
+        </p:spPr>
+        <p:txBody>
+          <a:bodyPr vert="horz" wrap="square" lIns="0" tIns="0" rIns="0" bIns="0" numCol="1" rtlCol="0" anchor="t" anchorCtr="0" compatLnSpc="1">
+            <a:prstTxWarp prst="textNoShape">
+              <a:avLst/>
+            </a:prstTxWarp>
+          </a:bodyPr>
+          <a:lstStyle/>
+          <a:p>
+            <a:pPr marL="0" marR="0" indent="0" algn="ctr" defTabSz="914400" rtl="0" eaLnBrk="0" fontAlgn="base" latinLnBrk="0" hangingPunct="0">
+              <a:lnSpc>
+                <a:spcPct val="100000"/>
+              </a:lnSpc>
+              <a:spcBef>
+                <a:spcPct val="20000"/>
+              </a:spcBef>
+              <a:spcAft>
+                <a:spcPct val="0"/>
+              </a:spcAft>
+              <a:buClrTx/>
+              <a:buSzTx/>
+              <a:buFontTx/>
+              <a:buNone/>
+              <a:tabLst/>
+            </a:pPr>
+            <a:endParaRPr kumimoji="0" lang="it-IT" sz="2400" b="0" i="0" u="none" strike="noStrike" cap="none" normalizeH="0" baseline="0">
+              <a:ln>
+                <a:noFill/>
+              </a:ln>
+              <a:solidFill>
+                <a:schemeClr val="tx1"/>
+              </a:solidFill>
+              <a:effectLst/>
+              <a:latin typeface="Arial" panose="020B0604020202020204" pitchFamily="34" charset="0"/>
+            </a:endParaRPr>
+          </a:p>
+        </p:txBody>
+      </p:sp>
+      <p:sp>
+        <p:nvSpPr>
+          <p:cNvPr id="8" name="Rettangolo 7">
+            <a:extLst>
+              <a:ext uri="{FF2B5EF4-FFF2-40B4-BE49-F238E27FC236}">
+                <a16:creationId xmlns:a16="http://schemas.microsoft.com/office/drawing/2014/main" id="{CA94BDE1-FBA6-48FF-9D6F-1BFCA1C400E5}"/>
+              </a:ext>
+            </a:extLst>
+          </p:cNvPr>
+          <p:cNvSpPr/>
+          <p:nvPr/>
+        </p:nvSpPr>
+        <p:spPr bwMode="auto">
+          <a:xfrm>
+            <a:off x="899592" y="5926918"/>
+            <a:ext cx="1540222" cy="389341"/>
+          </a:xfrm>
+          <a:prstGeom prst="rect">
+            <a:avLst/>
+          </a:prstGeom>
+          <a:solidFill>
+            <a:schemeClr val="accent3"/>
+          </a:solidFill>
+          <a:ln>
+            <a:noFill/>
+          </a:ln>
+          <a:effectLst/>
+        </p:spPr>
+        <p:txBody>
+          <a:bodyPr vert="horz" wrap="square" lIns="0" tIns="0" rIns="0" bIns="0" numCol="1" rtlCol="0" anchor="t" anchorCtr="0" compatLnSpc="1">
+            <a:prstTxWarp prst="textNoShape">
+              <a:avLst/>
+            </a:prstTxWarp>
+          </a:bodyPr>
+          <a:lstStyle/>
+          <a:p>
+            <a:pPr marL="0" marR="0" indent="0" algn="ctr" defTabSz="914400" rtl="0" eaLnBrk="0" fontAlgn="base" latinLnBrk="0" hangingPunct="0">
+              <a:lnSpc>
+                <a:spcPct val="100000"/>
+              </a:lnSpc>
+              <a:spcBef>
+                <a:spcPct val="20000"/>
+              </a:spcBef>
+              <a:spcAft>
+                <a:spcPct val="0"/>
+              </a:spcAft>
+              <a:buClrTx/>
+              <a:buSzTx/>
+              <a:buFontTx/>
+              <a:buNone/>
+              <a:tabLst/>
+            </a:pPr>
+            <a:endParaRPr kumimoji="0" lang="it-IT" sz="2400" b="0" i="0" u="none" strike="noStrike" cap="none" normalizeH="0" baseline="0">
+              <a:ln>
+                <a:noFill/>
+              </a:ln>
+              <a:solidFill>
+                <a:schemeClr val="tx1"/>
+              </a:solidFill>
+              <a:effectLst/>
+              <a:latin typeface="Arial" panose="020B0604020202020204" pitchFamily="34" charset="0"/>
+            </a:endParaRPr>
+          </a:p>
+        </p:txBody>
+      </p:sp>
+      <p:sp>
+        <p:nvSpPr>
+          <p:cNvPr id="9" name="CasellaDiTesto 8">
+            <a:extLst>
+              <a:ext uri="{FF2B5EF4-FFF2-40B4-BE49-F238E27FC236}">
+                <a16:creationId xmlns:a16="http://schemas.microsoft.com/office/drawing/2014/main" id="{34DF76D8-9C36-45A9-8291-D9130C1B848A}"/>
+              </a:ext>
+            </a:extLst>
+          </p:cNvPr>
+          <p:cNvSpPr txBox="1"/>
+          <p:nvPr/>
+        </p:nvSpPr>
+        <p:spPr>
+          <a:xfrm>
+            <a:off x="154469" y="1268760"/>
+            <a:ext cx="8876982" cy="634020"/>
+          </a:xfrm>
+          <a:prstGeom prst="rect">
+            <a:avLst/>
+          </a:prstGeom>
+          <a:noFill/>
+        </p:spPr>
+        <p:txBody>
+          <a:bodyPr wrap="none" rtlCol="0">
+            <a:spAutoFit/>
+          </a:bodyPr>
+          <a:lstStyle/>
+          <a:p>
+            <a:pPr marL="285750" indent="-285750" algn="l">
+              <a:buFont typeface="Arial" panose="020B0604020202020204" pitchFamily="34" charset="0"/>
+              <a:buChar char="•"/>
+            </a:pPr>
+            <a:r>
+              <a:rPr lang="it-IT" sz="1600" dirty="0" err="1"/>
+              <a:t>Gaussian</a:t>
+            </a:r>
+            <a:r>
+              <a:rPr lang="it-IT" sz="1600" dirty="0"/>
+              <a:t> Thompson sampling </a:t>
+            </a:r>
+            <a:r>
+              <a:rPr lang="it-IT" sz="1600" dirty="0" err="1"/>
+              <a:t>algorithm</a:t>
+            </a:r>
+            <a:r>
+              <a:rPr lang="it-IT" sz="1600" dirty="0"/>
+              <a:t> </a:t>
+            </a:r>
+            <a:r>
+              <a:rPr lang="it-IT" sz="1600" dirty="0" err="1"/>
+              <a:t>performs</a:t>
+            </a:r>
+            <a:r>
+              <a:rPr lang="it-IT" sz="1600" dirty="0"/>
+              <a:t> </a:t>
+            </a:r>
+            <a:r>
+              <a:rPr lang="it-IT" sz="1600" dirty="0" err="1"/>
+              <a:t>very</a:t>
+            </a:r>
+            <a:r>
+              <a:rPr lang="it-IT" sz="1600" dirty="0"/>
+              <a:t> </a:t>
+            </a:r>
+            <a:r>
+              <a:rPr lang="it-IT" sz="1600" dirty="0" err="1"/>
+              <a:t>badly</a:t>
+            </a:r>
+            <a:r>
+              <a:rPr lang="it-IT" sz="1600" dirty="0"/>
+              <a:t> w.r.t. </a:t>
+            </a:r>
+            <a:r>
+              <a:rPr lang="it-IT" sz="1600" dirty="0" err="1"/>
+              <a:t>our</a:t>
+            </a:r>
+            <a:r>
+              <a:rPr lang="it-IT" sz="1600" dirty="0"/>
+              <a:t> best </a:t>
+            </a:r>
+            <a:r>
+              <a:rPr lang="it-IT" sz="1600" dirty="0" err="1"/>
+              <a:t>solution</a:t>
+            </a:r>
+            <a:r>
+              <a:rPr lang="it-IT" sz="1600" dirty="0"/>
+              <a:t> CGP-TS</a:t>
+            </a:r>
+          </a:p>
+          <a:p>
+            <a:pPr marL="285750" indent="-285750" algn="l">
+              <a:buFont typeface="Arial" panose="020B0604020202020204" pitchFamily="34" charset="0"/>
+              <a:buChar char="•"/>
+            </a:pPr>
+            <a:endParaRPr lang="it-IT" sz="1600" dirty="0"/>
+          </a:p>
+        </p:txBody>
+      </p:sp>
+    </p:spTree>
+    <p:extLst>
+      <p:ext uri="{BB962C8B-B14F-4D97-AF65-F5344CB8AC3E}">
+        <p14:creationId xmlns:p14="http://schemas.microsoft.com/office/powerpoint/2010/main" val="2128317837"/>
+      </p:ext>
+    </p:extLst>
+  </p:cSld>
+  <p:clrMapOvr>
+    <a:masterClrMapping/>
+  </p:clrMapOvr>
+</p:sld>
+</file>
+
+<file path=ppt/slides/slide17.xml><?xml version="1.0" encoding="utf-8"?>
+<p:sld xmlns:a="http://schemas.openxmlformats.org/drawingml/2006/main" xmlns:r="http://schemas.openxmlformats.org/officeDocument/2006/relationships" xmlns:p="http://schemas.openxmlformats.org/presentationml/2006/main">
+  <p:cSld>
+    <p:spTree>
+      <p:nvGrpSpPr>
+        <p:cNvPr id="1" name=""/>
+        <p:cNvGrpSpPr/>
+        <p:nvPr/>
+      </p:nvGrpSpPr>
+      <p:grpSpPr>
+        <a:xfrm>
+          <a:off x="0" y="0"/>
+          <a:ext cx="0" cy="0"/>
+          <a:chOff x="0" y="0"/>
+          <a:chExt cx="0" cy="0"/>
+        </a:xfrm>
+      </p:grpSpPr>
+      <p:sp>
+        <p:nvSpPr>
+          <p:cNvPr id="2" name="Titolo 1">
+            <a:extLst>
+              <a:ext uri="{FF2B5EF4-FFF2-40B4-BE49-F238E27FC236}">
+                <a16:creationId xmlns:a16="http://schemas.microsoft.com/office/drawing/2014/main" id="{9A8AA0D7-A085-494F-93D3-B6C3577743B0}"/>
+              </a:ext>
+            </a:extLst>
+          </p:cNvPr>
+          <p:cNvSpPr>
+            <a:spLocks noGrp="1"/>
+          </p:cNvSpPr>
+          <p:nvPr>
+            <p:ph type="title"/>
+          </p:nvPr>
+        </p:nvSpPr>
+        <p:spPr/>
+        <p:txBody>
+          <a:bodyPr/>
+          <a:lstStyle/>
+          <a:p>
+            <a:r>
+              <a:rPr lang="it-IT" dirty="0"/>
+              <a:t>CGP-TS: </a:t>
+            </a:r>
+            <a:r>
+              <a:rPr lang="it-IT" dirty="0" err="1"/>
+              <a:t>additional</a:t>
+            </a:r>
+            <a:r>
+              <a:rPr lang="it-IT" dirty="0"/>
+              <a:t> </a:t>
+            </a:r>
+            <a:r>
+              <a:rPr lang="it-IT" dirty="0" err="1"/>
+              <a:t>analysis</a:t>
+            </a:r>
+            <a:endParaRPr lang="it-IT" dirty="0"/>
+          </a:p>
+        </p:txBody>
+      </p:sp>
+      <p:sp>
+        <p:nvSpPr>
+          <p:cNvPr id="3" name="Segnaposto contenuto 2">
+            <a:extLst>
+              <a:ext uri="{FF2B5EF4-FFF2-40B4-BE49-F238E27FC236}">
+                <a16:creationId xmlns:a16="http://schemas.microsoft.com/office/drawing/2014/main" id="{936ADED0-9E78-4FD0-ACF4-CC090A24F2A9}"/>
+              </a:ext>
+            </a:extLst>
+          </p:cNvPr>
+          <p:cNvSpPr>
+            <a:spLocks noGrp="1"/>
+          </p:cNvSpPr>
+          <p:nvPr>
+            <p:ph idx="1"/>
+          </p:nvPr>
+        </p:nvSpPr>
+        <p:spPr/>
+        <p:txBody>
+          <a:bodyPr/>
+          <a:lstStyle/>
+          <a:p>
+            <a:pPr>
+              <a:buFont typeface="Arial" panose="020B0604020202020204" pitchFamily="34" charset="0"/>
+              <a:buChar char="•"/>
+            </a:pPr>
+            <a:r>
+              <a:rPr lang="it-IT" sz="1800" dirty="0" err="1"/>
+              <a:t>Observing</a:t>
+            </a:r>
+            <a:r>
+              <a:rPr lang="it-IT" sz="1800" dirty="0"/>
+              <a:t> the performance of the </a:t>
+            </a:r>
+            <a:r>
+              <a:rPr lang="it-IT" sz="1800" dirty="0" err="1"/>
+              <a:t>algorithm</a:t>
+            </a:r>
+            <a:r>
+              <a:rPr lang="it-IT" sz="1800" dirty="0"/>
+              <a:t> over </a:t>
+            </a:r>
+            <a:r>
+              <a:rPr lang="it-IT" sz="1800" dirty="0" err="1"/>
+              <a:t>different</a:t>
+            </a:r>
+            <a:r>
+              <a:rPr lang="it-IT" sz="1800" dirty="0"/>
+              <a:t> </a:t>
+            </a:r>
+            <a:r>
+              <a:rPr lang="it-IT" sz="1800" dirty="0" err="1"/>
+              <a:t>Gaussian</a:t>
+            </a:r>
+            <a:r>
+              <a:rPr lang="it-IT" sz="1800" dirty="0"/>
+              <a:t> </a:t>
+            </a:r>
+            <a:r>
+              <a:rPr lang="it-IT" sz="1800" dirty="0" err="1"/>
+              <a:t>Processes</a:t>
+            </a:r>
+            <a:r>
+              <a:rPr lang="it-IT" sz="1800" dirty="0"/>
+              <a:t> </a:t>
+            </a:r>
+            <a:r>
+              <a:rPr lang="it-IT" sz="1800" dirty="0" err="1"/>
+              <a:t>parameter</a:t>
+            </a:r>
+            <a:r>
+              <a:rPr lang="it-IT" sz="1800" dirty="0"/>
+              <a:t> settings.</a:t>
+            </a:r>
+          </a:p>
+        </p:txBody>
+      </p:sp>
+      <p:sp>
+        <p:nvSpPr>
+          <p:cNvPr id="4" name="Segnaposto numero diapositiva 3">
+            <a:extLst>
+              <a:ext uri="{FF2B5EF4-FFF2-40B4-BE49-F238E27FC236}">
+                <a16:creationId xmlns:a16="http://schemas.microsoft.com/office/drawing/2014/main" id="{E4D9AA80-FB20-4393-A874-57CF390C5A59}"/>
+              </a:ext>
+            </a:extLst>
+          </p:cNvPr>
+          <p:cNvSpPr>
+            <a:spLocks noGrp="1"/>
+          </p:cNvSpPr>
+          <p:nvPr>
+            <p:ph type="sldNum" sz="quarter" idx="10"/>
+          </p:nvPr>
+        </p:nvSpPr>
+        <p:spPr/>
+        <p:txBody>
+          <a:bodyPr/>
+          <a:lstStyle/>
+          <a:p>
+            <a:fld id="{FE575B20-646B-44A6-B32B-8B9F7AC502D9}" type="slidenum">
+              <a:rPr lang="it-IT" altLang="en-US" smtClean="0"/>
+              <a:pPr/>
+              <a:t>17</a:t>
+            </a:fld>
+            <a:endParaRPr lang="it-IT" altLang="en-US" dirty="0"/>
+          </a:p>
+        </p:txBody>
+      </p:sp>
+      <p:pic>
+        <p:nvPicPr>
+          <p:cNvPr id="6" name="Immagine 5">
+            <a:extLst>
+              <a:ext uri="{FF2B5EF4-FFF2-40B4-BE49-F238E27FC236}">
+                <a16:creationId xmlns:a16="http://schemas.microsoft.com/office/drawing/2014/main" id="{240AEC9A-AEE4-4AD2-98C8-4C759B8201BE}"/>
+              </a:ext>
+            </a:extLst>
+          </p:cNvPr>
+          <p:cNvPicPr>
+            <a:picLocks noChangeAspect="1"/>
+          </p:cNvPicPr>
+          <p:nvPr/>
+        </p:nvPicPr>
+        <p:blipFill>
+          <a:blip r:embed="rId2"/>
+          <a:stretch>
+            <a:fillRect/>
+          </a:stretch>
+        </p:blipFill>
+        <p:spPr>
+          <a:xfrm>
+            <a:off x="705875" y="1736711"/>
+            <a:ext cx="2414458" cy="4621088"/>
+          </a:xfrm>
+          <a:prstGeom prst="rect">
+            <a:avLst/>
+          </a:prstGeom>
+        </p:spPr>
+      </p:pic>
+      <p:sp>
+        <p:nvSpPr>
+          <p:cNvPr id="7" name="CasellaDiTesto 6">
+            <a:extLst>
+              <a:ext uri="{FF2B5EF4-FFF2-40B4-BE49-F238E27FC236}">
+                <a16:creationId xmlns:a16="http://schemas.microsoft.com/office/drawing/2014/main" id="{9E066C8B-FB81-41FD-A86D-5988A553005C}"/>
+              </a:ext>
+            </a:extLst>
+          </p:cNvPr>
+          <p:cNvSpPr txBox="1"/>
+          <p:nvPr/>
+        </p:nvSpPr>
+        <p:spPr>
+          <a:xfrm>
+            <a:off x="3621392" y="2420888"/>
+            <a:ext cx="5327346" cy="2603790"/>
+          </a:xfrm>
+          <a:prstGeom prst="rect">
+            <a:avLst/>
+          </a:prstGeom>
+          <a:noFill/>
+        </p:spPr>
+        <p:txBody>
+          <a:bodyPr wrap="square" rtlCol="0">
+            <a:spAutoFit/>
+          </a:bodyPr>
+          <a:lstStyle/>
+          <a:p>
+            <a:pPr marL="285750" indent="-285750" algn="l">
+              <a:buFont typeface="Arial" panose="020B0604020202020204" pitchFamily="34" charset="0"/>
+              <a:buChar char="•"/>
+            </a:pPr>
+            <a:r>
+              <a:rPr lang="it-IT" sz="1600" dirty="0"/>
+              <a:t>Sigma: standard </a:t>
+            </a:r>
+            <a:r>
+              <a:rPr lang="it-IT" sz="1600" dirty="0" err="1"/>
+              <a:t>deviation</a:t>
+            </a:r>
+            <a:r>
+              <a:rPr lang="it-IT" sz="1600" dirty="0"/>
+              <a:t>.</a:t>
+            </a:r>
+          </a:p>
+          <a:p>
+            <a:pPr marL="285750" indent="-285750" algn="l">
+              <a:buFont typeface="Arial" panose="020B0604020202020204" pitchFamily="34" charset="0"/>
+              <a:buChar char="•"/>
+            </a:pPr>
+            <a:endParaRPr lang="it-IT" sz="1600" dirty="0"/>
+          </a:p>
+          <a:p>
+            <a:pPr marL="285750" indent="-285750" algn="l">
+              <a:buFont typeface="Arial" panose="020B0604020202020204" pitchFamily="34" charset="0"/>
+              <a:buChar char="•"/>
+            </a:pPr>
+            <a:r>
+              <a:rPr lang="it-IT" sz="1600" dirty="0"/>
+              <a:t>Alpha </a:t>
+            </a:r>
+            <a:r>
+              <a:rPr lang="it-IT" sz="1600" dirty="0" err="1"/>
+              <a:t>parameter</a:t>
+            </a:r>
+            <a:r>
+              <a:rPr lang="it-IT" sz="1600" dirty="0"/>
+              <a:t> of </a:t>
+            </a:r>
+            <a:r>
+              <a:rPr lang="it-IT" sz="1600" dirty="0" err="1"/>
+              <a:t>GPs</a:t>
+            </a:r>
+            <a:r>
+              <a:rPr lang="it-IT" sz="1600" dirty="0"/>
+              <a:t>: </a:t>
+            </a:r>
+            <a:r>
+              <a:rPr lang="it-IT" sz="1600" dirty="0" err="1"/>
+              <a:t>Larger</a:t>
+            </a:r>
+            <a:r>
+              <a:rPr lang="it-IT" sz="1600" dirty="0"/>
+              <a:t> </a:t>
+            </a:r>
+            <a:r>
+              <a:rPr lang="it-IT" sz="1600" dirty="0" err="1"/>
+              <a:t>values</a:t>
+            </a:r>
+            <a:r>
+              <a:rPr lang="it-IT" sz="1600" dirty="0"/>
+              <a:t> </a:t>
+            </a:r>
+            <a:r>
+              <a:rPr lang="it-IT" sz="1600" dirty="0" err="1"/>
+              <a:t>correspond</a:t>
+            </a:r>
+            <a:r>
+              <a:rPr lang="it-IT" sz="1600" dirty="0"/>
+              <a:t> to </a:t>
+            </a:r>
+            <a:r>
+              <a:rPr lang="it-IT" sz="1600" dirty="0" err="1"/>
+              <a:t>increased</a:t>
+            </a:r>
+            <a:r>
+              <a:rPr lang="it-IT" sz="1600" dirty="0"/>
+              <a:t> </a:t>
+            </a:r>
+            <a:r>
+              <a:rPr lang="it-IT" sz="1600" dirty="0" err="1"/>
+              <a:t>noise</a:t>
+            </a:r>
+            <a:r>
+              <a:rPr lang="it-IT" sz="1600" dirty="0"/>
+              <a:t> </a:t>
+            </a:r>
+            <a:r>
+              <a:rPr lang="it-IT" sz="1600" dirty="0" err="1"/>
+              <a:t>level</a:t>
+            </a:r>
+            <a:r>
+              <a:rPr lang="it-IT" sz="1600" dirty="0"/>
+              <a:t> in the </a:t>
+            </a:r>
+            <a:r>
+              <a:rPr lang="it-IT" sz="1600" dirty="0" err="1"/>
+              <a:t>observations</a:t>
+            </a:r>
+            <a:r>
+              <a:rPr lang="it-IT" sz="1600" dirty="0"/>
+              <a:t>.</a:t>
+            </a:r>
+          </a:p>
+          <a:p>
+            <a:pPr marL="285750" indent="-285750" algn="l">
+              <a:buFont typeface="Arial" panose="020B0604020202020204" pitchFamily="34" charset="0"/>
+              <a:buChar char="•"/>
+            </a:pPr>
+            <a:endParaRPr lang="it-IT" sz="1600" dirty="0"/>
+          </a:p>
+          <a:p>
+            <a:pPr marL="285750" indent="-285750" algn="l">
+              <a:buFont typeface="Arial" panose="020B0604020202020204" pitchFamily="34" charset="0"/>
+              <a:buChar char="•"/>
+            </a:pPr>
+            <a:r>
+              <a:rPr lang="it-IT" sz="1600" dirty="0"/>
+              <a:t>Alpha </a:t>
+            </a:r>
+            <a:r>
+              <a:rPr lang="it-IT" sz="1600" dirty="0" err="1"/>
+              <a:t>values</a:t>
+            </a:r>
+            <a:r>
+              <a:rPr lang="it-IT" sz="1600" dirty="0"/>
+              <a:t>  3,5,10, to be </a:t>
+            </a:r>
+            <a:r>
+              <a:rPr lang="it-IT" sz="1600" dirty="0" err="1"/>
+              <a:t>powered</a:t>
+            </a:r>
+            <a:r>
+              <a:rPr lang="it-IT" sz="1600" dirty="0"/>
+              <a:t> by </a:t>
+            </a:r>
+            <a:r>
+              <a:rPr lang="it-IT" sz="1600" dirty="0" err="1"/>
+              <a:t>two</a:t>
+            </a:r>
+            <a:r>
+              <a:rPr lang="it-IT" sz="1600" dirty="0"/>
+              <a:t>.</a:t>
+            </a:r>
+          </a:p>
+          <a:p>
+            <a:pPr marL="285750" indent="-285750" algn="l">
+              <a:buFont typeface="Arial" panose="020B0604020202020204" pitchFamily="34" charset="0"/>
+              <a:buChar char="•"/>
+            </a:pPr>
+            <a:endParaRPr lang="it-IT" sz="1600" dirty="0"/>
+          </a:p>
+          <a:p>
+            <a:pPr marL="285750" indent="-285750" algn="l">
+              <a:buFont typeface="Arial" panose="020B0604020202020204" pitchFamily="34" charset="0"/>
+              <a:buChar char="•"/>
+            </a:pPr>
+            <a:r>
+              <a:rPr lang="it-IT" sz="1600" dirty="0"/>
+              <a:t>Using the </a:t>
+            </a:r>
+            <a:r>
+              <a:rPr lang="it-IT" sz="1600" dirty="0" err="1"/>
+              <a:t>three</a:t>
+            </a:r>
+            <a:r>
+              <a:rPr lang="it-IT" sz="1600" dirty="0"/>
+              <a:t> </a:t>
+            </a:r>
+            <a:r>
+              <a:rPr lang="it-IT" sz="1600" dirty="0" err="1"/>
+              <a:t>values</a:t>
+            </a:r>
+            <a:r>
+              <a:rPr lang="it-IT" sz="1600" dirty="0"/>
+              <a:t> of Alpha, [9,25,100], </a:t>
+            </a:r>
+            <a:r>
+              <a:rPr lang="it-IT" sz="1600" dirty="0" err="1"/>
+              <a:t>we</a:t>
+            </a:r>
+            <a:r>
+              <a:rPr lang="it-IT" sz="1600" dirty="0"/>
+              <a:t> </a:t>
+            </a:r>
+            <a:r>
+              <a:rPr lang="it-IT" sz="1600" dirty="0" err="1"/>
+              <a:t>have</a:t>
+            </a:r>
+            <a:r>
+              <a:rPr lang="it-IT" sz="1600" dirty="0"/>
+              <a:t> </a:t>
+            </a:r>
+            <a:r>
+              <a:rPr lang="it-IT" sz="1600" dirty="0" err="1"/>
+              <a:t>obtained</a:t>
+            </a:r>
+            <a:r>
+              <a:rPr lang="it-IT" sz="1600" dirty="0"/>
+              <a:t> the </a:t>
+            </a:r>
+            <a:r>
+              <a:rPr lang="it-IT" sz="1600" dirty="0" err="1"/>
+              <a:t>next</a:t>
+            </a:r>
+            <a:r>
+              <a:rPr lang="it-IT" sz="1600" dirty="0"/>
+              <a:t> </a:t>
+            </a:r>
+            <a:r>
+              <a:rPr lang="it-IT" sz="1600" dirty="0" err="1"/>
+              <a:t>results</a:t>
+            </a:r>
+            <a:r>
+              <a:rPr lang="it-IT" sz="1600" dirty="0"/>
+              <a:t>.</a:t>
+            </a:r>
+          </a:p>
+        </p:txBody>
+      </p:sp>
+      <p:sp>
+        <p:nvSpPr>
+          <p:cNvPr id="8" name="Rettangolo 7">
+            <a:extLst>
+              <a:ext uri="{FF2B5EF4-FFF2-40B4-BE49-F238E27FC236}">
+                <a16:creationId xmlns:a16="http://schemas.microsoft.com/office/drawing/2014/main" id="{E16BB79A-4B55-4CDD-A9DB-D7B6B52FDC4D}"/>
+              </a:ext>
+            </a:extLst>
+          </p:cNvPr>
+          <p:cNvSpPr/>
+          <p:nvPr/>
+        </p:nvSpPr>
+        <p:spPr bwMode="auto">
+          <a:xfrm>
+            <a:off x="719138" y="6613525"/>
+            <a:ext cx="4140894" cy="244475"/>
+          </a:xfrm>
+          <a:prstGeom prst="rect">
+            <a:avLst/>
+          </a:prstGeom>
+          <a:solidFill>
+            <a:schemeClr val="accent3"/>
+          </a:solidFill>
+          <a:ln>
+            <a:noFill/>
+          </a:ln>
+          <a:effectLst/>
+        </p:spPr>
+        <p:txBody>
+          <a:bodyPr vert="horz" wrap="square" lIns="0" tIns="0" rIns="0" bIns="0" numCol="1" rtlCol="0" anchor="t" anchorCtr="0" compatLnSpc="1">
+            <a:prstTxWarp prst="textNoShape">
+              <a:avLst/>
+            </a:prstTxWarp>
+          </a:bodyPr>
+          <a:lstStyle/>
+          <a:p>
+            <a:pPr marL="0" marR="0" indent="0" algn="ctr" defTabSz="914400" rtl="0" eaLnBrk="0" fontAlgn="base" latinLnBrk="0" hangingPunct="0">
+              <a:lnSpc>
+                <a:spcPct val="100000"/>
+              </a:lnSpc>
+              <a:spcBef>
+                <a:spcPct val="20000"/>
+              </a:spcBef>
+              <a:spcAft>
+                <a:spcPct val="0"/>
+              </a:spcAft>
+              <a:buClrTx/>
+              <a:buSzTx/>
+              <a:buFontTx/>
+              <a:buNone/>
+              <a:tabLst/>
+            </a:pPr>
+            <a:endParaRPr kumimoji="0" lang="it-IT" sz="2400" b="0" i="0" u="none" strike="noStrike" cap="none" normalizeH="0" baseline="0">
+              <a:ln>
+                <a:noFill/>
+              </a:ln>
+              <a:solidFill>
+                <a:schemeClr val="tx1"/>
+              </a:solidFill>
+              <a:effectLst/>
+              <a:latin typeface="Arial" panose="020B0604020202020204" pitchFamily="34" charset="0"/>
+            </a:endParaRPr>
+          </a:p>
+        </p:txBody>
+      </p:sp>
+    </p:spTree>
+    <p:extLst>
+      <p:ext uri="{BB962C8B-B14F-4D97-AF65-F5344CB8AC3E}">
+        <p14:creationId xmlns:p14="http://schemas.microsoft.com/office/powerpoint/2010/main" val="2926804159"/>
+      </p:ext>
+    </p:extLst>
+  </p:cSld>
+  <p:clrMapOvr>
+    <a:masterClrMapping/>
+  </p:clrMapOvr>
+</p:sld>
+</file>
+
+<file path=ppt/slides/slide18.xml><?xml version="1.0" encoding="utf-8"?>
+<p:sld xmlns:a="http://schemas.openxmlformats.org/drawingml/2006/main" xmlns:r="http://schemas.openxmlformats.org/officeDocument/2006/relationships" xmlns:p="http://schemas.openxmlformats.org/presentationml/2006/main">
+  <p:cSld>
+    <p:spTree>
+      <p:nvGrpSpPr>
+        <p:cNvPr id="1" name=""/>
+        <p:cNvGrpSpPr/>
+        <p:nvPr/>
+      </p:nvGrpSpPr>
+      <p:grpSpPr>
+        <a:xfrm>
+          <a:off x="0" y="0"/>
+          <a:ext cx="0" cy="0"/>
+          <a:chOff x="0" y="0"/>
+          <a:chExt cx="0" cy="0"/>
+        </a:xfrm>
+      </p:grpSpPr>
+      <p:sp>
+        <p:nvSpPr>
+          <p:cNvPr id="2" name="Titolo 1">
+            <a:extLst>
+              <a:ext uri="{FF2B5EF4-FFF2-40B4-BE49-F238E27FC236}">
+                <a16:creationId xmlns:a16="http://schemas.microsoft.com/office/drawing/2014/main" id="{069BA4A3-40B0-4DF6-BABA-E308005F5EBA}"/>
+              </a:ext>
+            </a:extLst>
+          </p:cNvPr>
+          <p:cNvSpPr>
+            <a:spLocks noGrp="1"/>
+          </p:cNvSpPr>
+          <p:nvPr>
+            <p:ph type="title"/>
+          </p:nvPr>
+        </p:nvSpPr>
+        <p:spPr/>
+        <p:txBody>
+          <a:bodyPr/>
+          <a:lstStyle/>
+          <a:p>
+            <a:r>
+              <a:rPr lang="it-IT" dirty="0"/>
+              <a:t>CGP-TS with Alpha: </a:t>
+            </a:r>
+            <a:r>
+              <a:rPr lang="it-IT" dirty="0" err="1"/>
+              <a:t>Reward</a:t>
+            </a:r>
+            <a:r>
+              <a:rPr lang="it-IT" dirty="0"/>
+              <a:t> &amp; </a:t>
+            </a:r>
+            <a:r>
+              <a:rPr lang="it-IT" dirty="0" err="1"/>
+              <a:t>Regret</a:t>
+            </a:r>
+            <a:endParaRPr lang="it-IT" dirty="0"/>
+          </a:p>
+        </p:txBody>
+      </p:sp>
+      <p:sp>
+        <p:nvSpPr>
+          <p:cNvPr id="4" name="Segnaposto numero diapositiva 3">
+            <a:extLst>
+              <a:ext uri="{FF2B5EF4-FFF2-40B4-BE49-F238E27FC236}">
+                <a16:creationId xmlns:a16="http://schemas.microsoft.com/office/drawing/2014/main" id="{8956945A-34BB-48C7-8C7D-2DC7DC85CF02}"/>
+              </a:ext>
+            </a:extLst>
+          </p:cNvPr>
+          <p:cNvSpPr>
+            <a:spLocks noGrp="1"/>
+          </p:cNvSpPr>
+          <p:nvPr>
+            <p:ph type="sldNum" sz="quarter" idx="10"/>
+          </p:nvPr>
+        </p:nvSpPr>
+        <p:spPr/>
+        <p:txBody>
+          <a:bodyPr/>
+          <a:lstStyle/>
+          <a:p>
+            <a:fld id="{FE575B20-646B-44A6-B32B-8B9F7AC502D9}" type="slidenum">
+              <a:rPr lang="it-IT" altLang="en-US" smtClean="0"/>
+              <a:pPr/>
+              <a:t>18</a:t>
+            </a:fld>
+            <a:endParaRPr lang="it-IT" altLang="en-US" dirty="0"/>
+          </a:p>
+        </p:txBody>
+      </p:sp>
+      <p:sp>
+        <p:nvSpPr>
+          <p:cNvPr id="5" name="Rettangolo 4">
+            <a:extLst>
+              <a:ext uri="{FF2B5EF4-FFF2-40B4-BE49-F238E27FC236}">
+                <a16:creationId xmlns:a16="http://schemas.microsoft.com/office/drawing/2014/main" id="{FE8520F2-1A0B-490F-950C-F1E9FD400A64}"/>
+              </a:ext>
+            </a:extLst>
+          </p:cNvPr>
+          <p:cNvSpPr/>
+          <p:nvPr/>
+        </p:nvSpPr>
+        <p:spPr bwMode="auto">
+          <a:xfrm>
+            <a:off x="719138" y="6613525"/>
+            <a:ext cx="4140894" cy="244475"/>
+          </a:xfrm>
+          <a:prstGeom prst="rect">
+            <a:avLst/>
+          </a:prstGeom>
+          <a:solidFill>
+            <a:schemeClr val="accent3"/>
+          </a:solidFill>
+          <a:ln>
+            <a:noFill/>
+          </a:ln>
+          <a:effectLst/>
+        </p:spPr>
+        <p:txBody>
+          <a:bodyPr vert="horz" wrap="square" lIns="0" tIns="0" rIns="0" bIns="0" numCol="1" rtlCol="0" anchor="t" anchorCtr="0" compatLnSpc="1">
+            <a:prstTxWarp prst="textNoShape">
+              <a:avLst/>
+            </a:prstTxWarp>
+          </a:bodyPr>
+          <a:lstStyle/>
+          <a:p>
+            <a:pPr marL="0" marR="0" indent="0" algn="ctr" defTabSz="914400" rtl="0" eaLnBrk="0" fontAlgn="base" latinLnBrk="0" hangingPunct="0">
+              <a:lnSpc>
+                <a:spcPct val="100000"/>
+              </a:lnSpc>
+              <a:spcBef>
+                <a:spcPct val="20000"/>
+              </a:spcBef>
+              <a:spcAft>
+                <a:spcPct val="0"/>
+              </a:spcAft>
+              <a:buClrTx/>
+              <a:buSzTx/>
+              <a:buFontTx/>
+              <a:buNone/>
+              <a:tabLst/>
+            </a:pPr>
+            <a:endParaRPr kumimoji="0" lang="it-IT" sz="2400" b="0" i="0" u="none" strike="noStrike" cap="none" normalizeH="0" baseline="0">
+              <a:ln>
+                <a:noFill/>
+              </a:ln>
+              <a:solidFill>
+                <a:schemeClr val="tx1"/>
+              </a:solidFill>
+              <a:effectLst/>
+              <a:latin typeface="Arial" panose="020B0604020202020204" pitchFamily="34" charset="0"/>
+            </a:endParaRPr>
+          </a:p>
+        </p:txBody>
+      </p:sp>
+      <p:pic>
+        <p:nvPicPr>
+          <p:cNvPr id="6" name="Immagine 5">
+            <a:extLst>
+              <a:ext uri="{FF2B5EF4-FFF2-40B4-BE49-F238E27FC236}">
+                <a16:creationId xmlns:a16="http://schemas.microsoft.com/office/drawing/2014/main" id="{EEC92E6E-E6D1-40DA-A1C1-C0E7ED75DDBA}"/>
+              </a:ext>
+            </a:extLst>
+          </p:cNvPr>
+          <p:cNvPicPr>
+            <a:picLocks noChangeAspect="1"/>
+          </p:cNvPicPr>
+          <p:nvPr/>
+        </p:nvPicPr>
+        <p:blipFill>
+          <a:blip r:embed="rId2"/>
+          <a:stretch>
+            <a:fillRect/>
+          </a:stretch>
+        </p:blipFill>
+        <p:spPr>
+          <a:xfrm>
+            <a:off x="0" y="3284984"/>
+            <a:ext cx="4392488" cy="3176107"/>
+          </a:xfrm>
+          <a:prstGeom prst="rect">
+            <a:avLst/>
+          </a:prstGeom>
+        </p:spPr>
+      </p:pic>
+      <p:pic>
+        <p:nvPicPr>
+          <p:cNvPr id="7" name="Immagine 6">
+            <a:extLst>
+              <a:ext uri="{FF2B5EF4-FFF2-40B4-BE49-F238E27FC236}">
+                <a16:creationId xmlns:a16="http://schemas.microsoft.com/office/drawing/2014/main" id="{2FD71BD3-95ED-4EE9-AABB-42066C5FCACD}"/>
+              </a:ext>
+            </a:extLst>
+          </p:cNvPr>
+          <p:cNvPicPr>
+            <a:picLocks noChangeAspect="1"/>
+          </p:cNvPicPr>
+          <p:nvPr/>
+        </p:nvPicPr>
+        <p:blipFill>
+          <a:blip r:embed="rId3"/>
+          <a:stretch>
+            <a:fillRect/>
+          </a:stretch>
+        </p:blipFill>
+        <p:spPr>
+          <a:xfrm>
+            <a:off x="4657724" y="3267408"/>
+            <a:ext cx="4306764" cy="3193684"/>
+          </a:xfrm>
+          <a:prstGeom prst="rect">
+            <a:avLst/>
+          </a:prstGeom>
+        </p:spPr>
+      </p:pic>
+      <p:sp>
+        <p:nvSpPr>
+          <p:cNvPr id="8" name="CasellaDiTesto 7">
+            <a:extLst>
+              <a:ext uri="{FF2B5EF4-FFF2-40B4-BE49-F238E27FC236}">
+                <a16:creationId xmlns:a16="http://schemas.microsoft.com/office/drawing/2014/main" id="{95A1C48C-BA18-491D-B261-888F4C553E74}"/>
+              </a:ext>
+            </a:extLst>
+          </p:cNvPr>
+          <p:cNvSpPr txBox="1"/>
+          <p:nvPr/>
+        </p:nvSpPr>
+        <p:spPr>
+          <a:xfrm>
+            <a:off x="340417" y="1484784"/>
+            <a:ext cx="8475397" cy="2031325"/>
+          </a:xfrm>
+          <a:prstGeom prst="rect">
+            <a:avLst/>
+          </a:prstGeom>
+          <a:noFill/>
+        </p:spPr>
+        <p:txBody>
+          <a:bodyPr wrap="none" rtlCol="0">
+            <a:spAutoFit/>
+          </a:bodyPr>
+          <a:lstStyle/>
+          <a:p>
+            <a:pPr marL="285750" indent="-285750" algn="l">
+              <a:buFont typeface="Arial" panose="020B0604020202020204" pitchFamily="34" charset="0"/>
+              <a:buChar char="•"/>
+            </a:pPr>
+            <a:r>
+              <a:rPr lang="it-IT" sz="1800" dirty="0" err="1"/>
+              <a:t>Lowering</a:t>
+            </a:r>
+            <a:r>
+              <a:rPr lang="it-IT" sz="1800" dirty="0"/>
+              <a:t> the alpha </a:t>
+            </a:r>
+            <a:r>
+              <a:rPr lang="it-IT" sz="1800" dirty="0" err="1"/>
+              <a:t>values</a:t>
+            </a:r>
+            <a:r>
+              <a:rPr lang="it-IT" sz="1800" dirty="0"/>
+              <a:t> </a:t>
+            </a:r>
+            <a:r>
+              <a:rPr lang="it-IT" sz="1800" dirty="0" err="1"/>
+              <a:t>leads</a:t>
+            </a:r>
+            <a:r>
+              <a:rPr lang="it-IT" sz="1800" dirty="0"/>
+              <a:t> to best </a:t>
+            </a:r>
+            <a:r>
+              <a:rPr lang="it-IT" sz="1800" dirty="0" err="1"/>
+              <a:t>solution</a:t>
+            </a:r>
+            <a:r>
+              <a:rPr lang="it-IT" sz="1800" dirty="0"/>
+              <a:t>, </a:t>
+            </a:r>
+            <a:r>
+              <a:rPr lang="it-IT" sz="1800" dirty="0" err="1"/>
+              <a:t>since</a:t>
+            </a:r>
+            <a:r>
+              <a:rPr lang="it-IT" sz="1800" dirty="0"/>
+              <a:t> </a:t>
+            </a:r>
+            <a:r>
+              <a:rPr lang="it-IT" sz="1800" dirty="0" err="1"/>
+              <a:t>less</a:t>
+            </a:r>
+            <a:r>
+              <a:rPr lang="it-IT" sz="1800" dirty="0"/>
+              <a:t> </a:t>
+            </a:r>
+            <a:r>
+              <a:rPr lang="it-IT" sz="1800" dirty="0" err="1"/>
+              <a:t>presence</a:t>
+            </a:r>
+            <a:r>
+              <a:rPr lang="it-IT" sz="1800" dirty="0"/>
+              <a:t> of </a:t>
+            </a:r>
+            <a:r>
+              <a:rPr lang="it-IT" sz="1800" dirty="0" err="1"/>
+              <a:t>noise</a:t>
+            </a:r>
+            <a:r>
+              <a:rPr lang="it-IT" sz="1800" dirty="0"/>
+              <a:t>.</a:t>
+            </a:r>
+          </a:p>
+          <a:p>
+            <a:pPr marL="285750" indent="-285750" algn="l">
+              <a:buFont typeface="Arial" panose="020B0604020202020204" pitchFamily="34" charset="0"/>
+              <a:buChar char="•"/>
+            </a:pPr>
+            <a:endParaRPr lang="it-IT" sz="1800" dirty="0"/>
+          </a:p>
+          <a:p>
+            <a:pPr marL="285750" indent="-285750" algn="l">
+              <a:buFont typeface="Arial" panose="020B0604020202020204" pitchFamily="34" charset="0"/>
+              <a:buChar char="•"/>
+            </a:pPr>
+            <a:r>
+              <a:rPr lang="it-IT" sz="1800" dirty="0" err="1"/>
+              <a:t>Clairvoyant</a:t>
+            </a:r>
+            <a:r>
+              <a:rPr lang="it-IT" sz="1800" dirty="0"/>
+              <a:t> </a:t>
+            </a:r>
+            <a:r>
+              <a:rPr lang="it-IT" sz="1800" dirty="0" err="1"/>
+              <a:t>value</a:t>
+            </a:r>
+            <a:r>
+              <a:rPr lang="it-IT" sz="1800" dirty="0"/>
+              <a:t> </a:t>
+            </a:r>
+            <a:r>
+              <a:rPr lang="it-IT" sz="1800" dirty="0" err="1"/>
+              <a:t>remains</a:t>
+            </a:r>
+            <a:r>
+              <a:rPr lang="it-IT" sz="1800" dirty="0"/>
+              <a:t> the same : 162</a:t>
+            </a:r>
+          </a:p>
+          <a:p>
+            <a:pPr marL="285750" indent="-285750" algn="l">
+              <a:buFont typeface="Arial" panose="020B0604020202020204" pitchFamily="34" charset="0"/>
+              <a:buChar char="•"/>
+            </a:pPr>
+            <a:endParaRPr lang="it-IT" sz="1800" dirty="0"/>
+          </a:p>
+          <a:p>
+            <a:pPr marL="285750" indent="-285750" algn="l">
+              <a:buFont typeface="Arial" panose="020B0604020202020204" pitchFamily="34" charset="0"/>
+              <a:buChar char="•"/>
+            </a:pPr>
+            <a:r>
+              <a:rPr lang="it-IT" sz="1800" dirty="0" err="1"/>
+              <a:t>Mean</a:t>
+            </a:r>
+            <a:r>
+              <a:rPr lang="it-IT" sz="1800" dirty="0"/>
+              <a:t> maximum </a:t>
+            </a:r>
+            <a:r>
+              <a:rPr lang="it-IT" sz="1800" dirty="0" err="1"/>
+              <a:t>value</a:t>
+            </a:r>
+            <a:r>
+              <a:rPr lang="it-IT" sz="1800" dirty="0"/>
+              <a:t> (alpha = 3) : ~ 155</a:t>
+            </a:r>
+          </a:p>
+          <a:p>
+            <a:pPr marL="285750" indent="-285750" algn="l">
+              <a:buFont typeface="Arial" panose="020B0604020202020204" pitchFamily="34" charset="0"/>
+              <a:buChar char="•"/>
+            </a:pPr>
+            <a:endParaRPr lang="it-IT" sz="1800" dirty="0"/>
+          </a:p>
+        </p:txBody>
+      </p:sp>
+    </p:spTree>
+    <p:extLst>
+      <p:ext uri="{BB962C8B-B14F-4D97-AF65-F5344CB8AC3E}">
+        <p14:creationId xmlns:p14="http://schemas.microsoft.com/office/powerpoint/2010/main" val="3316842574"/>
+      </p:ext>
+    </p:extLst>
+  </p:cSld>
+  <p:clrMapOvr>
+    <a:masterClrMapping/>
+  </p:clrMapOvr>
+</p:sld>
+</file>
+
+<file path=ppt/slides/slide19.xml><?xml version="1.0" encoding="utf-8"?>
 <p:sld xmlns:a="http://schemas.openxmlformats.org/drawingml/2006/main" xmlns:r="http://schemas.openxmlformats.org/officeDocument/2006/relationships" xmlns:p="http://schemas.openxmlformats.org/presentationml/2006/main">
   <p:cSld>
     <p:spTree>
@@ -9974,153 +13512,156 @@
       </p:grpSpPr>
       <p:sp>
         <p:nvSpPr>
-          <p:cNvPr id="2" name="Titolo 1">
-            <a:extLst>
-              <a:ext uri="{FF2B5EF4-FFF2-40B4-BE49-F238E27FC236}">
-                <a16:creationId xmlns:a16="http://schemas.microsoft.com/office/drawing/2014/main" id="{5CCDD63A-438D-4B40-96EF-962EE61A5A1F}"/>
-              </a:ext>
-            </a:extLst>
-          </p:cNvPr>
-          <p:cNvSpPr>
-            <a:spLocks noGrp="1"/>
+          <p:cNvPr id="2063" name="Text Box 15">
+            <a:extLst>
+              <a:ext uri="{FF2B5EF4-FFF2-40B4-BE49-F238E27FC236}">
+                <a16:creationId xmlns:a16="http://schemas.microsoft.com/office/drawing/2014/main" id="{163E1146-9683-4D80-A948-17A524CE64E3}"/>
+              </a:ext>
+            </a:extLst>
+          </p:cNvPr>
+          <p:cNvSpPr txBox="1">
+            <a:spLocks noChangeArrowheads="1"/>
           </p:cNvSpPr>
-          <p:nvPr>
-            <p:ph type="title"/>
-          </p:nvPr>
-        </p:nvSpPr>
-        <p:spPr/>
-        <p:txBody>
-          <a:bodyPr/>
-          <a:lstStyle/>
-          <a:p>
-            <a:endParaRPr lang="it-IT" dirty="0"/>
-          </a:p>
-        </p:txBody>
-      </p:sp>
-      <p:sp>
-        <p:nvSpPr>
-          <p:cNvPr id="3" name="Segnaposto contenuto 2">
-            <a:extLst>
-              <a:ext uri="{FF2B5EF4-FFF2-40B4-BE49-F238E27FC236}">
-                <a16:creationId xmlns:a16="http://schemas.microsoft.com/office/drawing/2014/main" id="{55BC5A9B-A7A6-439B-9D3D-11EDD37F4214}"/>
-              </a:ext>
-            </a:extLst>
-          </p:cNvPr>
-          <p:cNvSpPr>
-            <a:spLocks noGrp="1"/>
-          </p:cNvSpPr>
-          <p:nvPr>
-            <p:ph idx="1"/>
-          </p:nvPr>
-        </p:nvSpPr>
-        <p:spPr/>
-        <p:txBody>
-          <a:bodyPr/>
-          <a:lstStyle/>
-          <a:p>
-            <a:endParaRPr lang="it-IT"/>
-          </a:p>
-        </p:txBody>
-      </p:sp>
-      <p:sp>
-        <p:nvSpPr>
-          <p:cNvPr id="4" name="Segnaposto numero diapositiva 3">
-            <a:extLst>
-              <a:ext uri="{FF2B5EF4-FFF2-40B4-BE49-F238E27FC236}">
-                <a16:creationId xmlns:a16="http://schemas.microsoft.com/office/drawing/2014/main" id="{136BF483-47CE-48DA-BBDC-C340A204C125}"/>
-              </a:ext>
-            </a:extLst>
-          </p:cNvPr>
-          <p:cNvSpPr>
-            <a:spLocks noGrp="1"/>
-          </p:cNvSpPr>
-          <p:nvPr>
-            <p:ph type="sldNum" sz="quarter" idx="10"/>
-          </p:nvPr>
-        </p:nvSpPr>
-        <p:spPr/>
-        <p:txBody>
-          <a:bodyPr/>
-          <a:lstStyle/>
-          <a:p>
-            <a:fld id="{FE575B20-646B-44A6-B32B-8B9F7AC502D9}" type="slidenum">
-              <a:rPr lang="it-IT" altLang="en-US" smtClean="0"/>
-              <a:pPr/>
-              <a:t>9</a:t>
-            </a:fld>
-            <a:endParaRPr lang="it-IT" altLang="en-US" dirty="0"/>
-          </a:p>
-        </p:txBody>
-      </p:sp>
-      <p:sp>
-        <p:nvSpPr>
-          <p:cNvPr id="5" name="Rettangolo 4">
-            <a:extLst>
-              <a:ext uri="{FF2B5EF4-FFF2-40B4-BE49-F238E27FC236}">
-                <a16:creationId xmlns:a16="http://schemas.microsoft.com/office/drawing/2014/main" id="{838103B8-D9E0-4320-AA89-0AB6A63E6FC2}"/>
-              </a:ext>
-            </a:extLst>
-          </p:cNvPr>
-          <p:cNvSpPr/>
           <p:nvPr/>
         </p:nvSpPr>
         <p:spPr bwMode="auto">
           <a:xfrm>
-            <a:off x="719138" y="6613525"/>
-            <a:ext cx="4140894" cy="244475"/>
+            <a:off x="1763688" y="4581128"/>
+            <a:ext cx="6248400" cy="815608"/>
           </a:xfrm>
           <a:prstGeom prst="rect">
             <a:avLst/>
           </a:prstGeom>
-          <a:solidFill>
-            <a:schemeClr val="accent3"/>
-          </a:solidFill>
+          <a:noFill/>
           <a:ln>
             <a:noFill/>
           </a:ln>
           <a:effectLst/>
+          <a:extLst>
+            <a:ext uri="{909E8E84-426E-40DD-AFC4-6F175D3DCCD1}">
+              <a14:hiddenFill xmlns:a14="http://schemas.microsoft.com/office/drawing/2010/main">
+                <a:solidFill>
+                  <a:srgbClr val="C7D7E9"/>
+                </a:solidFill>
+              </a14:hiddenFill>
+            </a:ext>
+            <a:ext uri="{91240B29-F687-4F45-9708-019B960494DF}">
+              <a14:hiddenLine xmlns:a14="http://schemas.microsoft.com/office/drawing/2010/main" w="9525">
+                <a:solidFill>
+                  <a:schemeClr val="tx1"/>
+                </a:solidFill>
+                <a:miter lim="800000"/>
+                <a:headEnd/>
+                <a:tailEnd/>
+              </a14:hiddenLine>
+            </a:ext>
+            <a:ext uri="{AF507438-7753-43E0-B8FC-AC1667EBCBE1}">
+              <a14:hiddenEffects xmlns:a14="http://schemas.microsoft.com/office/drawing/2010/main">
+                <a:effectLst>
+                  <a:outerShdw dist="35921" dir="2700000" algn="ctr" rotWithShape="0">
+                    <a:schemeClr val="bg2"/>
+                  </a:outerShdw>
+                </a:effectLst>
+              </a14:hiddenEffects>
+            </a:ext>
+          </a:extLst>
         </p:spPr>
         <p:txBody>
-          <a:bodyPr vert="horz" wrap="square" lIns="0" tIns="0" rIns="0" bIns="0" numCol="1" rtlCol="0" anchor="t" anchorCtr="0" compatLnSpc="1">
-            <a:prstTxWarp prst="textNoShape">
-              <a:avLst/>
-            </a:prstTxWarp>
+          <a:bodyPr lIns="0" tIns="0" rIns="0" bIns="0" anchor="t">
+            <a:spAutoFit/>
           </a:bodyPr>
           <a:lstStyle/>
           <a:p>
-            <a:pPr marL="0" marR="0" indent="0" algn="ctr" defTabSz="914400" rtl="0" eaLnBrk="0" fontAlgn="base" latinLnBrk="0" hangingPunct="0">
-              <a:lnSpc>
-                <a:spcPct val="100000"/>
-              </a:lnSpc>
+            <a:pPr algn="l">
               <a:spcBef>
-                <a:spcPct val="20000"/>
+                <a:spcPct val="50000"/>
               </a:spcBef>
-              <a:spcAft>
-                <a:spcPct val="0"/>
-              </a:spcAft>
-              <a:buClrTx/>
-              <a:buSzTx/>
-              <a:buFontTx/>
-              <a:buNone/>
-              <a:tabLst/>
             </a:pPr>
-            <a:endParaRPr kumimoji="0" lang="it-IT" sz="2400" b="0" i="0" u="none" strike="noStrike" cap="none" normalizeH="0" baseline="0">
-              <a:ln>
-                <a:noFill/>
-              </a:ln>
-              <a:solidFill>
-                <a:schemeClr val="tx1"/>
-              </a:solidFill>
-              <a:effectLst/>
-              <a:latin typeface="Arial" panose="020B0604020202020204" pitchFamily="34" charset="0"/>
-            </a:endParaRPr>
+            <a:r>
+              <a:rPr lang="it-IT" altLang="en-US" sz="3200" b="1" dirty="0">
+                <a:solidFill>
+                  <a:srgbClr val="003F6E"/>
+                </a:solidFill>
+                <a:latin typeface="Arial"/>
+                <a:cs typeface="Arial"/>
+              </a:rPr>
+              <a:t>CGPTS</a:t>
+            </a:r>
+            <a:endParaRPr lang="it-IT" dirty="0"/>
+          </a:p>
+          <a:p>
+            <a:pPr algn="l">
+              <a:spcBef>
+                <a:spcPct val="50000"/>
+              </a:spcBef>
+            </a:pPr>
+            <a:r>
+              <a:rPr lang="it-IT" sz="1400" b="1" dirty="0" err="1">
+                <a:solidFill>
+                  <a:srgbClr val="003F6E"/>
+                </a:solidFill>
+                <a:latin typeface="Arial"/>
+                <a:cs typeface="Arial"/>
+              </a:rPr>
+              <a:t>Combinatorial</a:t>
+            </a:r>
+            <a:r>
+              <a:rPr lang="it-IT" sz="1400" b="1" dirty="0">
+                <a:solidFill>
+                  <a:srgbClr val="003F6E"/>
+                </a:solidFill>
+                <a:latin typeface="Arial"/>
+                <a:cs typeface="Arial"/>
+              </a:rPr>
+              <a:t> </a:t>
+            </a:r>
+            <a:r>
+              <a:rPr lang="it-IT" sz="1400" b="1" dirty="0" err="1">
+                <a:solidFill>
+                  <a:srgbClr val="003F6E"/>
+                </a:solidFill>
+                <a:latin typeface="Arial"/>
+                <a:cs typeface="Arial"/>
+              </a:rPr>
+              <a:t>Gaussian</a:t>
+            </a:r>
+            <a:r>
+              <a:rPr lang="it-IT" sz="1400" b="1" dirty="0">
+                <a:solidFill>
+                  <a:srgbClr val="003F6E"/>
+                </a:solidFill>
+                <a:latin typeface="Arial"/>
+                <a:cs typeface="Arial"/>
+              </a:rPr>
+              <a:t> </a:t>
+            </a:r>
+            <a:r>
+              <a:rPr lang="it-IT" sz="1400" b="1" dirty="0" err="1">
+                <a:solidFill>
+                  <a:srgbClr val="003F6E"/>
+                </a:solidFill>
+                <a:latin typeface="Arial"/>
+                <a:cs typeface="Arial"/>
+              </a:rPr>
+              <a:t>Process</a:t>
+            </a:r>
+            <a:r>
+              <a:rPr lang="it-IT" sz="1400" b="1" dirty="0">
+                <a:solidFill>
+                  <a:srgbClr val="003F6E"/>
+                </a:solidFill>
+                <a:latin typeface="Arial"/>
+                <a:cs typeface="Arial"/>
+              </a:rPr>
+              <a:t> Thompson Sampling</a:t>
+            </a:r>
           </a:p>
         </p:txBody>
       </p:sp>
     </p:spTree>
     <p:extLst>
       <p:ext uri="{BB962C8B-B14F-4D97-AF65-F5344CB8AC3E}">
-        <p14:creationId xmlns:p14="http://schemas.microsoft.com/office/powerpoint/2010/main" val="3845932730"/>
+        <p14:creationId xmlns:p14="http://schemas.microsoft.com/office/powerpoint/2010/main" val="285694480"/>
       </p:ext>
     </p:extLst>
   </p:cSld>

--- a/advertising_presentation.pptx
+++ b/advertising_presentation.pptx
@@ -5,10 +5,10 @@
     <p:sldMasterId id="2147483648" r:id="rId1"/>
   </p:sldMasterIdLst>
   <p:notesMasterIdLst>
-    <p:notesMasterId r:id="rId21"/>
+    <p:notesMasterId r:id="rId24"/>
   </p:notesMasterIdLst>
   <p:handoutMasterIdLst>
-    <p:handoutMasterId r:id="rId22"/>
+    <p:handoutMasterId r:id="rId25"/>
   </p:handoutMasterIdLst>
   <p:sldIdLst>
     <p:sldId id="256" r:id="rId2"/>
@@ -30,6 +30,9 @@
     <p:sldId id="305" r:id="rId18"/>
     <p:sldId id="306" r:id="rId19"/>
     <p:sldId id="289" r:id="rId20"/>
+    <p:sldId id="307" r:id="rId21"/>
+    <p:sldId id="308" r:id="rId22"/>
+    <p:sldId id="309" r:id="rId23"/>
   </p:sldIdLst>
   <p:sldSz cx="9144000" cy="6858000" type="screen4x3"/>
   <p:notesSz cx="6669088" cy="9928225"/>
@@ -8206,7 +8209,7 @@
         </p:blipFill>
         <p:spPr>
           <a:xfrm>
-            <a:off x="719138" y="2132856"/>
+            <a:off x="337920" y="2529408"/>
             <a:ext cx="4109536" cy="3050578"/>
           </a:xfrm>
           <a:prstGeom prst="rect">
@@ -8236,7 +8239,7 @@
         </p:blipFill>
         <p:spPr>
           <a:xfrm>
-            <a:off x="4828674" y="2137887"/>
+            <a:off x="4427984" y="2529408"/>
             <a:ext cx="4109536" cy="3045547"/>
           </a:xfrm>
           <a:prstGeom prst="rect">
@@ -8258,7 +8261,7 @@
         </p:nvSpPr>
         <p:spPr>
           <a:xfrm>
-            <a:off x="971600" y="1456519"/>
+            <a:off x="590382" y="1853071"/>
             <a:ext cx="2582758" cy="369332"/>
           </a:xfrm>
           <a:prstGeom prst="rect">
@@ -8306,7 +8309,7 @@
         </p:nvSpPr>
         <p:spPr>
           <a:xfrm>
-            <a:off x="4932040" y="1456519"/>
+            <a:off x="4550822" y="1853071"/>
             <a:ext cx="2480166" cy="369332"/>
           </a:xfrm>
           <a:prstGeom prst="rect">
@@ -9959,7 +9962,7 @@
                   <a:srgbClr val="003F6E"/>
                 </a:solidFill>
               </a:rPr>
-              <a:t>CGPTS</a:t>
+              <a:t>Sub-campaign and curves definition</a:t>
             </a:r>
             <a:endParaRPr lang="en-GB" dirty="0">
               <a:solidFill>
@@ -9990,7 +9993,7 @@
                   <a:srgbClr val="003F6E"/>
                 </a:solidFill>
               </a:rPr>
-              <a:t>CGPTS vs CGTS</a:t>
+              <a:t>CGPTS </a:t>
             </a:r>
             <a:endParaRPr lang="en-GB" dirty="0">
               <a:solidFill>
@@ -10141,6 +10144,1353 @@
 </p:sld>
 </file>
 
+<file path=ppt/slides/slide20.xml><?xml version="1.0" encoding="utf-8"?>
+<p:sld xmlns:a="http://schemas.openxmlformats.org/drawingml/2006/main" xmlns:r="http://schemas.openxmlformats.org/officeDocument/2006/relationships" xmlns:p="http://schemas.openxmlformats.org/presentationml/2006/main">
+  <p:cSld>
+    <p:spTree>
+      <p:nvGrpSpPr>
+        <p:cNvPr id="1" name=""/>
+        <p:cNvGrpSpPr/>
+        <p:nvPr/>
+      </p:nvGrpSpPr>
+      <p:grpSpPr>
+        <a:xfrm>
+          <a:off x="0" y="0"/>
+          <a:ext cx="0" cy="0"/>
+          <a:chOff x="0" y="0"/>
+          <a:chExt cx="0" cy="0"/>
+        </a:xfrm>
+      </p:grpSpPr>
+      <p:sp>
+        <p:nvSpPr>
+          <p:cNvPr id="2" name="Titolo 1">
+            <a:extLst>
+              <a:ext uri="{FF2B5EF4-FFF2-40B4-BE49-F238E27FC236}">
+                <a16:creationId xmlns:a16="http://schemas.microsoft.com/office/drawing/2014/main" id="{FD35D058-FCB6-4EA3-9CD5-D810E547FE57}"/>
+              </a:ext>
+            </a:extLst>
+          </p:cNvPr>
+          <p:cNvSpPr>
+            <a:spLocks noGrp="1"/>
+          </p:cNvSpPr>
+          <p:nvPr>
+            <p:ph type="title"/>
+          </p:nvPr>
+        </p:nvSpPr>
+        <p:spPr>
+          <a:xfrm>
+            <a:off x="719138" y="260648"/>
+            <a:ext cx="6373142" cy="504056"/>
+          </a:xfrm>
+        </p:spPr>
+        <p:txBody>
+          <a:bodyPr/>
+          <a:lstStyle/>
+          <a:p>
+            <a:r>
+              <a:rPr lang="it-IT" dirty="0"/>
+              <a:t>CGP-TS </a:t>
+            </a:r>
+            <a:r>
+              <a:rPr lang="it-IT" dirty="0" err="1"/>
+              <a:t>disaggregation</a:t>
+            </a:r>
+            <a:r>
+              <a:rPr lang="it-IT" dirty="0"/>
+              <a:t>, </a:t>
+            </a:r>
+            <a:r>
+              <a:rPr lang="it-IT" dirty="0" err="1"/>
+              <a:t>context</a:t>
+            </a:r>
+            <a:r>
+              <a:rPr lang="it-IT" dirty="0"/>
+              <a:t> </a:t>
+            </a:r>
+            <a:r>
+              <a:rPr lang="it-IT" dirty="0" err="1"/>
+              <a:t>identification</a:t>
+            </a:r>
+            <a:endParaRPr lang="it-IT" dirty="0"/>
+          </a:p>
+        </p:txBody>
+      </p:sp>
+      <p:sp>
+        <p:nvSpPr>
+          <p:cNvPr id="3" name="Segnaposto contenuto 2">
+            <a:extLst>
+              <a:ext uri="{FF2B5EF4-FFF2-40B4-BE49-F238E27FC236}">
+                <a16:creationId xmlns:a16="http://schemas.microsoft.com/office/drawing/2014/main" id="{CE68D992-1BB1-434F-B73F-FD14EF3ED552}"/>
+              </a:ext>
+            </a:extLst>
+          </p:cNvPr>
+          <p:cNvSpPr>
+            <a:spLocks noGrp="1"/>
+          </p:cNvSpPr>
+          <p:nvPr>
+            <p:ph idx="1"/>
+          </p:nvPr>
+        </p:nvSpPr>
+        <p:spPr/>
+        <p:txBody>
+          <a:bodyPr/>
+          <a:lstStyle/>
+          <a:p>
+            <a:pPr>
+              <a:buFont typeface="Arial" panose="020B0604020202020204" pitchFamily="34" charset="0"/>
+              <a:buChar char="•"/>
+            </a:pPr>
+            <a:r>
+              <a:rPr lang="it-IT" dirty="0"/>
+              <a:t>Check </a:t>
+            </a:r>
+            <a:r>
+              <a:rPr lang="it-IT" dirty="0" err="1"/>
+              <a:t>whether</a:t>
+            </a:r>
+            <a:r>
+              <a:rPr lang="it-IT" dirty="0"/>
+              <a:t> </a:t>
+            </a:r>
+            <a:r>
+              <a:rPr lang="it-IT" dirty="0" err="1"/>
+              <a:t>at</a:t>
+            </a:r>
+            <a:r>
+              <a:rPr lang="it-IT" dirty="0"/>
+              <a:t> some point </a:t>
+            </a:r>
+            <a:r>
+              <a:rPr lang="it-IT" dirty="0" err="1"/>
+              <a:t>is</a:t>
+            </a:r>
+            <a:r>
+              <a:rPr lang="it-IT" dirty="0"/>
+              <a:t> </a:t>
+            </a:r>
+            <a:r>
+              <a:rPr lang="it-IT" dirty="0" err="1"/>
+              <a:t>better</a:t>
+            </a:r>
+            <a:r>
+              <a:rPr lang="it-IT" dirty="0"/>
+              <a:t> disaggregate the aggregate </a:t>
+            </a:r>
+            <a:r>
+              <a:rPr lang="it-IT" dirty="0" err="1"/>
+              <a:t>curves</a:t>
+            </a:r>
+            <a:r>
+              <a:rPr lang="it-IT" dirty="0"/>
+              <a:t> and so create a new sub-</a:t>
+            </a:r>
+            <a:r>
+              <a:rPr lang="it-IT" dirty="0" err="1"/>
+              <a:t>campaigns</a:t>
+            </a:r>
+            <a:r>
+              <a:rPr lang="it-IT" dirty="0"/>
+              <a:t> or not. </a:t>
+            </a:r>
+          </a:p>
+          <a:p>
+            <a:pPr>
+              <a:buFont typeface="Arial" panose="020B0604020202020204" pitchFamily="34" charset="0"/>
+              <a:buChar char="•"/>
+            </a:pPr>
+            <a:endParaRPr lang="it-IT" dirty="0"/>
+          </a:p>
+          <a:p>
+            <a:pPr>
+              <a:buFont typeface="Arial" panose="020B0604020202020204" pitchFamily="34" charset="0"/>
+              <a:buChar char="•"/>
+            </a:pPr>
+            <a:r>
+              <a:rPr lang="it-IT" dirty="0" err="1"/>
+              <a:t>Context</a:t>
+            </a:r>
+            <a:r>
+              <a:rPr lang="it-IT" dirty="0"/>
+              <a:t> </a:t>
+            </a:r>
+            <a:r>
+              <a:rPr lang="it-IT" dirty="0" err="1"/>
+              <a:t>identification</a:t>
+            </a:r>
+            <a:r>
+              <a:rPr lang="it-IT" dirty="0"/>
+              <a:t>: </a:t>
+            </a:r>
+            <a:r>
+              <a:rPr lang="it-IT" dirty="0" err="1"/>
+              <a:t>identifying</a:t>
+            </a:r>
+            <a:r>
+              <a:rPr lang="it-IT" dirty="0"/>
+              <a:t> from </a:t>
+            </a:r>
+            <a:r>
+              <a:rPr lang="it-IT" dirty="0" err="1"/>
+              <a:t>which</a:t>
+            </a:r>
+            <a:r>
+              <a:rPr lang="it-IT" dirty="0"/>
+              <a:t> class  the clicks come from.</a:t>
+            </a:r>
+          </a:p>
+          <a:p>
+            <a:pPr>
+              <a:buFont typeface="Arial" panose="020B0604020202020204" pitchFamily="34" charset="0"/>
+              <a:buChar char="•"/>
+            </a:pPr>
+            <a:endParaRPr lang="it-IT" dirty="0"/>
+          </a:p>
+          <a:p>
+            <a:pPr>
+              <a:buFont typeface="Arial" panose="020B0604020202020204" pitchFamily="34" charset="0"/>
+              <a:buChar char="•"/>
+            </a:pPr>
+            <a:r>
+              <a:rPr lang="it-IT" dirty="0"/>
+              <a:t>Learning in </a:t>
+            </a:r>
+            <a:r>
+              <a:rPr lang="it-IT" dirty="0" err="1"/>
+              <a:t>parallel</a:t>
+            </a:r>
+            <a:r>
+              <a:rPr lang="it-IT" dirty="0"/>
+              <a:t> </a:t>
+            </a:r>
+            <a:r>
+              <a:rPr lang="it-IT" dirty="0" err="1"/>
+              <a:t>other</a:t>
+            </a:r>
+            <a:r>
+              <a:rPr lang="it-IT" dirty="0"/>
+              <a:t> </a:t>
+            </a:r>
+            <a:r>
+              <a:rPr lang="it-IT" dirty="0" err="1"/>
+              <a:t>combinatorial</a:t>
+            </a:r>
+            <a:r>
+              <a:rPr lang="it-IT" dirty="0"/>
+              <a:t> GP-TS, </a:t>
+            </a:r>
+            <a:r>
+              <a:rPr lang="it-IT" dirty="0" err="1"/>
+              <a:t>consiering</a:t>
+            </a:r>
+            <a:r>
+              <a:rPr lang="it-IT" dirty="0"/>
+              <a:t> </a:t>
+            </a:r>
+            <a:r>
+              <a:rPr lang="it-IT" dirty="0" err="1"/>
+              <a:t>all</a:t>
+            </a:r>
+            <a:r>
+              <a:rPr lang="it-IT" dirty="0"/>
+              <a:t> the </a:t>
+            </a:r>
+            <a:r>
+              <a:rPr lang="it-IT" dirty="0" err="1"/>
+              <a:t>possible</a:t>
+            </a:r>
+            <a:r>
+              <a:rPr lang="it-IT" dirty="0"/>
+              <a:t> </a:t>
+            </a:r>
+            <a:r>
+              <a:rPr lang="it-IT" dirty="0" err="1"/>
+              <a:t>disaggregation</a:t>
+            </a:r>
+            <a:r>
+              <a:rPr lang="it-IT" dirty="0"/>
+              <a:t> </a:t>
+            </a:r>
+            <a:r>
+              <a:rPr lang="it-IT" dirty="0" err="1"/>
+              <a:t>combination</a:t>
+            </a:r>
+            <a:r>
+              <a:rPr lang="it-IT" dirty="0"/>
+              <a:t>:</a:t>
+            </a:r>
+          </a:p>
+          <a:p>
+            <a:pPr>
+              <a:buFont typeface="Arial" panose="020B0604020202020204" pitchFamily="34" charset="0"/>
+              <a:buChar char="•"/>
+            </a:pPr>
+            <a:endParaRPr lang="it-IT" dirty="0"/>
+          </a:p>
+          <a:p>
+            <a:pPr>
+              <a:buFont typeface="Arial" panose="020B0604020202020204" pitchFamily="34" charset="0"/>
+              <a:buChar char="•"/>
+            </a:pPr>
+            <a:r>
+              <a:rPr lang="it-IT" dirty="0" err="1"/>
+              <a:t>Example</a:t>
+            </a:r>
+            <a:r>
+              <a:rPr lang="it-IT" dirty="0"/>
+              <a:t>: (class1,class2,class3) or (class1+class2, class3) </a:t>
+            </a:r>
+            <a:r>
+              <a:rPr lang="it-IT" dirty="0" err="1"/>
+              <a:t>exc</a:t>
+            </a:r>
+            <a:r>
+              <a:rPr lang="it-IT" dirty="0"/>
+              <a:t>...</a:t>
+            </a:r>
+          </a:p>
+          <a:p>
+            <a:pPr>
+              <a:buFont typeface="Arial" panose="020B0604020202020204" pitchFamily="34" charset="0"/>
+              <a:buChar char="•"/>
+            </a:pPr>
+            <a:endParaRPr lang="it-IT" dirty="0"/>
+          </a:p>
+          <a:p>
+            <a:pPr>
+              <a:buFont typeface="Arial" panose="020B0604020202020204" pitchFamily="34" charset="0"/>
+              <a:buChar char="•"/>
+            </a:pPr>
+            <a:r>
+              <a:rPr lang="it-IT" dirty="0"/>
+              <a:t>First day of the week, check </a:t>
+            </a:r>
+            <a:r>
+              <a:rPr lang="it-IT" dirty="0" err="1"/>
+              <a:t>whether</a:t>
+            </a:r>
+            <a:r>
+              <a:rPr lang="it-IT" dirty="0"/>
+              <a:t> disaggregate or not, </a:t>
+            </a:r>
+            <a:r>
+              <a:rPr lang="it-IT" dirty="0" err="1"/>
+              <a:t>according</a:t>
+            </a:r>
+            <a:r>
+              <a:rPr lang="it-IT" dirty="0"/>
+              <a:t> to the </a:t>
+            </a:r>
+            <a:r>
+              <a:rPr lang="it-IT" dirty="0" err="1"/>
+              <a:t>expected</a:t>
+            </a:r>
+            <a:r>
+              <a:rPr lang="it-IT" dirty="0"/>
+              <a:t> </a:t>
+            </a:r>
+            <a:r>
+              <a:rPr lang="it-IT" dirty="0" err="1"/>
+              <a:t>reward</a:t>
+            </a:r>
+            <a:r>
+              <a:rPr lang="it-IT" dirty="0"/>
+              <a:t> of that </a:t>
+            </a:r>
+            <a:r>
+              <a:rPr lang="it-IT" dirty="0" err="1"/>
+              <a:t>combination</a:t>
+            </a:r>
+            <a:r>
+              <a:rPr lang="it-IT" dirty="0"/>
+              <a:t>, </a:t>
+            </a:r>
+            <a:r>
+              <a:rPr lang="it-IT" dirty="0" err="1"/>
+              <a:t>untill</a:t>
+            </a:r>
+            <a:r>
+              <a:rPr lang="it-IT" dirty="0"/>
+              <a:t> </a:t>
+            </a:r>
+            <a:r>
+              <a:rPr lang="it-IT" dirty="0" err="1"/>
+              <a:t>we</a:t>
+            </a:r>
+            <a:r>
+              <a:rPr lang="it-IT" dirty="0"/>
+              <a:t> </a:t>
+            </a:r>
+            <a:r>
+              <a:rPr lang="it-IT" dirty="0" err="1"/>
+              <a:t>have</a:t>
+            </a:r>
+            <a:r>
+              <a:rPr lang="it-IT" dirty="0"/>
+              <a:t> a complete </a:t>
+            </a:r>
+            <a:r>
+              <a:rPr lang="it-IT" dirty="0" err="1"/>
+              <a:t>disaggregation</a:t>
+            </a:r>
+            <a:r>
+              <a:rPr lang="it-IT" dirty="0"/>
+              <a:t>.</a:t>
+            </a:r>
+          </a:p>
+        </p:txBody>
+      </p:sp>
+      <p:sp>
+        <p:nvSpPr>
+          <p:cNvPr id="4" name="Segnaposto numero diapositiva 3">
+            <a:extLst>
+              <a:ext uri="{FF2B5EF4-FFF2-40B4-BE49-F238E27FC236}">
+                <a16:creationId xmlns:a16="http://schemas.microsoft.com/office/drawing/2014/main" id="{EBF1421E-69A0-470F-817C-D36FC096CAE9}"/>
+              </a:ext>
+            </a:extLst>
+          </p:cNvPr>
+          <p:cNvSpPr>
+            <a:spLocks noGrp="1"/>
+          </p:cNvSpPr>
+          <p:nvPr>
+            <p:ph type="sldNum" sz="quarter" idx="10"/>
+          </p:nvPr>
+        </p:nvSpPr>
+        <p:spPr/>
+        <p:txBody>
+          <a:bodyPr/>
+          <a:lstStyle/>
+          <a:p>
+            <a:fld id="{FE575B20-646B-44A6-B32B-8B9F7AC502D9}" type="slidenum">
+              <a:rPr lang="it-IT" altLang="en-US" smtClean="0"/>
+              <a:pPr/>
+              <a:t>20</a:t>
+            </a:fld>
+            <a:endParaRPr lang="it-IT" altLang="en-US" dirty="0"/>
+          </a:p>
+        </p:txBody>
+      </p:sp>
+      <p:sp>
+        <p:nvSpPr>
+          <p:cNvPr id="5" name="Rettangolo 4">
+            <a:extLst>
+              <a:ext uri="{FF2B5EF4-FFF2-40B4-BE49-F238E27FC236}">
+                <a16:creationId xmlns:a16="http://schemas.microsoft.com/office/drawing/2014/main" id="{7F1867F6-8042-4F60-A7CE-097CD3FE3F37}"/>
+              </a:ext>
+            </a:extLst>
+          </p:cNvPr>
+          <p:cNvSpPr/>
+          <p:nvPr/>
+        </p:nvSpPr>
+        <p:spPr bwMode="auto">
+          <a:xfrm>
+            <a:off x="719138" y="6613525"/>
+            <a:ext cx="4140894" cy="244475"/>
+          </a:xfrm>
+          <a:prstGeom prst="rect">
+            <a:avLst/>
+          </a:prstGeom>
+          <a:solidFill>
+            <a:schemeClr val="accent3"/>
+          </a:solidFill>
+          <a:ln>
+            <a:noFill/>
+          </a:ln>
+          <a:effectLst/>
+        </p:spPr>
+        <p:txBody>
+          <a:bodyPr vert="horz" wrap="square" lIns="0" tIns="0" rIns="0" bIns="0" numCol="1" rtlCol="0" anchor="t" anchorCtr="0" compatLnSpc="1">
+            <a:prstTxWarp prst="textNoShape">
+              <a:avLst/>
+            </a:prstTxWarp>
+          </a:bodyPr>
+          <a:lstStyle/>
+          <a:p>
+            <a:pPr marL="0" marR="0" indent="0" algn="ctr" defTabSz="914400" rtl="0" eaLnBrk="0" fontAlgn="base" latinLnBrk="0" hangingPunct="0">
+              <a:lnSpc>
+                <a:spcPct val="100000"/>
+              </a:lnSpc>
+              <a:spcBef>
+                <a:spcPct val="20000"/>
+              </a:spcBef>
+              <a:spcAft>
+                <a:spcPct val="0"/>
+              </a:spcAft>
+              <a:buClrTx/>
+              <a:buSzTx/>
+              <a:buFontTx/>
+              <a:buNone/>
+              <a:tabLst/>
+            </a:pPr>
+            <a:endParaRPr kumimoji="0" lang="it-IT" sz="2400" b="0" i="0" u="none" strike="noStrike" cap="none" normalizeH="0" baseline="0">
+              <a:ln>
+                <a:noFill/>
+              </a:ln>
+              <a:solidFill>
+                <a:schemeClr val="tx1"/>
+              </a:solidFill>
+              <a:effectLst/>
+              <a:latin typeface="Arial" panose="020B0604020202020204" pitchFamily="34" charset="0"/>
+            </a:endParaRPr>
+          </a:p>
+        </p:txBody>
+      </p:sp>
+    </p:spTree>
+    <p:extLst>
+      <p:ext uri="{BB962C8B-B14F-4D97-AF65-F5344CB8AC3E}">
+        <p14:creationId xmlns:p14="http://schemas.microsoft.com/office/powerpoint/2010/main" val="1792797123"/>
+      </p:ext>
+    </p:extLst>
+  </p:cSld>
+  <p:clrMapOvr>
+    <a:masterClrMapping/>
+  </p:clrMapOvr>
+</p:sld>
+</file>
+
+<file path=ppt/slides/slide21.xml><?xml version="1.0" encoding="utf-8"?>
+<p:sld xmlns:a="http://schemas.openxmlformats.org/drawingml/2006/main" xmlns:r="http://schemas.openxmlformats.org/officeDocument/2006/relationships" xmlns:p="http://schemas.openxmlformats.org/presentationml/2006/main">
+  <p:cSld>
+    <p:spTree>
+      <p:nvGrpSpPr>
+        <p:cNvPr id="1" name=""/>
+        <p:cNvGrpSpPr/>
+        <p:nvPr/>
+      </p:nvGrpSpPr>
+      <p:grpSpPr>
+        <a:xfrm>
+          <a:off x="0" y="0"/>
+          <a:ext cx="0" cy="0"/>
+          <a:chOff x="0" y="0"/>
+          <a:chExt cx="0" cy="0"/>
+        </a:xfrm>
+      </p:grpSpPr>
+      <p:sp>
+        <p:nvSpPr>
+          <p:cNvPr id="2" name="Titolo 1">
+            <a:extLst>
+              <a:ext uri="{FF2B5EF4-FFF2-40B4-BE49-F238E27FC236}">
+                <a16:creationId xmlns:a16="http://schemas.microsoft.com/office/drawing/2014/main" id="{28D7C9AC-B77E-46B5-BF5D-E3FD9345CE4A}"/>
+              </a:ext>
+            </a:extLst>
+          </p:cNvPr>
+          <p:cNvSpPr>
+            <a:spLocks noGrp="1"/>
+          </p:cNvSpPr>
+          <p:nvPr>
+            <p:ph type="title"/>
+          </p:nvPr>
+        </p:nvSpPr>
+        <p:spPr/>
+        <p:txBody>
+          <a:bodyPr/>
+          <a:lstStyle/>
+          <a:p>
+            <a:r>
+              <a:rPr lang="it-IT" dirty="0" err="1"/>
+              <a:t>Disaggregated</a:t>
+            </a:r>
+            <a:r>
+              <a:rPr lang="it-IT" dirty="0"/>
+              <a:t> CGP-TS settings e </a:t>
+            </a:r>
+            <a:r>
+              <a:rPr lang="it-IT" dirty="0" err="1"/>
+              <a:t>result</a:t>
+            </a:r>
+            <a:endParaRPr lang="it-IT" dirty="0"/>
+          </a:p>
+        </p:txBody>
+      </p:sp>
+      <p:sp>
+        <p:nvSpPr>
+          <p:cNvPr id="4" name="Segnaposto numero diapositiva 3">
+            <a:extLst>
+              <a:ext uri="{FF2B5EF4-FFF2-40B4-BE49-F238E27FC236}">
+                <a16:creationId xmlns:a16="http://schemas.microsoft.com/office/drawing/2014/main" id="{1F8A56B3-2B86-4E8F-A86D-A1CE03FF3188}"/>
+              </a:ext>
+            </a:extLst>
+          </p:cNvPr>
+          <p:cNvSpPr>
+            <a:spLocks noGrp="1"/>
+          </p:cNvSpPr>
+          <p:nvPr>
+            <p:ph type="sldNum" sz="quarter" idx="10"/>
+          </p:nvPr>
+        </p:nvSpPr>
+        <p:spPr/>
+        <p:txBody>
+          <a:bodyPr/>
+          <a:lstStyle/>
+          <a:p>
+            <a:fld id="{FE575B20-646B-44A6-B32B-8B9F7AC502D9}" type="slidenum">
+              <a:rPr lang="it-IT" altLang="en-US" smtClean="0"/>
+              <a:pPr/>
+              <a:t>21</a:t>
+            </a:fld>
+            <a:endParaRPr lang="it-IT" altLang="en-US" dirty="0"/>
+          </a:p>
+        </p:txBody>
+      </p:sp>
+      <p:pic>
+        <p:nvPicPr>
+          <p:cNvPr id="5" name="Immagine 4">
+            <a:extLst>
+              <a:ext uri="{FF2B5EF4-FFF2-40B4-BE49-F238E27FC236}">
+                <a16:creationId xmlns:a16="http://schemas.microsoft.com/office/drawing/2014/main" id="{2A919CF5-C294-4C42-99BE-E92D12345CFA}"/>
+              </a:ext>
+            </a:extLst>
+          </p:cNvPr>
+          <p:cNvPicPr>
+            <a:picLocks noChangeAspect="1"/>
+          </p:cNvPicPr>
+          <p:nvPr/>
+        </p:nvPicPr>
+        <p:blipFill>
+          <a:blip r:embed="rId2"/>
+          <a:stretch>
+            <a:fillRect/>
+          </a:stretch>
+        </p:blipFill>
+        <p:spPr>
+          <a:xfrm>
+            <a:off x="251520" y="1124744"/>
+            <a:ext cx="4456826" cy="5322540"/>
+          </a:xfrm>
+          <a:prstGeom prst="rect">
+            <a:avLst/>
+          </a:prstGeom>
+        </p:spPr>
+      </p:pic>
+      <p:sp>
+        <p:nvSpPr>
+          <p:cNvPr id="6" name="CasellaDiTesto 5">
+            <a:extLst>
+              <a:ext uri="{FF2B5EF4-FFF2-40B4-BE49-F238E27FC236}">
+                <a16:creationId xmlns:a16="http://schemas.microsoft.com/office/drawing/2014/main" id="{BD98833B-5A7C-499D-9EBB-EE05A9B6B340}"/>
+              </a:ext>
+            </a:extLst>
+          </p:cNvPr>
+          <p:cNvSpPr txBox="1"/>
+          <p:nvPr/>
+        </p:nvSpPr>
+        <p:spPr>
+          <a:xfrm>
+            <a:off x="4864824" y="1124744"/>
+            <a:ext cx="3523600" cy="2653034"/>
+          </a:xfrm>
+          <a:prstGeom prst="rect">
+            <a:avLst/>
+          </a:prstGeom>
+          <a:noFill/>
+        </p:spPr>
+        <p:txBody>
+          <a:bodyPr wrap="square" rtlCol="0">
+            <a:spAutoFit/>
+          </a:bodyPr>
+          <a:lstStyle/>
+          <a:p>
+            <a:pPr marL="285750" indent="-285750" algn="l">
+              <a:buFont typeface="Arial" panose="020B0604020202020204" pitchFamily="34" charset="0"/>
+              <a:buChar char="•"/>
+            </a:pPr>
+            <a:r>
+              <a:rPr lang="it-IT" sz="1600" dirty="0" err="1"/>
+              <a:t>Given</a:t>
+            </a:r>
+            <a:r>
+              <a:rPr lang="it-IT" sz="1600" dirty="0"/>
+              <a:t> </a:t>
+            </a:r>
+            <a:r>
+              <a:rPr lang="it-IT" sz="1600" dirty="0" err="1"/>
+              <a:t>those</a:t>
+            </a:r>
+            <a:r>
+              <a:rPr lang="it-IT" sz="1600" dirty="0"/>
+              <a:t> settings and for </a:t>
+            </a:r>
+            <a:r>
+              <a:rPr lang="it-IT" sz="1600" dirty="0" err="1"/>
+              <a:t>computational</a:t>
+            </a:r>
+            <a:r>
+              <a:rPr lang="it-IT" sz="1600" dirty="0"/>
+              <a:t> </a:t>
+            </a:r>
+            <a:r>
+              <a:rPr lang="it-IT" sz="1600" dirty="0" err="1"/>
+              <a:t>reason</a:t>
+            </a:r>
+            <a:r>
+              <a:rPr lang="it-IT" sz="1600" dirty="0"/>
+              <a:t> </a:t>
+            </a:r>
+            <a:r>
+              <a:rPr lang="it-IT" sz="1600" dirty="0" err="1"/>
+              <a:t>we</a:t>
+            </a:r>
+            <a:r>
+              <a:rPr lang="it-IT" sz="1600" dirty="0"/>
+              <a:t> </a:t>
+            </a:r>
+            <a:r>
+              <a:rPr lang="it-IT" sz="1600" dirty="0" err="1"/>
+              <a:t>have</a:t>
+            </a:r>
+            <a:r>
+              <a:rPr lang="it-IT" sz="1600" dirty="0"/>
+              <a:t> </a:t>
+            </a:r>
+            <a:r>
+              <a:rPr lang="it-IT" sz="1600" dirty="0" err="1"/>
+              <a:t>decided</a:t>
+            </a:r>
+            <a:r>
+              <a:rPr lang="it-IT" sz="1600" dirty="0"/>
+              <a:t> to </a:t>
+            </a:r>
+            <a:r>
+              <a:rPr lang="it-IT" sz="1600" dirty="0" err="1"/>
+              <a:t>analize</a:t>
+            </a:r>
+            <a:r>
+              <a:rPr lang="it-IT" sz="1600" dirty="0"/>
+              <a:t> </a:t>
+            </a:r>
+            <a:r>
+              <a:rPr lang="it-IT" sz="1600" u="sng" dirty="0" err="1"/>
+              <a:t>only</a:t>
+            </a:r>
+            <a:r>
+              <a:rPr lang="it-IT" sz="1600" dirty="0"/>
+              <a:t> the first sub-</a:t>
+            </a:r>
+            <a:r>
+              <a:rPr lang="it-IT" sz="1600" dirty="0" err="1"/>
+              <a:t>campaign</a:t>
+            </a:r>
+            <a:r>
+              <a:rPr lang="it-IT" sz="1600" dirty="0"/>
+              <a:t>, Google.</a:t>
+            </a:r>
+          </a:p>
+          <a:p>
+            <a:pPr marL="285750" indent="-285750" algn="l">
+              <a:buFont typeface="Arial" panose="020B0604020202020204" pitchFamily="34" charset="0"/>
+              <a:buChar char="•"/>
+            </a:pPr>
+            <a:endParaRPr lang="it-IT" sz="1600" dirty="0"/>
+          </a:p>
+          <a:p>
+            <a:pPr marL="285750" indent="-285750" algn="l">
+              <a:buFont typeface="Arial" panose="020B0604020202020204" pitchFamily="34" charset="0"/>
+              <a:buChar char="•"/>
+            </a:pPr>
+            <a:r>
+              <a:rPr lang="it-IT" sz="1600" dirty="0"/>
+              <a:t>The </a:t>
+            </a:r>
+            <a:r>
+              <a:rPr lang="it-IT" sz="1600" dirty="0" err="1"/>
+              <a:t>algorithm</a:t>
+            </a:r>
+            <a:r>
+              <a:rPr lang="it-IT" sz="1600" dirty="0"/>
+              <a:t> </a:t>
+            </a:r>
+            <a:r>
+              <a:rPr lang="it-IT" sz="1600" dirty="0" err="1"/>
+              <a:t>has</a:t>
+            </a:r>
+            <a:r>
+              <a:rPr lang="it-IT" sz="1600" dirty="0"/>
+              <a:t> </a:t>
+            </a:r>
+            <a:r>
+              <a:rPr lang="it-IT" sz="1600" dirty="0" err="1"/>
+              <a:t>choosen</a:t>
+            </a:r>
+            <a:r>
+              <a:rPr lang="it-IT" sz="1600" dirty="0"/>
+              <a:t> in </a:t>
+            </a:r>
+            <a:r>
+              <a:rPr lang="it-IT" sz="1600" dirty="0" err="1"/>
+              <a:t>average</a:t>
+            </a:r>
+            <a:r>
+              <a:rPr lang="it-IT" sz="1600" dirty="0"/>
+              <a:t> to disaggregate the first time </a:t>
+            </a:r>
+            <a:r>
+              <a:rPr lang="it-IT" sz="1600" dirty="0" err="1"/>
+              <a:t>around</a:t>
+            </a:r>
+            <a:r>
+              <a:rPr lang="it-IT" sz="1600" dirty="0"/>
+              <a:t> the 14</a:t>
+            </a:r>
+            <a:r>
+              <a:rPr lang="it-IT" sz="1600" baseline="30000" dirty="0"/>
+              <a:t>th </a:t>
+            </a:r>
+            <a:r>
+              <a:rPr lang="it-IT" sz="1600" dirty="0"/>
+              <a:t>and the 21</a:t>
+            </a:r>
+            <a:r>
+              <a:rPr lang="it-IT" sz="1600" baseline="30000" dirty="0"/>
+              <a:t>th </a:t>
+            </a:r>
+            <a:r>
+              <a:rPr lang="it-IT" sz="1600" dirty="0"/>
+              <a:t>day, and the second time </a:t>
+            </a:r>
+            <a:r>
+              <a:rPr lang="it-IT" sz="1600" dirty="0" err="1"/>
+              <a:t>around</a:t>
+            </a:r>
+            <a:r>
+              <a:rPr lang="it-IT" sz="1600" dirty="0"/>
+              <a:t> the 28</a:t>
+            </a:r>
+            <a:r>
+              <a:rPr lang="it-IT" sz="1600" baseline="30000" dirty="0"/>
+              <a:t>th</a:t>
+            </a:r>
+            <a:r>
+              <a:rPr lang="it-IT" sz="1600" dirty="0"/>
+              <a:t> and 42</a:t>
+            </a:r>
+            <a:r>
+              <a:rPr lang="it-IT" sz="1600" baseline="30000" dirty="0"/>
+              <a:t>th</a:t>
+            </a:r>
+            <a:r>
+              <a:rPr lang="it-IT" sz="1600" dirty="0"/>
+              <a:t> day.</a:t>
+            </a:r>
+          </a:p>
+        </p:txBody>
+      </p:sp>
+      <p:sp>
+        <p:nvSpPr>
+          <p:cNvPr id="7" name="Rettangolo 6">
+            <a:extLst>
+              <a:ext uri="{FF2B5EF4-FFF2-40B4-BE49-F238E27FC236}">
+                <a16:creationId xmlns:a16="http://schemas.microsoft.com/office/drawing/2014/main" id="{ED22DFD8-4E2B-490F-9412-E9791E9CE503}"/>
+              </a:ext>
+            </a:extLst>
+          </p:cNvPr>
+          <p:cNvSpPr/>
+          <p:nvPr/>
+        </p:nvSpPr>
+        <p:spPr bwMode="auto">
+          <a:xfrm>
+            <a:off x="719138" y="6613525"/>
+            <a:ext cx="4140894" cy="244475"/>
+          </a:xfrm>
+          <a:prstGeom prst="rect">
+            <a:avLst/>
+          </a:prstGeom>
+          <a:solidFill>
+            <a:schemeClr val="accent3"/>
+          </a:solidFill>
+          <a:ln>
+            <a:noFill/>
+          </a:ln>
+          <a:effectLst/>
+        </p:spPr>
+        <p:txBody>
+          <a:bodyPr vert="horz" wrap="square" lIns="0" tIns="0" rIns="0" bIns="0" numCol="1" rtlCol="0" anchor="t" anchorCtr="0" compatLnSpc="1">
+            <a:prstTxWarp prst="textNoShape">
+              <a:avLst/>
+            </a:prstTxWarp>
+          </a:bodyPr>
+          <a:lstStyle/>
+          <a:p>
+            <a:pPr marL="0" marR="0" indent="0" algn="ctr" defTabSz="914400" rtl="0" eaLnBrk="0" fontAlgn="base" latinLnBrk="0" hangingPunct="0">
+              <a:lnSpc>
+                <a:spcPct val="100000"/>
+              </a:lnSpc>
+              <a:spcBef>
+                <a:spcPct val="20000"/>
+              </a:spcBef>
+              <a:spcAft>
+                <a:spcPct val="0"/>
+              </a:spcAft>
+              <a:buClrTx/>
+              <a:buSzTx/>
+              <a:buFontTx/>
+              <a:buNone/>
+              <a:tabLst/>
+            </a:pPr>
+            <a:endParaRPr kumimoji="0" lang="it-IT" sz="2400" b="0" i="0" u="none" strike="noStrike" cap="none" normalizeH="0" baseline="0">
+              <a:ln>
+                <a:noFill/>
+              </a:ln>
+              <a:solidFill>
+                <a:schemeClr val="tx1"/>
+              </a:solidFill>
+              <a:effectLst/>
+              <a:latin typeface="Arial" panose="020B0604020202020204" pitchFamily="34" charset="0"/>
+            </a:endParaRPr>
+          </a:p>
+        </p:txBody>
+      </p:sp>
+      <p:pic>
+        <p:nvPicPr>
+          <p:cNvPr id="8" name="Immagine 7">
+            <a:extLst>
+              <a:ext uri="{FF2B5EF4-FFF2-40B4-BE49-F238E27FC236}">
+                <a16:creationId xmlns:a16="http://schemas.microsoft.com/office/drawing/2014/main" id="{754B267E-0F50-4A10-89AD-CD0368FF63EC}"/>
+              </a:ext>
+            </a:extLst>
+          </p:cNvPr>
+          <p:cNvPicPr>
+            <a:picLocks noChangeAspect="1"/>
+          </p:cNvPicPr>
+          <p:nvPr/>
+        </p:nvPicPr>
+        <p:blipFill>
+          <a:blip r:embed="rId3"/>
+          <a:stretch>
+            <a:fillRect/>
+          </a:stretch>
+        </p:blipFill>
+        <p:spPr>
+          <a:xfrm>
+            <a:off x="5867510" y="3933056"/>
+            <a:ext cx="1518227" cy="2204307"/>
+          </a:xfrm>
+          <a:prstGeom prst="rect">
+            <a:avLst/>
+          </a:prstGeom>
+        </p:spPr>
+      </p:pic>
+    </p:spTree>
+    <p:extLst>
+      <p:ext uri="{BB962C8B-B14F-4D97-AF65-F5344CB8AC3E}">
+        <p14:creationId xmlns:p14="http://schemas.microsoft.com/office/powerpoint/2010/main" val="3604182515"/>
+      </p:ext>
+    </p:extLst>
+  </p:cSld>
+  <p:clrMapOvr>
+    <a:masterClrMapping/>
+  </p:clrMapOvr>
+</p:sld>
+</file>
+
+<file path=ppt/slides/slide22.xml><?xml version="1.0" encoding="utf-8"?>
+<p:sld xmlns:a="http://schemas.openxmlformats.org/drawingml/2006/main" xmlns:r="http://schemas.openxmlformats.org/officeDocument/2006/relationships" xmlns:p="http://schemas.openxmlformats.org/presentationml/2006/main">
+  <p:cSld>
+    <p:spTree>
+      <p:nvGrpSpPr>
+        <p:cNvPr id="1" name=""/>
+        <p:cNvGrpSpPr/>
+        <p:nvPr/>
+      </p:nvGrpSpPr>
+      <p:grpSpPr>
+        <a:xfrm>
+          <a:off x="0" y="0"/>
+          <a:ext cx="0" cy="0"/>
+          <a:chOff x="0" y="0"/>
+          <a:chExt cx="0" cy="0"/>
+        </a:xfrm>
+      </p:grpSpPr>
+      <p:sp>
+        <p:nvSpPr>
+          <p:cNvPr id="2" name="Titolo 1">
+            <a:extLst>
+              <a:ext uri="{FF2B5EF4-FFF2-40B4-BE49-F238E27FC236}">
+                <a16:creationId xmlns:a16="http://schemas.microsoft.com/office/drawing/2014/main" id="{B60A732B-C642-4BF1-A57B-3418AC3AC616}"/>
+              </a:ext>
+            </a:extLst>
+          </p:cNvPr>
+          <p:cNvSpPr>
+            <a:spLocks noGrp="1"/>
+          </p:cNvSpPr>
+          <p:nvPr>
+            <p:ph type="title"/>
+          </p:nvPr>
+        </p:nvSpPr>
+        <p:spPr/>
+        <p:txBody>
+          <a:bodyPr/>
+          <a:lstStyle/>
+          <a:p>
+            <a:r>
+              <a:rPr lang="it-IT" dirty="0" err="1"/>
+              <a:t>Disaggregated</a:t>
+            </a:r>
+            <a:r>
+              <a:rPr lang="it-IT" dirty="0"/>
+              <a:t> CGP-TS performance </a:t>
+            </a:r>
+            <a:r>
+              <a:rPr lang="it-IT" dirty="0" err="1"/>
+              <a:t>graphs</a:t>
+            </a:r>
+            <a:endParaRPr lang="it-IT" dirty="0"/>
+          </a:p>
+        </p:txBody>
+      </p:sp>
+      <p:sp>
+        <p:nvSpPr>
+          <p:cNvPr id="4" name="Segnaposto numero diapositiva 3">
+            <a:extLst>
+              <a:ext uri="{FF2B5EF4-FFF2-40B4-BE49-F238E27FC236}">
+                <a16:creationId xmlns:a16="http://schemas.microsoft.com/office/drawing/2014/main" id="{2D960EA3-52B7-4BC9-AC3B-364425E6DD70}"/>
+              </a:ext>
+            </a:extLst>
+          </p:cNvPr>
+          <p:cNvSpPr>
+            <a:spLocks noGrp="1"/>
+          </p:cNvSpPr>
+          <p:nvPr>
+            <p:ph type="sldNum" sz="quarter" idx="10"/>
+          </p:nvPr>
+        </p:nvSpPr>
+        <p:spPr/>
+        <p:txBody>
+          <a:bodyPr/>
+          <a:lstStyle/>
+          <a:p>
+            <a:fld id="{FE575B20-646B-44A6-B32B-8B9F7AC502D9}" type="slidenum">
+              <a:rPr lang="it-IT" altLang="en-US" smtClean="0"/>
+              <a:pPr/>
+              <a:t>22</a:t>
+            </a:fld>
+            <a:endParaRPr lang="it-IT" altLang="en-US" dirty="0"/>
+          </a:p>
+        </p:txBody>
+      </p:sp>
+      <p:pic>
+        <p:nvPicPr>
+          <p:cNvPr id="5" name="Immagine 4">
+            <a:extLst>
+              <a:ext uri="{FF2B5EF4-FFF2-40B4-BE49-F238E27FC236}">
+                <a16:creationId xmlns:a16="http://schemas.microsoft.com/office/drawing/2014/main" id="{3A596B5F-7754-4954-87F3-D24E37F3619F}"/>
+              </a:ext>
+            </a:extLst>
+          </p:cNvPr>
+          <p:cNvPicPr>
+            <a:picLocks noChangeAspect="1"/>
+          </p:cNvPicPr>
+          <p:nvPr/>
+        </p:nvPicPr>
+        <p:blipFill>
+          <a:blip r:embed="rId2"/>
+          <a:stretch>
+            <a:fillRect/>
+          </a:stretch>
+        </p:blipFill>
+        <p:spPr>
+          <a:xfrm>
+            <a:off x="137016" y="3284984"/>
+            <a:ext cx="4202163" cy="3115777"/>
+          </a:xfrm>
+          <a:prstGeom prst="rect">
+            <a:avLst/>
+          </a:prstGeom>
+        </p:spPr>
+      </p:pic>
+      <p:sp>
+        <p:nvSpPr>
+          <p:cNvPr id="6" name="Rettangolo 5">
+            <a:extLst>
+              <a:ext uri="{FF2B5EF4-FFF2-40B4-BE49-F238E27FC236}">
+                <a16:creationId xmlns:a16="http://schemas.microsoft.com/office/drawing/2014/main" id="{FE83BFC8-D562-41E6-B6A9-8BF87CE737CE}"/>
+              </a:ext>
+            </a:extLst>
+          </p:cNvPr>
+          <p:cNvSpPr/>
+          <p:nvPr/>
+        </p:nvSpPr>
+        <p:spPr bwMode="auto">
+          <a:xfrm>
+            <a:off x="719138" y="6613525"/>
+            <a:ext cx="4140894" cy="244475"/>
+          </a:xfrm>
+          <a:prstGeom prst="rect">
+            <a:avLst/>
+          </a:prstGeom>
+          <a:solidFill>
+            <a:schemeClr val="accent3"/>
+          </a:solidFill>
+          <a:ln>
+            <a:noFill/>
+          </a:ln>
+          <a:effectLst/>
+        </p:spPr>
+        <p:txBody>
+          <a:bodyPr vert="horz" wrap="square" lIns="0" tIns="0" rIns="0" bIns="0" numCol="1" rtlCol="0" anchor="t" anchorCtr="0" compatLnSpc="1">
+            <a:prstTxWarp prst="textNoShape">
+              <a:avLst/>
+            </a:prstTxWarp>
+          </a:bodyPr>
+          <a:lstStyle/>
+          <a:p>
+            <a:pPr marL="0" marR="0" indent="0" algn="ctr" defTabSz="914400" rtl="0" eaLnBrk="0" fontAlgn="base" latinLnBrk="0" hangingPunct="0">
+              <a:lnSpc>
+                <a:spcPct val="100000"/>
+              </a:lnSpc>
+              <a:spcBef>
+                <a:spcPct val="20000"/>
+              </a:spcBef>
+              <a:spcAft>
+                <a:spcPct val="0"/>
+              </a:spcAft>
+              <a:buClrTx/>
+              <a:buSzTx/>
+              <a:buFontTx/>
+              <a:buNone/>
+              <a:tabLst/>
+            </a:pPr>
+            <a:endParaRPr kumimoji="0" lang="it-IT" sz="2400" b="0" i="0" u="none" strike="noStrike" cap="none" normalizeH="0" baseline="0">
+              <a:ln>
+                <a:noFill/>
+              </a:ln>
+              <a:solidFill>
+                <a:schemeClr val="tx1"/>
+              </a:solidFill>
+              <a:effectLst/>
+              <a:latin typeface="Arial" panose="020B0604020202020204" pitchFamily="34" charset="0"/>
+            </a:endParaRPr>
+          </a:p>
+        </p:txBody>
+      </p:sp>
+      <p:pic>
+        <p:nvPicPr>
+          <p:cNvPr id="7" name="Immagine 6">
+            <a:extLst>
+              <a:ext uri="{FF2B5EF4-FFF2-40B4-BE49-F238E27FC236}">
+                <a16:creationId xmlns:a16="http://schemas.microsoft.com/office/drawing/2014/main" id="{6B174539-025E-4517-B141-34C107279DDA}"/>
+              </a:ext>
+            </a:extLst>
+          </p:cNvPr>
+          <p:cNvPicPr>
+            <a:picLocks noChangeAspect="1"/>
+          </p:cNvPicPr>
+          <p:nvPr/>
+        </p:nvPicPr>
+        <p:blipFill>
+          <a:blip r:embed="rId3"/>
+          <a:stretch>
+            <a:fillRect/>
+          </a:stretch>
+        </p:blipFill>
+        <p:spPr>
+          <a:xfrm>
+            <a:off x="4613851" y="3284985"/>
+            <a:ext cx="4178885" cy="3115776"/>
+          </a:xfrm>
+          <a:prstGeom prst="rect">
+            <a:avLst/>
+          </a:prstGeom>
+        </p:spPr>
+      </p:pic>
+      <p:sp>
+        <p:nvSpPr>
+          <p:cNvPr id="8" name="CasellaDiTesto 7">
+            <a:extLst>
+              <a:ext uri="{FF2B5EF4-FFF2-40B4-BE49-F238E27FC236}">
+                <a16:creationId xmlns:a16="http://schemas.microsoft.com/office/drawing/2014/main" id="{671B87BA-17DB-4921-B396-A49469F5DF2B}"/>
+              </a:ext>
+            </a:extLst>
+          </p:cNvPr>
+          <p:cNvSpPr txBox="1"/>
+          <p:nvPr/>
+        </p:nvSpPr>
+        <p:spPr>
+          <a:xfrm>
+            <a:off x="451129" y="2669901"/>
+            <a:ext cx="2582758" cy="369332"/>
+          </a:xfrm>
+          <a:prstGeom prst="rect">
+            <a:avLst/>
+          </a:prstGeom>
+          <a:noFill/>
+        </p:spPr>
+        <p:txBody>
+          <a:bodyPr wrap="none" rtlCol="0">
+            <a:spAutoFit/>
+          </a:bodyPr>
+          <a:lstStyle/>
+          <a:p>
+            <a:pPr marL="342900" indent="-342900" algn="l">
+              <a:buFont typeface="Arial" panose="020B0604020202020204" pitchFamily="34" charset="0"/>
+              <a:buChar char="•"/>
+            </a:pPr>
+            <a:r>
+              <a:rPr lang="it-IT" sz="1800" dirty="0" err="1"/>
+              <a:t>Reward</a:t>
+            </a:r>
+            <a:r>
+              <a:rPr lang="it-IT" sz="1800" dirty="0"/>
+              <a:t> </a:t>
+            </a:r>
+            <a:r>
+              <a:rPr lang="it-IT" sz="1800" dirty="0" err="1"/>
+              <a:t>comparison</a:t>
+            </a:r>
+            <a:endParaRPr lang="it-IT" sz="1800" dirty="0"/>
+          </a:p>
+        </p:txBody>
+      </p:sp>
+      <p:sp>
+        <p:nvSpPr>
+          <p:cNvPr id="9" name="CasellaDiTesto 8">
+            <a:extLst>
+              <a:ext uri="{FF2B5EF4-FFF2-40B4-BE49-F238E27FC236}">
+                <a16:creationId xmlns:a16="http://schemas.microsoft.com/office/drawing/2014/main" id="{D1D0CD37-C13D-46A7-BD59-0F10B4B93873}"/>
+              </a:ext>
+            </a:extLst>
+          </p:cNvPr>
+          <p:cNvSpPr txBox="1"/>
+          <p:nvPr/>
+        </p:nvSpPr>
+        <p:spPr>
+          <a:xfrm>
+            <a:off x="4843617" y="2669901"/>
+            <a:ext cx="2480166" cy="369332"/>
+          </a:xfrm>
+          <a:prstGeom prst="rect">
+            <a:avLst/>
+          </a:prstGeom>
+          <a:noFill/>
+        </p:spPr>
+        <p:txBody>
+          <a:bodyPr wrap="none" rtlCol="0">
+            <a:spAutoFit/>
+          </a:bodyPr>
+          <a:lstStyle/>
+          <a:p>
+            <a:pPr marL="342900" indent="-342900" algn="l">
+              <a:buFont typeface="Arial" panose="020B0604020202020204" pitchFamily="34" charset="0"/>
+              <a:buChar char="•"/>
+            </a:pPr>
+            <a:r>
+              <a:rPr lang="it-IT" sz="1800" dirty="0" err="1"/>
+              <a:t>Regret</a:t>
+            </a:r>
+            <a:r>
+              <a:rPr lang="it-IT" sz="1800" dirty="0"/>
+              <a:t> </a:t>
+            </a:r>
+            <a:r>
+              <a:rPr lang="it-IT" sz="1800" dirty="0" err="1"/>
+              <a:t>comparison</a:t>
+            </a:r>
+            <a:endParaRPr lang="it-IT" sz="1800" dirty="0"/>
+          </a:p>
+        </p:txBody>
+      </p:sp>
+      <p:sp>
+        <p:nvSpPr>
+          <p:cNvPr id="10" name="CasellaDiTesto 9">
+            <a:extLst>
+              <a:ext uri="{FF2B5EF4-FFF2-40B4-BE49-F238E27FC236}">
+                <a16:creationId xmlns:a16="http://schemas.microsoft.com/office/drawing/2014/main" id="{13BCA9D0-DBAA-4F26-86F2-0CD92874124F}"/>
+              </a:ext>
+            </a:extLst>
+          </p:cNvPr>
+          <p:cNvSpPr txBox="1"/>
+          <p:nvPr/>
+        </p:nvSpPr>
+        <p:spPr>
+          <a:xfrm>
+            <a:off x="688362" y="1268760"/>
+            <a:ext cx="5525872" cy="1034129"/>
+          </a:xfrm>
+          <a:prstGeom prst="rect">
+            <a:avLst/>
+          </a:prstGeom>
+          <a:noFill/>
+        </p:spPr>
+        <p:txBody>
+          <a:bodyPr wrap="none" rtlCol="0">
+            <a:spAutoFit/>
+          </a:bodyPr>
+          <a:lstStyle/>
+          <a:p>
+            <a:pPr marL="285750" indent="-285750" algn="l">
+              <a:buFont typeface="Arial" panose="020B0604020202020204" pitchFamily="34" charset="0"/>
+              <a:buChar char="•"/>
+            </a:pPr>
+            <a:r>
+              <a:rPr lang="it-IT" sz="1800" dirty="0"/>
+              <a:t>Maximum </a:t>
+            </a:r>
+            <a:r>
+              <a:rPr lang="it-IT" sz="1800" dirty="0" err="1"/>
+              <a:t>Clairvoyant</a:t>
+            </a:r>
+            <a:r>
+              <a:rPr lang="it-IT" sz="1800" dirty="0"/>
+              <a:t> </a:t>
+            </a:r>
+            <a:r>
+              <a:rPr lang="it-IT" sz="1800" dirty="0" err="1"/>
+              <a:t>algorithm</a:t>
+            </a:r>
+            <a:r>
+              <a:rPr lang="it-IT" sz="1800" dirty="0"/>
+              <a:t> </a:t>
+            </a:r>
+            <a:r>
+              <a:rPr lang="it-IT" sz="1800" dirty="0" err="1"/>
+              <a:t>value</a:t>
+            </a:r>
+            <a:r>
+              <a:rPr lang="it-IT" sz="1800" dirty="0"/>
+              <a:t> : 183 clicks</a:t>
+            </a:r>
+          </a:p>
+          <a:p>
+            <a:pPr marL="285750" indent="-285750" algn="l">
+              <a:buFont typeface="Arial" panose="020B0604020202020204" pitchFamily="34" charset="0"/>
+              <a:buChar char="•"/>
+            </a:pPr>
+            <a:endParaRPr lang="it-IT" sz="1800" dirty="0"/>
+          </a:p>
+          <a:p>
+            <a:pPr marL="285750" indent="-285750" algn="l">
+              <a:buFont typeface="Arial" panose="020B0604020202020204" pitchFamily="34" charset="0"/>
+              <a:buChar char="•"/>
+            </a:pPr>
+            <a:r>
+              <a:rPr lang="it-IT" sz="1800" dirty="0" err="1"/>
+              <a:t>Avg</a:t>
+            </a:r>
+            <a:r>
+              <a:rPr lang="it-IT" sz="1800" dirty="0"/>
+              <a:t> </a:t>
+            </a:r>
+            <a:r>
+              <a:rPr lang="it-IT" sz="1800" dirty="0" err="1"/>
+              <a:t>values</a:t>
+            </a:r>
+            <a:r>
+              <a:rPr lang="it-IT" sz="1800" dirty="0"/>
+              <a:t> : ~143 clicks vs ~ 170 clicks</a:t>
+            </a:r>
+          </a:p>
+        </p:txBody>
+      </p:sp>
+    </p:spTree>
+    <p:extLst>
+      <p:ext uri="{BB962C8B-B14F-4D97-AF65-F5344CB8AC3E}">
+        <p14:creationId xmlns:p14="http://schemas.microsoft.com/office/powerpoint/2010/main" val="3572441266"/>
+      </p:ext>
+    </p:extLst>
+  </p:cSld>
+  <p:clrMapOvr>
+    <a:masterClrMapping/>
+  </p:clrMapOvr>
+</p:sld>
+</file>
+
 <file path=ppt/slides/slide3.xml><?xml version="1.0" encoding="utf-8"?>
 <p:sld xmlns:a="http://schemas.openxmlformats.org/drawingml/2006/main" xmlns:r="http://schemas.openxmlformats.org/officeDocument/2006/relationships" xmlns:p="http://schemas.openxmlformats.org/presentationml/2006/main">
   <p:cSld>
@@ -10269,14 +11619,14 @@
               <a:buChar char="•"/>
             </a:pPr>
             <a:r>
-              <a:rPr lang="en-GB" sz="1200" i="1" dirty="0">
+              <a:rPr lang="en-GB" sz="1800" i="1" dirty="0">
                 <a:latin typeface="Arial" panose="020B0604020202020204" pitchFamily="34" charset="0"/>
                 <a:cs typeface="Arial" panose="020B0604020202020204" pitchFamily="34" charset="0"/>
               </a:rPr>
               <a:t>Voice interaction, music playback, making to-do lists, setting alarms, streaming podcasts, in addition to providing weather, traffic and other real-time information</a:t>
             </a:r>
             <a:r>
-              <a:rPr lang="en-GB" sz="1200" i="1" dirty="0">
+              <a:rPr lang="en-GB" sz="1800" i="1" dirty="0">
                 <a:solidFill>
                   <a:srgbClr val="003F6E"/>
                 </a:solidFill>
@@ -10301,7 +11651,7 @@
               <a:buChar char="•"/>
             </a:pPr>
             <a:r>
-              <a:rPr lang="en-GB" sz="1200" i="1" dirty="0">
+              <a:rPr lang="en-GB" sz="1800" i="1" dirty="0">
                 <a:latin typeface="Arial"/>
                 <a:cs typeface="Arial"/>
               </a:rPr>

--- a/advertising_presentation.pptx
+++ b/advertising_presentation.pptx
@@ -5831,7 +5831,15 @@
             </a:r>
             <a:r>
               <a:rPr lang="it-IT" dirty="0"/>
-              <a:t> an </a:t>
+              <a:t> a sample for </a:t>
+            </a:r>
+            <a:r>
+              <a:rPr lang="it-IT" dirty="0" err="1"/>
+              <a:t>each</a:t>
+            </a:r>
+            <a:r>
+              <a:rPr lang="it-IT" dirty="0"/>
+              <a:t> </a:t>
             </a:r>
             <a:r>
               <a:rPr lang="it-IT" dirty="0" err="1"/>
@@ -5852,22 +5860,6 @@
             <a:r>
               <a:rPr lang="it-IT" dirty="0" err="1"/>
               <a:t>learner</a:t>
-            </a:r>
-            <a:r>
-              <a:rPr lang="it-IT" dirty="0"/>
-              <a:t>, </a:t>
-            </a:r>
-            <a:r>
-              <a:rPr lang="it-IT" dirty="0" err="1"/>
-              <a:t>accordin</a:t>
-            </a:r>
-            <a:r>
-              <a:rPr lang="it-IT" dirty="0"/>
-              <a:t> to </a:t>
-            </a:r>
-            <a:r>
-              <a:rPr lang="it-IT" dirty="0" err="1"/>
-              <a:t>constraints</a:t>
             </a:r>
             <a:r>
               <a:rPr lang="it-IT" dirty="0"/>
@@ -9117,19 +9109,27 @@
             </a:r>
             <a:r>
               <a:rPr lang="it-IT" sz="1600" dirty="0"/>
-              <a:t>  3,5,10, to be </a:t>
-            </a:r>
-            <a:r>
-              <a:rPr lang="it-IT" sz="1600" dirty="0" err="1"/>
-              <a:t>powered</a:t>
+              <a:t>  3</a:t>
+            </a:r>
+            <a:r>
+              <a:rPr lang="it-IT" sz="1600" baseline="30000" dirty="0"/>
+              <a:t>2</a:t>
             </a:r>
             <a:r>
               <a:rPr lang="it-IT" sz="1600" dirty="0"/>
-              <a:t> by </a:t>
-            </a:r>
-            <a:r>
-              <a:rPr lang="it-IT" sz="1600" dirty="0" err="1"/>
-              <a:t>two</a:t>
+              <a:t>,5</a:t>
+            </a:r>
+            <a:r>
+              <a:rPr lang="it-IT" sz="1600" baseline="30000" dirty="0"/>
+              <a:t>2</a:t>
+            </a:r>
+            <a:r>
+              <a:rPr lang="it-IT" sz="1600" dirty="0"/>
+              <a:t>,10</a:t>
+            </a:r>
+            <a:r>
+              <a:rPr lang="it-IT" sz="1600" baseline="30000" dirty="0"/>
+              <a:t>2</a:t>
             </a:r>
             <a:r>
               <a:rPr lang="it-IT" sz="1600" dirty="0"/>
